--- a/INTERVAL TREE.pptx
+++ b/INTERVAL TREE.pptx
@@ -9,9 +9,12 @@
     <p:sldId id="654" r:id="rId3"/>
     <p:sldId id="658" r:id="rId4"/>
     <p:sldId id="660" r:id="rId5"/>
-    <p:sldId id="659" r:id="rId6"/>
-    <p:sldId id="656" r:id="rId7"/>
+    <p:sldId id="656" r:id="rId6"/>
+    <p:sldId id="661" r:id="rId7"/>
     <p:sldId id="655" r:id="rId8"/>
+    <p:sldId id="662" r:id="rId9"/>
+    <p:sldId id="659" r:id="rId10"/>
+    <p:sldId id="663" r:id="rId11"/>
   </p:sldIdLst>
   <p:sldSz cx="12192000" cy="6858000"/>
   <p:notesSz cx="6858000" cy="9144000"/>
@@ -140,7 +143,7 @@
           <p:cNvPr id="2" name="Title 1">
             <a:extLst>
               <a:ext uri="{FF2B5EF4-FFF2-40B4-BE49-F238E27FC236}">
-                <a16:creationId xmlns="" xmlns:a16="http://schemas.microsoft.com/office/drawing/2014/main" id="{771A0BF8-6686-4F02-AB36-9614142B369E}"/>
+                <a16:creationId xmlns:a16="http://schemas.microsoft.com/office/drawing/2014/main" xmlns="" id="{771A0BF8-6686-4F02-AB36-9614142B369E}"/>
               </a:ext>
             </a:extLst>
           </p:cNvPr>
@@ -178,7 +181,7 @@
           <p:cNvPr id="3" name="Subtitle 2">
             <a:extLst>
               <a:ext uri="{FF2B5EF4-FFF2-40B4-BE49-F238E27FC236}">
-                <a16:creationId xmlns="" xmlns:a16="http://schemas.microsoft.com/office/drawing/2014/main" id="{93B406FE-1165-421C-8D35-96F0CFEA6D51}"/>
+                <a16:creationId xmlns:a16="http://schemas.microsoft.com/office/drawing/2014/main" xmlns="" id="{93B406FE-1165-421C-8D35-96F0CFEA6D51}"/>
               </a:ext>
             </a:extLst>
           </p:cNvPr>
@@ -249,7 +252,7 @@
           <p:cNvPr id="4" name="Date Placeholder 3">
             <a:extLst>
               <a:ext uri="{FF2B5EF4-FFF2-40B4-BE49-F238E27FC236}">
-                <a16:creationId xmlns="" xmlns:a16="http://schemas.microsoft.com/office/drawing/2014/main" id="{DA7B22AA-13F6-430C-B5C3-3ED6A1325F28}"/>
+                <a16:creationId xmlns:a16="http://schemas.microsoft.com/office/drawing/2014/main" xmlns="" id="{DA7B22AA-13F6-430C-B5C3-3ED6A1325F28}"/>
               </a:ext>
             </a:extLst>
           </p:cNvPr>
@@ -267,7 +270,7 @@
           <a:p>
             <a:fld id="{1661375A-C223-44C8-917C-F7C3A1BCD50F}" type="datetimeFigureOut">
               <a:rPr lang="en-GB" smtClean="0"/>
-              <a:t>11/06/2019</a:t>
+              <a:t>02/07/2019</a:t>
             </a:fld>
             <a:endParaRPr lang="en-GB" dirty="0"/>
           </a:p>
@@ -278,7 +281,7 @@
           <p:cNvPr id="5" name="Footer Placeholder 4">
             <a:extLst>
               <a:ext uri="{FF2B5EF4-FFF2-40B4-BE49-F238E27FC236}">
-                <a16:creationId xmlns="" xmlns:a16="http://schemas.microsoft.com/office/drawing/2014/main" id="{12FB799C-1B8A-42C0-AD53-6DBEF2EC7EF6}"/>
+                <a16:creationId xmlns:a16="http://schemas.microsoft.com/office/drawing/2014/main" xmlns="" id="{12FB799C-1B8A-42C0-AD53-6DBEF2EC7EF6}"/>
               </a:ext>
             </a:extLst>
           </p:cNvPr>
@@ -303,7 +306,7 @@
           <p:cNvPr id="6" name="Slide Number Placeholder 5">
             <a:extLst>
               <a:ext uri="{FF2B5EF4-FFF2-40B4-BE49-F238E27FC236}">
-                <a16:creationId xmlns="" xmlns:a16="http://schemas.microsoft.com/office/drawing/2014/main" id="{8D8C035E-958A-44D5-9920-E77375E90336}"/>
+                <a16:creationId xmlns:a16="http://schemas.microsoft.com/office/drawing/2014/main" xmlns="" id="{8D8C035E-958A-44D5-9920-E77375E90336}"/>
               </a:ext>
             </a:extLst>
           </p:cNvPr>
@@ -362,7 +365,7 @@
           <p:cNvPr id="2" name="Title 1">
             <a:extLst>
               <a:ext uri="{FF2B5EF4-FFF2-40B4-BE49-F238E27FC236}">
-                <a16:creationId xmlns="" xmlns:a16="http://schemas.microsoft.com/office/drawing/2014/main" id="{81BE3A36-A7B5-4AED-90CE-DAABE341C72C}"/>
+                <a16:creationId xmlns:a16="http://schemas.microsoft.com/office/drawing/2014/main" xmlns="" id="{81BE3A36-A7B5-4AED-90CE-DAABE341C72C}"/>
               </a:ext>
             </a:extLst>
           </p:cNvPr>
@@ -391,7 +394,7 @@
           <p:cNvPr id="3" name="Vertical Text Placeholder 2">
             <a:extLst>
               <a:ext uri="{FF2B5EF4-FFF2-40B4-BE49-F238E27FC236}">
-                <a16:creationId xmlns="" xmlns:a16="http://schemas.microsoft.com/office/drawing/2014/main" id="{626DD818-2AC6-4AD8-ADB0-757AE6DE1FE6}"/>
+                <a16:creationId xmlns:a16="http://schemas.microsoft.com/office/drawing/2014/main" xmlns="" id="{626DD818-2AC6-4AD8-ADB0-757AE6DE1FE6}"/>
               </a:ext>
             </a:extLst>
           </p:cNvPr>
@@ -449,7 +452,7 @@
           <p:cNvPr id="4" name="Date Placeholder 3">
             <a:extLst>
               <a:ext uri="{FF2B5EF4-FFF2-40B4-BE49-F238E27FC236}">
-                <a16:creationId xmlns="" xmlns:a16="http://schemas.microsoft.com/office/drawing/2014/main" id="{1AB561BE-2670-413D-B85D-350DC6A08AAC}"/>
+                <a16:creationId xmlns:a16="http://schemas.microsoft.com/office/drawing/2014/main" xmlns="" id="{1AB561BE-2670-413D-B85D-350DC6A08AAC}"/>
               </a:ext>
             </a:extLst>
           </p:cNvPr>
@@ -467,7 +470,7 @@
           <a:p>
             <a:fld id="{1661375A-C223-44C8-917C-F7C3A1BCD50F}" type="datetimeFigureOut">
               <a:rPr lang="en-GB" smtClean="0"/>
-              <a:t>11/06/2019</a:t>
+              <a:t>02/07/2019</a:t>
             </a:fld>
             <a:endParaRPr lang="en-GB" dirty="0"/>
           </a:p>
@@ -478,7 +481,7 @@
           <p:cNvPr id="5" name="Footer Placeholder 4">
             <a:extLst>
               <a:ext uri="{FF2B5EF4-FFF2-40B4-BE49-F238E27FC236}">
-                <a16:creationId xmlns="" xmlns:a16="http://schemas.microsoft.com/office/drawing/2014/main" id="{8A7469BC-9B02-4F1D-9332-C52CAA6CD686}"/>
+                <a16:creationId xmlns:a16="http://schemas.microsoft.com/office/drawing/2014/main" xmlns="" id="{8A7469BC-9B02-4F1D-9332-C52CAA6CD686}"/>
               </a:ext>
             </a:extLst>
           </p:cNvPr>
@@ -503,7 +506,7 @@
           <p:cNvPr id="6" name="Slide Number Placeholder 5">
             <a:extLst>
               <a:ext uri="{FF2B5EF4-FFF2-40B4-BE49-F238E27FC236}">
-                <a16:creationId xmlns="" xmlns:a16="http://schemas.microsoft.com/office/drawing/2014/main" id="{B8F37A4D-841D-4B35-BD23-CCB82FC1C5BF}"/>
+                <a16:creationId xmlns:a16="http://schemas.microsoft.com/office/drawing/2014/main" xmlns="" id="{B8F37A4D-841D-4B35-BD23-CCB82FC1C5BF}"/>
               </a:ext>
             </a:extLst>
           </p:cNvPr>
@@ -562,7 +565,7 @@
           <p:cNvPr id="2" name="Vertical Title 1">
             <a:extLst>
               <a:ext uri="{FF2B5EF4-FFF2-40B4-BE49-F238E27FC236}">
-                <a16:creationId xmlns="" xmlns:a16="http://schemas.microsoft.com/office/drawing/2014/main" id="{F24028CB-78B2-414A-9948-C32EA4A46C81}"/>
+                <a16:creationId xmlns:a16="http://schemas.microsoft.com/office/drawing/2014/main" xmlns="" id="{F24028CB-78B2-414A-9948-C32EA4A46C81}"/>
               </a:ext>
             </a:extLst>
           </p:cNvPr>
@@ -596,7 +599,7 @@
           <p:cNvPr id="3" name="Vertical Text Placeholder 2">
             <a:extLst>
               <a:ext uri="{FF2B5EF4-FFF2-40B4-BE49-F238E27FC236}">
-                <a16:creationId xmlns="" xmlns:a16="http://schemas.microsoft.com/office/drawing/2014/main" id="{852AA2E1-9030-407F-A8FB-98BCFFFDF775}"/>
+                <a16:creationId xmlns:a16="http://schemas.microsoft.com/office/drawing/2014/main" xmlns="" id="{852AA2E1-9030-407F-A8FB-98BCFFFDF775}"/>
               </a:ext>
             </a:extLst>
           </p:cNvPr>
@@ -659,7 +662,7 @@
           <p:cNvPr id="4" name="Date Placeholder 3">
             <a:extLst>
               <a:ext uri="{FF2B5EF4-FFF2-40B4-BE49-F238E27FC236}">
-                <a16:creationId xmlns="" xmlns:a16="http://schemas.microsoft.com/office/drawing/2014/main" id="{80722082-BED4-46DC-B1C0-9696140EF480}"/>
+                <a16:creationId xmlns:a16="http://schemas.microsoft.com/office/drawing/2014/main" xmlns="" id="{80722082-BED4-46DC-B1C0-9696140EF480}"/>
               </a:ext>
             </a:extLst>
           </p:cNvPr>
@@ -677,7 +680,7 @@
           <a:p>
             <a:fld id="{1661375A-C223-44C8-917C-F7C3A1BCD50F}" type="datetimeFigureOut">
               <a:rPr lang="en-GB" smtClean="0"/>
-              <a:t>11/06/2019</a:t>
+              <a:t>02/07/2019</a:t>
             </a:fld>
             <a:endParaRPr lang="en-GB" dirty="0"/>
           </a:p>
@@ -688,7 +691,7 @@
           <p:cNvPr id="5" name="Footer Placeholder 4">
             <a:extLst>
               <a:ext uri="{FF2B5EF4-FFF2-40B4-BE49-F238E27FC236}">
-                <a16:creationId xmlns="" xmlns:a16="http://schemas.microsoft.com/office/drawing/2014/main" id="{F9485038-E165-45A4-8C75-C8A3CA8177EC}"/>
+                <a16:creationId xmlns:a16="http://schemas.microsoft.com/office/drawing/2014/main" xmlns="" id="{F9485038-E165-45A4-8C75-C8A3CA8177EC}"/>
               </a:ext>
             </a:extLst>
           </p:cNvPr>
@@ -713,7 +716,7 @@
           <p:cNvPr id="6" name="Slide Number Placeholder 5">
             <a:extLst>
               <a:ext uri="{FF2B5EF4-FFF2-40B4-BE49-F238E27FC236}">
-                <a16:creationId xmlns="" xmlns:a16="http://schemas.microsoft.com/office/drawing/2014/main" id="{C79D7943-C606-446E-B743-3AB1AE587BA9}"/>
+                <a16:creationId xmlns:a16="http://schemas.microsoft.com/office/drawing/2014/main" xmlns="" id="{C79D7943-C606-446E-B743-3AB1AE587BA9}"/>
               </a:ext>
             </a:extLst>
           </p:cNvPr>
@@ -772,7 +775,7 @@
           <p:cNvPr id="2" name="Title 1">
             <a:extLst>
               <a:ext uri="{FF2B5EF4-FFF2-40B4-BE49-F238E27FC236}">
-                <a16:creationId xmlns="" xmlns:a16="http://schemas.microsoft.com/office/drawing/2014/main" id="{F1628C7A-67F3-4CAD-9852-569FF656AD4E}"/>
+                <a16:creationId xmlns:a16="http://schemas.microsoft.com/office/drawing/2014/main" xmlns="" id="{F1628C7A-67F3-4CAD-9852-569FF656AD4E}"/>
               </a:ext>
             </a:extLst>
           </p:cNvPr>
@@ -801,7 +804,7 @@
           <p:cNvPr id="3" name="Content Placeholder 2">
             <a:extLst>
               <a:ext uri="{FF2B5EF4-FFF2-40B4-BE49-F238E27FC236}">
-                <a16:creationId xmlns="" xmlns:a16="http://schemas.microsoft.com/office/drawing/2014/main" id="{1D1E717F-25DD-4AF6-8E4C-C3F0B7258767}"/>
+                <a16:creationId xmlns:a16="http://schemas.microsoft.com/office/drawing/2014/main" xmlns="" id="{1D1E717F-25DD-4AF6-8E4C-C3F0B7258767}"/>
               </a:ext>
             </a:extLst>
           </p:cNvPr>
@@ -859,7 +862,7 @@
           <p:cNvPr id="4" name="Date Placeholder 3">
             <a:extLst>
               <a:ext uri="{FF2B5EF4-FFF2-40B4-BE49-F238E27FC236}">
-                <a16:creationId xmlns="" xmlns:a16="http://schemas.microsoft.com/office/drawing/2014/main" id="{5EB9BF79-C6C8-4A28-B317-36AB52011BBD}"/>
+                <a16:creationId xmlns:a16="http://schemas.microsoft.com/office/drawing/2014/main" xmlns="" id="{5EB9BF79-C6C8-4A28-B317-36AB52011BBD}"/>
               </a:ext>
             </a:extLst>
           </p:cNvPr>
@@ -877,7 +880,7 @@
           <a:p>
             <a:fld id="{1661375A-C223-44C8-917C-F7C3A1BCD50F}" type="datetimeFigureOut">
               <a:rPr lang="en-GB" smtClean="0"/>
-              <a:t>11/06/2019</a:t>
+              <a:t>02/07/2019</a:t>
             </a:fld>
             <a:endParaRPr lang="en-GB" dirty="0"/>
           </a:p>
@@ -888,7 +891,7 @@
           <p:cNvPr id="5" name="Footer Placeholder 4">
             <a:extLst>
               <a:ext uri="{FF2B5EF4-FFF2-40B4-BE49-F238E27FC236}">
-                <a16:creationId xmlns="" xmlns:a16="http://schemas.microsoft.com/office/drawing/2014/main" id="{A052C1D1-F1BF-42DD-A7C6-2ED272DF8AF6}"/>
+                <a16:creationId xmlns:a16="http://schemas.microsoft.com/office/drawing/2014/main" xmlns="" id="{A052C1D1-F1BF-42DD-A7C6-2ED272DF8AF6}"/>
               </a:ext>
             </a:extLst>
           </p:cNvPr>
@@ -913,7 +916,7 @@
           <p:cNvPr id="6" name="Slide Number Placeholder 5">
             <a:extLst>
               <a:ext uri="{FF2B5EF4-FFF2-40B4-BE49-F238E27FC236}">
-                <a16:creationId xmlns="" xmlns:a16="http://schemas.microsoft.com/office/drawing/2014/main" id="{B05916BF-016F-4056-985B-466516E68445}"/>
+                <a16:creationId xmlns:a16="http://schemas.microsoft.com/office/drawing/2014/main" xmlns="" id="{B05916BF-016F-4056-985B-466516E68445}"/>
               </a:ext>
             </a:extLst>
           </p:cNvPr>
@@ -972,7 +975,7 @@
           <p:cNvPr id="2" name="Title 1">
             <a:extLst>
               <a:ext uri="{FF2B5EF4-FFF2-40B4-BE49-F238E27FC236}">
-                <a16:creationId xmlns="" xmlns:a16="http://schemas.microsoft.com/office/drawing/2014/main" id="{A39FAECB-6827-4D91-8EB5-800DD8EA28F3}"/>
+                <a16:creationId xmlns:a16="http://schemas.microsoft.com/office/drawing/2014/main" xmlns="" id="{A39FAECB-6827-4D91-8EB5-800DD8EA28F3}"/>
               </a:ext>
             </a:extLst>
           </p:cNvPr>
@@ -1010,7 +1013,7 @@
           <p:cNvPr id="3" name="Text Placeholder 2">
             <a:extLst>
               <a:ext uri="{FF2B5EF4-FFF2-40B4-BE49-F238E27FC236}">
-                <a16:creationId xmlns="" xmlns:a16="http://schemas.microsoft.com/office/drawing/2014/main" id="{73CEBD6D-8344-4937-9A0D-E2DBE531B3F1}"/>
+                <a16:creationId xmlns:a16="http://schemas.microsoft.com/office/drawing/2014/main" xmlns="" id="{73CEBD6D-8344-4937-9A0D-E2DBE531B3F1}"/>
               </a:ext>
             </a:extLst>
           </p:cNvPr>
@@ -1135,7 +1138,7 @@
           <p:cNvPr id="4" name="Date Placeholder 3">
             <a:extLst>
               <a:ext uri="{FF2B5EF4-FFF2-40B4-BE49-F238E27FC236}">
-                <a16:creationId xmlns="" xmlns:a16="http://schemas.microsoft.com/office/drawing/2014/main" id="{40598055-7F4B-4E57-92A1-C43CE07ED7D1}"/>
+                <a16:creationId xmlns:a16="http://schemas.microsoft.com/office/drawing/2014/main" xmlns="" id="{40598055-7F4B-4E57-92A1-C43CE07ED7D1}"/>
               </a:ext>
             </a:extLst>
           </p:cNvPr>
@@ -1153,7 +1156,7 @@
           <a:p>
             <a:fld id="{1661375A-C223-44C8-917C-F7C3A1BCD50F}" type="datetimeFigureOut">
               <a:rPr lang="en-GB" smtClean="0"/>
-              <a:t>11/06/2019</a:t>
+              <a:t>02/07/2019</a:t>
             </a:fld>
             <a:endParaRPr lang="en-GB" dirty="0"/>
           </a:p>
@@ -1164,7 +1167,7 @@
           <p:cNvPr id="5" name="Footer Placeholder 4">
             <a:extLst>
               <a:ext uri="{FF2B5EF4-FFF2-40B4-BE49-F238E27FC236}">
-                <a16:creationId xmlns="" xmlns:a16="http://schemas.microsoft.com/office/drawing/2014/main" id="{0BC8293C-337A-46B9-801C-405BA28F919C}"/>
+                <a16:creationId xmlns:a16="http://schemas.microsoft.com/office/drawing/2014/main" xmlns="" id="{0BC8293C-337A-46B9-801C-405BA28F919C}"/>
               </a:ext>
             </a:extLst>
           </p:cNvPr>
@@ -1189,7 +1192,7 @@
           <p:cNvPr id="6" name="Slide Number Placeholder 5">
             <a:extLst>
               <a:ext uri="{FF2B5EF4-FFF2-40B4-BE49-F238E27FC236}">
-                <a16:creationId xmlns="" xmlns:a16="http://schemas.microsoft.com/office/drawing/2014/main" id="{77FE3A87-6EF6-4E32-958D-D3BDE968EC61}"/>
+                <a16:creationId xmlns:a16="http://schemas.microsoft.com/office/drawing/2014/main" xmlns="" id="{77FE3A87-6EF6-4E32-958D-D3BDE968EC61}"/>
               </a:ext>
             </a:extLst>
           </p:cNvPr>
@@ -1248,7 +1251,7 @@
           <p:cNvPr id="2" name="Title 1">
             <a:extLst>
               <a:ext uri="{FF2B5EF4-FFF2-40B4-BE49-F238E27FC236}">
-                <a16:creationId xmlns="" xmlns:a16="http://schemas.microsoft.com/office/drawing/2014/main" id="{439C1E4F-8411-4152-A040-45E4E38D465B}"/>
+                <a16:creationId xmlns:a16="http://schemas.microsoft.com/office/drawing/2014/main" xmlns="" id="{439C1E4F-8411-4152-A040-45E4E38D465B}"/>
               </a:ext>
             </a:extLst>
           </p:cNvPr>
@@ -1277,7 +1280,7 @@
           <p:cNvPr id="3" name="Content Placeholder 2">
             <a:extLst>
               <a:ext uri="{FF2B5EF4-FFF2-40B4-BE49-F238E27FC236}">
-                <a16:creationId xmlns="" xmlns:a16="http://schemas.microsoft.com/office/drawing/2014/main" id="{0C93C882-D441-40BC-AAB7-FB3EF79F6F5C}"/>
+                <a16:creationId xmlns:a16="http://schemas.microsoft.com/office/drawing/2014/main" xmlns="" id="{0C93C882-D441-40BC-AAB7-FB3EF79F6F5C}"/>
               </a:ext>
             </a:extLst>
           </p:cNvPr>
@@ -1340,7 +1343,7 @@
           <p:cNvPr id="4" name="Content Placeholder 3">
             <a:extLst>
               <a:ext uri="{FF2B5EF4-FFF2-40B4-BE49-F238E27FC236}">
-                <a16:creationId xmlns="" xmlns:a16="http://schemas.microsoft.com/office/drawing/2014/main" id="{880FF742-A50B-4EB6-86AE-E67F120A5B68}"/>
+                <a16:creationId xmlns:a16="http://schemas.microsoft.com/office/drawing/2014/main" xmlns="" id="{880FF742-A50B-4EB6-86AE-E67F120A5B68}"/>
               </a:ext>
             </a:extLst>
           </p:cNvPr>
@@ -1403,7 +1406,7 @@
           <p:cNvPr id="5" name="Date Placeholder 4">
             <a:extLst>
               <a:ext uri="{FF2B5EF4-FFF2-40B4-BE49-F238E27FC236}">
-                <a16:creationId xmlns="" xmlns:a16="http://schemas.microsoft.com/office/drawing/2014/main" id="{5ACB9172-F4DE-4657-A074-EF8778EE7E7D}"/>
+                <a16:creationId xmlns:a16="http://schemas.microsoft.com/office/drawing/2014/main" xmlns="" id="{5ACB9172-F4DE-4657-A074-EF8778EE7E7D}"/>
               </a:ext>
             </a:extLst>
           </p:cNvPr>
@@ -1421,7 +1424,7 @@
           <a:p>
             <a:fld id="{1661375A-C223-44C8-917C-F7C3A1BCD50F}" type="datetimeFigureOut">
               <a:rPr lang="en-GB" smtClean="0"/>
-              <a:t>11/06/2019</a:t>
+              <a:t>02/07/2019</a:t>
             </a:fld>
             <a:endParaRPr lang="en-GB" dirty="0"/>
           </a:p>
@@ -1432,7 +1435,7 @@
           <p:cNvPr id="6" name="Footer Placeholder 5">
             <a:extLst>
               <a:ext uri="{FF2B5EF4-FFF2-40B4-BE49-F238E27FC236}">
-                <a16:creationId xmlns="" xmlns:a16="http://schemas.microsoft.com/office/drawing/2014/main" id="{77507DBE-C8F7-423C-9124-EE7B3D22E368}"/>
+                <a16:creationId xmlns:a16="http://schemas.microsoft.com/office/drawing/2014/main" xmlns="" id="{77507DBE-C8F7-423C-9124-EE7B3D22E368}"/>
               </a:ext>
             </a:extLst>
           </p:cNvPr>
@@ -1457,7 +1460,7 @@
           <p:cNvPr id="7" name="Slide Number Placeholder 6">
             <a:extLst>
               <a:ext uri="{FF2B5EF4-FFF2-40B4-BE49-F238E27FC236}">
-                <a16:creationId xmlns="" xmlns:a16="http://schemas.microsoft.com/office/drawing/2014/main" id="{D881AC0B-71D5-43A5-AD86-9668B4D92263}"/>
+                <a16:creationId xmlns:a16="http://schemas.microsoft.com/office/drawing/2014/main" xmlns="" id="{D881AC0B-71D5-43A5-AD86-9668B4D92263}"/>
               </a:ext>
             </a:extLst>
           </p:cNvPr>
@@ -1516,7 +1519,7 @@
           <p:cNvPr id="2" name="Title 1">
             <a:extLst>
               <a:ext uri="{FF2B5EF4-FFF2-40B4-BE49-F238E27FC236}">
-                <a16:creationId xmlns="" xmlns:a16="http://schemas.microsoft.com/office/drawing/2014/main" id="{18C204D3-549C-4770-B620-7E3D4678A946}"/>
+                <a16:creationId xmlns:a16="http://schemas.microsoft.com/office/drawing/2014/main" xmlns="" id="{18C204D3-549C-4770-B620-7E3D4678A946}"/>
               </a:ext>
             </a:extLst>
           </p:cNvPr>
@@ -1550,7 +1553,7 @@
           <p:cNvPr id="3" name="Text Placeholder 2">
             <a:extLst>
               <a:ext uri="{FF2B5EF4-FFF2-40B4-BE49-F238E27FC236}">
-                <a16:creationId xmlns="" xmlns:a16="http://schemas.microsoft.com/office/drawing/2014/main" id="{54306D22-9474-474E-A4DD-36D304E57648}"/>
+                <a16:creationId xmlns:a16="http://schemas.microsoft.com/office/drawing/2014/main" xmlns="" id="{54306D22-9474-474E-A4DD-36D304E57648}"/>
               </a:ext>
             </a:extLst>
           </p:cNvPr>
@@ -1621,7 +1624,7 @@
           <p:cNvPr id="4" name="Content Placeholder 3">
             <a:extLst>
               <a:ext uri="{FF2B5EF4-FFF2-40B4-BE49-F238E27FC236}">
-                <a16:creationId xmlns="" xmlns:a16="http://schemas.microsoft.com/office/drawing/2014/main" id="{AD9ED9F3-E75B-4CB6-9C20-44656AF0159D}"/>
+                <a16:creationId xmlns:a16="http://schemas.microsoft.com/office/drawing/2014/main" xmlns="" id="{AD9ED9F3-E75B-4CB6-9C20-44656AF0159D}"/>
               </a:ext>
             </a:extLst>
           </p:cNvPr>
@@ -1684,7 +1687,7 @@
           <p:cNvPr id="5" name="Text Placeholder 4">
             <a:extLst>
               <a:ext uri="{FF2B5EF4-FFF2-40B4-BE49-F238E27FC236}">
-                <a16:creationId xmlns="" xmlns:a16="http://schemas.microsoft.com/office/drawing/2014/main" id="{82AB8604-4E78-4EF6-AF81-B832751C756A}"/>
+                <a16:creationId xmlns:a16="http://schemas.microsoft.com/office/drawing/2014/main" xmlns="" id="{82AB8604-4E78-4EF6-AF81-B832751C756A}"/>
               </a:ext>
             </a:extLst>
           </p:cNvPr>
@@ -1755,7 +1758,7 @@
           <p:cNvPr id="6" name="Content Placeholder 5">
             <a:extLst>
               <a:ext uri="{FF2B5EF4-FFF2-40B4-BE49-F238E27FC236}">
-                <a16:creationId xmlns="" xmlns:a16="http://schemas.microsoft.com/office/drawing/2014/main" id="{14C7266C-4F95-4B63-B8A4-5D430A6FCB51}"/>
+                <a16:creationId xmlns:a16="http://schemas.microsoft.com/office/drawing/2014/main" xmlns="" id="{14C7266C-4F95-4B63-B8A4-5D430A6FCB51}"/>
               </a:ext>
             </a:extLst>
           </p:cNvPr>
@@ -1818,7 +1821,7 @@
           <p:cNvPr id="7" name="Date Placeholder 6">
             <a:extLst>
               <a:ext uri="{FF2B5EF4-FFF2-40B4-BE49-F238E27FC236}">
-                <a16:creationId xmlns="" xmlns:a16="http://schemas.microsoft.com/office/drawing/2014/main" id="{8DA605C0-AC58-49C3-BFDA-E7ADCFC7B8CA}"/>
+                <a16:creationId xmlns:a16="http://schemas.microsoft.com/office/drawing/2014/main" xmlns="" id="{8DA605C0-AC58-49C3-BFDA-E7ADCFC7B8CA}"/>
               </a:ext>
             </a:extLst>
           </p:cNvPr>
@@ -1836,7 +1839,7 @@
           <a:p>
             <a:fld id="{1661375A-C223-44C8-917C-F7C3A1BCD50F}" type="datetimeFigureOut">
               <a:rPr lang="en-GB" smtClean="0"/>
-              <a:t>11/06/2019</a:t>
+              <a:t>02/07/2019</a:t>
             </a:fld>
             <a:endParaRPr lang="en-GB" dirty="0"/>
           </a:p>
@@ -1847,7 +1850,7 @@
           <p:cNvPr id="8" name="Footer Placeholder 7">
             <a:extLst>
               <a:ext uri="{FF2B5EF4-FFF2-40B4-BE49-F238E27FC236}">
-                <a16:creationId xmlns="" xmlns:a16="http://schemas.microsoft.com/office/drawing/2014/main" id="{A8CDB99B-8E2F-47DA-B6C3-50842D8C3DD2}"/>
+                <a16:creationId xmlns:a16="http://schemas.microsoft.com/office/drawing/2014/main" xmlns="" id="{A8CDB99B-8E2F-47DA-B6C3-50842D8C3DD2}"/>
               </a:ext>
             </a:extLst>
           </p:cNvPr>
@@ -1872,7 +1875,7 @@
           <p:cNvPr id="9" name="Slide Number Placeholder 8">
             <a:extLst>
               <a:ext uri="{FF2B5EF4-FFF2-40B4-BE49-F238E27FC236}">
-                <a16:creationId xmlns="" xmlns:a16="http://schemas.microsoft.com/office/drawing/2014/main" id="{900ACA83-753D-4AEE-B568-755DCF5ED7F7}"/>
+                <a16:creationId xmlns:a16="http://schemas.microsoft.com/office/drawing/2014/main" xmlns="" id="{900ACA83-753D-4AEE-B568-755DCF5ED7F7}"/>
               </a:ext>
             </a:extLst>
           </p:cNvPr>
@@ -1931,7 +1934,7 @@
           <p:cNvPr id="2" name="Title 1">
             <a:extLst>
               <a:ext uri="{FF2B5EF4-FFF2-40B4-BE49-F238E27FC236}">
-                <a16:creationId xmlns="" xmlns:a16="http://schemas.microsoft.com/office/drawing/2014/main" id="{80738EDC-8D44-427B-90E0-FBD0FBAC9691}"/>
+                <a16:creationId xmlns:a16="http://schemas.microsoft.com/office/drawing/2014/main" xmlns="" id="{80738EDC-8D44-427B-90E0-FBD0FBAC9691}"/>
               </a:ext>
             </a:extLst>
           </p:cNvPr>
@@ -1960,7 +1963,7 @@
           <p:cNvPr id="3" name="Date Placeholder 2">
             <a:extLst>
               <a:ext uri="{FF2B5EF4-FFF2-40B4-BE49-F238E27FC236}">
-                <a16:creationId xmlns="" xmlns:a16="http://schemas.microsoft.com/office/drawing/2014/main" id="{A8AE544B-A36F-473A-86AF-50F02429182D}"/>
+                <a16:creationId xmlns:a16="http://schemas.microsoft.com/office/drawing/2014/main" xmlns="" id="{A8AE544B-A36F-473A-86AF-50F02429182D}"/>
               </a:ext>
             </a:extLst>
           </p:cNvPr>
@@ -1978,7 +1981,7 @@
           <a:p>
             <a:fld id="{1661375A-C223-44C8-917C-F7C3A1BCD50F}" type="datetimeFigureOut">
               <a:rPr lang="en-GB" smtClean="0"/>
-              <a:t>11/06/2019</a:t>
+              <a:t>02/07/2019</a:t>
             </a:fld>
             <a:endParaRPr lang="en-GB" dirty="0"/>
           </a:p>
@@ -1989,7 +1992,7 @@
           <p:cNvPr id="4" name="Footer Placeholder 3">
             <a:extLst>
               <a:ext uri="{FF2B5EF4-FFF2-40B4-BE49-F238E27FC236}">
-                <a16:creationId xmlns="" xmlns:a16="http://schemas.microsoft.com/office/drawing/2014/main" id="{3E6F2748-531A-4318-A370-27EDE490E8C2}"/>
+                <a16:creationId xmlns:a16="http://schemas.microsoft.com/office/drawing/2014/main" xmlns="" id="{3E6F2748-531A-4318-A370-27EDE490E8C2}"/>
               </a:ext>
             </a:extLst>
           </p:cNvPr>
@@ -2014,7 +2017,7 @@
           <p:cNvPr id="5" name="Slide Number Placeholder 4">
             <a:extLst>
               <a:ext uri="{FF2B5EF4-FFF2-40B4-BE49-F238E27FC236}">
-                <a16:creationId xmlns="" xmlns:a16="http://schemas.microsoft.com/office/drawing/2014/main" id="{A5AD6E57-F20B-43D2-A268-2449E7D4ADF8}"/>
+                <a16:creationId xmlns:a16="http://schemas.microsoft.com/office/drawing/2014/main" xmlns="" id="{A5AD6E57-F20B-43D2-A268-2449E7D4ADF8}"/>
               </a:ext>
             </a:extLst>
           </p:cNvPr>
@@ -2073,7 +2076,7 @@
           <p:cNvPr id="2" name="Date Placeholder 1">
             <a:extLst>
               <a:ext uri="{FF2B5EF4-FFF2-40B4-BE49-F238E27FC236}">
-                <a16:creationId xmlns="" xmlns:a16="http://schemas.microsoft.com/office/drawing/2014/main" id="{CCEC2F6E-BB8D-4A07-B873-A379FEAE4F53}"/>
+                <a16:creationId xmlns:a16="http://schemas.microsoft.com/office/drawing/2014/main" xmlns="" id="{CCEC2F6E-BB8D-4A07-B873-A379FEAE4F53}"/>
               </a:ext>
             </a:extLst>
           </p:cNvPr>
@@ -2091,7 +2094,7 @@
           <a:p>
             <a:fld id="{1661375A-C223-44C8-917C-F7C3A1BCD50F}" type="datetimeFigureOut">
               <a:rPr lang="en-GB" smtClean="0"/>
-              <a:t>11/06/2019</a:t>
+              <a:t>02/07/2019</a:t>
             </a:fld>
             <a:endParaRPr lang="en-GB" dirty="0"/>
           </a:p>
@@ -2102,7 +2105,7 @@
           <p:cNvPr id="3" name="Footer Placeholder 2">
             <a:extLst>
               <a:ext uri="{FF2B5EF4-FFF2-40B4-BE49-F238E27FC236}">
-                <a16:creationId xmlns="" xmlns:a16="http://schemas.microsoft.com/office/drawing/2014/main" id="{29C64672-2E28-45BB-AB1E-9CA10E90883B}"/>
+                <a16:creationId xmlns:a16="http://schemas.microsoft.com/office/drawing/2014/main" xmlns="" id="{29C64672-2E28-45BB-AB1E-9CA10E90883B}"/>
               </a:ext>
             </a:extLst>
           </p:cNvPr>
@@ -2127,7 +2130,7 @@
           <p:cNvPr id="4" name="Slide Number Placeholder 3">
             <a:extLst>
               <a:ext uri="{FF2B5EF4-FFF2-40B4-BE49-F238E27FC236}">
-                <a16:creationId xmlns="" xmlns:a16="http://schemas.microsoft.com/office/drawing/2014/main" id="{433CCF35-5028-4E4D-8F6E-2E2DF0FB4299}"/>
+                <a16:creationId xmlns:a16="http://schemas.microsoft.com/office/drawing/2014/main" xmlns="" id="{433CCF35-5028-4E4D-8F6E-2E2DF0FB4299}"/>
               </a:ext>
             </a:extLst>
           </p:cNvPr>
@@ -2186,7 +2189,7 @@
           <p:cNvPr id="2" name="Title 1">
             <a:extLst>
               <a:ext uri="{FF2B5EF4-FFF2-40B4-BE49-F238E27FC236}">
-                <a16:creationId xmlns="" xmlns:a16="http://schemas.microsoft.com/office/drawing/2014/main" id="{4760471D-7A64-4A50-B9A6-0F3A78088AB3}"/>
+                <a16:creationId xmlns:a16="http://schemas.microsoft.com/office/drawing/2014/main" xmlns="" id="{4760471D-7A64-4A50-B9A6-0F3A78088AB3}"/>
               </a:ext>
             </a:extLst>
           </p:cNvPr>
@@ -2224,7 +2227,7 @@
           <p:cNvPr id="3" name="Content Placeholder 2">
             <a:extLst>
               <a:ext uri="{FF2B5EF4-FFF2-40B4-BE49-F238E27FC236}">
-                <a16:creationId xmlns="" xmlns:a16="http://schemas.microsoft.com/office/drawing/2014/main" id="{C16427B1-871E-4C56-AF97-3F78ADBFA9C8}"/>
+                <a16:creationId xmlns:a16="http://schemas.microsoft.com/office/drawing/2014/main" xmlns="" id="{C16427B1-871E-4C56-AF97-3F78ADBFA9C8}"/>
               </a:ext>
             </a:extLst>
           </p:cNvPr>
@@ -2315,7 +2318,7 @@
           <p:cNvPr id="4" name="Text Placeholder 3">
             <a:extLst>
               <a:ext uri="{FF2B5EF4-FFF2-40B4-BE49-F238E27FC236}">
-                <a16:creationId xmlns="" xmlns:a16="http://schemas.microsoft.com/office/drawing/2014/main" id="{6CF52702-EC0A-4FBA-9939-DCF10E412D80}"/>
+                <a16:creationId xmlns:a16="http://schemas.microsoft.com/office/drawing/2014/main" xmlns="" id="{6CF52702-EC0A-4FBA-9939-DCF10E412D80}"/>
               </a:ext>
             </a:extLst>
           </p:cNvPr>
@@ -2386,7 +2389,7 @@
           <p:cNvPr id="5" name="Date Placeholder 4">
             <a:extLst>
               <a:ext uri="{FF2B5EF4-FFF2-40B4-BE49-F238E27FC236}">
-                <a16:creationId xmlns="" xmlns:a16="http://schemas.microsoft.com/office/drawing/2014/main" id="{A1EDDBB8-93FE-4585-A97D-0E391EE246F7}"/>
+                <a16:creationId xmlns:a16="http://schemas.microsoft.com/office/drawing/2014/main" xmlns="" id="{A1EDDBB8-93FE-4585-A97D-0E391EE246F7}"/>
               </a:ext>
             </a:extLst>
           </p:cNvPr>
@@ -2404,7 +2407,7 @@
           <a:p>
             <a:fld id="{1661375A-C223-44C8-917C-F7C3A1BCD50F}" type="datetimeFigureOut">
               <a:rPr lang="en-GB" smtClean="0"/>
-              <a:t>11/06/2019</a:t>
+              <a:t>02/07/2019</a:t>
             </a:fld>
             <a:endParaRPr lang="en-GB" dirty="0"/>
           </a:p>
@@ -2415,7 +2418,7 @@
           <p:cNvPr id="6" name="Footer Placeholder 5">
             <a:extLst>
               <a:ext uri="{FF2B5EF4-FFF2-40B4-BE49-F238E27FC236}">
-                <a16:creationId xmlns="" xmlns:a16="http://schemas.microsoft.com/office/drawing/2014/main" id="{2CB77A2A-D97D-4B06-A029-77A3A88DA3E4}"/>
+                <a16:creationId xmlns:a16="http://schemas.microsoft.com/office/drawing/2014/main" xmlns="" id="{2CB77A2A-D97D-4B06-A029-77A3A88DA3E4}"/>
               </a:ext>
             </a:extLst>
           </p:cNvPr>
@@ -2440,7 +2443,7 @@
           <p:cNvPr id="7" name="Slide Number Placeholder 6">
             <a:extLst>
               <a:ext uri="{FF2B5EF4-FFF2-40B4-BE49-F238E27FC236}">
-                <a16:creationId xmlns="" xmlns:a16="http://schemas.microsoft.com/office/drawing/2014/main" id="{9BF4E011-48A8-486A-BF53-E7C085173F29}"/>
+                <a16:creationId xmlns:a16="http://schemas.microsoft.com/office/drawing/2014/main" xmlns="" id="{9BF4E011-48A8-486A-BF53-E7C085173F29}"/>
               </a:ext>
             </a:extLst>
           </p:cNvPr>
@@ -2499,7 +2502,7 @@
           <p:cNvPr id="2" name="Title 1">
             <a:extLst>
               <a:ext uri="{FF2B5EF4-FFF2-40B4-BE49-F238E27FC236}">
-                <a16:creationId xmlns="" xmlns:a16="http://schemas.microsoft.com/office/drawing/2014/main" id="{C8EA2B76-0D50-4AE7-8E70-B69B2F112A49}"/>
+                <a16:creationId xmlns:a16="http://schemas.microsoft.com/office/drawing/2014/main" xmlns="" id="{C8EA2B76-0D50-4AE7-8E70-B69B2F112A49}"/>
               </a:ext>
             </a:extLst>
           </p:cNvPr>
@@ -2537,7 +2540,7 @@
           <p:cNvPr id="3" name="Picture Placeholder 2">
             <a:extLst>
               <a:ext uri="{FF2B5EF4-FFF2-40B4-BE49-F238E27FC236}">
-                <a16:creationId xmlns="" xmlns:a16="http://schemas.microsoft.com/office/drawing/2014/main" id="{6E700288-1A1C-45A8-B99A-68E661D708A9}"/>
+                <a16:creationId xmlns:a16="http://schemas.microsoft.com/office/drawing/2014/main" xmlns="" id="{6E700288-1A1C-45A8-B99A-68E661D708A9}"/>
               </a:ext>
             </a:extLst>
           </p:cNvPr>
@@ -2604,7 +2607,7 @@
           <p:cNvPr id="4" name="Text Placeholder 3">
             <a:extLst>
               <a:ext uri="{FF2B5EF4-FFF2-40B4-BE49-F238E27FC236}">
-                <a16:creationId xmlns="" xmlns:a16="http://schemas.microsoft.com/office/drawing/2014/main" id="{C8D19D42-4449-4938-BE9F-F8A026382E85}"/>
+                <a16:creationId xmlns:a16="http://schemas.microsoft.com/office/drawing/2014/main" xmlns="" id="{C8D19D42-4449-4938-BE9F-F8A026382E85}"/>
               </a:ext>
             </a:extLst>
           </p:cNvPr>
@@ -2675,7 +2678,7 @@
           <p:cNvPr id="5" name="Date Placeholder 4">
             <a:extLst>
               <a:ext uri="{FF2B5EF4-FFF2-40B4-BE49-F238E27FC236}">
-                <a16:creationId xmlns="" xmlns:a16="http://schemas.microsoft.com/office/drawing/2014/main" id="{715CB693-3AD5-4FB5-9BD7-DDA6EA895AA0}"/>
+                <a16:creationId xmlns:a16="http://schemas.microsoft.com/office/drawing/2014/main" xmlns="" id="{715CB693-3AD5-4FB5-9BD7-DDA6EA895AA0}"/>
               </a:ext>
             </a:extLst>
           </p:cNvPr>
@@ -2693,7 +2696,7 @@
           <a:p>
             <a:fld id="{1661375A-C223-44C8-917C-F7C3A1BCD50F}" type="datetimeFigureOut">
               <a:rPr lang="en-GB" smtClean="0"/>
-              <a:t>11/06/2019</a:t>
+              <a:t>02/07/2019</a:t>
             </a:fld>
             <a:endParaRPr lang="en-GB" dirty="0"/>
           </a:p>
@@ -2704,7 +2707,7 @@
           <p:cNvPr id="6" name="Footer Placeholder 5">
             <a:extLst>
               <a:ext uri="{FF2B5EF4-FFF2-40B4-BE49-F238E27FC236}">
-                <a16:creationId xmlns="" xmlns:a16="http://schemas.microsoft.com/office/drawing/2014/main" id="{BB28CAAB-378F-4646-836D-6723AF22695B}"/>
+                <a16:creationId xmlns:a16="http://schemas.microsoft.com/office/drawing/2014/main" xmlns="" id="{BB28CAAB-378F-4646-836D-6723AF22695B}"/>
               </a:ext>
             </a:extLst>
           </p:cNvPr>
@@ -2729,7 +2732,7 @@
           <p:cNvPr id="7" name="Slide Number Placeholder 6">
             <a:extLst>
               <a:ext uri="{FF2B5EF4-FFF2-40B4-BE49-F238E27FC236}">
-                <a16:creationId xmlns="" xmlns:a16="http://schemas.microsoft.com/office/drawing/2014/main" id="{E08A5F22-2F00-4B7E-95E3-D4E37EE6F9BD}"/>
+                <a16:creationId xmlns:a16="http://schemas.microsoft.com/office/drawing/2014/main" xmlns="" id="{E08A5F22-2F00-4B7E-95E3-D4E37EE6F9BD}"/>
               </a:ext>
             </a:extLst>
           </p:cNvPr>
@@ -2793,7 +2796,7 @@
           <p:cNvPr id="2" name="Title Placeholder 1">
             <a:extLst>
               <a:ext uri="{FF2B5EF4-FFF2-40B4-BE49-F238E27FC236}">
-                <a16:creationId xmlns="" xmlns:a16="http://schemas.microsoft.com/office/drawing/2014/main" id="{EC73493B-E27E-4DC0-A41A-7E254FDDD4F9}"/>
+                <a16:creationId xmlns:a16="http://schemas.microsoft.com/office/drawing/2014/main" xmlns="" id="{EC73493B-E27E-4DC0-A41A-7E254FDDD4F9}"/>
               </a:ext>
             </a:extLst>
           </p:cNvPr>
@@ -2832,7 +2835,7 @@
           <p:cNvPr id="3" name="Text Placeholder 2">
             <a:extLst>
               <a:ext uri="{FF2B5EF4-FFF2-40B4-BE49-F238E27FC236}">
-                <a16:creationId xmlns="" xmlns:a16="http://schemas.microsoft.com/office/drawing/2014/main" id="{6B619A8B-408B-4DCB-AC39-AC640BF8562E}"/>
+                <a16:creationId xmlns:a16="http://schemas.microsoft.com/office/drawing/2014/main" xmlns="" id="{6B619A8B-408B-4DCB-AC39-AC640BF8562E}"/>
               </a:ext>
             </a:extLst>
           </p:cNvPr>
@@ -2900,7 +2903,7 @@
           <p:cNvPr id="4" name="Date Placeholder 3">
             <a:extLst>
               <a:ext uri="{FF2B5EF4-FFF2-40B4-BE49-F238E27FC236}">
-                <a16:creationId xmlns="" xmlns:a16="http://schemas.microsoft.com/office/drawing/2014/main" id="{A4A87CC5-FBB1-4FE5-893F-7BD071C75E09}"/>
+                <a16:creationId xmlns:a16="http://schemas.microsoft.com/office/drawing/2014/main" xmlns="" id="{A4A87CC5-FBB1-4FE5-893F-7BD071C75E09}"/>
               </a:ext>
             </a:extLst>
           </p:cNvPr>
@@ -2936,7 +2939,7 @@
           <a:p>
             <a:fld id="{1661375A-C223-44C8-917C-F7C3A1BCD50F}" type="datetimeFigureOut">
               <a:rPr lang="en-GB" smtClean="0"/>
-              <a:t>11/06/2019</a:t>
+              <a:t>02/07/2019</a:t>
             </a:fld>
             <a:endParaRPr lang="en-GB" dirty="0"/>
           </a:p>
@@ -2947,7 +2950,7 @@
           <p:cNvPr id="5" name="Footer Placeholder 4">
             <a:extLst>
               <a:ext uri="{FF2B5EF4-FFF2-40B4-BE49-F238E27FC236}">
-                <a16:creationId xmlns="" xmlns:a16="http://schemas.microsoft.com/office/drawing/2014/main" id="{068E1BCB-E2F2-4D1B-BCFC-521169C8EA83}"/>
+                <a16:creationId xmlns:a16="http://schemas.microsoft.com/office/drawing/2014/main" xmlns="" id="{068E1BCB-E2F2-4D1B-BCFC-521169C8EA83}"/>
               </a:ext>
             </a:extLst>
           </p:cNvPr>
@@ -2990,7 +2993,7 @@
           <p:cNvPr id="6" name="Slide Number Placeholder 5">
             <a:extLst>
               <a:ext uri="{FF2B5EF4-FFF2-40B4-BE49-F238E27FC236}">
-                <a16:creationId xmlns="" xmlns:a16="http://schemas.microsoft.com/office/drawing/2014/main" id="{E111173B-B48E-4DCF-8715-580539054913}"/>
+                <a16:creationId xmlns:a16="http://schemas.microsoft.com/office/drawing/2014/main" xmlns="" id="{E111173B-B48E-4DCF-8715-580539054913}"/>
               </a:ext>
             </a:extLst>
           </p:cNvPr>
@@ -3366,7 +3369,7 @@
           <p:cNvPr id="26" name="TextBox 25">
             <a:extLst>
               <a:ext uri="{FF2B5EF4-FFF2-40B4-BE49-F238E27FC236}">
-                <a16:creationId xmlns="" xmlns:a16="http://schemas.microsoft.com/office/drawing/2014/main" id="{A4FAA62A-B5B9-49CF-B2F5-E9C5369268D9}"/>
+                <a16:creationId xmlns:a16="http://schemas.microsoft.com/office/drawing/2014/main" xmlns="" id="{A4FAA62A-B5B9-49CF-B2F5-E9C5369268D9}"/>
               </a:ext>
             </a:extLst>
           </p:cNvPr>
@@ -3375,8 +3378,8 @@
         </p:nvSpPr>
         <p:spPr>
           <a:xfrm>
-            <a:off x="3431877" y="3897378"/>
-            <a:ext cx="4914661" cy="2308324"/>
+            <a:off x="0" y="3438316"/>
+            <a:ext cx="12192000" cy="2308324"/>
           </a:xfrm>
           <a:prstGeom prst="rect">
             <a:avLst/>
@@ -3491,7 +3494,7 @@
           <p:cNvPr id="42" name="TextBox 41">
             <a:extLst>
               <a:ext uri="{FF2B5EF4-FFF2-40B4-BE49-F238E27FC236}">
-                <a16:creationId xmlns="" xmlns:a16="http://schemas.microsoft.com/office/drawing/2014/main" id="{95080828-2C0C-49AD-BAB5-3A3969C24F8D}"/>
+                <a16:creationId xmlns:a16="http://schemas.microsoft.com/office/drawing/2014/main" xmlns="" id="{95080828-2C0C-49AD-BAB5-3A3969C24F8D}"/>
               </a:ext>
             </a:extLst>
           </p:cNvPr>
@@ -3500,8 +3503,8 @@
         </p:nvSpPr>
         <p:spPr>
           <a:xfrm>
-            <a:off x="1565468" y="1991766"/>
-            <a:ext cx="8647478" cy="1446550"/>
+            <a:off x="0" y="1991766"/>
+            <a:ext cx="12192000" cy="1446550"/>
           </a:xfrm>
           <a:prstGeom prst="rect">
             <a:avLst/>
@@ -3544,7 +3547,7 @@
           <p:cNvPr id="45" name="Oval 44">
             <a:extLst>
               <a:ext uri="{FF2B5EF4-FFF2-40B4-BE49-F238E27FC236}">
-                <a16:creationId xmlns="" xmlns:a16="http://schemas.microsoft.com/office/drawing/2014/main" id="{A7118392-2AE3-4A3D-B015-9CB099000042}"/>
+                <a16:creationId xmlns:a16="http://schemas.microsoft.com/office/drawing/2014/main" xmlns="" id="{A7118392-2AE3-4A3D-B015-9CB099000042}"/>
               </a:ext>
             </a:extLst>
           </p:cNvPr>
@@ -3618,6 +3621,206 @@
 </p:sld>
 </file>
 
+<file path=ppt/slides/slide10.xml><?xml version="1.0" encoding="utf-8"?>
+<p:sld xmlns:a="http://schemas.openxmlformats.org/drawingml/2006/main" xmlns:r="http://schemas.openxmlformats.org/officeDocument/2006/relationships" xmlns:p="http://schemas.openxmlformats.org/presentationml/2006/main">
+  <p:cSld>
+    <p:spTree>
+      <p:nvGrpSpPr>
+        <p:cNvPr id="1" name=""/>
+        <p:cNvGrpSpPr/>
+        <p:nvPr/>
+      </p:nvGrpSpPr>
+      <p:grpSpPr>
+        <a:xfrm>
+          <a:off x="0" y="0"/>
+          <a:ext cx="0" cy="0"/>
+          <a:chOff x="0" y="0"/>
+          <a:chExt cx="0" cy="0"/>
+        </a:xfrm>
+      </p:grpSpPr>
+      <p:sp>
+        <p:nvSpPr>
+          <p:cNvPr id="2" name="Título 1"/>
+          <p:cNvSpPr>
+            <a:spLocks noGrp="1"/>
+          </p:cNvSpPr>
+          <p:nvPr>
+            <p:ph type="title"/>
+          </p:nvPr>
+        </p:nvSpPr>
+        <p:spPr>
+          <a:xfrm>
+            <a:off x="1333501" y="2423997"/>
+            <a:ext cx="5199742" cy="3062403"/>
+          </a:xfrm>
+        </p:spPr>
+        <p:txBody>
+          <a:bodyPr>
+            <a:noAutofit/>
+          </a:bodyPr>
+          <a:lstStyle/>
+          <a:p>
+            <a:pPr algn="ctr"/>
+            <a:r>
+              <a:rPr lang="es-PE" sz="13800" b="1" dirty="0" smtClean="0">
+                <a:solidFill>
+                  <a:schemeClr val="bg1"/>
+                </a:solidFill>
+              </a:rPr>
+              <a:t>[</a:t>
+            </a:r>
+            <a:r>
+              <a:rPr lang="es-PE" sz="13800" b="1" dirty="0" smtClean="0">
+                <a:solidFill>
+                  <a:srgbClr val="FF0000"/>
+                </a:solidFill>
+              </a:rPr>
+              <a:t>15</a:t>
+            </a:r>
+            <a:r>
+              <a:rPr lang="es-PE" sz="13800" b="1" dirty="0" smtClean="0">
+                <a:solidFill>
+                  <a:schemeClr val="bg1"/>
+                </a:solidFill>
+              </a:rPr>
+              <a:t>,</a:t>
+            </a:r>
+            <a:r>
+              <a:rPr lang="es-PE" sz="13800" b="1" dirty="0" smtClean="0">
+                <a:solidFill>
+                  <a:srgbClr val="00B0F0"/>
+                </a:solidFill>
+              </a:rPr>
+              <a:t>20</a:t>
+            </a:r>
+            <a:r>
+              <a:rPr lang="es-PE" sz="13800" b="1" dirty="0" smtClean="0">
+                <a:solidFill>
+                  <a:schemeClr val="bg1"/>
+                </a:solidFill>
+              </a:rPr>
+              <a:t>]</a:t>
+            </a:r>
+            <a:r>
+              <a:rPr lang="es-PE" sz="13800" b="1" dirty="0" smtClean="0"/>
+              <a:t/>
+            </a:r>
+            <a:br>
+              <a:rPr lang="es-PE" sz="13800" b="1" dirty="0" smtClean="0"/>
+            </a:br>
+            <a:r>
+              <a:rPr lang="es-PE" sz="13800" b="1" dirty="0" smtClean="0">
+                <a:solidFill>
+                  <a:srgbClr val="00B050"/>
+                </a:solidFill>
+              </a:rPr>
+              <a:t>40</a:t>
+            </a:r>
+            <a:endParaRPr lang="es-PE" sz="13800" b="1" dirty="0">
+              <a:solidFill>
+                <a:srgbClr val="00B050"/>
+              </a:solidFill>
+            </a:endParaRPr>
+          </a:p>
+        </p:txBody>
+      </p:sp>
+      <p:sp>
+        <p:nvSpPr>
+          <p:cNvPr id="4" name="Elipse 3"/>
+          <p:cNvSpPr/>
+          <p:nvPr/>
+        </p:nvSpPr>
+        <p:spPr>
+          <a:xfrm>
+            <a:off x="957944" y="677408"/>
+            <a:ext cx="5950857" cy="5824991"/>
+          </a:xfrm>
+          <a:prstGeom prst="ellipse">
+            <a:avLst/>
+          </a:prstGeom>
+          <a:noFill/>
+          <a:ln w="127000">
+            <a:noFill/>
+          </a:ln>
+        </p:spPr>
+        <p:style>
+          <a:lnRef idx="2">
+            <a:schemeClr val="accent1">
+              <a:shade val="50000"/>
+            </a:schemeClr>
+          </a:lnRef>
+          <a:fillRef idx="1">
+            <a:schemeClr val="accent1"/>
+          </a:fillRef>
+          <a:effectRef idx="0">
+            <a:schemeClr val="accent1"/>
+          </a:effectRef>
+          <a:fontRef idx="minor">
+            <a:schemeClr val="lt1"/>
+          </a:fontRef>
+        </p:style>
+        <p:txBody>
+          <a:bodyPr rtlCol="0" anchor="ctr"/>
+          <a:lstStyle/>
+          <a:p>
+            <a:pPr algn="ctr"/>
+            <a:endParaRPr lang="es-PE">
+              <a:solidFill>
+                <a:schemeClr val="bg1"/>
+              </a:solidFill>
+            </a:endParaRPr>
+          </a:p>
+        </p:txBody>
+      </p:sp>
+      <p:cxnSp>
+        <p:nvCxnSpPr>
+          <p:cNvPr id="6" name="Conector recto de flecha 5"/>
+          <p:cNvCxnSpPr/>
+          <p:nvPr/>
+        </p:nvCxnSpPr>
+        <p:spPr>
+          <a:xfrm flipV="1">
+            <a:off x="6400800" y="2104571"/>
+            <a:ext cx="1190171" cy="841830"/>
+          </a:xfrm>
+          <a:prstGeom prst="straightConnector1">
+            <a:avLst/>
+          </a:prstGeom>
+          <a:ln w="76200">
+            <a:solidFill>
+              <a:schemeClr val="bg1"/>
+            </a:solidFill>
+            <a:tailEnd type="triangle"/>
+          </a:ln>
+        </p:spPr>
+        <p:style>
+          <a:lnRef idx="3">
+            <a:schemeClr val="dk1"/>
+          </a:lnRef>
+          <a:fillRef idx="0">
+            <a:schemeClr val="dk1"/>
+          </a:fillRef>
+          <a:effectRef idx="2">
+            <a:schemeClr val="dk1"/>
+          </a:effectRef>
+          <a:fontRef idx="minor">
+            <a:schemeClr val="tx1"/>
+          </a:fontRef>
+        </p:style>
+      </p:cxnSp>
+    </p:spTree>
+    <p:extLst>
+      <p:ext uri="{BB962C8B-B14F-4D97-AF65-F5344CB8AC3E}">
+        <p14:creationId xmlns:p14="http://schemas.microsoft.com/office/powerpoint/2010/main" val="777090014"/>
+      </p:ext>
+    </p:extLst>
+  </p:cSld>
+  <p:clrMapOvr>
+    <a:masterClrMapping/>
+  </p:clrMapOvr>
+</p:sld>
+</file>
+
 <file path=ppt/slides/slide2.xml><?xml version="1.0" encoding="utf-8"?>
 <p:sld xmlns:a="http://schemas.openxmlformats.org/drawingml/2006/main" xmlns:r="http://schemas.openxmlformats.org/officeDocument/2006/relationships" xmlns:p="http://schemas.openxmlformats.org/presentationml/2006/main">
   <p:cSld>
@@ -3648,7 +3851,7 @@
           <p:cNvPr id="22" name="TextBox 21">
             <a:extLst>
               <a:ext uri="{FF2B5EF4-FFF2-40B4-BE49-F238E27FC236}">
-                <a16:creationId xmlns="" xmlns:a16="http://schemas.microsoft.com/office/drawing/2014/main" id="{6901F867-EA3A-4053-BC23-44561238D953}"/>
+                <a16:creationId xmlns:a16="http://schemas.microsoft.com/office/drawing/2014/main" xmlns="" id="{6901F867-EA3A-4053-BC23-44561238D953}"/>
               </a:ext>
             </a:extLst>
           </p:cNvPr>
@@ -3777,7 +3980,7 @@
           <p:cNvPr id="5" name="Straight Connector 4">
             <a:extLst>
               <a:ext uri="{FF2B5EF4-FFF2-40B4-BE49-F238E27FC236}">
-                <a16:creationId xmlns="" xmlns:a16="http://schemas.microsoft.com/office/drawing/2014/main" id="{1E86588C-F5E3-4817-8552-6D3332A56E63}"/>
+                <a16:creationId xmlns:a16="http://schemas.microsoft.com/office/drawing/2014/main" xmlns="" id="{1E86588C-F5E3-4817-8552-6D3332A56E63}"/>
               </a:ext>
             </a:extLst>
           </p:cNvPr>
@@ -3820,7 +4023,7 @@
           <p:cNvPr id="34" name="Group 33">
             <a:extLst>
               <a:ext uri="{FF2B5EF4-FFF2-40B4-BE49-F238E27FC236}">
-                <a16:creationId xmlns="" xmlns:a16="http://schemas.microsoft.com/office/drawing/2014/main" id="{E1066A9F-64AE-4E5E-ACEE-7BFBCAE6518C}"/>
+                <a16:creationId xmlns:a16="http://schemas.microsoft.com/office/drawing/2014/main" xmlns="" id="{E1066A9F-64AE-4E5E-ACEE-7BFBCAE6518C}"/>
               </a:ext>
             </a:extLst>
           </p:cNvPr>
@@ -3840,7 +4043,7 @@
             <p:cNvPr id="113" name="Group 112">
               <a:extLst>
                 <a:ext uri="{FF2B5EF4-FFF2-40B4-BE49-F238E27FC236}">
-                  <a16:creationId xmlns="" xmlns:a16="http://schemas.microsoft.com/office/drawing/2014/main" id="{4A8B7D09-CCCB-41E2-8742-A3BB533C4FBB}"/>
+                  <a16:creationId xmlns:a16="http://schemas.microsoft.com/office/drawing/2014/main" xmlns="" id="{4A8B7D09-CCCB-41E2-8742-A3BB533C4FBB}"/>
                 </a:ext>
               </a:extLst>
             </p:cNvPr>
@@ -3860,7 +4063,7 @@
               <p:cNvPr id="114" name="Freeform 5">
                 <a:extLst>
                   <a:ext uri="{FF2B5EF4-FFF2-40B4-BE49-F238E27FC236}">
-                    <a16:creationId xmlns="" xmlns:a16="http://schemas.microsoft.com/office/drawing/2014/main" id="{1E5C5691-723F-4A70-B2E5-F3CC76ED87F4}"/>
+                    <a16:creationId xmlns:a16="http://schemas.microsoft.com/office/drawing/2014/main" xmlns="" id="{1E5C5691-723F-4A70-B2E5-F3CC76ED87F4}"/>
                   </a:ext>
                 </a:extLst>
               </p:cNvPr>
@@ -4341,7 +4544,7 @@
               <p:cNvPr id="115" name="Freeform 6">
                 <a:extLst>
                   <a:ext uri="{FF2B5EF4-FFF2-40B4-BE49-F238E27FC236}">
-                    <a16:creationId xmlns="" xmlns:a16="http://schemas.microsoft.com/office/drawing/2014/main" id="{A31F1ABC-F007-43DC-BA06-1AEB599D747B}"/>
+                    <a16:creationId xmlns:a16="http://schemas.microsoft.com/office/drawing/2014/main" xmlns="" id="{A31F1ABC-F007-43DC-BA06-1AEB599D747B}"/>
                   </a:ext>
                 </a:extLst>
               </p:cNvPr>
@@ -4519,7 +4722,7 @@
               <p:cNvPr id="116" name="Freeform 7">
                 <a:extLst>
                   <a:ext uri="{FF2B5EF4-FFF2-40B4-BE49-F238E27FC236}">
-                    <a16:creationId xmlns="" xmlns:a16="http://schemas.microsoft.com/office/drawing/2014/main" id="{C7CB8647-0116-47CE-8E7B-049061871821}"/>
+                    <a16:creationId xmlns:a16="http://schemas.microsoft.com/office/drawing/2014/main" xmlns="" id="{C7CB8647-0116-47CE-8E7B-049061871821}"/>
                   </a:ext>
                 </a:extLst>
               </p:cNvPr>
@@ -4717,7 +4920,7 @@
               <p:cNvPr id="117" name="Freeform 8">
                 <a:extLst>
                   <a:ext uri="{FF2B5EF4-FFF2-40B4-BE49-F238E27FC236}">
-                    <a16:creationId xmlns="" xmlns:a16="http://schemas.microsoft.com/office/drawing/2014/main" id="{EF2B3790-56B5-47D0-A690-53E8E27DDC7D}"/>
+                    <a16:creationId xmlns:a16="http://schemas.microsoft.com/office/drawing/2014/main" xmlns="" id="{EF2B3790-56B5-47D0-A690-53E8E27DDC7D}"/>
                   </a:ext>
                 </a:extLst>
               </p:cNvPr>
@@ -4895,7 +5098,7 @@
               <p:cNvPr id="118" name="Freeform 9">
                 <a:extLst>
                   <a:ext uri="{FF2B5EF4-FFF2-40B4-BE49-F238E27FC236}">
-                    <a16:creationId xmlns="" xmlns:a16="http://schemas.microsoft.com/office/drawing/2014/main" id="{92AB0F54-9032-48EB-97C3-9E93BCE235A5}"/>
+                    <a16:creationId xmlns:a16="http://schemas.microsoft.com/office/drawing/2014/main" xmlns="" id="{92AB0F54-9032-48EB-97C3-9E93BCE235A5}"/>
                   </a:ext>
                 </a:extLst>
               </p:cNvPr>
@@ -5094,7 +5297,7 @@
             <p:cNvPr id="132" name="Straight Connector 131">
               <a:extLst>
                 <a:ext uri="{FF2B5EF4-FFF2-40B4-BE49-F238E27FC236}">
-                  <a16:creationId xmlns="" xmlns:a16="http://schemas.microsoft.com/office/drawing/2014/main" id="{65145EDD-D606-4347-8E4D-5BB67CFFAA99}"/>
+                  <a16:creationId xmlns:a16="http://schemas.microsoft.com/office/drawing/2014/main" xmlns="" id="{65145EDD-D606-4347-8E4D-5BB67CFFAA99}"/>
                 </a:ext>
               </a:extLst>
             </p:cNvPr>
@@ -5138,7 +5341,7 @@
           <p:cNvPr id="31" name="Group 30">
             <a:extLst>
               <a:ext uri="{FF2B5EF4-FFF2-40B4-BE49-F238E27FC236}">
-                <a16:creationId xmlns="" xmlns:a16="http://schemas.microsoft.com/office/drawing/2014/main" id="{21FDD82B-5983-4FED-B454-26F3BE7A0B36}"/>
+                <a16:creationId xmlns:a16="http://schemas.microsoft.com/office/drawing/2014/main" xmlns="" id="{21FDD82B-5983-4FED-B454-26F3BE7A0B36}"/>
               </a:ext>
             </a:extLst>
           </p:cNvPr>
@@ -5158,7 +5361,7 @@
             <p:cNvPr id="14" name="Group 13">
               <a:extLst>
                 <a:ext uri="{FF2B5EF4-FFF2-40B4-BE49-F238E27FC236}">
-                  <a16:creationId xmlns="" xmlns:a16="http://schemas.microsoft.com/office/drawing/2014/main" id="{AF5E0922-C813-4C76-8DA2-AD2C928F8E53}"/>
+                  <a16:creationId xmlns:a16="http://schemas.microsoft.com/office/drawing/2014/main" xmlns="" id="{AF5E0922-C813-4C76-8DA2-AD2C928F8E53}"/>
                 </a:ext>
               </a:extLst>
             </p:cNvPr>
@@ -5178,7 +5381,7 @@
               <p:cNvPr id="99" name="Freeform 5">
                 <a:extLst>
                   <a:ext uri="{FF2B5EF4-FFF2-40B4-BE49-F238E27FC236}">
-                    <a16:creationId xmlns="" xmlns:a16="http://schemas.microsoft.com/office/drawing/2014/main" id="{2E86A7DD-7289-4817-BDDE-039F929FEF54}"/>
+                    <a16:creationId xmlns:a16="http://schemas.microsoft.com/office/drawing/2014/main" xmlns="" id="{2E86A7DD-7289-4817-BDDE-039F929FEF54}"/>
                   </a:ext>
                 </a:extLst>
               </p:cNvPr>
@@ -5659,7 +5862,7 @@
               <p:cNvPr id="100" name="Freeform 6">
                 <a:extLst>
                   <a:ext uri="{FF2B5EF4-FFF2-40B4-BE49-F238E27FC236}">
-                    <a16:creationId xmlns="" xmlns:a16="http://schemas.microsoft.com/office/drawing/2014/main" id="{349D537E-50D5-4520-8795-A71D46C6E0D9}"/>
+                    <a16:creationId xmlns:a16="http://schemas.microsoft.com/office/drawing/2014/main" xmlns="" id="{349D537E-50D5-4520-8795-A71D46C6E0D9}"/>
                   </a:ext>
                 </a:extLst>
               </p:cNvPr>
@@ -5837,7 +6040,7 @@
               <p:cNvPr id="101" name="Freeform 7">
                 <a:extLst>
                   <a:ext uri="{FF2B5EF4-FFF2-40B4-BE49-F238E27FC236}">
-                    <a16:creationId xmlns="" xmlns:a16="http://schemas.microsoft.com/office/drawing/2014/main" id="{08C6FD5D-58DE-4759-B4D7-ACE12960A57C}"/>
+                    <a16:creationId xmlns:a16="http://schemas.microsoft.com/office/drawing/2014/main" xmlns="" id="{08C6FD5D-58DE-4759-B4D7-ACE12960A57C}"/>
                   </a:ext>
                 </a:extLst>
               </p:cNvPr>
@@ -6035,7 +6238,7 @@
               <p:cNvPr id="102" name="Freeform 8">
                 <a:extLst>
                   <a:ext uri="{FF2B5EF4-FFF2-40B4-BE49-F238E27FC236}">
-                    <a16:creationId xmlns="" xmlns:a16="http://schemas.microsoft.com/office/drawing/2014/main" id="{8188F576-D871-48B8-A1F1-707803F628C9}"/>
+                    <a16:creationId xmlns:a16="http://schemas.microsoft.com/office/drawing/2014/main" xmlns="" id="{8188F576-D871-48B8-A1F1-707803F628C9}"/>
                   </a:ext>
                 </a:extLst>
               </p:cNvPr>
@@ -6213,7 +6416,7 @@
               <p:cNvPr id="103" name="Freeform 9">
                 <a:extLst>
                   <a:ext uri="{FF2B5EF4-FFF2-40B4-BE49-F238E27FC236}">
-                    <a16:creationId xmlns="" xmlns:a16="http://schemas.microsoft.com/office/drawing/2014/main" id="{10FE7544-4349-4586-92CD-371C2982C8D8}"/>
+                    <a16:creationId xmlns:a16="http://schemas.microsoft.com/office/drawing/2014/main" xmlns="" id="{10FE7544-4349-4586-92CD-371C2982C8D8}"/>
                   </a:ext>
                 </a:extLst>
               </p:cNvPr>
@@ -6412,7 +6615,7 @@
             <p:cNvPr id="135" name="Straight Connector 134">
               <a:extLst>
                 <a:ext uri="{FF2B5EF4-FFF2-40B4-BE49-F238E27FC236}">
-                  <a16:creationId xmlns="" xmlns:a16="http://schemas.microsoft.com/office/drawing/2014/main" id="{5451453B-71E5-4CEB-A5D5-B5214832F59E}"/>
+                  <a16:creationId xmlns:a16="http://schemas.microsoft.com/office/drawing/2014/main" xmlns="" id="{5451453B-71E5-4CEB-A5D5-B5214832F59E}"/>
                 </a:ext>
               </a:extLst>
             </p:cNvPr>
@@ -6456,7 +6659,7 @@
           <p:cNvPr id="32" name="Group 31">
             <a:extLst>
               <a:ext uri="{FF2B5EF4-FFF2-40B4-BE49-F238E27FC236}">
-                <a16:creationId xmlns="" xmlns:a16="http://schemas.microsoft.com/office/drawing/2014/main" id="{6B2AA441-76A7-41A3-8263-C8708232AED2}"/>
+                <a16:creationId xmlns:a16="http://schemas.microsoft.com/office/drawing/2014/main" xmlns="" id="{6B2AA441-76A7-41A3-8263-C8708232AED2}"/>
               </a:ext>
             </a:extLst>
           </p:cNvPr>
@@ -6476,7 +6679,7 @@
             <p:cNvPr id="119" name="Group 118">
               <a:extLst>
                 <a:ext uri="{FF2B5EF4-FFF2-40B4-BE49-F238E27FC236}">
-                  <a16:creationId xmlns="" xmlns:a16="http://schemas.microsoft.com/office/drawing/2014/main" id="{E5B4FC20-C444-4C03-B912-6914AC2B8AB2}"/>
+                  <a16:creationId xmlns:a16="http://schemas.microsoft.com/office/drawing/2014/main" xmlns="" id="{E5B4FC20-C444-4C03-B912-6914AC2B8AB2}"/>
                 </a:ext>
               </a:extLst>
             </p:cNvPr>
@@ -6496,7 +6699,7 @@
               <p:cNvPr id="120" name="Freeform 5">
                 <a:extLst>
                   <a:ext uri="{FF2B5EF4-FFF2-40B4-BE49-F238E27FC236}">
-                    <a16:creationId xmlns="" xmlns:a16="http://schemas.microsoft.com/office/drawing/2014/main" id="{F52FC4DE-F5C4-47DA-8A31-AAFB66D6416A}"/>
+                    <a16:creationId xmlns:a16="http://schemas.microsoft.com/office/drawing/2014/main" xmlns="" id="{F52FC4DE-F5C4-47DA-8A31-AAFB66D6416A}"/>
                   </a:ext>
                 </a:extLst>
               </p:cNvPr>
@@ -6977,7 +7180,7 @@
               <p:cNvPr id="121" name="Freeform 6">
                 <a:extLst>
                   <a:ext uri="{FF2B5EF4-FFF2-40B4-BE49-F238E27FC236}">
-                    <a16:creationId xmlns="" xmlns:a16="http://schemas.microsoft.com/office/drawing/2014/main" id="{4FCC544E-32E5-43BE-906D-D401BEF50A6D}"/>
+                    <a16:creationId xmlns:a16="http://schemas.microsoft.com/office/drawing/2014/main" xmlns="" id="{4FCC544E-32E5-43BE-906D-D401BEF50A6D}"/>
                   </a:ext>
                 </a:extLst>
               </p:cNvPr>
@@ -7155,7 +7358,7 @@
               <p:cNvPr id="122" name="Freeform 7">
                 <a:extLst>
                   <a:ext uri="{FF2B5EF4-FFF2-40B4-BE49-F238E27FC236}">
-                    <a16:creationId xmlns="" xmlns:a16="http://schemas.microsoft.com/office/drawing/2014/main" id="{BD352A43-C163-466F-9E85-35AA89D82115}"/>
+                    <a16:creationId xmlns:a16="http://schemas.microsoft.com/office/drawing/2014/main" xmlns="" id="{BD352A43-C163-466F-9E85-35AA89D82115}"/>
                   </a:ext>
                 </a:extLst>
               </p:cNvPr>
@@ -7353,7 +7556,7 @@
               <p:cNvPr id="123" name="Freeform 8">
                 <a:extLst>
                   <a:ext uri="{FF2B5EF4-FFF2-40B4-BE49-F238E27FC236}">
-                    <a16:creationId xmlns="" xmlns:a16="http://schemas.microsoft.com/office/drawing/2014/main" id="{A49BC1DA-7F34-4FC0-97B8-59AB848A73BD}"/>
+                    <a16:creationId xmlns:a16="http://schemas.microsoft.com/office/drawing/2014/main" xmlns="" id="{A49BC1DA-7F34-4FC0-97B8-59AB848A73BD}"/>
                   </a:ext>
                 </a:extLst>
               </p:cNvPr>
@@ -7531,7 +7734,7 @@
               <p:cNvPr id="124" name="Freeform 9">
                 <a:extLst>
                   <a:ext uri="{FF2B5EF4-FFF2-40B4-BE49-F238E27FC236}">
-                    <a16:creationId xmlns="" xmlns:a16="http://schemas.microsoft.com/office/drawing/2014/main" id="{7527A342-5DA5-4D68-9162-4C01DEFB61DB}"/>
+                    <a16:creationId xmlns:a16="http://schemas.microsoft.com/office/drawing/2014/main" xmlns="" id="{7527A342-5DA5-4D68-9162-4C01DEFB61DB}"/>
                   </a:ext>
                 </a:extLst>
               </p:cNvPr>
@@ -7730,7 +7933,7 @@
             <p:cNvPr id="136" name="Straight Connector 135">
               <a:extLst>
                 <a:ext uri="{FF2B5EF4-FFF2-40B4-BE49-F238E27FC236}">
-                  <a16:creationId xmlns="" xmlns:a16="http://schemas.microsoft.com/office/drawing/2014/main" id="{A0066D04-42E9-4291-8FF4-1A3DE7ECBA0E}"/>
+                  <a16:creationId xmlns:a16="http://schemas.microsoft.com/office/drawing/2014/main" xmlns="" id="{A0066D04-42E9-4291-8FF4-1A3DE7ECBA0E}"/>
                 </a:ext>
               </a:extLst>
             </p:cNvPr>
@@ -7774,7 +7977,7 @@
           <p:cNvPr id="30" name="Group 29">
             <a:extLst>
               <a:ext uri="{FF2B5EF4-FFF2-40B4-BE49-F238E27FC236}">
-                <a16:creationId xmlns="" xmlns:a16="http://schemas.microsoft.com/office/drawing/2014/main" id="{C6990497-3BA4-4070-805D-0A5F39CB742F}"/>
+                <a16:creationId xmlns:a16="http://schemas.microsoft.com/office/drawing/2014/main" xmlns="" id="{C6990497-3BA4-4070-805D-0A5F39CB742F}"/>
               </a:ext>
             </a:extLst>
           </p:cNvPr>
@@ -7794,7 +7997,7 @@
             <p:cNvPr id="125" name="Group 124">
               <a:extLst>
                 <a:ext uri="{FF2B5EF4-FFF2-40B4-BE49-F238E27FC236}">
-                  <a16:creationId xmlns="" xmlns:a16="http://schemas.microsoft.com/office/drawing/2014/main" id="{3A98F39F-9265-4C78-8D29-CCDF0B559433}"/>
+                  <a16:creationId xmlns:a16="http://schemas.microsoft.com/office/drawing/2014/main" xmlns="" id="{3A98F39F-9265-4C78-8D29-CCDF0B559433}"/>
                 </a:ext>
               </a:extLst>
             </p:cNvPr>
@@ -7814,7 +8017,7 @@
               <p:cNvPr id="126" name="Freeform 5">
                 <a:extLst>
                   <a:ext uri="{FF2B5EF4-FFF2-40B4-BE49-F238E27FC236}">
-                    <a16:creationId xmlns="" xmlns:a16="http://schemas.microsoft.com/office/drawing/2014/main" id="{83FFC820-DDED-4057-AEB4-2941333A6897}"/>
+                    <a16:creationId xmlns:a16="http://schemas.microsoft.com/office/drawing/2014/main" xmlns="" id="{83FFC820-DDED-4057-AEB4-2941333A6897}"/>
                   </a:ext>
                 </a:extLst>
               </p:cNvPr>
@@ -8295,7 +8498,7 @@
               <p:cNvPr id="127" name="Freeform 6">
                 <a:extLst>
                   <a:ext uri="{FF2B5EF4-FFF2-40B4-BE49-F238E27FC236}">
-                    <a16:creationId xmlns="" xmlns:a16="http://schemas.microsoft.com/office/drawing/2014/main" id="{EAFD2AFD-CE31-47D4-BA52-C3F3B7F4D850}"/>
+                    <a16:creationId xmlns:a16="http://schemas.microsoft.com/office/drawing/2014/main" xmlns="" id="{EAFD2AFD-CE31-47D4-BA52-C3F3B7F4D850}"/>
                   </a:ext>
                 </a:extLst>
               </p:cNvPr>
@@ -8473,7 +8676,7 @@
               <p:cNvPr id="128" name="Freeform 7">
                 <a:extLst>
                   <a:ext uri="{FF2B5EF4-FFF2-40B4-BE49-F238E27FC236}">
-                    <a16:creationId xmlns="" xmlns:a16="http://schemas.microsoft.com/office/drawing/2014/main" id="{545F5AC7-A5D5-4F5A-9BD2-84B617D0DC21}"/>
+                    <a16:creationId xmlns:a16="http://schemas.microsoft.com/office/drawing/2014/main" xmlns="" id="{545F5AC7-A5D5-4F5A-9BD2-84B617D0DC21}"/>
                   </a:ext>
                 </a:extLst>
               </p:cNvPr>
@@ -8671,7 +8874,7 @@
               <p:cNvPr id="129" name="Freeform 8">
                 <a:extLst>
                   <a:ext uri="{FF2B5EF4-FFF2-40B4-BE49-F238E27FC236}">
-                    <a16:creationId xmlns="" xmlns:a16="http://schemas.microsoft.com/office/drawing/2014/main" id="{B2F09D9F-F636-419C-8706-79B99826DBCB}"/>
+                    <a16:creationId xmlns:a16="http://schemas.microsoft.com/office/drawing/2014/main" xmlns="" id="{B2F09D9F-F636-419C-8706-79B99826DBCB}"/>
                   </a:ext>
                 </a:extLst>
               </p:cNvPr>
@@ -8849,7 +9052,7 @@
               <p:cNvPr id="130" name="Freeform 9">
                 <a:extLst>
                   <a:ext uri="{FF2B5EF4-FFF2-40B4-BE49-F238E27FC236}">
-                    <a16:creationId xmlns="" xmlns:a16="http://schemas.microsoft.com/office/drawing/2014/main" id="{80C99F69-63D3-492A-AAE5-3DC3D4E57228}"/>
+                    <a16:creationId xmlns:a16="http://schemas.microsoft.com/office/drawing/2014/main" xmlns="" id="{80C99F69-63D3-492A-AAE5-3DC3D4E57228}"/>
                   </a:ext>
                 </a:extLst>
               </p:cNvPr>
@@ -9048,7 +9251,7 @@
             <p:cNvPr id="137" name="Straight Connector 136">
               <a:extLst>
                 <a:ext uri="{FF2B5EF4-FFF2-40B4-BE49-F238E27FC236}">
-                  <a16:creationId xmlns="" xmlns:a16="http://schemas.microsoft.com/office/drawing/2014/main" id="{200C9044-81C4-4B87-A0B2-5DE7897CBD28}"/>
+                  <a16:creationId xmlns:a16="http://schemas.microsoft.com/office/drawing/2014/main" xmlns="" id="{200C9044-81C4-4B87-A0B2-5DE7897CBD28}"/>
                 </a:ext>
               </a:extLst>
             </p:cNvPr>
@@ -9092,7 +9295,7 @@
           <p:cNvPr id="35" name="Group 34">
             <a:extLst>
               <a:ext uri="{FF2B5EF4-FFF2-40B4-BE49-F238E27FC236}">
-                <a16:creationId xmlns="" xmlns:a16="http://schemas.microsoft.com/office/drawing/2014/main" id="{E6CA2614-C776-41DC-B4D3-D31634D9C475}"/>
+                <a16:creationId xmlns:a16="http://schemas.microsoft.com/office/drawing/2014/main" xmlns="" id="{E6CA2614-C776-41DC-B4D3-D31634D9C475}"/>
               </a:ext>
             </a:extLst>
           </p:cNvPr>
@@ -9112,7 +9315,7 @@
             <p:cNvPr id="84" name="Freeform 5">
               <a:extLst>
                 <a:ext uri="{FF2B5EF4-FFF2-40B4-BE49-F238E27FC236}">
-                  <a16:creationId xmlns="" xmlns:a16="http://schemas.microsoft.com/office/drawing/2014/main" id="{C3018793-9F15-4AA0-8D88-CFE8F59413F5}"/>
+                  <a16:creationId xmlns:a16="http://schemas.microsoft.com/office/drawing/2014/main" xmlns="" id="{C3018793-9F15-4AA0-8D88-CFE8F59413F5}"/>
                 </a:ext>
               </a:extLst>
             </p:cNvPr>
@@ -9593,7 +9796,7 @@
             <p:cNvPr id="85" name="Freeform 6">
               <a:extLst>
                 <a:ext uri="{FF2B5EF4-FFF2-40B4-BE49-F238E27FC236}">
-                  <a16:creationId xmlns="" xmlns:a16="http://schemas.microsoft.com/office/drawing/2014/main" id="{DE8BB8EF-7DA6-41F1-BC71-B8028DC8E8BB}"/>
+                  <a16:creationId xmlns:a16="http://schemas.microsoft.com/office/drawing/2014/main" xmlns="" id="{DE8BB8EF-7DA6-41F1-BC71-B8028DC8E8BB}"/>
                 </a:ext>
               </a:extLst>
             </p:cNvPr>
@@ -9771,7 +9974,7 @@
             <p:cNvPr id="86" name="Freeform 7">
               <a:extLst>
                 <a:ext uri="{FF2B5EF4-FFF2-40B4-BE49-F238E27FC236}">
-                  <a16:creationId xmlns="" xmlns:a16="http://schemas.microsoft.com/office/drawing/2014/main" id="{4EB21C51-58A8-4A53-801B-988B2406C17F}"/>
+                  <a16:creationId xmlns:a16="http://schemas.microsoft.com/office/drawing/2014/main" xmlns="" id="{4EB21C51-58A8-4A53-801B-988B2406C17F}"/>
                 </a:ext>
               </a:extLst>
             </p:cNvPr>
@@ -9969,7 +10172,7 @@
             <p:cNvPr id="87" name="Freeform 8">
               <a:extLst>
                 <a:ext uri="{FF2B5EF4-FFF2-40B4-BE49-F238E27FC236}">
-                  <a16:creationId xmlns="" xmlns:a16="http://schemas.microsoft.com/office/drawing/2014/main" id="{D37A70B3-F043-4A49-A074-CAE0F71F8FCD}"/>
+                  <a16:creationId xmlns:a16="http://schemas.microsoft.com/office/drawing/2014/main" xmlns="" id="{D37A70B3-F043-4A49-A074-CAE0F71F8FCD}"/>
                 </a:ext>
               </a:extLst>
             </p:cNvPr>
@@ -10147,7 +10350,7 @@
             <p:cNvPr id="88" name="Freeform 9">
               <a:extLst>
                 <a:ext uri="{FF2B5EF4-FFF2-40B4-BE49-F238E27FC236}">
-                  <a16:creationId xmlns="" xmlns:a16="http://schemas.microsoft.com/office/drawing/2014/main" id="{A0C22660-B79D-4A94-BD65-391DD653D470}"/>
+                  <a16:creationId xmlns:a16="http://schemas.microsoft.com/office/drawing/2014/main" xmlns="" id="{A0C22660-B79D-4A94-BD65-391DD653D470}"/>
                 </a:ext>
               </a:extLst>
             </p:cNvPr>
@@ -10345,7 +10548,7 @@
             <p:cNvPr id="89" name="Freeform 10">
               <a:extLst>
                 <a:ext uri="{FF2B5EF4-FFF2-40B4-BE49-F238E27FC236}">
-                  <a16:creationId xmlns="" xmlns:a16="http://schemas.microsoft.com/office/drawing/2014/main" id="{CFC93E54-CFFF-4ABA-BFD6-36579C7A0052}"/>
+                  <a16:creationId xmlns:a16="http://schemas.microsoft.com/office/drawing/2014/main" xmlns="" id="{CFC93E54-CFFF-4ABA-BFD6-36579C7A0052}"/>
                 </a:ext>
               </a:extLst>
             </p:cNvPr>
@@ -10513,7 +10716,7 @@
             <p:cNvPr id="90" name="Freeform 11">
               <a:extLst>
                 <a:ext uri="{FF2B5EF4-FFF2-40B4-BE49-F238E27FC236}">
-                  <a16:creationId xmlns="" xmlns:a16="http://schemas.microsoft.com/office/drawing/2014/main" id="{22131C25-69B1-4F33-9B81-64B6AA7AEF5A}"/>
+                  <a16:creationId xmlns:a16="http://schemas.microsoft.com/office/drawing/2014/main" xmlns="" id="{22131C25-69B1-4F33-9B81-64B6AA7AEF5A}"/>
                 </a:ext>
               </a:extLst>
             </p:cNvPr>
@@ -10689,7 +10892,7 @@
             <p:cNvPr id="91" name="Freeform 12">
               <a:extLst>
                 <a:ext uri="{FF2B5EF4-FFF2-40B4-BE49-F238E27FC236}">
-                  <a16:creationId xmlns="" xmlns:a16="http://schemas.microsoft.com/office/drawing/2014/main" id="{B4251EF7-E48A-46C8-BA9B-7BD81279429F}"/>
+                  <a16:creationId xmlns:a16="http://schemas.microsoft.com/office/drawing/2014/main" xmlns="" id="{B4251EF7-E48A-46C8-BA9B-7BD81279429F}"/>
                 </a:ext>
               </a:extLst>
             </p:cNvPr>
@@ -10867,7 +11070,7 @@
             <p:cNvPr id="92" name="Freeform 13">
               <a:extLst>
                 <a:ext uri="{FF2B5EF4-FFF2-40B4-BE49-F238E27FC236}">
-                  <a16:creationId xmlns="" xmlns:a16="http://schemas.microsoft.com/office/drawing/2014/main" id="{A2F2C16A-6D6D-409A-9C9E-65CB184D3F26}"/>
+                  <a16:creationId xmlns:a16="http://schemas.microsoft.com/office/drawing/2014/main" xmlns="" id="{A2F2C16A-6D6D-409A-9C9E-65CB184D3F26}"/>
                 </a:ext>
               </a:extLst>
             </p:cNvPr>
@@ -11045,7 +11248,7 @@
             <p:cNvPr id="93" name="Freeform 14">
               <a:extLst>
                 <a:ext uri="{FF2B5EF4-FFF2-40B4-BE49-F238E27FC236}">
-                  <a16:creationId xmlns="" xmlns:a16="http://schemas.microsoft.com/office/drawing/2014/main" id="{DE9D0EE0-16F0-4C3D-8B7B-C52E37EB02A7}"/>
+                  <a16:creationId xmlns:a16="http://schemas.microsoft.com/office/drawing/2014/main" xmlns="" id="{DE9D0EE0-16F0-4C3D-8B7B-C52E37EB02A7}"/>
                 </a:ext>
               </a:extLst>
             </p:cNvPr>
@@ -11213,7 +11416,7 @@
             <p:cNvPr id="94" name="Freeform 15">
               <a:extLst>
                 <a:ext uri="{FF2B5EF4-FFF2-40B4-BE49-F238E27FC236}">
-                  <a16:creationId xmlns="" xmlns:a16="http://schemas.microsoft.com/office/drawing/2014/main" id="{866B0852-9270-48AC-B823-579167A21C0E}"/>
+                  <a16:creationId xmlns:a16="http://schemas.microsoft.com/office/drawing/2014/main" xmlns="" id="{866B0852-9270-48AC-B823-579167A21C0E}"/>
                 </a:ext>
               </a:extLst>
             </p:cNvPr>
@@ -11381,7 +11584,7 @@
             <p:cNvPr id="95" name="Freeform 16">
               <a:extLst>
                 <a:ext uri="{FF2B5EF4-FFF2-40B4-BE49-F238E27FC236}">
-                  <a16:creationId xmlns="" xmlns:a16="http://schemas.microsoft.com/office/drawing/2014/main" id="{F7291838-E6C8-415E-A10A-6461E4679FA4}"/>
+                  <a16:creationId xmlns:a16="http://schemas.microsoft.com/office/drawing/2014/main" xmlns="" id="{F7291838-E6C8-415E-A10A-6461E4679FA4}"/>
                 </a:ext>
               </a:extLst>
             </p:cNvPr>
@@ -11559,7 +11762,7 @@
             <p:cNvPr id="96" name="Freeform 17">
               <a:extLst>
                 <a:ext uri="{FF2B5EF4-FFF2-40B4-BE49-F238E27FC236}">
-                  <a16:creationId xmlns="" xmlns:a16="http://schemas.microsoft.com/office/drawing/2014/main" id="{6919034B-0329-4750-B29F-F3CDAB05EC26}"/>
+                  <a16:creationId xmlns:a16="http://schemas.microsoft.com/office/drawing/2014/main" xmlns="" id="{6919034B-0329-4750-B29F-F3CDAB05EC26}"/>
                 </a:ext>
               </a:extLst>
             </p:cNvPr>
@@ -11737,7 +11940,7 @@
             <p:cNvPr id="97" name="Freeform 18">
               <a:extLst>
                 <a:ext uri="{FF2B5EF4-FFF2-40B4-BE49-F238E27FC236}">
-                  <a16:creationId xmlns="" xmlns:a16="http://schemas.microsoft.com/office/drawing/2014/main" id="{B83DC41F-2223-45D9-882F-0C6801E7AB0F}"/>
+                  <a16:creationId xmlns:a16="http://schemas.microsoft.com/office/drawing/2014/main" xmlns="" id="{B83DC41F-2223-45D9-882F-0C6801E7AB0F}"/>
                 </a:ext>
               </a:extLst>
             </p:cNvPr>
@@ -11916,7 +12119,7 @@
           <p:cNvPr id="52" name="Oval 51">
             <a:extLst>
               <a:ext uri="{FF2B5EF4-FFF2-40B4-BE49-F238E27FC236}">
-                <a16:creationId xmlns="" xmlns:a16="http://schemas.microsoft.com/office/drawing/2014/main" id="{153D3CDC-87CE-4B7E-B4A3-6496D6D6A532}"/>
+                <a16:creationId xmlns:a16="http://schemas.microsoft.com/office/drawing/2014/main" xmlns="" id="{153D3CDC-87CE-4B7E-B4A3-6496D6D6A532}"/>
               </a:ext>
             </a:extLst>
           </p:cNvPr>
@@ -12048,7 +12251,7 @@
           <p:cNvPr id="20" name="Oval 19">
             <a:extLst>
               <a:ext uri="{FF2B5EF4-FFF2-40B4-BE49-F238E27FC236}">
-                <a16:creationId xmlns="" xmlns:a16="http://schemas.microsoft.com/office/drawing/2014/main" id="{15F9E255-61F9-4DFF-8290-1A613DA1B5BB}"/>
+                <a16:creationId xmlns:a16="http://schemas.microsoft.com/office/drawing/2014/main" xmlns="" id="{15F9E255-61F9-4DFF-8290-1A613DA1B5BB}"/>
               </a:ext>
             </a:extLst>
           </p:cNvPr>
@@ -12108,7 +12311,7 @@
           <p:cNvPr id="41" name="Group 40">
             <a:extLst>
               <a:ext uri="{FF2B5EF4-FFF2-40B4-BE49-F238E27FC236}">
-                <a16:creationId xmlns="" xmlns:a16="http://schemas.microsoft.com/office/drawing/2014/main" id="{591D7154-7104-477A-A267-29B7F59277CF}"/>
+                <a16:creationId xmlns:a16="http://schemas.microsoft.com/office/drawing/2014/main" xmlns="" id="{591D7154-7104-477A-A267-29B7F59277CF}"/>
               </a:ext>
             </a:extLst>
           </p:cNvPr>
@@ -12128,7 +12331,7 @@
             <p:cNvPr id="15" name="Group 14">
               <a:extLst>
                 <a:ext uri="{FF2B5EF4-FFF2-40B4-BE49-F238E27FC236}">
-                  <a16:creationId xmlns="" xmlns:a16="http://schemas.microsoft.com/office/drawing/2014/main" id="{48B83C53-B05F-482A-82A1-BE0464743B39}"/>
+                  <a16:creationId xmlns:a16="http://schemas.microsoft.com/office/drawing/2014/main" xmlns="" id="{48B83C53-B05F-482A-82A1-BE0464743B39}"/>
                 </a:ext>
               </a:extLst>
             </p:cNvPr>
@@ -12148,7 +12351,7 @@
               <p:cNvPr id="16" name="Freeform 6">
                 <a:extLst>
                   <a:ext uri="{FF2B5EF4-FFF2-40B4-BE49-F238E27FC236}">
-                    <a16:creationId xmlns="" xmlns:a16="http://schemas.microsoft.com/office/drawing/2014/main" id="{9BA7F78A-5B92-4949-8F8C-8ECC299BC8FB}"/>
+                    <a16:creationId xmlns:a16="http://schemas.microsoft.com/office/drawing/2014/main" xmlns="" id="{9BA7F78A-5B92-4949-8F8C-8ECC299BC8FB}"/>
                   </a:ext>
                 </a:extLst>
               </p:cNvPr>
@@ -12277,7 +12480,7 @@
               <p:cNvPr id="17" name="Freeform 7">
                 <a:extLst>
                   <a:ext uri="{FF2B5EF4-FFF2-40B4-BE49-F238E27FC236}">
-                    <a16:creationId xmlns="" xmlns:a16="http://schemas.microsoft.com/office/drawing/2014/main" id="{F5C40D60-8578-40FF-BE1E-194917DCCA2D}"/>
+                    <a16:creationId xmlns:a16="http://schemas.microsoft.com/office/drawing/2014/main" xmlns="" id="{F5C40D60-8578-40FF-BE1E-194917DCCA2D}"/>
                   </a:ext>
                 </a:extLst>
               </p:cNvPr>
@@ -12416,7 +12619,7 @@
               <p:cNvPr id="18" name="Freeform 8">
                 <a:extLst>
                   <a:ext uri="{FF2B5EF4-FFF2-40B4-BE49-F238E27FC236}">
-                    <a16:creationId xmlns="" xmlns:a16="http://schemas.microsoft.com/office/drawing/2014/main" id="{C390EA27-1FE2-4756-A3F0-21C98E0E46D7}"/>
+                    <a16:creationId xmlns:a16="http://schemas.microsoft.com/office/drawing/2014/main" xmlns="" id="{C390EA27-1FE2-4756-A3F0-21C98E0E46D7}"/>
                   </a:ext>
                 </a:extLst>
               </p:cNvPr>
@@ -12623,7 +12826,7 @@
               <p:cNvPr id="19" name="Freeform 9">
                 <a:extLst>
                   <a:ext uri="{FF2B5EF4-FFF2-40B4-BE49-F238E27FC236}">
-                    <a16:creationId xmlns="" xmlns:a16="http://schemas.microsoft.com/office/drawing/2014/main" id="{9AEF8173-5C3F-4A95-AFA5-151718BC3682}"/>
+                    <a16:creationId xmlns:a16="http://schemas.microsoft.com/office/drawing/2014/main" xmlns="" id="{9AEF8173-5C3F-4A95-AFA5-151718BC3682}"/>
                   </a:ext>
                 </a:extLst>
               </p:cNvPr>
@@ -13472,7 +13675,7 @@
             <p:cNvPr id="3" name="Straight Connector 2">
               <a:extLst>
                 <a:ext uri="{FF2B5EF4-FFF2-40B4-BE49-F238E27FC236}">
-                  <a16:creationId xmlns="" xmlns:a16="http://schemas.microsoft.com/office/drawing/2014/main" id="{055FD339-6624-469D-9E75-56140C89AEE5}"/>
+                  <a16:creationId xmlns:a16="http://schemas.microsoft.com/office/drawing/2014/main" xmlns="" id="{055FD339-6624-469D-9E75-56140C89AEE5}"/>
                 </a:ext>
               </a:extLst>
             </p:cNvPr>
@@ -13513,7 +13716,7 @@
             <p:cNvPr id="22" name="Straight Connector 21">
               <a:extLst>
                 <a:ext uri="{FF2B5EF4-FFF2-40B4-BE49-F238E27FC236}">
-                  <a16:creationId xmlns="" xmlns:a16="http://schemas.microsoft.com/office/drawing/2014/main" id="{8612B0EC-E1FC-452C-8A5D-8A96934ACE96}"/>
+                  <a16:creationId xmlns:a16="http://schemas.microsoft.com/office/drawing/2014/main" xmlns="" id="{8612B0EC-E1FC-452C-8A5D-8A96934ACE96}"/>
                 </a:ext>
               </a:extLst>
             </p:cNvPr>
@@ -13554,7 +13757,7 @@
             <p:cNvPr id="23" name="Straight Connector 22">
               <a:extLst>
                 <a:ext uri="{FF2B5EF4-FFF2-40B4-BE49-F238E27FC236}">
-                  <a16:creationId xmlns="" xmlns:a16="http://schemas.microsoft.com/office/drawing/2014/main" id="{E1043069-413C-49D4-8B80-40AF0EAE5EE9}"/>
+                  <a16:creationId xmlns:a16="http://schemas.microsoft.com/office/drawing/2014/main" xmlns="" id="{E1043069-413C-49D4-8B80-40AF0EAE5EE9}"/>
                 </a:ext>
               </a:extLst>
             </p:cNvPr>
@@ -13597,7 +13800,7 @@
             <p:cNvPr id="28" name="Straight Connector 27">
               <a:extLst>
                 <a:ext uri="{FF2B5EF4-FFF2-40B4-BE49-F238E27FC236}">
-                  <a16:creationId xmlns="" xmlns:a16="http://schemas.microsoft.com/office/drawing/2014/main" id="{397EB301-14C4-4DFE-B42B-473BC0BCD6F9}"/>
+                  <a16:creationId xmlns:a16="http://schemas.microsoft.com/office/drawing/2014/main" xmlns="" id="{397EB301-14C4-4DFE-B42B-473BC0BCD6F9}"/>
                 </a:ext>
               </a:extLst>
             </p:cNvPr>
@@ -13640,7 +13843,7 @@
             <p:cNvPr id="29" name="Straight Connector 28">
               <a:extLst>
                 <a:ext uri="{FF2B5EF4-FFF2-40B4-BE49-F238E27FC236}">
-                  <a16:creationId xmlns="" xmlns:a16="http://schemas.microsoft.com/office/drawing/2014/main" id="{FBC917EB-9D8B-4B59-A3AC-3DB6C8C02DE6}"/>
+                  <a16:creationId xmlns:a16="http://schemas.microsoft.com/office/drawing/2014/main" xmlns="" id="{FBC917EB-9D8B-4B59-A3AC-3DB6C8C02DE6}"/>
                 </a:ext>
               </a:extLst>
             </p:cNvPr>
@@ -13683,7 +13886,7 @@
             <p:cNvPr id="30" name="Straight Connector 29">
               <a:extLst>
                 <a:ext uri="{FF2B5EF4-FFF2-40B4-BE49-F238E27FC236}">
-                  <a16:creationId xmlns="" xmlns:a16="http://schemas.microsoft.com/office/drawing/2014/main" id="{7521A0EA-AC72-4870-82E3-4972FC968A8C}"/>
+                  <a16:creationId xmlns:a16="http://schemas.microsoft.com/office/drawing/2014/main" xmlns="" id="{7521A0EA-AC72-4870-82E3-4972FC968A8C}"/>
                 </a:ext>
               </a:extLst>
             </p:cNvPr>
@@ -13726,7 +13929,7 @@
             <p:cNvPr id="40" name="Straight Connector 39">
               <a:extLst>
                 <a:ext uri="{FF2B5EF4-FFF2-40B4-BE49-F238E27FC236}">
-                  <a16:creationId xmlns="" xmlns:a16="http://schemas.microsoft.com/office/drawing/2014/main" id="{F8334326-78D0-4D4C-A570-C3A654DA6E92}"/>
+                  <a16:creationId xmlns:a16="http://schemas.microsoft.com/office/drawing/2014/main" xmlns="" id="{F8334326-78D0-4D4C-A570-C3A654DA6E92}"/>
                 </a:ext>
               </a:extLst>
             </p:cNvPr>
@@ -13770,7 +13973,7 @@
           <p:cNvPr id="2" name="Group 1">
             <a:extLst>
               <a:ext uri="{FF2B5EF4-FFF2-40B4-BE49-F238E27FC236}">
-                <a16:creationId xmlns="" xmlns:a16="http://schemas.microsoft.com/office/drawing/2014/main" id="{CC228256-7909-4687-AC06-DF201365974E}"/>
+                <a16:creationId xmlns:a16="http://schemas.microsoft.com/office/drawing/2014/main" xmlns="" id="{CC228256-7909-4687-AC06-DF201365974E}"/>
               </a:ext>
             </a:extLst>
           </p:cNvPr>
@@ -13790,7 +13993,7 @@
             <p:cNvPr id="21" name="Oval 20">
               <a:extLst>
                 <a:ext uri="{FF2B5EF4-FFF2-40B4-BE49-F238E27FC236}">
-                  <a16:creationId xmlns="" xmlns:a16="http://schemas.microsoft.com/office/drawing/2014/main" id="{D9CB84BB-85E0-45B1-9A9A-18FFA2F49124}"/>
+                  <a16:creationId xmlns:a16="http://schemas.microsoft.com/office/drawing/2014/main" xmlns="" id="{D9CB84BB-85E0-45B1-9A9A-18FFA2F49124}"/>
                 </a:ext>
               </a:extLst>
             </p:cNvPr>
@@ -13838,7 +14041,7 @@
             <p:cNvPr id="24" name="Rectangle: Rounded Corners 23">
               <a:extLst>
                 <a:ext uri="{FF2B5EF4-FFF2-40B4-BE49-F238E27FC236}">
-                  <a16:creationId xmlns="" xmlns:a16="http://schemas.microsoft.com/office/drawing/2014/main" id="{2D5550FD-F773-422B-89AE-F3B73C2D6D9B}"/>
+                  <a16:creationId xmlns:a16="http://schemas.microsoft.com/office/drawing/2014/main" xmlns="" id="{2D5550FD-F773-422B-89AE-F3B73C2D6D9B}"/>
                 </a:ext>
               </a:extLst>
             </p:cNvPr>
@@ -13896,7 +14099,7 @@
             <p:cNvPr id="25" name="Rectangle: Rounded Corners 24">
               <a:extLst>
                 <a:ext uri="{FF2B5EF4-FFF2-40B4-BE49-F238E27FC236}">
-                  <a16:creationId xmlns="" xmlns:a16="http://schemas.microsoft.com/office/drawing/2014/main" id="{8623F86D-02ED-41FE-B82A-AF77216F4306}"/>
+                  <a16:creationId xmlns:a16="http://schemas.microsoft.com/office/drawing/2014/main" xmlns="" id="{8623F86D-02ED-41FE-B82A-AF77216F4306}"/>
                 </a:ext>
               </a:extLst>
             </p:cNvPr>
@@ -13955,7 +14158,7 @@
           <p:cNvPr id="42" name="TextBox 41">
             <a:extLst>
               <a:ext uri="{FF2B5EF4-FFF2-40B4-BE49-F238E27FC236}">
-                <a16:creationId xmlns="" xmlns:a16="http://schemas.microsoft.com/office/drawing/2014/main" id="{95080828-2C0C-49AD-BAB5-3A3969C24F8D}"/>
+                <a16:creationId xmlns:a16="http://schemas.microsoft.com/office/drawing/2014/main" xmlns="" id="{95080828-2C0C-49AD-BAB5-3A3969C24F8D}"/>
               </a:ext>
             </a:extLst>
           </p:cNvPr>
@@ -14008,7 +14211,7 @@
           <p:cNvPr id="43" name="TextBox 42">
             <a:extLst>
               <a:ext uri="{FF2B5EF4-FFF2-40B4-BE49-F238E27FC236}">
-                <a16:creationId xmlns="" xmlns:a16="http://schemas.microsoft.com/office/drawing/2014/main" id="{26A3202A-290F-40F8-B2BF-8600143622AC}"/>
+                <a16:creationId xmlns:a16="http://schemas.microsoft.com/office/drawing/2014/main" xmlns="" id="{26A3202A-290F-40F8-B2BF-8600143622AC}"/>
               </a:ext>
             </a:extLst>
           </p:cNvPr>
@@ -14017,7 +14220,7 @@
         </p:nvSpPr>
         <p:spPr>
           <a:xfrm>
-            <a:off x="7807286" y="1933044"/>
+            <a:off x="7797875" y="1859317"/>
             <a:ext cx="3281423" cy="830997"/>
           </a:xfrm>
           <a:prstGeom prst="rect">
@@ -14043,8 +14246,16 @@
                 <a:ea typeface="Noto Sans" panose="020B0502040504020204" pitchFamily="34"/>
                 <a:cs typeface="Noto Sans" panose="020B0502040504020204" pitchFamily="34"/>
               </a:rPr>
-              <a:t>Introduction</a:t>
+              <a:t>Introduccion</a:t>
             </a:r>
+            <a:endParaRPr lang="en-GB" sz="2800" b="1" dirty="0" smtClean="0">
+              <a:solidFill>
+                <a:srgbClr val="FFFFFF"/>
+              </a:solidFill>
+              <a:latin typeface="Noto Sans" panose="020B0502040504020204" pitchFamily="34"/>
+              <a:ea typeface="Noto Sans" panose="020B0502040504020204" pitchFamily="34"/>
+              <a:cs typeface="Noto Sans" panose="020B0502040504020204" pitchFamily="34"/>
+            </a:endParaRPr>
           </a:p>
           <a:p>
             <a:pPr>
@@ -14066,7 +14277,7 @@
           <p:cNvPr id="45" name="Oval 44">
             <a:extLst>
               <a:ext uri="{FF2B5EF4-FFF2-40B4-BE49-F238E27FC236}">
-                <a16:creationId xmlns="" xmlns:a16="http://schemas.microsoft.com/office/drawing/2014/main" id="{A7118392-2AE3-4A3D-B015-9CB099000042}"/>
+                <a16:creationId xmlns:a16="http://schemas.microsoft.com/office/drawing/2014/main" xmlns="" id="{A7118392-2AE3-4A3D-B015-9CB099000042}"/>
               </a:ext>
             </a:extLst>
           </p:cNvPr>
@@ -14140,7 +14351,7 @@
           <p:cNvPr id="44" name="Group 1">
             <a:extLst>
               <a:ext uri="{FF2B5EF4-FFF2-40B4-BE49-F238E27FC236}">
-                <a16:creationId xmlns="" xmlns:a16="http://schemas.microsoft.com/office/drawing/2014/main" id="{CC228256-7909-4687-AC06-DF201365974E}"/>
+                <a16:creationId xmlns:a16="http://schemas.microsoft.com/office/drawing/2014/main" xmlns="" id="{CC228256-7909-4687-AC06-DF201365974E}"/>
               </a:ext>
             </a:extLst>
           </p:cNvPr>
@@ -14160,7 +14371,7 @@
             <p:cNvPr id="50" name="Oval 20">
               <a:extLst>
                 <a:ext uri="{FF2B5EF4-FFF2-40B4-BE49-F238E27FC236}">
-                  <a16:creationId xmlns="" xmlns:a16="http://schemas.microsoft.com/office/drawing/2014/main" id="{D9CB84BB-85E0-45B1-9A9A-18FFA2F49124}"/>
+                  <a16:creationId xmlns:a16="http://schemas.microsoft.com/office/drawing/2014/main" xmlns="" id="{D9CB84BB-85E0-45B1-9A9A-18FFA2F49124}"/>
                 </a:ext>
               </a:extLst>
             </p:cNvPr>
@@ -14208,7 +14419,7 @@
             <p:cNvPr id="51" name="Rectangle: Rounded Corners 23">
               <a:extLst>
                 <a:ext uri="{FF2B5EF4-FFF2-40B4-BE49-F238E27FC236}">
-                  <a16:creationId xmlns="" xmlns:a16="http://schemas.microsoft.com/office/drawing/2014/main" id="{2D5550FD-F773-422B-89AE-F3B73C2D6D9B}"/>
+                  <a16:creationId xmlns:a16="http://schemas.microsoft.com/office/drawing/2014/main" xmlns="" id="{2D5550FD-F773-422B-89AE-F3B73C2D6D9B}"/>
                 </a:ext>
               </a:extLst>
             </p:cNvPr>
@@ -14266,7 +14477,7 @@
             <p:cNvPr id="52" name="Rectangle: Rounded Corners 24">
               <a:extLst>
                 <a:ext uri="{FF2B5EF4-FFF2-40B4-BE49-F238E27FC236}">
-                  <a16:creationId xmlns="" xmlns:a16="http://schemas.microsoft.com/office/drawing/2014/main" id="{8623F86D-02ED-41FE-B82A-AF77216F4306}"/>
+                  <a16:creationId xmlns:a16="http://schemas.microsoft.com/office/drawing/2014/main" xmlns="" id="{8623F86D-02ED-41FE-B82A-AF77216F4306}"/>
                 </a:ext>
               </a:extLst>
             </p:cNvPr>
@@ -14325,7 +14536,7 @@
           <p:cNvPr id="53" name="TextBox 42">
             <a:extLst>
               <a:ext uri="{FF2B5EF4-FFF2-40B4-BE49-F238E27FC236}">
-                <a16:creationId xmlns="" xmlns:a16="http://schemas.microsoft.com/office/drawing/2014/main" id="{26A3202A-290F-40F8-B2BF-8600143622AC}"/>
+                <a16:creationId xmlns:a16="http://schemas.microsoft.com/office/drawing/2014/main" xmlns="" id="{26A3202A-290F-40F8-B2BF-8600143622AC}"/>
               </a:ext>
             </a:extLst>
           </p:cNvPr>
@@ -14335,7 +14546,7 @@
         <p:spPr>
           <a:xfrm>
             <a:off x="7797875" y="2510897"/>
-            <a:ext cx="4156114" cy="2554545"/>
+            <a:ext cx="4156114" cy="1815882"/>
           </a:xfrm>
           <a:prstGeom prst="rect">
             <a:avLst/>
@@ -14396,25 +14607,7 @@
                 <a:ea typeface="Noto Sans" panose="020B0502040504020204" pitchFamily="34"/>
                 <a:cs typeface="Noto Sans" panose="020B0502040504020204" pitchFamily="34"/>
               </a:rPr>
-              <a:t>Eliminar</a:t>
-            </a:r>
-          </a:p>
-          <a:p>
-            <a:pPr marL="457200" indent="-457200">
-              <a:buFontTx/>
-              <a:buChar char="-"/>
-              <a:defRPr/>
-            </a:pPr>
-            <a:r>
-              <a:rPr lang="en-GB" sz="2800" b="1" dirty="0" smtClean="0">
-                <a:solidFill>
-                  <a:srgbClr val="FFFFFF"/>
-                </a:solidFill>
-                <a:latin typeface="Noto Sans" panose="020B0502040504020204" pitchFamily="34"/>
-                <a:ea typeface="Noto Sans" panose="020B0502040504020204" pitchFamily="34"/>
-                <a:cs typeface="Noto Sans" panose="020B0502040504020204" pitchFamily="34"/>
-              </a:rPr>
-              <a:t>CENTRADO - AUMENTADO</a:t>
+              <a:t>Buscar</a:t>
             </a:r>
             <a:endParaRPr lang="en-GB" sz="2800" b="1" dirty="0" smtClean="0">
               <a:solidFill>
@@ -14429,6 +14622,17 @@
             <a:pPr>
               <a:defRPr/>
             </a:pPr>
+            <a:r>
+              <a:rPr lang="en-GB" sz="2800" b="1" dirty="0" smtClean="0">
+                <a:solidFill>
+                  <a:srgbClr val="FFFFFF"/>
+                </a:solidFill>
+                <a:latin typeface="Noto Sans" panose="020B0502040504020204" pitchFamily="34"/>
+                <a:ea typeface="Noto Sans" panose="020B0502040504020204" pitchFamily="34"/>
+                <a:cs typeface="Noto Sans" panose="020B0502040504020204" pitchFamily="34"/>
+              </a:rPr>
+              <a:t>-  Eliminar</a:t>
+            </a:r>
             <a:endParaRPr lang="en-GB" sz="2000" b="1" dirty="0" smtClean="0">
               <a:solidFill>
                 <a:srgbClr val="FFFFFF"/>
@@ -14445,7 +14649,7 @@
           <p:cNvPr id="54" name="Group 1">
             <a:extLst>
               <a:ext uri="{FF2B5EF4-FFF2-40B4-BE49-F238E27FC236}">
-                <a16:creationId xmlns="" xmlns:a16="http://schemas.microsoft.com/office/drawing/2014/main" id="{CC228256-7909-4687-AC06-DF201365974E}"/>
+                <a16:creationId xmlns:a16="http://schemas.microsoft.com/office/drawing/2014/main" xmlns="" id="{CC228256-7909-4687-AC06-DF201365974E}"/>
               </a:ext>
             </a:extLst>
           </p:cNvPr>
@@ -14465,7 +14669,7 @@
             <p:cNvPr id="55" name="Oval 20">
               <a:extLst>
                 <a:ext uri="{FF2B5EF4-FFF2-40B4-BE49-F238E27FC236}">
-                  <a16:creationId xmlns="" xmlns:a16="http://schemas.microsoft.com/office/drawing/2014/main" id="{D9CB84BB-85E0-45B1-9A9A-18FFA2F49124}"/>
+                  <a16:creationId xmlns:a16="http://schemas.microsoft.com/office/drawing/2014/main" xmlns="" id="{D9CB84BB-85E0-45B1-9A9A-18FFA2F49124}"/>
                 </a:ext>
               </a:extLst>
             </p:cNvPr>
@@ -14513,7 +14717,7 @@
             <p:cNvPr id="56" name="Rectangle: Rounded Corners 23">
               <a:extLst>
                 <a:ext uri="{FF2B5EF4-FFF2-40B4-BE49-F238E27FC236}">
-                  <a16:creationId xmlns="" xmlns:a16="http://schemas.microsoft.com/office/drawing/2014/main" id="{2D5550FD-F773-422B-89AE-F3B73C2D6D9B}"/>
+                  <a16:creationId xmlns:a16="http://schemas.microsoft.com/office/drawing/2014/main" xmlns="" id="{2D5550FD-F773-422B-89AE-F3B73C2D6D9B}"/>
                 </a:ext>
               </a:extLst>
             </p:cNvPr>
@@ -14571,7 +14775,7 @@
             <p:cNvPr id="57" name="Rectangle: Rounded Corners 24">
               <a:extLst>
                 <a:ext uri="{FF2B5EF4-FFF2-40B4-BE49-F238E27FC236}">
-                  <a16:creationId xmlns="" xmlns:a16="http://schemas.microsoft.com/office/drawing/2014/main" id="{8623F86D-02ED-41FE-B82A-AF77216F4306}"/>
+                  <a16:creationId xmlns:a16="http://schemas.microsoft.com/office/drawing/2014/main" xmlns="" id="{8623F86D-02ED-41FE-B82A-AF77216F4306}"/>
                 </a:ext>
               </a:extLst>
             </p:cNvPr>
@@ -14630,7 +14834,7 @@
           <p:cNvPr id="58" name="TextBox 42">
             <a:extLst>
               <a:ext uri="{FF2B5EF4-FFF2-40B4-BE49-F238E27FC236}">
-                <a16:creationId xmlns="" xmlns:a16="http://schemas.microsoft.com/office/drawing/2014/main" id="{26A3202A-290F-40F8-B2BF-8600143622AC}"/>
+                <a16:creationId xmlns:a16="http://schemas.microsoft.com/office/drawing/2014/main" xmlns="" id="{26A3202A-290F-40F8-B2BF-8600143622AC}"/>
               </a:ext>
             </a:extLst>
           </p:cNvPr>
@@ -14688,7 +14892,7 @@
           <p:cNvPr id="59" name="Group 1">
             <a:extLst>
               <a:ext uri="{FF2B5EF4-FFF2-40B4-BE49-F238E27FC236}">
-                <a16:creationId xmlns="" xmlns:a16="http://schemas.microsoft.com/office/drawing/2014/main" id="{CC228256-7909-4687-AC06-DF201365974E}"/>
+                <a16:creationId xmlns:a16="http://schemas.microsoft.com/office/drawing/2014/main" xmlns="" id="{CC228256-7909-4687-AC06-DF201365974E}"/>
               </a:ext>
             </a:extLst>
           </p:cNvPr>
@@ -14708,7 +14912,7 @@
             <p:cNvPr id="60" name="Oval 20">
               <a:extLst>
                 <a:ext uri="{FF2B5EF4-FFF2-40B4-BE49-F238E27FC236}">
-                  <a16:creationId xmlns="" xmlns:a16="http://schemas.microsoft.com/office/drawing/2014/main" id="{D9CB84BB-85E0-45B1-9A9A-18FFA2F49124}"/>
+                  <a16:creationId xmlns:a16="http://schemas.microsoft.com/office/drawing/2014/main" xmlns="" id="{D9CB84BB-85E0-45B1-9A9A-18FFA2F49124}"/>
                 </a:ext>
               </a:extLst>
             </p:cNvPr>
@@ -14756,7 +14960,7 @@
             <p:cNvPr id="61" name="Rectangle: Rounded Corners 23">
               <a:extLst>
                 <a:ext uri="{FF2B5EF4-FFF2-40B4-BE49-F238E27FC236}">
-                  <a16:creationId xmlns="" xmlns:a16="http://schemas.microsoft.com/office/drawing/2014/main" id="{2D5550FD-F773-422B-89AE-F3B73C2D6D9B}"/>
+                  <a16:creationId xmlns:a16="http://schemas.microsoft.com/office/drawing/2014/main" xmlns="" id="{2D5550FD-F773-422B-89AE-F3B73C2D6D9B}"/>
                 </a:ext>
               </a:extLst>
             </p:cNvPr>
@@ -14814,7 +15018,7 @@
             <p:cNvPr id="62" name="Rectangle: Rounded Corners 24">
               <a:extLst>
                 <a:ext uri="{FF2B5EF4-FFF2-40B4-BE49-F238E27FC236}">
-                  <a16:creationId xmlns="" xmlns:a16="http://schemas.microsoft.com/office/drawing/2014/main" id="{8623F86D-02ED-41FE-B82A-AF77216F4306}"/>
+                  <a16:creationId xmlns:a16="http://schemas.microsoft.com/office/drawing/2014/main" xmlns="" id="{8623F86D-02ED-41FE-B82A-AF77216F4306}"/>
                 </a:ext>
               </a:extLst>
             </p:cNvPr>
@@ -14873,7 +15077,7 @@
           <p:cNvPr id="63" name="TextBox 42">
             <a:extLst>
               <a:ext uri="{FF2B5EF4-FFF2-40B4-BE49-F238E27FC236}">
-                <a16:creationId xmlns="" xmlns:a16="http://schemas.microsoft.com/office/drawing/2014/main" id="{26A3202A-290F-40F8-B2BF-8600143622AC}"/>
+                <a16:creationId xmlns:a16="http://schemas.microsoft.com/office/drawing/2014/main" xmlns="" id="{26A3202A-290F-40F8-B2BF-8600143622AC}"/>
               </a:ext>
             </a:extLst>
           </p:cNvPr>
@@ -14971,1529 +15175,12 @@
           <a:chExt cx="0" cy="0"/>
         </a:xfrm>
       </p:grpSpPr>
-      <p:grpSp>
-        <p:nvGrpSpPr>
-          <p:cNvPr id="9" name="Group 8"/>
-          <p:cNvGrpSpPr/>
-          <p:nvPr/>
-        </p:nvGrpSpPr>
-        <p:grpSpPr>
-          <a:xfrm>
-            <a:off x="1301750" y="1599069"/>
-            <a:ext cx="2971800" cy="3831769"/>
-            <a:chOff x="5226050" y="2312988"/>
-            <a:chExt cx="1733551" cy="2235200"/>
-          </a:xfrm>
-        </p:grpSpPr>
-        <p:sp>
-          <p:nvSpPr>
-            <p:cNvPr id="5" name="Freeform 5"/>
-            <p:cNvSpPr>
-              <a:spLocks/>
-            </p:cNvSpPr>
-            <p:nvPr/>
-          </p:nvSpPr>
-          <p:spPr bwMode="auto">
-            <a:xfrm>
-              <a:off x="6072188" y="3017838"/>
-              <a:ext cx="887413" cy="1530350"/>
-            </a:xfrm>
-            <a:custGeom>
-              <a:avLst/>
-              <a:gdLst>
-                <a:gd name="T0" fmla="*/ 151 w 278"/>
-                <a:gd name="T1" fmla="*/ 95 h 480"/>
-                <a:gd name="T2" fmla="*/ 157 w 278"/>
-                <a:gd name="T3" fmla="*/ 95 h 480"/>
-                <a:gd name="T4" fmla="*/ 258 w 278"/>
-                <a:gd name="T5" fmla="*/ 95 h 480"/>
-                <a:gd name="T6" fmla="*/ 264 w 278"/>
-                <a:gd name="T7" fmla="*/ 99 h 480"/>
-                <a:gd name="T8" fmla="*/ 277 w 278"/>
-                <a:gd name="T9" fmla="*/ 130 h 480"/>
-                <a:gd name="T10" fmla="*/ 277 w 278"/>
-                <a:gd name="T11" fmla="*/ 143 h 480"/>
-                <a:gd name="T12" fmla="*/ 271 w 278"/>
-                <a:gd name="T13" fmla="*/ 150 h 480"/>
-                <a:gd name="T14" fmla="*/ 235 w 278"/>
-                <a:gd name="T15" fmla="*/ 155 h 480"/>
-                <a:gd name="T16" fmla="*/ 229 w 278"/>
-                <a:gd name="T17" fmla="*/ 160 h 480"/>
-                <a:gd name="T18" fmla="*/ 229 w 278"/>
-                <a:gd name="T19" fmla="*/ 192 h 480"/>
-                <a:gd name="T20" fmla="*/ 226 w 278"/>
-                <a:gd name="T21" fmla="*/ 200 h 480"/>
-                <a:gd name="T22" fmla="*/ 215 w 278"/>
-                <a:gd name="T23" fmla="*/ 210 h 480"/>
-                <a:gd name="T24" fmla="*/ 215 w 278"/>
-                <a:gd name="T25" fmla="*/ 217 h 480"/>
-                <a:gd name="T26" fmla="*/ 227 w 278"/>
-                <a:gd name="T27" fmla="*/ 230 h 480"/>
-                <a:gd name="T28" fmla="*/ 229 w 278"/>
-                <a:gd name="T29" fmla="*/ 235 h 480"/>
-                <a:gd name="T30" fmla="*/ 220 w 278"/>
-                <a:gd name="T31" fmla="*/ 264 h 480"/>
-                <a:gd name="T32" fmla="*/ 220 w 278"/>
-                <a:gd name="T33" fmla="*/ 269 h 480"/>
-                <a:gd name="T34" fmla="*/ 231 w 278"/>
-                <a:gd name="T35" fmla="*/ 303 h 480"/>
-                <a:gd name="T36" fmla="*/ 209 w 278"/>
-                <a:gd name="T37" fmla="*/ 335 h 480"/>
-                <a:gd name="T38" fmla="*/ 149 w 278"/>
-                <a:gd name="T39" fmla="*/ 337 h 480"/>
-                <a:gd name="T40" fmla="*/ 108 w 278"/>
-                <a:gd name="T41" fmla="*/ 331 h 480"/>
-                <a:gd name="T42" fmla="*/ 103 w 278"/>
-                <a:gd name="T43" fmla="*/ 335 h 480"/>
-                <a:gd name="T44" fmla="*/ 96 w 278"/>
-                <a:gd name="T45" fmla="*/ 377 h 480"/>
-                <a:gd name="T46" fmla="*/ 88 w 278"/>
-                <a:gd name="T47" fmla="*/ 420 h 480"/>
-                <a:gd name="T48" fmla="*/ 79 w 278"/>
-                <a:gd name="T49" fmla="*/ 474 h 480"/>
-                <a:gd name="T50" fmla="*/ 77 w 278"/>
-                <a:gd name="T51" fmla="*/ 480 h 480"/>
-                <a:gd name="T52" fmla="*/ 55 w 278"/>
-                <a:gd name="T53" fmla="*/ 469 h 480"/>
-                <a:gd name="T54" fmla="*/ 4 w 278"/>
-                <a:gd name="T55" fmla="*/ 445 h 480"/>
-                <a:gd name="T56" fmla="*/ 0 w 278"/>
-                <a:gd name="T57" fmla="*/ 438 h 480"/>
-                <a:gd name="T58" fmla="*/ 0 w 278"/>
-                <a:gd name="T59" fmla="*/ 301 h 480"/>
-                <a:gd name="T60" fmla="*/ 0 w 278"/>
-                <a:gd name="T61" fmla="*/ 265 h 480"/>
-                <a:gd name="T62" fmla="*/ 16 w 278"/>
-                <a:gd name="T63" fmla="*/ 270 h 480"/>
-                <a:gd name="T64" fmla="*/ 79 w 278"/>
-                <a:gd name="T65" fmla="*/ 255 h 480"/>
-                <a:gd name="T66" fmla="*/ 72 w 278"/>
-                <a:gd name="T67" fmla="*/ 188 h 480"/>
-                <a:gd name="T68" fmla="*/ 14 w 278"/>
-                <a:gd name="T69" fmla="*/ 180 h 480"/>
-                <a:gd name="T70" fmla="*/ 1 w 278"/>
-                <a:gd name="T71" fmla="*/ 185 h 480"/>
-                <a:gd name="T72" fmla="*/ 1 w 278"/>
-                <a:gd name="T73" fmla="*/ 95 h 480"/>
-                <a:gd name="T74" fmla="*/ 108 w 278"/>
-                <a:gd name="T75" fmla="*/ 95 h 480"/>
-                <a:gd name="T76" fmla="*/ 104 w 278"/>
-                <a:gd name="T77" fmla="*/ 80 h 480"/>
-                <a:gd name="T78" fmla="*/ 95 w 278"/>
-                <a:gd name="T79" fmla="*/ 49 h 480"/>
-                <a:gd name="T80" fmla="*/ 134 w 278"/>
-                <a:gd name="T81" fmla="*/ 4 h 480"/>
-                <a:gd name="T82" fmla="*/ 164 w 278"/>
-                <a:gd name="T83" fmla="*/ 33 h 480"/>
-                <a:gd name="T84" fmla="*/ 161 w 278"/>
-                <a:gd name="T85" fmla="*/ 60 h 480"/>
-                <a:gd name="T86" fmla="*/ 151 w 278"/>
-                <a:gd name="T87" fmla="*/ 92 h 480"/>
-                <a:gd name="T88" fmla="*/ 151 w 278"/>
-                <a:gd name="T89" fmla="*/ 95 h 480"/>
-              </a:gdLst>
-              <a:ahLst/>
-              <a:cxnLst>
-                <a:cxn ang="0">
-                  <a:pos x="T0" y="T1"/>
-                </a:cxn>
-                <a:cxn ang="0">
-                  <a:pos x="T2" y="T3"/>
-                </a:cxn>
-                <a:cxn ang="0">
-                  <a:pos x="T4" y="T5"/>
-                </a:cxn>
-                <a:cxn ang="0">
-                  <a:pos x="T6" y="T7"/>
-                </a:cxn>
-                <a:cxn ang="0">
-                  <a:pos x="T8" y="T9"/>
-                </a:cxn>
-                <a:cxn ang="0">
-                  <a:pos x="T10" y="T11"/>
-                </a:cxn>
-                <a:cxn ang="0">
-                  <a:pos x="T12" y="T13"/>
-                </a:cxn>
-                <a:cxn ang="0">
-                  <a:pos x="T14" y="T15"/>
-                </a:cxn>
-                <a:cxn ang="0">
-                  <a:pos x="T16" y="T17"/>
-                </a:cxn>
-                <a:cxn ang="0">
-                  <a:pos x="T18" y="T19"/>
-                </a:cxn>
-                <a:cxn ang="0">
-                  <a:pos x="T20" y="T21"/>
-                </a:cxn>
-                <a:cxn ang="0">
-                  <a:pos x="T22" y="T23"/>
-                </a:cxn>
-                <a:cxn ang="0">
-                  <a:pos x="T24" y="T25"/>
-                </a:cxn>
-                <a:cxn ang="0">
-                  <a:pos x="T26" y="T27"/>
-                </a:cxn>
-                <a:cxn ang="0">
-                  <a:pos x="T28" y="T29"/>
-                </a:cxn>
-                <a:cxn ang="0">
-                  <a:pos x="T30" y="T31"/>
-                </a:cxn>
-                <a:cxn ang="0">
-                  <a:pos x="T32" y="T33"/>
-                </a:cxn>
-                <a:cxn ang="0">
-                  <a:pos x="T34" y="T35"/>
-                </a:cxn>
-                <a:cxn ang="0">
-                  <a:pos x="T36" y="T37"/>
-                </a:cxn>
-                <a:cxn ang="0">
-                  <a:pos x="T38" y="T39"/>
-                </a:cxn>
-                <a:cxn ang="0">
-                  <a:pos x="T40" y="T41"/>
-                </a:cxn>
-                <a:cxn ang="0">
-                  <a:pos x="T42" y="T43"/>
-                </a:cxn>
-                <a:cxn ang="0">
-                  <a:pos x="T44" y="T45"/>
-                </a:cxn>
-                <a:cxn ang="0">
-                  <a:pos x="T46" y="T47"/>
-                </a:cxn>
-                <a:cxn ang="0">
-                  <a:pos x="T48" y="T49"/>
-                </a:cxn>
-                <a:cxn ang="0">
-                  <a:pos x="T50" y="T51"/>
-                </a:cxn>
-                <a:cxn ang="0">
-                  <a:pos x="T52" y="T53"/>
-                </a:cxn>
-                <a:cxn ang="0">
-                  <a:pos x="T54" y="T55"/>
-                </a:cxn>
-                <a:cxn ang="0">
-                  <a:pos x="T56" y="T57"/>
-                </a:cxn>
-                <a:cxn ang="0">
-                  <a:pos x="T58" y="T59"/>
-                </a:cxn>
-                <a:cxn ang="0">
-                  <a:pos x="T60" y="T61"/>
-                </a:cxn>
-                <a:cxn ang="0">
-                  <a:pos x="T62" y="T63"/>
-                </a:cxn>
-                <a:cxn ang="0">
-                  <a:pos x="T64" y="T65"/>
-                </a:cxn>
-                <a:cxn ang="0">
-                  <a:pos x="T66" y="T67"/>
-                </a:cxn>
-                <a:cxn ang="0">
-                  <a:pos x="T68" y="T69"/>
-                </a:cxn>
-                <a:cxn ang="0">
-                  <a:pos x="T70" y="T71"/>
-                </a:cxn>
-                <a:cxn ang="0">
-                  <a:pos x="T72" y="T73"/>
-                </a:cxn>
-                <a:cxn ang="0">
-                  <a:pos x="T74" y="T75"/>
-                </a:cxn>
-                <a:cxn ang="0">
-                  <a:pos x="T76" y="T77"/>
-                </a:cxn>
-                <a:cxn ang="0">
-                  <a:pos x="T78" y="T79"/>
-                </a:cxn>
-                <a:cxn ang="0">
-                  <a:pos x="T80" y="T81"/>
-                </a:cxn>
-                <a:cxn ang="0">
-                  <a:pos x="T82" y="T83"/>
-                </a:cxn>
-                <a:cxn ang="0">
-                  <a:pos x="T84" y="T85"/>
-                </a:cxn>
-                <a:cxn ang="0">
-                  <a:pos x="T86" y="T87"/>
-                </a:cxn>
-                <a:cxn ang="0">
-                  <a:pos x="T88" y="T89"/>
-                </a:cxn>
-              </a:cxnLst>
-              <a:rect l="0" t="0" r="r" b="b"/>
-              <a:pathLst>
-                <a:path w="278" h="480">
-                  <a:moveTo>
-                    <a:pt x="151" y="95"/>
-                  </a:moveTo>
-                  <a:cubicBezTo>
-                    <a:pt x="153" y="95"/>
-                    <a:pt x="155" y="95"/>
-                    <a:pt x="157" y="95"/>
-                  </a:cubicBezTo>
-                  <a:cubicBezTo>
-                    <a:pt x="191" y="95"/>
-                    <a:pt x="224" y="95"/>
-                    <a:pt x="258" y="95"/>
-                  </a:cubicBezTo>
-                  <a:cubicBezTo>
-                    <a:pt x="261" y="95"/>
-                    <a:pt x="263" y="96"/>
-                    <a:pt x="264" y="99"/>
-                  </a:cubicBezTo>
-                  <a:cubicBezTo>
-                    <a:pt x="268" y="109"/>
-                    <a:pt x="273" y="120"/>
-                    <a:pt x="277" y="130"/>
-                  </a:cubicBezTo>
-                  <a:cubicBezTo>
-                    <a:pt x="278" y="134"/>
-                    <a:pt x="278" y="139"/>
-                    <a:pt x="277" y="143"/>
-                  </a:cubicBezTo>
-                  <a:cubicBezTo>
-                    <a:pt x="277" y="146"/>
-                    <a:pt x="273" y="149"/>
-                    <a:pt x="271" y="150"/>
-                  </a:cubicBezTo>
-                  <a:cubicBezTo>
-                    <a:pt x="259" y="154"/>
-                    <a:pt x="247" y="156"/>
-                    <a:pt x="235" y="155"/>
-                  </a:cubicBezTo>
-                  <a:cubicBezTo>
-                    <a:pt x="230" y="154"/>
-                    <a:pt x="229" y="156"/>
-                    <a:pt x="229" y="160"/>
-                  </a:cubicBezTo>
-                  <a:cubicBezTo>
-                    <a:pt x="230" y="170"/>
-                    <a:pt x="230" y="181"/>
-                    <a:pt x="229" y="192"/>
-                  </a:cubicBezTo>
-                  <a:cubicBezTo>
-                    <a:pt x="229" y="195"/>
-                    <a:pt x="228" y="198"/>
-                    <a:pt x="226" y="200"/>
-                  </a:cubicBezTo>
-                  <a:cubicBezTo>
-                    <a:pt x="223" y="203"/>
-                    <a:pt x="219" y="207"/>
-                    <a:pt x="215" y="210"/>
-                  </a:cubicBezTo>
-                  <a:cubicBezTo>
-                    <a:pt x="212" y="213"/>
-                    <a:pt x="212" y="214"/>
-                    <a:pt x="215" y="217"/>
-                  </a:cubicBezTo>
-                  <a:cubicBezTo>
-                    <a:pt x="219" y="221"/>
-                    <a:pt x="224" y="225"/>
-                    <a:pt x="227" y="230"/>
-                  </a:cubicBezTo>
-                  <a:cubicBezTo>
-                    <a:pt x="229" y="231"/>
-                    <a:pt x="229" y="234"/>
-                    <a:pt x="229" y="235"/>
-                  </a:cubicBezTo>
-                  <a:cubicBezTo>
-                    <a:pt x="226" y="245"/>
-                    <a:pt x="223" y="254"/>
-                    <a:pt x="220" y="264"/>
-                  </a:cubicBezTo>
-                  <a:cubicBezTo>
-                    <a:pt x="219" y="266"/>
-                    <a:pt x="219" y="268"/>
-                    <a:pt x="220" y="269"/>
-                  </a:cubicBezTo>
-                  <a:cubicBezTo>
-                    <a:pt x="225" y="280"/>
-                    <a:pt x="229" y="291"/>
-                    <a:pt x="231" y="303"/>
-                  </a:cubicBezTo>
-                  <a:cubicBezTo>
-                    <a:pt x="233" y="318"/>
-                    <a:pt x="227" y="332"/>
-                    <a:pt x="209" y="335"/>
-                  </a:cubicBezTo>
-                  <a:cubicBezTo>
-                    <a:pt x="189" y="338"/>
-                    <a:pt x="169" y="338"/>
-                    <a:pt x="149" y="337"/>
-                  </a:cubicBezTo>
-                  <a:cubicBezTo>
-                    <a:pt x="136" y="336"/>
-                    <a:pt x="122" y="333"/>
-                    <a:pt x="108" y="331"/>
-                  </a:cubicBezTo>
-                  <a:cubicBezTo>
-                    <a:pt x="105" y="331"/>
-                    <a:pt x="103" y="331"/>
-                    <a:pt x="103" y="335"/>
-                  </a:cubicBezTo>
-                  <a:cubicBezTo>
-                    <a:pt x="101" y="349"/>
-                    <a:pt x="98" y="363"/>
-                    <a:pt x="96" y="377"/>
-                  </a:cubicBezTo>
-                  <a:cubicBezTo>
-                    <a:pt x="93" y="391"/>
-                    <a:pt x="91" y="405"/>
-                    <a:pt x="88" y="420"/>
-                  </a:cubicBezTo>
-                  <a:cubicBezTo>
-                    <a:pt x="85" y="438"/>
-                    <a:pt x="82" y="456"/>
-                    <a:pt x="79" y="474"/>
-                  </a:cubicBezTo>
-                  <a:cubicBezTo>
-                    <a:pt x="78" y="476"/>
-                    <a:pt x="78" y="477"/>
-                    <a:pt x="77" y="480"/>
-                  </a:cubicBezTo>
-                  <a:cubicBezTo>
-                    <a:pt x="70" y="476"/>
-                    <a:pt x="62" y="473"/>
-                    <a:pt x="55" y="469"/>
-                  </a:cubicBezTo>
-                  <a:cubicBezTo>
-                    <a:pt x="38" y="461"/>
-                    <a:pt x="21" y="453"/>
-                    <a:pt x="4" y="445"/>
-                  </a:cubicBezTo>
-                  <a:cubicBezTo>
-                    <a:pt x="0" y="443"/>
-                    <a:pt x="0" y="441"/>
-                    <a:pt x="0" y="438"/>
-                  </a:cubicBezTo>
-                  <a:cubicBezTo>
-                    <a:pt x="0" y="392"/>
-                    <a:pt x="0" y="347"/>
-                    <a:pt x="0" y="301"/>
-                  </a:cubicBezTo>
-                  <a:cubicBezTo>
-                    <a:pt x="0" y="289"/>
-                    <a:pt x="0" y="277"/>
-                    <a:pt x="0" y="265"/>
-                  </a:cubicBezTo>
-                  <a:cubicBezTo>
-                    <a:pt x="6" y="266"/>
-                    <a:pt x="11" y="268"/>
-                    <a:pt x="16" y="270"/>
-                  </a:cubicBezTo>
-                  <a:cubicBezTo>
-                    <a:pt x="39" y="278"/>
-                    <a:pt x="64" y="273"/>
-                    <a:pt x="79" y="255"/>
-                  </a:cubicBezTo>
-                  <a:cubicBezTo>
-                    <a:pt x="98" y="233"/>
-                    <a:pt x="93" y="204"/>
-                    <a:pt x="72" y="188"/>
-                  </a:cubicBezTo>
-                  <a:cubicBezTo>
-                    <a:pt x="54" y="174"/>
-                    <a:pt x="35" y="173"/>
-                    <a:pt x="14" y="180"/>
-                  </a:cubicBezTo>
-                  <a:cubicBezTo>
-                    <a:pt x="10" y="182"/>
-                    <a:pt x="5" y="183"/>
-                    <a:pt x="1" y="185"/>
-                  </a:cubicBezTo>
-                  <a:cubicBezTo>
-                    <a:pt x="1" y="155"/>
-                    <a:pt x="1" y="125"/>
-                    <a:pt x="1" y="95"/>
-                  </a:cubicBezTo>
-                  <a:cubicBezTo>
-                    <a:pt x="36" y="95"/>
-                    <a:pt x="72" y="95"/>
-                    <a:pt x="108" y="95"/>
-                  </a:cubicBezTo>
-                  <a:cubicBezTo>
-                    <a:pt x="107" y="90"/>
-                    <a:pt x="105" y="85"/>
-                    <a:pt x="104" y="80"/>
-                  </a:cubicBezTo>
-                  <a:cubicBezTo>
-                    <a:pt x="101" y="70"/>
-                    <a:pt x="97" y="59"/>
-                    <a:pt x="95" y="49"/>
-                  </a:cubicBezTo>
-                  <a:cubicBezTo>
-                    <a:pt x="90" y="28"/>
-                    <a:pt x="106" y="0"/>
-                    <a:pt x="134" y="4"/>
-                  </a:cubicBezTo>
-                  <a:cubicBezTo>
-                    <a:pt x="148" y="5"/>
-                    <a:pt x="159" y="16"/>
-                    <a:pt x="164" y="33"/>
-                  </a:cubicBezTo>
-                  <a:cubicBezTo>
-                    <a:pt x="166" y="42"/>
-                    <a:pt x="164" y="51"/>
-                    <a:pt x="161" y="60"/>
-                  </a:cubicBezTo>
-                  <a:cubicBezTo>
-                    <a:pt x="158" y="71"/>
-                    <a:pt x="155" y="81"/>
-                    <a:pt x="151" y="92"/>
-                  </a:cubicBezTo>
-                  <a:cubicBezTo>
-                    <a:pt x="151" y="92"/>
-                    <a:pt x="151" y="93"/>
-                    <a:pt x="151" y="95"/>
-                  </a:cubicBezTo>
-                  <a:close/>
-                </a:path>
-              </a:pathLst>
-            </a:custGeom>
-            <a:solidFill>
-              <a:schemeClr val="accent1"/>
-            </a:solidFill>
-            <a:ln>
-              <a:noFill/>
-            </a:ln>
-            <a:extLst>
-              <a:ext uri="{91240B29-F687-4F45-9708-019B960494DF}">
-                <a14:hiddenLine xmlns:a14="http://schemas.microsoft.com/office/drawing/2010/main" w="9525">
-                  <a:solidFill>
-                    <a:srgbClr val="000000"/>
-                  </a:solidFill>
-                  <a:round/>
-                  <a:headEnd/>
-                  <a:tailEnd/>
-                </a14:hiddenLine>
-              </a:ext>
-            </a:extLst>
-          </p:spPr>
-          <p:txBody>
-            <a:bodyPr vert="horz" wrap="square" lIns="91440" tIns="45720" rIns="91440" bIns="45720" numCol="1" anchor="t" anchorCtr="0" compatLnSpc="1">
-              <a:prstTxWarp prst="textNoShape">
-                <a:avLst/>
-              </a:prstTxWarp>
-            </a:bodyPr>
-            <a:lstStyle/>
-            <a:p>
-              <a:pPr>
-                <a:defRPr/>
-              </a:pPr>
-              <a:endParaRPr lang="en-US" dirty="0">
-                <a:solidFill>
-                  <a:srgbClr val="282F39"/>
-                </a:solidFill>
-              </a:endParaRPr>
-            </a:p>
-          </p:txBody>
-        </p:sp>
-        <p:sp>
-          <p:nvSpPr>
-            <p:cNvPr id="6" name="Freeform 6"/>
-            <p:cNvSpPr>
-              <a:spLocks/>
-            </p:cNvSpPr>
-            <p:nvPr/>
-          </p:nvSpPr>
-          <p:spPr bwMode="auto">
-            <a:xfrm>
-              <a:off x="5226050" y="2312988"/>
-              <a:ext cx="804863" cy="1268413"/>
-            </a:xfrm>
-            <a:custGeom>
-              <a:avLst/>
-              <a:gdLst>
-                <a:gd name="T0" fmla="*/ 251 w 252"/>
-                <a:gd name="T1" fmla="*/ 132 h 398"/>
-                <a:gd name="T2" fmla="*/ 230 w 252"/>
-                <a:gd name="T3" fmla="*/ 125 h 398"/>
-                <a:gd name="T4" fmla="*/ 163 w 252"/>
-                <a:gd name="T5" fmla="*/ 158 h 398"/>
-                <a:gd name="T6" fmla="*/ 190 w 252"/>
-                <a:gd name="T7" fmla="*/ 215 h 398"/>
-                <a:gd name="T8" fmla="*/ 236 w 252"/>
-                <a:gd name="T9" fmla="*/ 217 h 398"/>
-                <a:gd name="T10" fmla="*/ 251 w 252"/>
-                <a:gd name="T11" fmla="*/ 212 h 398"/>
-                <a:gd name="T12" fmla="*/ 251 w 252"/>
-                <a:gd name="T13" fmla="*/ 302 h 398"/>
-                <a:gd name="T14" fmla="*/ 245 w 252"/>
-                <a:gd name="T15" fmla="*/ 302 h 398"/>
-                <a:gd name="T16" fmla="*/ 149 w 252"/>
-                <a:gd name="T17" fmla="*/ 302 h 398"/>
-                <a:gd name="T18" fmla="*/ 145 w 252"/>
-                <a:gd name="T19" fmla="*/ 308 h 398"/>
-                <a:gd name="T20" fmla="*/ 156 w 252"/>
-                <a:gd name="T21" fmla="*/ 345 h 398"/>
-                <a:gd name="T22" fmla="*/ 132 w 252"/>
-                <a:gd name="T23" fmla="*/ 393 h 398"/>
-                <a:gd name="T24" fmla="*/ 94 w 252"/>
-                <a:gd name="T25" fmla="*/ 379 h 398"/>
-                <a:gd name="T26" fmla="*/ 89 w 252"/>
-                <a:gd name="T27" fmla="*/ 341 h 398"/>
-                <a:gd name="T28" fmla="*/ 100 w 252"/>
-                <a:gd name="T29" fmla="*/ 306 h 398"/>
-                <a:gd name="T30" fmla="*/ 98 w 252"/>
-                <a:gd name="T31" fmla="*/ 302 h 398"/>
-                <a:gd name="T32" fmla="*/ 95 w 252"/>
-                <a:gd name="T33" fmla="*/ 302 h 398"/>
-                <a:gd name="T34" fmla="*/ 18 w 252"/>
-                <a:gd name="T35" fmla="*/ 302 h 398"/>
-                <a:gd name="T36" fmla="*/ 10 w 252"/>
-                <a:gd name="T37" fmla="*/ 297 h 398"/>
-                <a:gd name="T38" fmla="*/ 3 w 252"/>
-                <a:gd name="T39" fmla="*/ 255 h 398"/>
-                <a:gd name="T40" fmla="*/ 2 w 252"/>
-                <a:gd name="T41" fmla="*/ 197 h 398"/>
-                <a:gd name="T42" fmla="*/ 53 w 252"/>
-                <a:gd name="T43" fmla="*/ 70 h 398"/>
-                <a:gd name="T44" fmla="*/ 112 w 252"/>
-                <a:gd name="T45" fmla="*/ 29 h 398"/>
-                <a:gd name="T46" fmla="*/ 170 w 252"/>
-                <a:gd name="T47" fmla="*/ 9 h 398"/>
-                <a:gd name="T48" fmla="*/ 233 w 252"/>
-                <a:gd name="T49" fmla="*/ 1 h 398"/>
-                <a:gd name="T50" fmla="*/ 248 w 252"/>
-                <a:gd name="T51" fmla="*/ 0 h 398"/>
-                <a:gd name="T52" fmla="*/ 252 w 252"/>
-                <a:gd name="T53" fmla="*/ 4 h 398"/>
-                <a:gd name="T54" fmla="*/ 251 w 252"/>
-                <a:gd name="T55" fmla="*/ 131 h 398"/>
-                <a:gd name="T56" fmla="*/ 251 w 252"/>
-                <a:gd name="T57" fmla="*/ 132 h 398"/>
-              </a:gdLst>
-              <a:ahLst/>
-              <a:cxnLst>
-                <a:cxn ang="0">
-                  <a:pos x="T0" y="T1"/>
-                </a:cxn>
-                <a:cxn ang="0">
-                  <a:pos x="T2" y="T3"/>
-                </a:cxn>
-                <a:cxn ang="0">
-                  <a:pos x="T4" y="T5"/>
-                </a:cxn>
-                <a:cxn ang="0">
-                  <a:pos x="T6" y="T7"/>
-                </a:cxn>
-                <a:cxn ang="0">
-                  <a:pos x="T8" y="T9"/>
-                </a:cxn>
-                <a:cxn ang="0">
-                  <a:pos x="T10" y="T11"/>
-                </a:cxn>
-                <a:cxn ang="0">
-                  <a:pos x="T12" y="T13"/>
-                </a:cxn>
-                <a:cxn ang="0">
-                  <a:pos x="T14" y="T15"/>
-                </a:cxn>
-                <a:cxn ang="0">
-                  <a:pos x="T16" y="T17"/>
-                </a:cxn>
-                <a:cxn ang="0">
-                  <a:pos x="T18" y="T19"/>
-                </a:cxn>
-                <a:cxn ang="0">
-                  <a:pos x="T20" y="T21"/>
-                </a:cxn>
-                <a:cxn ang="0">
-                  <a:pos x="T22" y="T23"/>
-                </a:cxn>
-                <a:cxn ang="0">
-                  <a:pos x="T24" y="T25"/>
-                </a:cxn>
-                <a:cxn ang="0">
-                  <a:pos x="T26" y="T27"/>
-                </a:cxn>
-                <a:cxn ang="0">
-                  <a:pos x="T28" y="T29"/>
-                </a:cxn>
-                <a:cxn ang="0">
-                  <a:pos x="T30" y="T31"/>
-                </a:cxn>
-                <a:cxn ang="0">
-                  <a:pos x="T32" y="T33"/>
-                </a:cxn>
-                <a:cxn ang="0">
-                  <a:pos x="T34" y="T35"/>
-                </a:cxn>
-                <a:cxn ang="0">
-                  <a:pos x="T36" y="T37"/>
-                </a:cxn>
-                <a:cxn ang="0">
-                  <a:pos x="T38" y="T39"/>
-                </a:cxn>
-                <a:cxn ang="0">
-                  <a:pos x="T40" y="T41"/>
-                </a:cxn>
-                <a:cxn ang="0">
-                  <a:pos x="T42" y="T43"/>
-                </a:cxn>
-                <a:cxn ang="0">
-                  <a:pos x="T44" y="T45"/>
-                </a:cxn>
-                <a:cxn ang="0">
-                  <a:pos x="T46" y="T47"/>
-                </a:cxn>
-                <a:cxn ang="0">
-                  <a:pos x="T48" y="T49"/>
-                </a:cxn>
-                <a:cxn ang="0">
-                  <a:pos x="T50" y="T51"/>
-                </a:cxn>
-                <a:cxn ang="0">
-                  <a:pos x="T52" y="T53"/>
-                </a:cxn>
-                <a:cxn ang="0">
-                  <a:pos x="T54" y="T55"/>
-                </a:cxn>
-                <a:cxn ang="0">
-                  <a:pos x="T56" y="T57"/>
-                </a:cxn>
-              </a:cxnLst>
-              <a:rect l="0" t="0" r="r" b="b"/>
-              <a:pathLst>
-                <a:path w="252" h="398">
-                  <a:moveTo>
-                    <a:pt x="251" y="132"/>
-                  </a:moveTo>
-                  <a:cubicBezTo>
-                    <a:pt x="244" y="130"/>
-                    <a:pt x="237" y="128"/>
-                    <a:pt x="230" y="125"/>
-                  </a:cubicBezTo>
-                  <a:cubicBezTo>
-                    <a:pt x="203" y="117"/>
-                    <a:pt x="172" y="131"/>
-                    <a:pt x="163" y="158"/>
-                  </a:cubicBezTo>
-                  <a:cubicBezTo>
-                    <a:pt x="156" y="182"/>
-                    <a:pt x="168" y="205"/>
-                    <a:pt x="190" y="215"/>
-                  </a:cubicBezTo>
-                  <a:cubicBezTo>
-                    <a:pt x="205" y="223"/>
-                    <a:pt x="221" y="222"/>
-                    <a:pt x="236" y="217"/>
-                  </a:cubicBezTo>
-                  <a:cubicBezTo>
-                    <a:pt x="241" y="215"/>
-                    <a:pt x="246" y="214"/>
-                    <a:pt x="251" y="212"/>
-                  </a:cubicBezTo>
-                  <a:cubicBezTo>
-                    <a:pt x="251" y="242"/>
-                    <a:pt x="251" y="272"/>
-                    <a:pt x="251" y="302"/>
-                  </a:cubicBezTo>
-                  <a:cubicBezTo>
-                    <a:pt x="249" y="302"/>
-                    <a:pt x="247" y="302"/>
-                    <a:pt x="245" y="302"/>
-                  </a:cubicBezTo>
-                  <a:cubicBezTo>
-                    <a:pt x="213" y="302"/>
-                    <a:pt x="181" y="302"/>
-                    <a:pt x="149" y="302"/>
-                  </a:cubicBezTo>
-                  <a:cubicBezTo>
-                    <a:pt x="143" y="302"/>
-                    <a:pt x="143" y="302"/>
-                    <a:pt x="145" y="308"/>
-                  </a:cubicBezTo>
-                  <a:cubicBezTo>
-                    <a:pt x="149" y="320"/>
-                    <a:pt x="153" y="332"/>
-                    <a:pt x="156" y="345"/>
-                  </a:cubicBezTo>
-                  <a:cubicBezTo>
-                    <a:pt x="161" y="365"/>
-                    <a:pt x="153" y="386"/>
-                    <a:pt x="132" y="393"/>
-                  </a:cubicBezTo>
-                  <a:cubicBezTo>
-                    <a:pt x="118" y="398"/>
-                    <a:pt x="103" y="394"/>
-                    <a:pt x="94" y="379"/>
-                  </a:cubicBezTo>
-                  <a:cubicBezTo>
-                    <a:pt x="86" y="367"/>
-                    <a:pt x="85" y="354"/>
-                    <a:pt x="89" y="341"/>
-                  </a:cubicBezTo>
-                  <a:cubicBezTo>
-                    <a:pt x="93" y="329"/>
-                    <a:pt x="97" y="317"/>
-                    <a:pt x="100" y="306"/>
-                  </a:cubicBezTo>
-                  <a:cubicBezTo>
-                    <a:pt x="100" y="305"/>
-                    <a:pt x="99" y="303"/>
-                    <a:pt x="98" y="302"/>
-                  </a:cubicBezTo>
-                  <a:cubicBezTo>
-                    <a:pt x="97" y="302"/>
-                    <a:pt x="96" y="302"/>
-                    <a:pt x="95" y="302"/>
-                  </a:cubicBezTo>
-                  <a:cubicBezTo>
-                    <a:pt x="69" y="302"/>
-                    <a:pt x="43" y="302"/>
-                    <a:pt x="18" y="302"/>
-                  </a:cubicBezTo>
-                  <a:cubicBezTo>
-                    <a:pt x="13" y="302"/>
-                    <a:pt x="11" y="301"/>
-                    <a:pt x="10" y="297"/>
-                  </a:cubicBezTo>
-                  <a:cubicBezTo>
-                    <a:pt x="8" y="283"/>
-                    <a:pt x="4" y="269"/>
-                    <a:pt x="3" y="255"/>
-                  </a:cubicBezTo>
-                  <a:cubicBezTo>
-                    <a:pt x="2" y="236"/>
-                    <a:pt x="0" y="216"/>
-                    <a:pt x="2" y="197"/>
-                  </a:cubicBezTo>
-                  <a:cubicBezTo>
-                    <a:pt x="5" y="149"/>
-                    <a:pt x="19" y="106"/>
-                    <a:pt x="53" y="70"/>
-                  </a:cubicBezTo>
-                  <a:cubicBezTo>
-                    <a:pt x="70" y="53"/>
-                    <a:pt x="90" y="39"/>
-                    <a:pt x="112" y="29"/>
-                  </a:cubicBezTo>
-                  <a:cubicBezTo>
-                    <a:pt x="130" y="20"/>
-                    <a:pt x="150" y="13"/>
-                    <a:pt x="170" y="9"/>
-                  </a:cubicBezTo>
-                  <a:cubicBezTo>
-                    <a:pt x="191" y="4"/>
-                    <a:pt x="212" y="2"/>
-                    <a:pt x="233" y="1"/>
-                  </a:cubicBezTo>
-                  <a:cubicBezTo>
-                    <a:pt x="238" y="1"/>
-                    <a:pt x="243" y="0"/>
-                    <a:pt x="248" y="0"/>
-                  </a:cubicBezTo>
-                  <a:cubicBezTo>
-                    <a:pt x="250" y="0"/>
-                    <a:pt x="252" y="1"/>
-                    <a:pt x="252" y="4"/>
-                  </a:cubicBezTo>
-                  <a:cubicBezTo>
-                    <a:pt x="252" y="46"/>
-                    <a:pt x="252" y="88"/>
-                    <a:pt x="251" y="131"/>
-                  </a:cubicBezTo>
-                  <a:cubicBezTo>
-                    <a:pt x="251" y="131"/>
-                    <a:pt x="251" y="131"/>
-                    <a:pt x="251" y="132"/>
-                  </a:cubicBezTo>
-                  <a:close/>
-                </a:path>
-              </a:pathLst>
-            </a:custGeom>
-            <a:solidFill>
-              <a:schemeClr val="accent4"/>
-            </a:solidFill>
-            <a:ln>
-              <a:noFill/>
-            </a:ln>
-            <a:extLst>
-              <a:ext uri="{91240B29-F687-4F45-9708-019B960494DF}">
-                <a14:hiddenLine xmlns:a14="http://schemas.microsoft.com/office/drawing/2010/main" w="9525">
-                  <a:solidFill>
-                    <a:srgbClr val="000000"/>
-                  </a:solidFill>
-                  <a:round/>
-                  <a:headEnd/>
-                  <a:tailEnd/>
-                </a14:hiddenLine>
-              </a:ext>
-            </a:extLst>
-          </p:spPr>
-          <p:txBody>
-            <a:bodyPr vert="horz" wrap="square" lIns="91440" tIns="45720" rIns="91440" bIns="45720" numCol="1" anchor="t" anchorCtr="0" compatLnSpc="1">
-              <a:prstTxWarp prst="textNoShape">
-                <a:avLst/>
-              </a:prstTxWarp>
-            </a:bodyPr>
-            <a:lstStyle/>
-            <a:p>
-              <a:pPr>
-                <a:defRPr/>
-              </a:pPr>
-              <a:endParaRPr lang="en-US" dirty="0">
-                <a:solidFill>
-                  <a:srgbClr val="282F39"/>
-                </a:solidFill>
-              </a:endParaRPr>
-            </a:p>
-          </p:txBody>
-        </p:sp>
-        <p:sp>
-          <p:nvSpPr>
-            <p:cNvPr id="7" name="Freeform 7"/>
-            <p:cNvSpPr>
-              <a:spLocks/>
-            </p:cNvSpPr>
-            <p:nvPr/>
-          </p:nvSpPr>
-          <p:spPr bwMode="auto">
-            <a:xfrm>
-              <a:off x="5778500" y="2316163"/>
-              <a:ext cx="1104900" cy="960438"/>
-            </a:xfrm>
-            <a:custGeom>
-              <a:avLst/>
-              <a:gdLst>
-                <a:gd name="T0" fmla="*/ 346 w 346"/>
-                <a:gd name="T1" fmla="*/ 301 h 301"/>
-                <a:gd name="T2" fmla="*/ 261 w 346"/>
-                <a:gd name="T3" fmla="*/ 301 h 301"/>
-                <a:gd name="T4" fmla="*/ 267 w 346"/>
-                <a:gd name="T5" fmla="*/ 282 h 301"/>
-                <a:gd name="T6" fmla="*/ 253 w 346"/>
-                <a:gd name="T7" fmla="*/ 223 h 301"/>
-                <a:gd name="T8" fmla="*/ 179 w 346"/>
-                <a:gd name="T9" fmla="*/ 236 h 301"/>
-                <a:gd name="T10" fmla="*/ 178 w 346"/>
-                <a:gd name="T11" fmla="*/ 290 h 301"/>
-                <a:gd name="T12" fmla="*/ 179 w 346"/>
-                <a:gd name="T13" fmla="*/ 293 h 301"/>
-                <a:gd name="T14" fmla="*/ 181 w 346"/>
-                <a:gd name="T15" fmla="*/ 301 h 301"/>
-                <a:gd name="T16" fmla="*/ 92 w 346"/>
-                <a:gd name="T17" fmla="*/ 301 h 301"/>
-                <a:gd name="T18" fmla="*/ 92 w 346"/>
-                <a:gd name="T19" fmla="*/ 192 h 301"/>
-                <a:gd name="T20" fmla="*/ 71 w 346"/>
-                <a:gd name="T21" fmla="*/ 199 h 301"/>
-                <a:gd name="T22" fmla="*/ 35 w 346"/>
-                <a:gd name="T23" fmla="*/ 206 h 301"/>
-                <a:gd name="T24" fmla="*/ 1 w 346"/>
-                <a:gd name="T25" fmla="*/ 173 h 301"/>
-                <a:gd name="T26" fmla="*/ 22 w 346"/>
-                <a:gd name="T27" fmla="*/ 140 h 301"/>
-                <a:gd name="T28" fmla="*/ 57 w 346"/>
-                <a:gd name="T29" fmla="*/ 139 h 301"/>
-                <a:gd name="T30" fmla="*/ 86 w 346"/>
-                <a:gd name="T31" fmla="*/ 148 h 301"/>
-                <a:gd name="T32" fmla="*/ 92 w 346"/>
-                <a:gd name="T33" fmla="*/ 149 h 301"/>
-                <a:gd name="T34" fmla="*/ 92 w 346"/>
-                <a:gd name="T35" fmla="*/ 0 h 301"/>
-                <a:gd name="T36" fmla="*/ 105 w 346"/>
-                <a:gd name="T37" fmla="*/ 1 h 301"/>
-                <a:gd name="T38" fmla="*/ 186 w 346"/>
-                <a:gd name="T39" fmla="*/ 19 h 301"/>
-                <a:gd name="T40" fmla="*/ 278 w 346"/>
-                <a:gd name="T41" fmla="*/ 97 h 301"/>
-                <a:gd name="T42" fmla="*/ 307 w 346"/>
-                <a:gd name="T43" fmla="*/ 172 h 301"/>
-                <a:gd name="T44" fmla="*/ 314 w 346"/>
-                <a:gd name="T45" fmla="*/ 227 h 301"/>
-                <a:gd name="T46" fmla="*/ 325 w 346"/>
-                <a:gd name="T47" fmla="*/ 263 h 301"/>
-                <a:gd name="T48" fmla="*/ 346 w 346"/>
-                <a:gd name="T49" fmla="*/ 301 h 301"/>
-              </a:gdLst>
-              <a:ahLst/>
-              <a:cxnLst>
-                <a:cxn ang="0">
-                  <a:pos x="T0" y="T1"/>
-                </a:cxn>
-                <a:cxn ang="0">
-                  <a:pos x="T2" y="T3"/>
-                </a:cxn>
-                <a:cxn ang="0">
-                  <a:pos x="T4" y="T5"/>
-                </a:cxn>
-                <a:cxn ang="0">
-                  <a:pos x="T6" y="T7"/>
-                </a:cxn>
-                <a:cxn ang="0">
-                  <a:pos x="T8" y="T9"/>
-                </a:cxn>
-                <a:cxn ang="0">
-                  <a:pos x="T10" y="T11"/>
-                </a:cxn>
-                <a:cxn ang="0">
-                  <a:pos x="T12" y="T13"/>
-                </a:cxn>
-                <a:cxn ang="0">
-                  <a:pos x="T14" y="T15"/>
-                </a:cxn>
-                <a:cxn ang="0">
-                  <a:pos x="T16" y="T17"/>
-                </a:cxn>
-                <a:cxn ang="0">
-                  <a:pos x="T18" y="T19"/>
-                </a:cxn>
-                <a:cxn ang="0">
-                  <a:pos x="T20" y="T21"/>
-                </a:cxn>
-                <a:cxn ang="0">
-                  <a:pos x="T22" y="T23"/>
-                </a:cxn>
-                <a:cxn ang="0">
-                  <a:pos x="T24" y="T25"/>
-                </a:cxn>
-                <a:cxn ang="0">
-                  <a:pos x="T26" y="T27"/>
-                </a:cxn>
-                <a:cxn ang="0">
-                  <a:pos x="T28" y="T29"/>
-                </a:cxn>
-                <a:cxn ang="0">
-                  <a:pos x="T30" y="T31"/>
-                </a:cxn>
-                <a:cxn ang="0">
-                  <a:pos x="T32" y="T33"/>
-                </a:cxn>
-                <a:cxn ang="0">
-                  <a:pos x="T34" y="T35"/>
-                </a:cxn>
-                <a:cxn ang="0">
-                  <a:pos x="T36" y="T37"/>
-                </a:cxn>
-                <a:cxn ang="0">
-                  <a:pos x="T38" y="T39"/>
-                </a:cxn>
-                <a:cxn ang="0">
-                  <a:pos x="T40" y="T41"/>
-                </a:cxn>
-                <a:cxn ang="0">
-                  <a:pos x="T42" y="T43"/>
-                </a:cxn>
-                <a:cxn ang="0">
-                  <a:pos x="T44" y="T45"/>
-                </a:cxn>
-                <a:cxn ang="0">
-                  <a:pos x="T46" y="T47"/>
-                </a:cxn>
-                <a:cxn ang="0">
-                  <a:pos x="T48" y="T49"/>
-                </a:cxn>
-              </a:cxnLst>
-              <a:rect l="0" t="0" r="r" b="b"/>
-              <a:pathLst>
-                <a:path w="346" h="301">
-                  <a:moveTo>
-                    <a:pt x="346" y="301"/>
-                  </a:moveTo>
-                  <a:cubicBezTo>
-                    <a:pt x="318" y="301"/>
-                    <a:pt x="290" y="301"/>
-                    <a:pt x="261" y="301"/>
-                  </a:cubicBezTo>
-                  <a:cubicBezTo>
-                    <a:pt x="263" y="294"/>
-                    <a:pt x="265" y="288"/>
-                    <a:pt x="267" y="282"/>
-                  </a:cubicBezTo>
-                  <a:cubicBezTo>
-                    <a:pt x="274" y="261"/>
-                    <a:pt x="269" y="237"/>
-                    <a:pt x="253" y="223"/>
-                  </a:cubicBezTo>
-                  <a:cubicBezTo>
-                    <a:pt x="229" y="200"/>
-                    <a:pt x="195" y="208"/>
-                    <a:pt x="179" y="236"/>
-                  </a:cubicBezTo>
-                  <a:cubicBezTo>
-                    <a:pt x="170" y="254"/>
-                    <a:pt x="171" y="272"/>
-                    <a:pt x="178" y="290"/>
-                  </a:cubicBezTo>
-                  <a:cubicBezTo>
-                    <a:pt x="179" y="291"/>
-                    <a:pt x="179" y="292"/>
-                    <a:pt x="179" y="293"/>
-                  </a:cubicBezTo>
-                  <a:cubicBezTo>
-                    <a:pt x="180" y="295"/>
-                    <a:pt x="181" y="298"/>
-                    <a:pt x="181" y="301"/>
-                  </a:cubicBezTo>
-                  <a:cubicBezTo>
-                    <a:pt x="152" y="301"/>
-                    <a:pt x="122" y="301"/>
-                    <a:pt x="92" y="301"/>
-                  </a:cubicBezTo>
-                  <a:cubicBezTo>
-                    <a:pt x="92" y="265"/>
-                    <a:pt x="92" y="229"/>
-                    <a:pt x="92" y="192"/>
-                  </a:cubicBezTo>
-                  <a:cubicBezTo>
-                    <a:pt x="84" y="195"/>
-                    <a:pt x="78" y="197"/>
-                    <a:pt x="71" y="199"/>
-                  </a:cubicBezTo>
-                  <a:cubicBezTo>
-                    <a:pt x="59" y="203"/>
-                    <a:pt x="48" y="208"/>
-                    <a:pt x="35" y="206"/>
-                  </a:cubicBezTo>
-                  <a:cubicBezTo>
-                    <a:pt x="18" y="203"/>
-                    <a:pt x="4" y="192"/>
-                    <a:pt x="1" y="173"/>
-                  </a:cubicBezTo>
-                  <a:cubicBezTo>
-                    <a:pt x="0" y="160"/>
-                    <a:pt x="10" y="145"/>
-                    <a:pt x="22" y="140"/>
-                  </a:cubicBezTo>
-                  <a:cubicBezTo>
-                    <a:pt x="34" y="135"/>
-                    <a:pt x="45" y="135"/>
-                    <a:pt x="57" y="139"/>
-                  </a:cubicBezTo>
-                  <a:cubicBezTo>
-                    <a:pt x="67" y="142"/>
-                    <a:pt x="76" y="145"/>
-                    <a:pt x="86" y="148"/>
-                  </a:cubicBezTo>
-                  <a:cubicBezTo>
-                    <a:pt x="88" y="148"/>
-                    <a:pt x="90" y="149"/>
-                    <a:pt x="92" y="149"/>
-                  </a:cubicBezTo>
-                  <a:cubicBezTo>
-                    <a:pt x="92" y="99"/>
-                    <a:pt x="92" y="50"/>
-                    <a:pt x="92" y="0"/>
-                  </a:cubicBezTo>
-                  <a:cubicBezTo>
-                    <a:pt x="97" y="0"/>
-                    <a:pt x="101" y="0"/>
-                    <a:pt x="105" y="1"/>
-                  </a:cubicBezTo>
-                  <a:cubicBezTo>
-                    <a:pt x="133" y="3"/>
-                    <a:pt x="160" y="8"/>
-                    <a:pt x="186" y="19"/>
-                  </a:cubicBezTo>
-                  <a:cubicBezTo>
-                    <a:pt x="225" y="35"/>
-                    <a:pt x="256" y="61"/>
-                    <a:pt x="278" y="97"/>
-                  </a:cubicBezTo>
-                  <a:cubicBezTo>
-                    <a:pt x="292" y="120"/>
-                    <a:pt x="302" y="146"/>
-                    <a:pt x="307" y="172"/>
-                  </a:cubicBezTo>
-                  <a:cubicBezTo>
-                    <a:pt x="311" y="190"/>
-                    <a:pt x="313" y="209"/>
-                    <a:pt x="314" y="227"/>
-                  </a:cubicBezTo>
-                  <a:cubicBezTo>
-                    <a:pt x="315" y="240"/>
-                    <a:pt x="319" y="252"/>
-                    <a:pt x="325" y="263"/>
-                  </a:cubicBezTo>
-                  <a:cubicBezTo>
-                    <a:pt x="332" y="275"/>
-                    <a:pt x="339" y="288"/>
-                    <a:pt x="346" y="301"/>
-                  </a:cubicBezTo>
-                  <a:close/>
-                </a:path>
-              </a:pathLst>
-            </a:custGeom>
-            <a:solidFill>
-              <a:schemeClr val="accent2"/>
-            </a:solidFill>
-            <a:ln>
-              <a:noFill/>
-            </a:ln>
-            <a:extLst>
-              <a:ext uri="{91240B29-F687-4F45-9708-019B960494DF}">
-                <a14:hiddenLine xmlns:a14="http://schemas.microsoft.com/office/drawing/2010/main" w="9525">
-                  <a:solidFill>
-                    <a:srgbClr val="000000"/>
-                  </a:solidFill>
-                  <a:round/>
-                  <a:headEnd/>
-                  <a:tailEnd/>
-                </a14:hiddenLine>
-              </a:ext>
-            </a:extLst>
-          </p:spPr>
-          <p:txBody>
-            <a:bodyPr vert="horz" wrap="square" lIns="91440" tIns="45720" rIns="91440" bIns="45720" numCol="1" anchor="t" anchorCtr="0" compatLnSpc="1">
-              <a:prstTxWarp prst="textNoShape">
-                <a:avLst/>
-              </a:prstTxWarp>
-            </a:bodyPr>
-            <a:lstStyle/>
-            <a:p>
-              <a:pPr>
-                <a:defRPr/>
-              </a:pPr>
-              <a:endParaRPr lang="en-US" dirty="0">
-                <a:solidFill>
-                  <a:srgbClr val="282F39"/>
-                </a:solidFill>
-              </a:endParaRPr>
-            </a:p>
-          </p:txBody>
-        </p:sp>
-        <p:sp>
-          <p:nvSpPr>
-            <p:cNvPr id="8" name="Freeform 8"/>
-            <p:cNvSpPr>
-              <a:spLocks/>
-            </p:cNvSpPr>
-            <p:nvPr/>
-          </p:nvSpPr>
-          <p:spPr bwMode="auto">
-            <a:xfrm>
-              <a:off x="5276850" y="3321051"/>
-              <a:ext cx="1054100" cy="1087438"/>
-            </a:xfrm>
-            <a:custGeom>
-              <a:avLst/>
-              <a:gdLst>
-                <a:gd name="T0" fmla="*/ 145 w 330"/>
-                <a:gd name="T1" fmla="*/ 0 h 341"/>
-                <a:gd name="T2" fmla="*/ 235 w 330"/>
-                <a:gd name="T3" fmla="*/ 0 h 341"/>
-                <a:gd name="T4" fmla="*/ 235 w 330"/>
-                <a:gd name="T5" fmla="*/ 108 h 341"/>
-                <a:gd name="T6" fmla="*/ 255 w 330"/>
-                <a:gd name="T7" fmla="*/ 102 h 341"/>
-                <a:gd name="T8" fmla="*/ 281 w 330"/>
-                <a:gd name="T9" fmla="*/ 95 h 341"/>
-                <a:gd name="T10" fmla="*/ 323 w 330"/>
-                <a:gd name="T11" fmla="*/ 116 h 341"/>
-                <a:gd name="T12" fmla="*/ 309 w 330"/>
-                <a:gd name="T13" fmla="*/ 159 h 341"/>
-                <a:gd name="T14" fmla="*/ 272 w 330"/>
-                <a:gd name="T15" fmla="*/ 163 h 341"/>
-                <a:gd name="T16" fmla="*/ 236 w 330"/>
-                <a:gd name="T17" fmla="*/ 151 h 341"/>
-                <a:gd name="T18" fmla="*/ 236 w 330"/>
-                <a:gd name="T19" fmla="*/ 341 h 341"/>
-                <a:gd name="T20" fmla="*/ 219 w 330"/>
-                <a:gd name="T21" fmla="*/ 334 h 341"/>
-                <a:gd name="T22" fmla="*/ 154 w 330"/>
-                <a:gd name="T23" fmla="*/ 303 h 341"/>
-                <a:gd name="T24" fmla="*/ 91 w 330"/>
-                <a:gd name="T25" fmla="*/ 272 h 341"/>
-                <a:gd name="T26" fmla="*/ 64 w 330"/>
-                <a:gd name="T27" fmla="*/ 260 h 341"/>
-                <a:gd name="T28" fmla="*/ 60 w 330"/>
-                <a:gd name="T29" fmla="*/ 253 h 341"/>
-                <a:gd name="T30" fmla="*/ 63 w 330"/>
-                <a:gd name="T31" fmla="*/ 153 h 341"/>
-                <a:gd name="T32" fmla="*/ 62 w 330"/>
-                <a:gd name="T33" fmla="*/ 119 h 341"/>
-                <a:gd name="T34" fmla="*/ 58 w 330"/>
-                <a:gd name="T35" fmla="*/ 109 h 341"/>
-                <a:gd name="T36" fmla="*/ 13 w 330"/>
-                <a:gd name="T37" fmla="*/ 35 h 341"/>
-                <a:gd name="T38" fmla="*/ 0 w 330"/>
-                <a:gd name="T39" fmla="*/ 0 h 341"/>
-                <a:gd name="T40" fmla="*/ 67 w 330"/>
-                <a:gd name="T41" fmla="*/ 0 h 341"/>
-                <a:gd name="T42" fmla="*/ 62 w 330"/>
-                <a:gd name="T43" fmla="*/ 16 h 341"/>
-                <a:gd name="T44" fmla="*/ 69 w 330"/>
-                <a:gd name="T45" fmla="*/ 73 h 341"/>
-                <a:gd name="T46" fmla="*/ 147 w 330"/>
-                <a:gd name="T47" fmla="*/ 68 h 341"/>
-                <a:gd name="T48" fmla="*/ 151 w 330"/>
-                <a:gd name="T49" fmla="*/ 17 h 341"/>
-                <a:gd name="T50" fmla="*/ 145 w 330"/>
-                <a:gd name="T51" fmla="*/ 0 h 341"/>
-              </a:gdLst>
-              <a:ahLst/>
-              <a:cxnLst>
-                <a:cxn ang="0">
-                  <a:pos x="T0" y="T1"/>
-                </a:cxn>
-                <a:cxn ang="0">
-                  <a:pos x="T2" y="T3"/>
-                </a:cxn>
-                <a:cxn ang="0">
-                  <a:pos x="T4" y="T5"/>
-                </a:cxn>
-                <a:cxn ang="0">
-                  <a:pos x="T6" y="T7"/>
-                </a:cxn>
-                <a:cxn ang="0">
-                  <a:pos x="T8" y="T9"/>
-                </a:cxn>
-                <a:cxn ang="0">
-                  <a:pos x="T10" y="T11"/>
-                </a:cxn>
-                <a:cxn ang="0">
-                  <a:pos x="T12" y="T13"/>
-                </a:cxn>
-                <a:cxn ang="0">
-                  <a:pos x="T14" y="T15"/>
-                </a:cxn>
-                <a:cxn ang="0">
-                  <a:pos x="T16" y="T17"/>
-                </a:cxn>
-                <a:cxn ang="0">
-                  <a:pos x="T18" y="T19"/>
-                </a:cxn>
-                <a:cxn ang="0">
-                  <a:pos x="T20" y="T21"/>
-                </a:cxn>
-                <a:cxn ang="0">
-                  <a:pos x="T22" y="T23"/>
-                </a:cxn>
-                <a:cxn ang="0">
-                  <a:pos x="T24" y="T25"/>
-                </a:cxn>
-                <a:cxn ang="0">
-                  <a:pos x="T26" y="T27"/>
-                </a:cxn>
-                <a:cxn ang="0">
-                  <a:pos x="T28" y="T29"/>
-                </a:cxn>
-                <a:cxn ang="0">
-                  <a:pos x="T30" y="T31"/>
-                </a:cxn>
-                <a:cxn ang="0">
-                  <a:pos x="T32" y="T33"/>
-                </a:cxn>
-                <a:cxn ang="0">
-                  <a:pos x="T34" y="T35"/>
-                </a:cxn>
-                <a:cxn ang="0">
-                  <a:pos x="T36" y="T37"/>
-                </a:cxn>
-                <a:cxn ang="0">
-                  <a:pos x="T38" y="T39"/>
-                </a:cxn>
-                <a:cxn ang="0">
-                  <a:pos x="T40" y="T41"/>
-                </a:cxn>
-                <a:cxn ang="0">
-                  <a:pos x="T42" y="T43"/>
-                </a:cxn>
-                <a:cxn ang="0">
-                  <a:pos x="T44" y="T45"/>
-                </a:cxn>
-                <a:cxn ang="0">
-                  <a:pos x="T46" y="T47"/>
-                </a:cxn>
-                <a:cxn ang="0">
-                  <a:pos x="T48" y="T49"/>
-                </a:cxn>
-                <a:cxn ang="0">
-                  <a:pos x="T50" y="T51"/>
-                </a:cxn>
-              </a:cxnLst>
-              <a:rect l="0" t="0" r="r" b="b"/>
-              <a:pathLst>
-                <a:path w="330" h="341">
-                  <a:moveTo>
-                    <a:pt x="145" y="0"/>
-                  </a:moveTo>
-                  <a:cubicBezTo>
-                    <a:pt x="176" y="0"/>
-                    <a:pt x="205" y="0"/>
-                    <a:pt x="235" y="0"/>
-                  </a:cubicBezTo>
-                  <a:cubicBezTo>
-                    <a:pt x="235" y="36"/>
-                    <a:pt x="235" y="71"/>
-                    <a:pt x="235" y="108"/>
-                  </a:cubicBezTo>
-                  <a:cubicBezTo>
-                    <a:pt x="242" y="106"/>
-                    <a:pt x="248" y="104"/>
-                    <a:pt x="255" y="102"/>
-                  </a:cubicBezTo>
-                  <a:cubicBezTo>
-                    <a:pt x="263" y="100"/>
-                    <a:pt x="272" y="97"/>
-                    <a:pt x="281" y="95"/>
-                  </a:cubicBezTo>
-                  <a:cubicBezTo>
-                    <a:pt x="298" y="92"/>
-                    <a:pt x="316" y="101"/>
-                    <a:pt x="323" y="116"/>
-                  </a:cubicBezTo>
-                  <a:cubicBezTo>
-                    <a:pt x="330" y="132"/>
-                    <a:pt x="324" y="150"/>
-                    <a:pt x="309" y="159"/>
-                  </a:cubicBezTo>
-                  <a:cubicBezTo>
-                    <a:pt x="297" y="166"/>
-                    <a:pt x="285" y="167"/>
-                    <a:pt x="272" y="163"/>
-                  </a:cubicBezTo>
-                  <a:cubicBezTo>
-                    <a:pt x="260" y="159"/>
-                    <a:pt x="248" y="155"/>
-                    <a:pt x="236" y="151"/>
-                  </a:cubicBezTo>
-                  <a:cubicBezTo>
-                    <a:pt x="236" y="215"/>
-                    <a:pt x="236" y="278"/>
-                    <a:pt x="236" y="341"/>
-                  </a:cubicBezTo>
-                  <a:cubicBezTo>
-                    <a:pt x="230" y="339"/>
-                    <a:pt x="224" y="336"/>
-                    <a:pt x="219" y="334"/>
-                  </a:cubicBezTo>
-                  <a:cubicBezTo>
-                    <a:pt x="197" y="323"/>
-                    <a:pt x="176" y="313"/>
-                    <a:pt x="154" y="303"/>
-                  </a:cubicBezTo>
-                  <a:cubicBezTo>
-                    <a:pt x="133" y="293"/>
-                    <a:pt x="112" y="282"/>
-                    <a:pt x="91" y="272"/>
-                  </a:cubicBezTo>
-                  <a:cubicBezTo>
-                    <a:pt x="82" y="268"/>
-                    <a:pt x="73" y="264"/>
-                    <a:pt x="64" y="260"/>
-                  </a:cubicBezTo>
-                  <a:cubicBezTo>
-                    <a:pt x="61" y="258"/>
-                    <a:pt x="60" y="257"/>
-                    <a:pt x="60" y="253"/>
-                  </a:cubicBezTo>
-                  <a:cubicBezTo>
-                    <a:pt x="61" y="220"/>
-                    <a:pt x="62" y="187"/>
-                    <a:pt x="63" y="153"/>
-                  </a:cubicBezTo>
-                  <a:cubicBezTo>
-                    <a:pt x="63" y="142"/>
-                    <a:pt x="62" y="130"/>
-                    <a:pt x="62" y="119"/>
-                  </a:cubicBezTo>
-                  <a:cubicBezTo>
-                    <a:pt x="61" y="115"/>
-                    <a:pt x="60" y="111"/>
-                    <a:pt x="58" y="109"/>
-                  </a:cubicBezTo>
-                  <a:cubicBezTo>
-                    <a:pt x="40" y="86"/>
-                    <a:pt x="25" y="61"/>
-                    <a:pt x="13" y="35"/>
-                  </a:cubicBezTo>
-                  <a:cubicBezTo>
-                    <a:pt x="9" y="24"/>
-                    <a:pt x="4" y="12"/>
-                    <a:pt x="0" y="0"/>
-                  </a:cubicBezTo>
-                  <a:cubicBezTo>
-                    <a:pt x="22" y="0"/>
-                    <a:pt x="44" y="0"/>
-                    <a:pt x="67" y="0"/>
-                  </a:cubicBezTo>
-                  <a:cubicBezTo>
-                    <a:pt x="65" y="6"/>
-                    <a:pt x="64" y="11"/>
-                    <a:pt x="62" y="16"/>
-                  </a:cubicBezTo>
-                  <a:cubicBezTo>
-                    <a:pt x="54" y="36"/>
-                    <a:pt x="55" y="55"/>
-                    <a:pt x="69" y="73"/>
-                  </a:cubicBezTo>
-                  <a:cubicBezTo>
-                    <a:pt x="89" y="101"/>
-                    <a:pt x="130" y="98"/>
-                    <a:pt x="147" y="68"/>
-                  </a:cubicBezTo>
-                  <a:cubicBezTo>
-                    <a:pt x="156" y="52"/>
-                    <a:pt x="157" y="35"/>
-                    <a:pt x="151" y="17"/>
-                  </a:cubicBezTo>
-                  <a:cubicBezTo>
-                    <a:pt x="149" y="12"/>
-                    <a:pt x="147" y="6"/>
-                    <a:pt x="145" y="0"/>
-                  </a:cubicBezTo>
-                  <a:close/>
-                </a:path>
-              </a:pathLst>
-            </a:custGeom>
-            <a:solidFill>
-              <a:schemeClr val="accent5"/>
-            </a:solidFill>
-            <a:ln>
-              <a:noFill/>
-            </a:ln>
-            <a:extLst>
-              <a:ext uri="{91240B29-F687-4F45-9708-019B960494DF}">
-                <a14:hiddenLine xmlns:a14="http://schemas.microsoft.com/office/drawing/2010/main" w="9525">
-                  <a:solidFill>
-                    <a:srgbClr val="000000"/>
-                  </a:solidFill>
-                  <a:round/>
-                  <a:headEnd/>
-                  <a:tailEnd/>
-                </a14:hiddenLine>
-              </a:ext>
-            </a:extLst>
-          </p:spPr>
-          <p:txBody>
-            <a:bodyPr vert="horz" wrap="square" lIns="91440" tIns="45720" rIns="91440" bIns="45720" numCol="1" anchor="t" anchorCtr="0" compatLnSpc="1">
-              <a:prstTxWarp prst="textNoShape">
-                <a:avLst/>
-              </a:prstTxWarp>
-            </a:bodyPr>
-            <a:lstStyle/>
-            <a:p>
-              <a:pPr>
-                <a:defRPr/>
-              </a:pPr>
-              <a:endParaRPr lang="en-US" dirty="0">
-                <a:solidFill>
-                  <a:srgbClr val="282F39"/>
-                </a:solidFill>
-              </a:endParaRPr>
-            </a:p>
-          </p:txBody>
-        </p:sp>
-      </p:grpSp>
       <p:sp>
         <p:nvSpPr>
           <p:cNvPr id="10" name="TextBox 9">
             <a:extLst>
               <a:ext uri="{FF2B5EF4-FFF2-40B4-BE49-F238E27FC236}">
-                <a16:creationId xmlns="" xmlns:a16="http://schemas.microsoft.com/office/drawing/2014/main" id="{DB0A9C50-B290-4C30-A65A-9D7AB111D154}"/>
+                <a16:creationId xmlns:a16="http://schemas.microsoft.com/office/drawing/2014/main" xmlns="" id="{DB0A9C50-B290-4C30-A65A-9D7AB111D154}"/>
               </a:ext>
             </a:extLst>
           </p:cNvPr>
@@ -16502,8 +15189,8 @@
         </p:nvSpPr>
         <p:spPr>
           <a:xfrm>
-            <a:off x="3379560" y="456014"/>
-            <a:ext cx="5497985" cy="1015663"/>
+            <a:off x="-38691" y="529480"/>
+            <a:ext cx="6357392" cy="1015663"/>
           </a:xfrm>
           <a:prstGeom prst="rect">
             <a:avLst/>
@@ -16520,7 +15207,7 @@
               <a:defRPr/>
             </a:pPr>
             <a:r>
-              <a:rPr lang="es-PE" sz="6000" dirty="0" smtClean="0">
+              <a:rPr lang="es-PE" sz="6000" cap="all" dirty="0" smtClean="0">
                 <a:solidFill>
                   <a:srgbClr val="FFFFFF"/>
                 </a:solidFill>
@@ -16531,7 +15218,7 @@
               <a:t>Introducción</a:t>
             </a:r>
             <a:r>
-              <a:rPr lang="en-GB" sz="6000" dirty="0" smtClean="0">
+              <a:rPr lang="en-GB" sz="6000" cap="all" dirty="0" smtClean="0">
                 <a:solidFill>
                   <a:srgbClr val="FFFFFF"/>
                 </a:solidFill>
@@ -16541,7 +15228,7 @@
               </a:rPr>
               <a:t> </a:t>
             </a:r>
-            <a:endParaRPr lang="en-GB" sz="6000" dirty="0">
+            <a:endParaRPr lang="en-GB" sz="6000" cap="all" dirty="0">
               <a:solidFill>
                 <a:srgbClr val="FFFFFF"/>
               </a:solidFill>
@@ -16554,10 +15241,10 @@
       </p:sp>
       <p:sp>
         <p:nvSpPr>
-          <p:cNvPr id="11" name="TextBox 10">
+          <p:cNvPr id="12" name="TextBox 11">
             <a:extLst>
               <a:ext uri="{FF2B5EF4-FFF2-40B4-BE49-F238E27FC236}">
-                <a16:creationId xmlns="" xmlns:a16="http://schemas.microsoft.com/office/drawing/2014/main" id="{8016977A-112F-4154-95F5-0608714FBFEE}"/>
+                <a16:creationId xmlns:a16="http://schemas.microsoft.com/office/drawing/2014/main" xmlns="" id="{8016977A-112F-4154-95F5-0608714FBFEE}"/>
               </a:ext>
             </a:extLst>
           </p:cNvPr>
@@ -16566,8 +15253,8 @@
         </p:nvSpPr>
         <p:spPr>
           <a:xfrm>
-            <a:off x="6289592" y="2224117"/>
-            <a:ext cx="4765757" cy="323165"/>
+            <a:off x="6746526" y="5210786"/>
+            <a:ext cx="4765757" cy="1323439"/>
           </a:xfrm>
           <a:prstGeom prst="rect">
             <a:avLst/>
@@ -16584,261 +15271,39 @@
               <a:defRPr/>
             </a:pPr>
             <a:r>
-              <a:rPr lang="en-US" sz="1500" dirty="0" smtClean="0">
+              <a:rPr lang="es-ES" sz="1600" dirty="0">
                 <a:solidFill>
                   <a:srgbClr val="FFFFFF"/>
                 </a:solidFill>
-                <a:latin typeface="Open Sans" panose="020B0606030504020204" pitchFamily="34" charset="0"/>
+                <a:latin typeface="Noto Sans" panose="020B0502040504020204" pitchFamily="34"/>
+                <a:ea typeface="Noto Sans" panose="020B0502040504020204" pitchFamily="34"/>
+                <a:cs typeface="Noto Sans" panose="020B0502040504020204" pitchFamily="34"/>
               </a:rPr>
-              <a:t>Un Interval tree es una </a:t>
+              <a:t>El árbol de intervalos es una estructura de datos útil para </a:t>
             </a:r>
             <a:r>
-              <a:rPr lang="es-PE" sz="1500" dirty="0" smtClean="0">
+              <a:rPr lang="es-ES" sz="1600" dirty="0" smtClean="0">
                 <a:solidFill>
                   <a:srgbClr val="FFFFFF"/>
                 </a:solidFill>
-                <a:latin typeface="Open Sans" panose="020B0606030504020204" pitchFamily="34" charset="0"/>
+                <a:latin typeface="Noto Sans" panose="020B0502040504020204" pitchFamily="34"/>
+                <a:ea typeface="Noto Sans" panose="020B0502040504020204" pitchFamily="34"/>
+                <a:cs typeface="Noto Sans" panose="020B0502040504020204" pitchFamily="34"/>
               </a:rPr>
-              <a:t>estructura</a:t>
+              <a:t>una </a:t>
             </a:r>
             <a:r>
-              <a:rPr lang="en-US" sz="1500" dirty="0" smtClean="0">
+              <a:rPr lang="es-ES" sz="1600" dirty="0">
                 <a:solidFill>
                   <a:srgbClr val="FFFFFF"/>
                 </a:solidFill>
-                <a:latin typeface="Open Sans" panose="020B0606030504020204" pitchFamily="34" charset="0"/>
+                <a:latin typeface="Noto Sans" panose="020B0502040504020204" pitchFamily="34"/>
+                <a:ea typeface="Noto Sans" panose="020B0502040504020204" pitchFamily="34"/>
+                <a:cs typeface="Noto Sans" panose="020B0502040504020204" pitchFamily="34"/>
               </a:rPr>
-              <a:t> </a:t>
+              <a:t>base de datos de aplicaciones en tiempo real, el árbol de intervalos es una estructura de datos útil para representar los eventos.</a:t>
             </a:r>
-            <a:r>
-              <a:rPr lang="en-US" sz="1500" dirty="0" smtClean="0">
-                <a:solidFill>
-                  <a:srgbClr val="FFFFFF"/>
-                </a:solidFill>
-                <a:latin typeface="Open Sans" panose="020B0606030504020204" pitchFamily="34" charset="0"/>
-              </a:rPr>
-              <a:t>de datos</a:t>
-            </a:r>
-            <a:endParaRPr lang="en-GB" sz="1500" dirty="0">
-              <a:solidFill>
-                <a:srgbClr val="FFFFFF"/>
-              </a:solidFill>
-              <a:latin typeface="Noto Sans" panose="020B0502040504020204" pitchFamily="34"/>
-              <a:ea typeface="Noto Sans" panose="020B0502040504020204" pitchFamily="34"/>
-              <a:cs typeface="Noto Sans" panose="020B0502040504020204" pitchFamily="34"/>
-            </a:endParaRPr>
-          </a:p>
-        </p:txBody>
-      </p:sp>
-      <p:sp>
-        <p:nvSpPr>
-          <p:cNvPr id="12" name="TextBox 11">
-            <a:extLst>
-              <a:ext uri="{FF2B5EF4-FFF2-40B4-BE49-F238E27FC236}">
-                <a16:creationId xmlns="" xmlns:a16="http://schemas.microsoft.com/office/drawing/2014/main" id="{8016977A-112F-4154-95F5-0608714FBFEE}"/>
-              </a:ext>
-            </a:extLst>
-          </p:cNvPr>
-          <p:cNvSpPr txBox="1"/>
-          <p:nvPr/>
-        </p:nvSpPr>
-        <p:spPr>
-          <a:xfrm>
-            <a:off x="6289591" y="3124849"/>
-            <a:ext cx="4765757" cy="553998"/>
-          </a:xfrm>
-          <a:prstGeom prst="rect">
-            <a:avLst/>
-          </a:prstGeom>
-          <a:noFill/>
-        </p:spPr>
-        <p:txBody>
-          <a:bodyPr wrap="square" rtlCol="0">
-            <a:spAutoFit/>
-          </a:bodyPr>
-          <a:lstStyle/>
-          <a:p>
-            <a:pPr algn="just">
-              <a:defRPr/>
-            </a:pPr>
-            <a:r>
-              <a:rPr lang="en-US" sz="1500" dirty="0" err="1" smtClean="0">
-                <a:solidFill>
-                  <a:srgbClr val="FFFFFF"/>
-                </a:solidFill>
-                <a:latin typeface="Open Sans" panose="020B0606030504020204" pitchFamily="34" charset="0"/>
-              </a:rPr>
-              <a:t>Permite</a:t>
-            </a:r>
-            <a:r>
-              <a:rPr lang="en-US" sz="1500" dirty="0" smtClean="0">
-                <a:solidFill>
-                  <a:srgbClr val="FFFFFF"/>
-                </a:solidFill>
-                <a:latin typeface="Open Sans" panose="020B0606030504020204" pitchFamily="34" charset="0"/>
-              </a:rPr>
-              <a:t> </a:t>
-            </a:r>
-            <a:r>
-              <a:rPr lang="en-US" sz="1500" dirty="0" err="1" smtClean="0">
-                <a:solidFill>
-                  <a:srgbClr val="FFFFFF"/>
-                </a:solidFill>
-                <a:latin typeface="Open Sans" panose="020B0606030504020204" pitchFamily="34" charset="0"/>
-              </a:rPr>
-              <a:t>encontrar</a:t>
-            </a:r>
-            <a:r>
-              <a:rPr lang="en-US" sz="1500" dirty="0" smtClean="0">
-                <a:solidFill>
-                  <a:srgbClr val="FFFFFF"/>
-                </a:solidFill>
-                <a:latin typeface="Open Sans" panose="020B0606030504020204" pitchFamily="34" charset="0"/>
-              </a:rPr>
-              <a:t> de una </a:t>
-            </a:r>
-            <a:r>
-              <a:rPr lang="en-US" sz="1500" dirty="0" err="1" smtClean="0">
-                <a:solidFill>
-                  <a:srgbClr val="FFFFFF"/>
-                </a:solidFill>
-                <a:latin typeface="Open Sans" panose="020B0606030504020204" pitchFamily="34" charset="0"/>
-              </a:rPr>
-              <a:t>manera</a:t>
-            </a:r>
-            <a:r>
-              <a:rPr lang="en-US" sz="1500" dirty="0" smtClean="0">
-                <a:solidFill>
-                  <a:srgbClr val="FFFFFF"/>
-                </a:solidFill>
-                <a:latin typeface="Open Sans" panose="020B0606030504020204" pitchFamily="34" charset="0"/>
-              </a:rPr>
-              <a:t> </a:t>
-            </a:r>
-            <a:r>
-              <a:rPr lang="en-US" sz="1500" dirty="0" err="1" smtClean="0">
-                <a:solidFill>
-                  <a:srgbClr val="FFFFFF"/>
-                </a:solidFill>
-                <a:latin typeface="Open Sans" panose="020B0606030504020204" pitchFamily="34" charset="0"/>
-              </a:rPr>
-              <a:t>eficiente</a:t>
-            </a:r>
-            <a:r>
-              <a:rPr lang="en-US" sz="1500" dirty="0" smtClean="0">
-                <a:solidFill>
-                  <a:srgbClr val="FFFFFF"/>
-                </a:solidFill>
-                <a:latin typeface="Open Sans" panose="020B0606030504020204" pitchFamily="34" charset="0"/>
-              </a:rPr>
-              <a:t> </a:t>
-            </a:r>
-            <a:r>
-              <a:rPr lang="en-US" sz="1500" dirty="0" err="1" smtClean="0">
-                <a:solidFill>
-                  <a:srgbClr val="FFFFFF"/>
-                </a:solidFill>
-                <a:latin typeface="Open Sans" panose="020B0606030504020204" pitchFamily="34" charset="0"/>
-              </a:rPr>
-              <a:t>todos</a:t>
-            </a:r>
-            <a:r>
-              <a:rPr lang="en-US" sz="1500" dirty="0" smtClean="0">
-                <a:solidFill>
-                  <a:srgbClr val="FFFFFF"/>
-                </a:solidFill>
-                <a:latin typeface="Open Sans" panose="020B0606030504020204" pitchFamily="34" charset="0"/>
-              </a:rPr>
-              <a:t> los </a:t>
-            </a:r>
-            <a:r>
-              <a:rPr lang="en-US" sz="1500" dirty="0" err="1" smtClean="0">
-                <a:solidFill>
-                  <a:srgbClr val="FFFFFF"/>
-                </a:solidFill>
-                <a:latin typeface="Open Sans" panose="020B0606030504020204" pitchFamily="34" charset="0"/>
-              </a:rPr>
-              <a:t>intervalos</a:t>
-            </a:r>
-            <a:r>
-              <a:rPr lang="en-US" sz="1500" dirty="0" smtClean="0">
-                <a:solidFill>
-                  <a:srgbClr val="FFFFFF"/>
-                </a:solidFill>
-                <a:latin typeface="Open Sans" panose="020B0606030504020204" pitchFamily="34" charset="0"/>
-              </a:rPr>
-              <a:t> o </a:t>
-            </a:r>
-            <a:r>
-              <a:rPr lang="en-US" sz="1500" dirty="0" err="1" smtClean="0">
-                <a:solidFill>
-                  <a:srgbClr val="FFFFFF"/>
-                </a:solidFill>
-                <a:latin typeface="Open Sans" panose="020B0606030504020204" pitchFamily="34" charset="0"/>
-              </a:rPr>
-              <a:t>punto</a:t>
-            </a:r>
-            <a:r>
-              <a:rPr lang="en-US" sz="1500" dirty="0" smtClean="0">
-                <a:solidFill>
-                  <a:srgbClr val="FFFFFF"/>
-                </a:solidFill>
-                <a:latin typeface="Open Sans" panose="020B0606030504020204" pitchFamily="34" charset="0"/>
-              </a:rPr>
-              <a:t> en dado</a:t>
-            </a:r>
-            <a:endParaRPr lang="en-GB" sz="1500" dirty="0">
-              <a:solidFill>
-                <a:srgbClr val="FFFFFF"/>
-              </a:solidFill>
-              <a:latin typeface="Noto Sans" panose="020B0502040504020204" pitchFamily="34"/>
-              <a:ea typeface="Noto Sans" panose="020B0502040504020204" pitchFamily="34"/>
-              <a:cs typeface="Noto Sans" panose="020B0502040504020204" pitchFamily="34"/>
-            </a:endParaRPr>
-          </a:p>
-        </p:txBody>
-      </p:sp>
-      <p:sp>
-        <p:nvSpPr>
-          <p:cNvPr id="13" name="TextBox 12">
-            <a:extLst>
-              <a:ext uri="{FF2B5EF4-FFF2-40B4-BE49-F238E27FC236}">
-                <a16:creationId xmlns="" xmlns:a16="http://schemas.microsoft.com/office/drawing/2014/main" id="{8016977A-112F-4154-95F5-0608714FBFEE}"/>
-              </a:ext>
-            </a:extLst>
-          </p:cNvPr>
-          <p:cNvSpPr txBox="1"/>
-          <p:nvPr/>
-        </p:nvSpPr>
-        <p:spPr>
-          <a:xfrm>
-            <a:off x="6289593" y="3946052"/>
-            <a:ext cx="4765757" cy="553998"/>
-          </a:xfrm>
-          <a:prstGeom prst="rect">
-            <a:avLst/>
-          </a:prstGeom>
-          <a:noFill/>
-        </p:spPr>
-        <p:txBody>
-          <a:bodyPr wrap="square" rtlCol="0">
-            <a:spAutoFit/>
-          </a:bodyPr>
-          <a:lstStyle/>
-          <a:p>
-            <a:pPr algn="just">
-              <a:defRPr/>
-            </a:pPr>
-            <a:r>
-              <a:rPr lang="en-US" sz="1500" dirty="0">
-                <a:solidFill>
-                  <a:srgbClr val="FFFFFF"/>
-                </a:solidFill>
-                <a:latin typeface="Open Sans" panose="020B0606030504020204" pitchFamily="34" charset="0"/>
-              </a:rPr>
-              <a:t>Lorem Ipsum is simply dummy text of the printing and typesetting industry. </a:t>
-            </a:r>
-            <a:endParaRPr lang="en-GB" sz="1500" dirty="0">
+            <a:endParaRPr lang="en-GB" sz="1600" dirty="0">
               <a:solidFill>
                 <a:srgbClr val="FFFFFF"/>
               </a:solidFill>
@@ -16857,7 +15322,7 @@
         </p:nvSpPr>
         <p:spPr>
           <a:xfrm>
-            <a:off x="5481410" y="3151438"/>
+            <a:off x="6230948" y="2630602"/>
             <a:ext cx="506366" cy="506366"/>
           </a:xfrm>
           <a:prstGeom prst="ellipse">
@@ -16894,13 +15359,18 @@
               <a:defRPr/>
             </a:pPr>
             <a:r>
-              <a:rPr lang="en-US" b="1" dirty="0">
+              <a:rPr lang="en-US" b="1" dirty="0" smtClean="0">
                 <a:solidFill>
                   <a:srgbClr val="FFFFFF"/>
                 </a:solidFill>
               </a:rPr>
               <a:t>2</a:t>
             </a:r>
+            <a:endParaRPr lang="en-US" b="1" dirty="0">
+              <a:solidFill>
+                <a:srgbClr val="FFFFFF"/>
+              </a:solidFill>
+            </a:endParaRPr>
           </a:p>
         </p:txBody>
       </p:sp>
@@ -16912,7 +15382,7 @@
         </p:nvSpPr>
         <p:spPr>
           <a:xfrm>
-            <a:off x="5481410" y="2149056"/>
+            <a:off x="6215091" y="1060942"/>
             <a:ext cx="506366" cy="506366"/>
           </a:xfrm>
           <a:prstGeom prst="ellipse">
@@ -16967,7 +15437,7 @@
         </p:nvSpPr>
         <p:spPr>
           <a:xfrm>
-            <a:off x="5481410" y="4085284"/>
+            <a:off x="6240160" y="5166913"/>
             <a:ext cx="506366" cy="506366"/>
           </a:xfrm>
           <a:prstGeom prst="ellipse">
@@ -17016,116 +15486,10 @@
       </p:sp>
       <p:sp>
         <p:nvSpPr>
-          <p:cNvPr id="17" name="Oval 16"/>
-          <p:cNvSpPr/>
-          <p:nvPr/>
-        </p:nvSpPr>
-        <p:spPr>
-          <a:xfrm>
-            <a:off x="5481410" y="5056455"/>
-            <a:ext cx="506366" cy="506366"/>
-          </a:xfrm>
-          <a:prstGeom prst="ellipse">
-            <a:avLst/>
-          </a:prstGeom>
-          <a:solidFill>
-            <a:schemeClr val="accent1"/>
-          </a:solidFill>
-          <a:ln>
-            <a:noFill/>
-          </a:ln>
-        </p:spPr>
-        <p:style>
-          <a:lnRef idx="2">
-            <a:schemeClr val="accent1">
-              <a:shade val="50000"/>
-            </a:schemeClr>
-          </a:lnRef>
-          <a:fillRef idx="1">
-            <a:schemeClr val="accent1"/>
-          </a:fillRef>
-          <a:effectRef idx="0">
-            <a:schemeClr val="accent1"/>
-          </a:effectRef>
-          <a:fontRef idx="minor">
-            <a:schemeClr val="lt1"/>
-          </a:fontRef>
-        </p:style>
-        <p:txBody>
-          <a:bodyPr rtlCol="0" anchor="ctr"/>
-          <a:lstStyle/>
-          <a:p>
-            <a:pPr algn="ctr">
-              <a:defRPr/>
-            </a:pPr>
-            <a:r>
-              <a:rPr lang="en-US" b="1" dirty="0">
-                <a:solidFill>
-                  <a:srgbClr val="FFFFFF"/>
-                </a:solidFill>
-              </a:rPr>
-              <a:t>4</a:t>
-            </a:r>
-          </a:p>
-        </p:txBody>
-      </p:sp>
-      <p:sp>
-        <p:nvSpPr>
-          <p:cNvPr id="18" name="TextBox 17">
-            <a:extLst>
-              <a:ext uri="{FF2B5EF4-FFF2-40B4-BE49-F238E27FC236}">
-                <a16:creationId xmlns="" xmlns:a16="http://schemas.microsoft.com/office/drawing/2014/main" id="{8016977A-112F-4154-95F5-0608714FBFEE}"/>
-              </a:ext>
-            </a:extLst>
-          </p:cNvPr>
-          <p:cNvSpPr txBox="1"/>
-          <p:nvPr/>
-        </p:nvSpPr>
-        <p:spPr>
-          <a:xfrm>
-            <a:off x="6289593" y="4892202"/>
-            <a:ext cx="4765757" cy="553998"/>
-          </a:xfrm>
-          <a:prstGeom prst="rect">
-            <a:avLst/>
-          </a:prstGeom>
-          <a:noFill/>
-        </p:spPr>
-        <p:txBody>
-          <a:bodyPr wrap="square" rtlCol="0">
-            <a:spAutoFit/>
-          </a:bodyPr>
-          <a:lstStyle/>
-          <a:p>
-            <a:pPr algn="just">
-              <a:defRPr/>
-            </a:pPr>
-            <a:r>
-              <a:rPr lang="en-US" sz="1500" dirty="0">
-                <a:solidFill>
-                  <a:srgbClr val="FFFFFF"/>
-                </a:solidFill>
-                <a:latin typeface="Open Sans" panose="020B0606030504020204" pitchFamily="34" charset="0"/>
-              </a:rPr>
-              <a:t>Lorem Ipsum is simply dummy text of the printing and typesetting industry. </a:t>
-            </a:r>
-            <a:endParaRPr lang="en-GB" sz="1500" dirty="0">
-              <a:solidFill>
-                <a:srgbClr val="FFFFFF"/>
-              </a:solidFill>
-              <a:latin typeface="Noto Sans" panose="020B0502040504020204" pitchFamily="34"/>
-              <a:ea typeface="Noto Sans" panose="020B0502040504020204" pitchFamily="34"/>
-              <a:cs typeface="Noto Sans" panose="020B0502040504020204" pitchFamily="34"/>
-            </a:endParaRPr>
-          </a:p>
-        </p:txBody>
-      </p:sp>
-      <p:sp>
-        <p:nvSpPr>
           <p:cNvPr id="20" name="Oval 19">
             <a:extLst>
               <a:ext uri="{FF2B5EF4-FFF2-40B4-BE49-F238E27FC236}">
-                <a16:creationId xmlns="" xmlns:a16="http://schemas.microsoft.com/office/drawing/2014/main" id="{1C885BB7-CD68-4D90-9D43-D52B807CA02C}"/>
+                <a16:creationId xmlns:a16="http://schemas.microsoft.com/office/drawing/2014/main" xmlns="" id="{1C885BB7-CD68-4D90-9D43-D52B807CA02C}"/>
               </a:ext>
             </a:extLst>
           </p:cNvPr>
@@ -17186,6 +15550,212 @@
           </a:p>
         </p:txBody>
       </p:sp>
+      <p:pic>
+        <p:nvPicPr>
+          <p:cNvPr id="2" name="Imagen 1"/>
+          <p:cNvPicPr>
+            <a:picLocks noChangeAspect="1"/>
+          </p:cNvPicPr>
+          <p:nvPr/>
+        </p:nvPicPr>
+        <p:blipFill rotWithShape="1">
+          <a:blip r:embed="rId2"/>
+          <a:srcRect l="2777" t="2191" r="7223"/>
+          <a:stretch/>
+        </p:blipFill>
+        <p:spPr>
+          <a:xfrm>
+            <a:off x="300774" y="1545143"/>
+            <a:ext cx="5694131" cy="4104321"/>
+          </a:xfrm>
+          <a:prstGeom prst="rect">
+            <a:avLst/>
+          </a:prstGeom>
+        </p:spPr>
+      </p:pic>
+      <p:sp>
+        <p:nvSpPr>
+          <p:cNvPr id="19" name="TextBox 11">
+            <a:extLst>
+              <a:ext uri="{FF2B5EF4-FFF2-40B4-BE49-F238E27FC236}">
+                <a16:creationId xmlns:a16="http://schemas.microsoft.com/office/drawing/2014/main" xmlns="" id="{8016977A-112F-4154-95F5-0608714FBFEE}"/>
+              </a:ext>
+            </a:extLst>
+          </p:cNvPr>
+          <p:cNvSpPr txBox="1"/>
+          <p:nvPr/>
+        </p:nvSpPr>
+        <p:spPr>
+          <a:xfrm>
+            <a:off x="6746526" y="1060942"/>
+            <a:ext cx="4765757" cy="1323439"/>
+          </a:xfrm>
+          <a:prstGeom prst="rect">
+            <a:avLst/>
+          </a:prstGeom>
+          <a:noFill/>
+        </p:spPr>
+        <p:txBody>
+          <a:bodyPr wrap="square" rtlCol="0">
+            <a:spAutoFit/>
+          </a:bodyPr>
+          <a:lstStyle/>
+          <a:p>
+            <a:pPr algn="just">
+              <a:defRPr/>
+            </a:pPr>
+            <a:r>
+              <a:rPr lang="es-ES" sz="1600" dirty="0">
+                <a:solidFill>
+                  <a:srgbClr val="FFFFFF"/>
+                </a:solidFill>
+                <a:latin typeface="Noto Sans" panose="020B0502040504020204" pitchFamily="34"/>
+                <a:ea typeface="Noto Sans" panose="020B0502040504020204" pitchFamily="34"/>
+                <a:cs typeface="Noto Sans" panose="020B0502040504020204" pitchFamily="34"/>
+              </a:rPr>
+              <a:t>La idea es </a:t>
+            </a:r>
+            <a:r>
+              <a:rPr lang="es-ES" sz="1600" dirty="0" smtClean="0">
+                <a:solidFill>
+                  <a:srgbClr val="FFFFFF"/>
+                </a:solidFill>
+                <a:latin typeface="Noto Sans" panose="020B0502040504020204" pitchFamily="34"/>
+                <a:ea typeface="Noto Sans" panose="020B0502040504020204" pitchFamily="34"/>
+                <a:cs typeface="Noto Sans" panose="020B0502040504020204" pitchFamily="34"/>
+              </a:rPr>
+              <a:t>crear </a:t>
+            </a:r>
+            <a:r>
+              <a:rPr lang="es-ES" sz="1600" dirty="0">
+                <a:solidFill>
+                  <a:srgbClr val="FFFFFF"/>
+                </a:solidFill>
+                <a:latin typeface="Noto Sans" panose="020B0502040504020204" pitchFamily="34"/>
+                <a:ea typeface="Noto Sans" panose="020B0502040504020204" pitchFamily="34"/>
+                <a:cs typeface="Noto Sans" panose="020B0502040504020204" pitchFamily="34"/>
+              </a:rPr>
+              <a:t>un árbol de búsqueda binaria (BST) con equilibrio automático como el árbol negro rojo, el árbol AVL, etc. para mantener el conjunto de intervalos de modo que todas las operaciones se puedan realizar en tiempo O </a:t>
+            </a:r>
+            <a:r>
+              <a:rPr lang="es-ES" sz="1600" dirty="0" smtClean="0">
+                <a:solidFill>
+                  <a:srgbClr val="FFFFFF"/>
+                </a:solidFill>
+                <a:latin typeface="Noto Sans" panose="020B0502040504020204" pitchFamily="34"/>
+                <a:ea typeface="Noto Sans" panose="020B0502040504020204" pitchFamily="34"/>
+                <a:cs typeface="Noto Sans" panose="020B0502040504020204" pitchFamily="34"/>
+              </a:rPr>
+              <a:t>(log n)</a:t>
+            </a:r>
+            <a:endParaRPr lang="en-GB" sz="1600" dirty="0">
+              <a:solidFill>
+                <a:srgbClr val="FFFFFF"/>
+              </a:solidFill>
+              <a:latin typeface="Noto Sans" panose="020B0502040504020204" pitchFamily="34"/>
+              <a:ea typeface="Noto Sans" panose="020B0502040504020204" pitchFamily="34"/>
+              <a:cs typeface="Noto Sans" panose="020B0502040504020204" pitchFamily="34"/>
+            </a:endParaRPr>
+          </a:p>
+        </p:txBody>
+      </p:sp>
+      <p:sp>
+        <p:nvSpPr>
+          <p:cNvPr id="22" name="TextBox 11">
+            <a:extLst>
+              <a:ext uri="{FF2B5EF4-FFF2-40B4-BE49-F238E27FC236}">
+                <a16:creationId xmlns:a16="http://schemas.microsoft.com/office/drawing/2014/main" xmlns="" id="{8016977A-112F-4154-95F5-0608714FBFEE}"/>
+              </a:ext>
+            </a:extLst>
+          </p:cNvPr>
+          <p:cNvSpPr txBox="1"/>
+          <p:nvPr/>
+        </p:nvSpPr>
+        <p:spPr>
+          <a:xfrm>
+            <a:off x="6721457" y="2523827"/>
+            <a:ext cx="4765757" cy="2554545"/>
+          </a:xfrm>
+          <a:prstGeom prst="rect">
+            <a:avLst/>
+          </a:prstGeom>
+          <a:noFill/>
+        </p:spPr>
+        <p:txBody>
+          <a:bodyPr wrap="square" rtlCol="0">
+            <a:spAutoFit/>
+          </a:bodyPr>
+          <a:lstStyle/>
+          <a:p>
+            <a:pPr algn="just">
+              <a:defRPr/>
+            </a:pPr>
+            <a:r>
+              <a:rPr lang="es-ES" sz="1600" dirty="0">
+                <a:solidFill>
+                  <a:srgbClr val="FFFFFF"/>
+                </a:solidFill>
+                <a:latin typeface="Noto Sans" panose="020B0502040504020204" pitchFamily="34"/>
+                <a:ea typeface="Noto Sans" panose="020B0502040504020204" pitchFamily="34"/>
+                <a:cs typeface="Noto Sans" panose="020B0502040504020204" pitchFamily="34"/>
+              </a:rPr>
+              <a:t>Los árboles de intervalo son dinámicos, es decir, permiten insertar o eliminar intervalos. Obtienen un tiempo de consulta de O (log n) mientras que el tiempo de </a:t>
+            </a:r>
+            <a:r>
+              <a:rPr lang="es-ES" sz="1600" dirty="0" smtClean="0">
+                <a:solidFill>
+                  <a:srgbClr val="FFFFFF"/>
+                </a:solidFill>
+                <a:latin typeface="Noto Sans" panose="020B0502040504020204" pitchFamily="34"/>
+                <a:ea typeface="Noto Sans" panose="020B0502040504020204" pitchFamily="34"/>
+                <a:cs typeface="Noto Sans" panose="020B0502040504020204" pitchFamily="34"/>
+              </a:rPr>
+              <a:t>pre procesamiento </a:t>
+            </a:r>
+            <a:r>
+              <a:rPr lang="es-ES" sz="1600" dirty="0">
+                <a:solidFill>
+                  <a:srgbClr val="FFFFFF"/>
+                </a:solidFill>
+                <a:latin typeface="Noto Sans" panose="020B0502040504020204" pitchFamily="34"/>
+                <a:ea typeface="Noto Sans" panose="020B0502040504020204" pitchFamily="34"/>
+                <a:cs typeface="Noto Sans" panose="020B0502040504020204" pitchFamily="34"/>
+              </a:rPr>
+              <a:t>para construir la estructura de datos es O (n log n) (pero el consumo de espacio es O (n)). Existen estructuras de datos con mejores tiempos de consulta y tiempo de </a:t>
+            </a:r>
+            <a:r>
+              <a:rPr lang="es-ES" sz="1600" dirty="0" smtClean="0">
+                <a:solidFill>
+                  <a:srgbClr val="FFFFFF"/>
+                </a:solidFill>
+                <a:latin typeface="Noto Sans" panose="020B0502040504020204" pitchFamily="34"/>
+                <a:ea typeface="Noto Sans" panose="020B0502040504020204" pitchFamily="34"/>
+                <a:cs typeface="Noto Sans" panose="020B0502040504020204" pitchFamily="34"/>
+              </a:rPr>
+              <a:t>pre procesamiento </a:t>
+            </a:r>
+            <a:r>
+              <a:rPr lang="es-ES" sz="1600" dirty="0">
+                <a:solidFill>
+                  <a:srgbClr val="FFFFFF"/>
+                </a:solidFill>
+                <a:latin typeface="Noto Sans" panose="020B0502040504020204" pitchFamily="34"/>
+                <a:ea typeface="Noto Sans" panose="020B0502040504020204" pitchFamily="34"/>
+                <a:cs typeface="Noto Sans" panose="020B0502040504020204" pitchFamily="34"/>
+              </a:rPr>
+              <a:t>para la configuración estática: si la RAM de la palabra de costo unitario es el modelo de cálculo,</a:t>
+            </a:r>
+            <a:endParaRPr lang="en-GB" sz="1600" dirty="0">
+              <a:solidFill>
+                <a:srgbClr val="FFFFFF"/>
+              </a:solidFill>
+              <a:latin typeface="Noto Sans" panose="020B0502040504020204" pitchFamily="34"/>
+              <a:ea typeface="Noto Sans" panose="020B0502040504020204" pitchFamily="34"/>
+              <a:cs typeface="Noto Sans" panose="020B0502040504020204" pitchFamily="34"/>
+            </a:endParaRPr>
+          </a:p>
+        </p:txBody>
+      </p:sp>
     </p:spTree>
     <p:extLst>
       <p:ext uri="{BB962C8B-B14F-4D97-AF65-F5344CB8AC3E}">
@@ -17207,122 +15777,6 @@
 </file>
 
 <file path=ppt/slides/slide5.xml><?xml version="1.0" encoding="utf-8"?>
-<p:sld xmlns:a="http://schemas.openxmlformats.org/drawingml/2006/main" xmlns:r="http://schemas.openxmlformats.org/officeDocument/2006/relationships" xmlns:p="http://schemas.openxmlformats.org/presentationml/2006/main">
-  <p:cSld>
-    <p:spTree>
-      <p:nvGrpSpPr>
-        <p:cNvPr id="1" name=""/>
-        <p:cNvGrpSpPr/>
-        <p:nvPr/>
-      </p:nvGrpSpPr>
-      <p:grpSpPr>
-        <a:xfrm>
-          <a:off x="0" y="0"/>
-          <a:ext cx="0" cy="0"/>
-          <a:chOff x="0" y="0"/>
-          <a:chExt cx="0" cy="0"/>
-        </a:xfrm>
-      </p:grpSpPr>
-      <p:sp>
-        <p:nvSpPr>
-          <p:cNvPr id="2" name="Título 1"/>
-          <p:cNvSpPr>
-            <a:spLocks noGrp="1"/>
-          </p:cNvSpPr>
-          <p:nvPr>
-            <p:ph type="title"/>
-          </p:nvPr>
-        </p:nvSpPr>
-        <p:spPr/>
-        <p:txBody>
-          <a:bodyPr/>
-          <a:lstStyle/>
-          <a:p>
-            <a:endParaRPr lang="es-PE" dirty="0"/>
-          </a:p>
-        </p:txBody>
-      </p:sp>
-      <p:sp>
-        <p:nvSpPr>
-          <p:cNvPr id="3" name="Marcador de contenido 2"/>
-          <p:cNvSpPr>
-            <a:spLocks noGrp="1"/>
-          </p:cNvSpPr>
-          <p:nvPr>
-            <p:ph idx="1"/>
-          </p:nvPr>
-        </p:nvSpPr>
-        <p:spPr/>
-        <p:txBody>
-          <a:bodyPr/>
-          <a:lstStyle/>
-          <a:p>
-            <a:endParaRPr lang="es-PE" dirty="0"/>
-          </a:p>
-        </p:txBody>
-      </p:sp>
-      <p:pic>
-        <p:nvPicPr>
-          <p:cNvPr id="4" name="Imagen 3"/>
-          <p:cNvPicPr>
-            <a:picLocks noChangeAspect="1"/>
-          </p:cNvPicPr>
-          <p:nvPr/>
-        </p:nvPicPr>
-        <p:blipFill>
-          <a:blip r:embed="rId2">
-            <a:extLst>
-              <a:ext uri="{BEBA8EAE-BF5A-486C-A8C5-ECC9F3942E4B}">
-                <a14:imgProps xmlns:a14="http://schemas.microsoft.com/office/drawing/2010/main">
-                  <a14:imgLayer r:embed="rId3">
-                    <a14:imgEffect>
-                      <a14:backgroundRemoval t="0" b="100000" l="0" r="100000">
-                        <a14:foregroundMark x1="25108" y1="42981" x2="30195" y2="51127"/>
-                        <a14:foregroundMark x1="56061" y1="7799" x2="53355" y2="21144"/>
-                        <a14:foregroundMark x1="70455" y1="42288" x2="75758" y2="55806"/>
-                        <a14:foregroundMark x1="88636" y1="78683" x2="88636" y2="90641"/>
-                        <a14:foregroundMark x1="36688" y1="81802" x2="43939" y2="93761"/>
-                        <a14:foregroundMark x1="6169" y1="80936" x2="11905" y2="89255"/>
-                        <a14:backgroundMark x1="31169" y1="4679" x2="9524" y2="33622"/>
-                        <a14:backgroundMark x1="42532" y1="38475" x2="72727" y2="89948"/>
-                        <a14:backgroundMark x1="76407" y1="9359" x2="97511" y2="25130"/>
-                        <a14:backgroundMark x1="24784" y1="67244" x2="22835" y2="97227"/>
-                        <a14:backgroundMark x1="649" y1="80416" x2="0" y2="89601"/>
-                      </a14:backgroundRemoval>
-                    </a14:imgEffect>
-                  </a14:imgLayer>
-                </a14:imgProps>
-              </a:ext>
-            </a:extLst>
-          </a:blip>
-          <a:stretch>
-            <a:fillRect/>
-          </a:stretch>
-        </p:blipFill>
-        <p:spPr>
-          <a:xfrm>
-            <a:off x="528504" y="1710142"/>
-            <a:ext cx="3592512" cy="2243376"/>
-          </a:xfrm>
-          <a:prstGeom prst="rect">
-            <a:avLst/>
-          </a:prstGeom>
-        </p:spPr>
-      </p:pic>
-    </p:spTree>
-    <p:extLst>
-      <p:ext uri="{BB962C8B-B14F-4D97-AF65-F5344CB8AC3E}">
-        <p14:creationId xmlns:p14="http://schemas.microsoft.com/office/powerpoint/2010/main" val="3787246273"/>
-      </p:ext>
-    </p:extLst>
-  </p:cSld>
-  <p:clrMapOvr>
-    <a:masterClrMapping/>
-  </p:clrMapOvr>
-</p:sld>
-</file>
-
-<file path=ppt/slides/slide6.xml><?xml version="1.0" encoding="utf-8"?>
 <p:sld xmlns:a="http://schemas.openxmlformats.org/drawingml/2006/main" xmlns:r="http://schemas.openxmlformats.org/officeDocument/2006/relationships" xmlns:p="http://schemas.openxmlformats.org/presentationml/2006/main">
   <p:cSld>
     <p:bg>
@@ -17347,72 +15801,12 @@
           <a:chExt cx="0" cy="0"/>
         </a:xfrm>
       </p:grpSpPr>
-      <p:sp>
-        <p:nvSpPr>
-          <p:cNvPr id="20" name="Oval 19">
+      <p:grpSp>
+        <p:nvGrpSpPr>
+          <p:cNvPr id="2" name="Group 1">
             <a:extLst>
               <a:ext uri="{FF2B5EF4-FFF2-40B4-BE49-F238E27FC236}">
-                <a16:creationId xmlns="" xmlns:a16="http://schemas.microsoft.com/office/drawing/2014/main" id="{15F9E255-61F9-4DFF-8290-1A613DA1B5BB}"/>
-              </a:ext>
-            </a:extLst>
-          </p:cNvPr>
-          <p:cNvSpPr/>
-          <p:nvPr/>
-        </p:nvSpPr>
-        <p:spPr>
-          <a:xfrm>
-            <a:off x="1546818" y="5633437"/>
-            <a:ext cx="3766861" cy="239629"/>
-          </a:xfrm>
-          <a:prstGeom prst="ellipse">
-            <a:avLst/>
-          </a:prstGeom>
-          <a:solidFill>
-            <a:schemeClr val="tx2">
-              <a:alpha val="30000"/>
-            </a:schemeClr>
-          </a:solidFill>
-          <a:ln>
-            <a:noFill/>
-          </a:ln>
-        </p:spPr>
-        <p:style>
-          <a:lnRef idx="2">
-            <a:schemeClr val="accent1">
-              <a:shade val="50000"/>
-            </a:schemeClr>
-          </a:lnRef>
-          <a:fillRef idx="1">
-            <a:schemeClr val="accent1"/>
-          </a:fillRef>
-          <a:effectRef idx="0">
-            <a:schemeClr val="accent1"/>
-          </a:effectRef>
-          <a:fontRef idx="minor">
-            <a:schemeClr val="lt1"/>
-          </a:fontRef>
-        </p:style>
-        <p:txBody>
-          <a:bodyPr rtlCol="0" anchor="ctr"/>
-          <a:lstStyle/>
-          <a:p>
-            <a:pPr algn="ctr">
-              <a:defRPr/>
-            </a:pPr>
-            <a:endParaRPr lang="en-US" dirty="0">
-              <a:solidFill>
-                <a:srgbClr val="FFFFFF"/>
-              </a:solidFill>
-            </a:endParaRPr>
-          </a:p>
-        </p:txBody>
-      </p:sp>
-      <p:grpSp>
-        <p:nvGrpSpPr>
-          <p:cNvPr id="41" name="Group 40">
-            <a:extLst>
-              <a:ext uri="{FF2B5EF4-FFF2-40B4-BE49-F238E27FC236}">
-                <a16:creationId xmlns="" xmlns:a16="http://schemas.microsoft.com/office/drawing/2014/main" id="{591D7154-7104-477A-A267-29B7F59277CF}"/>
+                <a16:creationId xmlns:a16="http://schemas.microsoft.com/office/drawing/2014/main" xmlns="" id="{CC228256-7909-4687-AC06-DF201365974E}"/>
               </a:ext>
             </a:extLst>
           </p:cNvPr>
@@ -17421,1669 +15815,7 @@
         </p:nvGrpSpPr>
         <p:grpSpPr>
           <a:xfrm>
-            <a:off x="1954212" y="1428826"/>
-            <a:ext cx="3359467" cy="4325468"/>
-            <a:chOff x="2050732" y="1266266"/>
-            <a:chExt cx="3359467" cy="4325468"/>
-          </a:xfrm>
-        </p:grpSpPr>
-        <p:grpSp>
-          <p:nvGrpSpPr>
-            <p:cNvPr id="15" name="Group 14">
-              <a:extLst>
-                <a:ext uri="{FF2B5EF4-FFF2-40B4-BE49-F238E27FC236}">
-                  <a16:creationId xmlns="" xmlns:a16="http://schemas.microsoft.com/office/drawing/2014/main" id="{48B83C53-B05F-482A-82A1-BE0464743B39}"/>
-                </a:ext>
-              </a:extLst>
-            </p:cNvPr>
-            <p:cNvGrpSpPr/>
-            <p:nvPr/>
-          </p:nvGrpSpPr>
-          <p:grpSpPr>
-            <a:xfrm>
-              <a:off x="2050732" y="1266266"/>
-              <a:ext cx="3359467" cy="4325468"/>
-              <a:chOff x="5230813" y="2312988"/>
-              <a:chExt cx="1733550" cy="2232025"/>
-            </a:xfrm>
-          </p:grpSpPr>
-          <p:sp>
-            <p:nvSpPr>
-              <p:cNvPr id="16" name="Freeform 6">
-                <a:extLst>
-                  <a:ext uri="{FF2B5EF4-FFF2-40B4-BE49-F238E27FC236}">
-                    <a16:creationId xmlns="" xmlns:a16="http://schemas.microsoft.com/office/drawing/2014/main" id="{9BA7F78A-5B92-4949-8F8C-8ECC299BC8FB}"/>
-                  </a:ext>
-                </a:extLst>
-              </p:cNvPr>
-              <p:cNvSpPr>
-                <a:spLocks/>
-              </p:cNvSpPr>
-              <p:nvPr/>
-            </p:nvSpPr>
-            <p:spPr bwMode="auto">
-              <a:xfrm>
-                <a:off x="5243513" y="4191001"/>
-                <a:ext cx="41275" cy="60325"/>
-              </a:xfrm>
-              <a:custGeom>
-                <a:avLst/>
-                <a:gdLst>
-                  <a:gd name="T0" fmla="*/ 0 w 13"/>
-                  <a:gd name="T1" fmla="*/ 3 h 19"/>
-                  <a:gd name="T2" fmla="*/ 4 w 13"/>
-                  <a:gd name="T3" fmla="*/ 0 h 19"/>
-                  <a:gd name="T4" fmla="*/ 10 w 13"/>
-                  <a:gd name="T5" fmla="*/ 5 h 19"/>
-                  <a:gd name="T6" fmla="*/ 5 w 13"/>
-                  <a:gd name="T7" fmla="*/ 18 h 19"/>
-                  <a:gd name="T8" fmla="*/ 0 w 13"/>
-                  <a:gd name="T9" fmla="*/ 15 h 19"/>
-                  <a:gd name="T10" fmla="*/ 0 w 13"/>
-                  <a:gd name="T11" fmla="*/ 3 h 19"/>
-                </a:gdLst>
-                <a:ahLst/>
-                <a:cxnLst>
-                  <a:cxn ang="0">
-                    <a:pos x="T0" y="T1"/>
-                  </a:cxn>
-                  <a:cxn ang="0">
-                    <a:pos x="T2" y="T3"/>
-                  </a:cxn>
-                  <a:cxn ang="0">
-                    <a:pos x="T4" y="T5"/>
-                  </a:cxn>
-                  <a:cxn ang="0">
-                    <a:pos x="T6" y="T7"/>
-                  </a:cxn>
-                  <a:cxn ang="0">
-                    <a:pos x="T8" y="T9"/>
-                  </a:cxn>
-                  <a:cxn ang="0">
-                    <a:pos x="T10" y="T11"/>
-                  </a:cxn>
-                </a:cxnLst>
-                <a:rect l="0" t="0" r="r" b="b"/>
-                <a:pathLst>
-                  <a:path w="13" h="19">
-                    <a:moveTo>
-                      <a:pt x="0" y="3"/>
-                    </a:moveTo>
-                    <a:cubicBezTo>
-                      <a:pt x="2" y="2"/>
-                      <a:pt x="3" y="1"/>
-                      <a:pt x="4" y="0"/>
-                    </a:cubicBezTo>
-                    <a:cubicBezTo>
-                      <a:pt x="6" y="2"/>
-                      <a:pt x="8" y="3"/>
-                      <a:pt x="10" y="5"/>
-                    </a:cubicBezTo>
-                    <a:cubicBezTo>
-                      <a:pt x="13" y="10"/>
-                      <a:pt x="11" y="17"/>
-                      <a:pt x="5" y="18"/>
-                    </a:cubicBezTo>
-                    <a:cubicBezTo>
-                      <a:pt x="4" y="19"/>
-                      <a:pt x="2" y="17"/>
-                      <a:pt x="0" y="15"/>
-                    </a:cubicBezTo>
-                    <a:cubicBezTo>
-                      <a:pt x="7" y="11"/>
-                      <a:pt x="5" y="7"/>
-                      <a:pt x="0" y="3"/>
-                    </a:cubicBezTo>
-                    <a:close/>
-                  </a:path>
-                </a:pathLst>
-              </a:custGeom>
-              <a:solidFill>
-                <a:srgbClr val="FFFFFF"/>
-              </a:solidFill>
-              <a:ln>
-                <a:noFill/>
-              </a:ln>
-              <a:extLst>
-                <a:ext uri="{91240B29-F687-4F45-9708-019B960494DF}">
-                  <a14:hiddenLine xmlns:a14="http://schemas.microsoft.com/office/drawing/2010/main" w="9525">
-                    <a:solidFill>
-                      <a:srgbClr val="000000"/>
-                    </a:solidFill>
-                    <a:round/>
-                    <a:headEnd/>
-                    <a:tailEnd/>
-                  </a14:hiddenLine>
-                </a:ext>
-              </a:extLst>
-            </p:spPr>
-            <p:txBody>
-              <a:bodyPr vert="horz" wrap="square" lIns="91440" tIns="45720" rIns="91440" bIns="45720" numCol="1" anchor="t" anchorCtr="0" compatLnSpc="1">
-                <a:prstTxWarp prst="textNoShape">
-                  <a:avLst/>
-                </a:prstTxWarp>
-              </a:bodyPr>
-              <a:lstStyle/>
-              <a:p>
-                <a:pPr>
-                  <a:defRPr/>
-                </a:pPr>
-                <a:endParaRPr lang="en-US" dirty="0">
-                  <a:solidFill>
-                    <a:srgbClr val="282F39"/>
-                  </a:solidFill>
-                </a:endParaRPr>
-              </a:p>
-            </p:txBody>
-          </p:sp>
-          <p:sp>
-            <p:nvSpPr>
-              <p:cNvPr id="17" name="Freeform 7">
-                <a:extLst>
-                  <a:ext uri="{FF2B5EF4-FFF2-40B4-BE49-F238E27FC236}">
-                    <a16:creationId xmlns="" xmlns:a16="http://schemas.microsoft.com/office/drawing/2014/main" id="{F5C40D60-8578-40FF-BE1E-194917DCCA2D}"/>
-                  </a:ext>
-                </a:extLst>
-              </p:cNvPr>
-              <p:cNvSpPr>
-                <a:spLocks/>
-              </p:cNvSpPr>
-              <p:nvPr/>
-            </p:nvSpPr>
-            <p:spPr bwMode="auto">
-              <a:xfrm>
-                <a:off x="6575426" y="2944813"/>
-                <a:ext cx="28575" cy="34925"/>
-              </a:xfrm>
-              <a:custGeom>
-                <a:avLst/>
-                <a:gdLst>
-                  <a:gd name="T0" fmla="*/ 0 w 9"/>
-                  <a:gd name="T1" fmla="*/ 10 h 11"/>
-                  <a:gd name="T2" fmla="*/ 2 w 9"/>
-                  <a:gd name="T3" fmla="*/ 1 h 11"/>
-                  <a:gd name="T4" fmla="*/ 8 w 9"/>
-                  <a:gd name="T5" fmla="*/ 1 h 11"/>
-                  <a:gd name="T6" fmla="*/ 9 w 9"/>
-                  <a:gd name="T7" fmla="*/ 3 h 11"/>
-                  <a:gd name="T8" fmla="*/ 8 w 9"/>
-                  <a:gd name="T9" fmla="*/ 4 h 11"/>
-                  <a:gd name="T10" fmla="*/ 2 w 9"/>
-                  <a:gd name="T11" fmla="*/ 11 h 11"/>
-                  <a:gd name="T12" fmla="*/ 0 w 9"/>
-                  <a:gd name="T13" fmla="*/ 10 h 11"/>
-                </a:gdLst>
-                <a:ahLst/>
-                <a:cxnLst>
-                  <a:cxn ang="0">
-                    <a:pos x="T0" y="T1"/>
-                  </a:cxn>
-                  <a:cxn ang="0">
-                    <a:pos x="T2" y="T3"/>
-                  </a:cxn>
-                  <a:cxn ang="0">
-                    <a:pos x="T4" y="T5"/>
-                  </a:cxn>
-                  <a:cxn ang="0">
-                    <a:pos x="T6" y="T7"/>
-                  </a:cxn>
-                  <a:cxn ang="0">
-                    <a:pos x="T8" y="T9"/>
-                  </a:cxn>
-                  <a:cxn ang="0">
-                    <a:pos x="T10" y="T11"/>
-                  </a:cxn>
-                  <a:cxn ang="0">
-                    <a:pos x="T12" y="T13"/>
-                  </a:cxn>
-                </a:cxnLst>
-                <a:rect l="0" t="0" r="r" b="b"/>
-                <a:pathLst>
-                  <a:path w="9" h="11">
-                    <a:moveTo>
-                      <a:pt x="0" y="10"/>
-                    </a:moveTo>
-                    <a:cubicBezTo>
-                      <a:pt x="1" y="7"/>
-                      <a:pt x="1" y="4"/>
-                      <a:pt x="2" y="1"/>
-                    </a:cubicBezTo>
-                    <a:cubicBezTo>
-                      <a:pt x="2" y="0"/>
-                      <a:pt x="6" y="1"/>
-                      <a:pt x="8" y="1"/>
-                    </a:cubicBezTo>
-                    <a:cubicBezTo>
-                      <a:pt x="9" y="1"/>
-                      <a:pt x="9" y="2"/>
-                      <a:pt x="9" y="3"/>
-                    </a:cubicBezTo>
-                    <a:cubicBezTo>
-                      <a:pt x="9" y="3"/>
-                      <a:pt x="8" y="4"/>
-                      <a:pt x="8" y="4"/>
-                    </a:cubicBezTo>
-                    <a:cubicBezTo>
-                      <a:pt x="3" y="3"/>
-                      <a:pt x="2" y="7"/>
-                      <a:pt x="2" y="11"/>
-                    </a:cubicBezTo>
-                    <a:cubicBezTo>
-                      <a:pt x="1" y="11"/>
-                      <a:pt x="1" y="10"/>
-                      <a:pt x="0" y="10"/>
-                    </a:cubicBezTo>
-                    <a:close/>
-                  </a:path>
-                </a:pathLst>
-              </a:custGeom>
-              <a:solidFill>
-                <a:srgbClr val="FFFFFF"/>
-              </a:solidFill>
-              <a:ln>
-                <a:noFill/>
-              </a:ln>
-              <a:extLst>
-                <a:ext uri="{91240B29-F687-4F45-9708-019B960494DF}">
-                  <a14:hiddenLine xmlns:a14="http://schemas.microsoft.com/office/drawing/2010/main" w="9525">
-                    <a:solidFill>
-                      <a:srgbClr val="000000"/>
-                    </a:solidFill>
-                    <a:round/>
-                    <a:headEnd/>
-                    <a:tailEnd/>
-                  </a14:hiddenLine>
-                </a:ext>
-              </a:extLst>
-            </p:spPr>
-            <p:txBody>
-              <a:bodyPr vert="horz" wrap="square" lIns="91440" tIns="45720" rIns="91440" bIns="45720" numCol="1" anchor="t" anchorCtr="0" compatLnSpc="1">
-                <a:prstTxWarp prst="textNoShape">
-                  <a:avLst/>
-                </a:prstTxWarp>
-              </a:bodyPr>
-              <a:lstStyle/>
-              <a:p>
-                <a:pPr>
-                  <a:defRPr/>
-                </a:pPr>
-                <a:endParaRPr lang="en-US" dirty="0">
-                  <a:solidFill>
-                    <a:srgbClr val="282F39"/>
-                  </a:solidFill>
-                </a:endParaRPr>
-              </a:p>
-            </p:txBody>
-          </p:sp>
-          <p:sp>
-            <p:nvSpPr>
-              <p:cNvPr id="18" name="Freeform 8">
-                <a:extLst>
-                  <a:ext uri="{FF2B5EF4-FFF2-40B4-BE49-F238E27FC236}">
-                    <a16:creationId xmlns="" xmlns:a16="http://schemas.microsoft.com/office/drawing/2014/main" id="{C390EA27-1FE2-4756-A3F0-21C98E0E46D7}"/>
-                  </a:ext>
-                </a:extLst>
-              </p:cNvPr>
-              <p:cNvSpPr>
-                <a:spLocks/>
-              </p:cNvSpPr>
-              <p:nvPr/>
-            </p:nvSpPr>
-            <p:spPr bwMode="auto">
-              <a:xfrm>
-                <a:off x="6007101" y="3649663"/>
-                <a:ext cx="622300" cy="611188"/>
-              </a:xfrm>
-              <a:custGeom>
-                <a:avLst/>
-                <a:gdLst>
-                  <a:gd name="T0" fmla="*/ 145 w 195"/>
-                  <a:gd name="T1" fmla="*/ 111 h 192"/>
-                  <a:gd name="T2" fmla="*/ 109 w 195"/>
-                  <a:gd name="T3" fmla="*/ 179 h 192"/>
-                  <a:gd name="T4" fmla="*/ 82 w 195"/>
-                  <a:gd name="T5" fmla="*/ 183 h 192"/>
-                  <a:gd name="T6" fmla="*/ 7 w 195"/>
-                  <a:gd name="T7" fmla="*/ 107 h 192"/>
-                  <a:gd name="T8" fmla="*/ 6 w 195"/>
-                  <a:gd name="T9" fmla="*/ 84 h 192"/>
-                  <a:gd name="T10" fmla="*/ 30 w 195"/>
-                  <a:gd name="T11" fmla="*/ 85 h 192"/>
-                  <a:gd name="T12" fmla="*/ 87 w 195"/>
-                  <a:gd name="T13" fmla="*/ 142 h 192"/>
-                  <a:gd name="T14" fmla="*/ 91 w 195"/>
-                  <a:gd name="T15" fmla="*/ 146 h 192"/>
-                  <a:gd name="T16" fmla="*/ 102 w 195"/>
-                  <a:gd name="T17" fmla="*/ 124 h 192"/>
-                  <a:gd name="T18" fmla="*/ 148 w 195"/>
-                  <a:gd name="T19" fmla="*/ 39 h 192"/>
-                  <a:gd name="T20" fmla="*/ 163 w 195"/>
-                  <a:gd name="T21" fmla="*/ 11 h 192"/>
-                  <a:gd name="T22" fmla="*/ 185 w 195"/>
-                  <a:gd name="T23" fmla="*/ 3 h 192"/>
-                  <a:gd name="T24" fmla="*/ 191 w 195"/>
-                  <a:gd name="T25" fmla="*/ 26 h 192"/>
-                  <a:gd name="T26" fmla="*/ 162 w 195"/>
-                  <a:gd name="T27" fmla="*/ 79 h 192"/>
-                  <a:gd name="T28" fmla="*/ 145 w 195"/>
-                  <a:gd name="T29" fmla="*/ 111 h 192"/>
-                </a:gdLst>
-                <a:ahLst/>
-                <a:cxnLst>
-                  <a:cxn ang="0">
-                    <a:pos x="T0" y="T1"/>
-                  </a:cxn>
-                  <a:cxn ang="0">
-                    <a:pos x="T2" y="T3"/>
-                  </a:cxn>
-                  <a:cxn ang="0">
-                    <a:pos x="T4" y="T5"/>
-                  </a:cxn>
-                  <a:cxn ang="0">
-                    <a:pos x="T6" y="T7"/>
-                  </a:cxn>
-                  <a:cxn ang="0">
-                    <a:pos x="T8" y="T9"/>
-                  </a:cxn>
-                  <a:cxn ang="0">
-                    <a:pos x="T10" y="T11"/>
-                  </a:cxn>
-                  <a:cxn ang="0">
-                    <a:pos x="T12" y="T13"/>
-                  </a:cxn>
-                  <a:cxn ang="0">
-                    <a:pos x="T14" y="T15"/>
-                  </a:cxn>
-                  <a:cxn ang="0">
-                    <a:pos x="T16" y="T17"/>
-                  </a:cxn>
-                  <a:cxn ang="0">
-                    <a:pos x="T18" y="T19"/>
-                  </a:cxn>
-                  <a:cxn ang="0">
-                    <a:pos x="T20" y="T21"/>
-                  </a:cxn>
-                  <a:cxn ang="0">
-                    <a:pos x="T22" y="T23"/>
-                  </a:cxn>
-                  <a:cxn ang="0">
-                    <a:pos x="T24" y="T25"/>
-                  </a:cxn>
-                  <a:cxn ang="0">
-                    <a:pos x="T26" y="T27"/>
-                  </a:cxn>
-                  <a:cxn ang="0">
-                    <a:pos x="T28" y="T29"/>
-                  </a:cxn>
-                </a:cxnLst>
-                <a:rect l="0" t="0" r="r" b="b"/>
-                <a:pathLst>
-                  <a:path w="195" h="192">
-                    <a:moveTo>
-                      <a:pt x="145" y="111"/>
-                    </a:moveTo>
-                    <a:cubicBezTo>
-                      <a:pt x="133" y="134"/>
-                      <a:pt x="121" y="157"/>
-                      <a:pt x="109" y="179"/>
-                    </a:cubicBezTo>
-                    <a:cubicBezTo>
-                      <a:pt x="103" y="190"/>
-                      <a:pt x="91" y="192"/>
-                      <a:pt x="82" y="183"/>
-                    </a:cubicBezTo>
-                    <a:cubicBezTo>
-                      <a:pt x="57" y="158"/>
-                      <a:pt x="32" y="132"/>
-                      <a:pt x="7" y="107"/>
-                    </a:cubicBezTo>
-                    <a:cubicBezTo>
-                      <a:pt x="0" y="100"/>
-                      <a:pt x="1" y="89"/>
-                      <a:pt x="6" y="84"/>
-                    </a:cubicBezTo>
-                    <a:cubicBezTo>
-                      <a:pt x="13" y="77"/>
-                      <a:pt x="23" y="78"/>
-                      <a:pt x="30" y="85"/>
-                    </a:cubicBezTo>
-                    <a:cubicBezTo>
-                      <a:pt x="49" y="104"/>
-                      <a:pt x="68" y="123"/>
-                      <a:pt x="87" y="142"/>
-                    </a:cubicBezTo>
-                    <a:cubicBezTo>
-                      <a:pt x="88" y="143"/>
-                      <a:pt x="89" y="144"/>
-                      <a:pt x="91" y="146"/>
-                    </a:cubicBezTo>
-                    <a:cubicBezTo>
-                      <a:pt x="95" y="138"/>
-                      <a:pt x="98" y="131"/>
-                      <a:pt x="102" y="124"/>
-                    </a:cubicBezTo>
-                    <a:cubicBezTo>
-                      <a:pt x="117" y="96"/>
-                      <a:pt x="132" y="68"/>
-                      <a:pt x="148" y="39"/>
-                    </a:cubicBezTo>
-                    <a:cubicBezTo>
-                      <a:pt x="153" y="30"/>
-                      <a:pt x="158" y="20"/>
-                      <a:pt x="163" y="11"/>
-                    </a:cubicBezTo>
-                    <a:cubicBezTo>
-                      <a:pt x="168" y="1"/>
-                      <a:pt x="178" y="0"/>
-                      <a:pt x="185" y="3"/>
-                    </a:cubicBezTo>
-                    <a:cubicBezTo>
-                      <a:pt x="193" y="7"/>
-                      <a:pt x="195" y="18"/>
-                      <a:pt x="191" y="26"/>
-                    </a:cubicBezTo>
-                    <a:cubicBezTo>
-                      <a:pt x="182" y="44"/>
-                      <a:pt x="172" y="62"/>
-                      <a:pt x="162" y="79"/>
-                    </a:cubicBezTo>
-                    <a:cubicBezTo>
-                      <a:pt x="161" y="82"/>
-                      <a:pt x="149" y="105"/>
-                      <a:pt x="145" y="111"/>
-                    </a:cubicBezTo>
-                    <a:close/>
-                  </a:path>
-                </a:pathLst>
-              </a:custGeom>
-              <a:solidFill>
-                <a:srgbClr val="00B050"/>
-              </a:solidFill>
-              <a:ln>
-                <a:noFill/>
-              </a:ln>
-            </p:spPr>
-            <p:txBody>
-              <a:bodyPr vert="horz" wrap="square" lIns="91440" tIns="45720" rIns="91440" bIns="45720" numCol="1" anchor="t" anchorCtr="0" compatLnSpc="1">
-                <a:prstTxWarp prst="textNoShape">
-                  <a:avLst/>
-                </a:prstTxWarp>
-              </a:bodyPr>
-              <a:lstStyle/>
-              <a:p>
-                <a:pPr>
-                  <a:defRPr/>
-                </a:pPr>
-                <a:endParaRPr lang="en-US" dirty="0">
-                  <a:solidFill>
-                    <a:srgbClr val="282F39"/>
-                  </a:solidFill>
-                </a:endParaRPr>
-              </a:p>
-            </p:txBody>
-          </p:sp>
-          <p:sp>
-            <p:nvSpPr>
-              <p:cNvPr id="19" name="Freeform 9">
-                <a:extLst>
-                  <a:ext uri="{FF2B5EF4-FFF2-40B4-BE49-F238E27FC236}">
-                    <a16:creationId xmlns="" xmlns:a16="http://schemas.microsoft.com/office/drawing/2014/main" id="{9AEF8173-5C3F-4A95-AFA5-151718BC3682}"/>
-                  </a:ext>
-                </a:extLst>
-              </p:cNvPr>
-              <p:cNvSpPr>
-                <a:spLocks noEditPoints="1"/>
-              </p:cNvSpPr>
-              <p:nvPr/>
-            </p:nvSpPr>
-            <p:spPr bwMode="auto">
-              <a:xfrm>
-                <a:off x="5230813" y="2312988"/>
-                <a:ext cx="1733550" cy="2232025"/>
-              </a:xfrm>
-              <a:custGeom>
-                <a:avLst/>
-                <a:gdLst>
-                  <a:gd name="T0" fmla="*/ 519 w 543"/>
-                  <a:gd name="T1" fmla="*/ 420 h 700"/>
-                  <a:gd name="T2" fmla="*/ 452 w 543"/>
-                  <a:gd name="T3" fmla="*/ 344 h 700"/>
-                  <a:gd name="T4" fmla="*/ 451 w 543"/>
-                  <a:gd name="T5" fmla="*/ 131 h 700"/>
-                  <a:gd name="T6" fmla="*/ 353 w 543"/>
-                  <a:gd name="T7" fmla="*/ 120 h 700"/>
-                  <a:gd name="T8" fmla="*/ 350 w 543"/>
-                  <a:gd name="T9" fmla="*/ 120 h 700"/>
-                  <a:gd name="T10" fmla="*/ 347 w 543"/>
-                  <a:gd name="T11" fmla="*/ 93 h 700"/>
-                  <a:gd name="T12" fmla="*/ 309 w 543"/>
-                  <a:gd name="T13" fmla="*/ 76 h 700"/>
-                  <a:gd name="T14" fmla="*/ 273 w 543"/>
-                  <a:gd name="T15" fmla="*/ 18 h 700"/>
-                  <a:gd name="T16" fmla="*/ 261 w 543"/>
-                  <a:gd name="T17" fmla="*/ 10 h 700"/>
-                  <a:gd name="T18" fmla="*/ 234 w 543"/>
-                  <a:gd name="T19" fmla="*/ 2 h 700"/>
-                  <a:gd name="T20" fmla="*/ 231 w 543"/>
-                  <a:gd name="T21" fmla="*/ 2 h 700"/>
-                  <a:gd name="T22" fmla="*/ 150 w 543"/>
-                  <a:gd name="T23" fmla="*/ 69 h 700"/>
-                  <a:gd name="T24" fmla="*/ 123 w 543"/>
-                  <a:gd name="T25" fmla="*/ 75 h 700"/>
-                  <a:gd name="T26" fmla="*/ 105 w 543"/>
-                  <a:gd name="T27" fmla="*/ 114 h 700"/>
-                  <a:gd name="T28" fmla="*/ 18 w 543"/>
-                  <a:gd name="T29" fmla="*/ 120 h 700"/>
-                  <a:gd name="T30" fmla="*/ 0 w 543"/>
-                  <a:gd name="T31" fmla="*/ 371 h 700"/>
-                  <a:gd name="T32" fmla="*/ 0 w 543"/>
-                  <a:gd name="T33" fmla="*/ 606 h 700"/>
-                  <a:gd name="T34" fmla="*/ 0 w 543"/>
-                  <a:gd name="T35" fmla="*/ 607 h 700"/>
-                  <a:gd name="T36" fmla="*/ 19 w 543"/>
-                  <a:gd name="T37" fmla="*/ 621 h 700"/>
-                  <a:gd name="T38" fmla="*/ 206 w 543"/>
-                  <a:gd name="T39" fmla="*/ 625 h 700"/>
-                  <a:gd name="T40" fmla="*/ 321 w 543"/>
-                  <a:gd name="T41" fmla="*/ 695 h 700"/>
-                  <a:gd name="T42" fmla="*/ 478 w 543"/>
-                  <a:gd name="T43" fmla="*/ 651 h 700"/>
-                  <a:gd name="T44" fmla="*/ 538 w 543"/>
-                  <a:gd name="T45" fmla="*/ 473 h 700"/>
-                  <a:gd name="T46" fmla="*/ 215 w 543"/>
-                  <a:gd name="T47" fmla="*/ 35 h 700"/>
-                  <a:gd name="T48" fmla="*/ 255 w 543"/>
-                  <a:gd name="T49" fmla="*/ 45 h 700"/>
-                  <a:gd name="T50" fmla="*/ 261 w 543"/>
-                  <a:gd name="T51" fmla="*/ 51 h 700"/>
-                  <a:gd name="T52" fmla="*/ 271 w 543"/>
-                  <a:gd name="T53" fmla="*/ 76 h 700"/>
-                  <a:gd name="T54" fmla="*/ 181 w 543"/>
-                  <a:gd name="T55" fmla="*/ 75 h 700"/>
-                  <a:gd name="T56" fmla="*/ 137 w 543"/>
-                  <a:gd name="T57" fmla="*/ 107 h 700"/>
-                  <a:gd name="T58" fmla="*/ 309 w 543"/>
-                  <a:gd name="T59" fmla="*/ 108 h 700"/>
-                  <a:gd name="T60" fmla="*/ 315 w 543"/>
-                  <a:gd name="T61" fmla="*/ 160 h 700"/>
-                  <a:gd name="T62" fmla="*/ 261 w 543"/>
-                  <a:gd name="T63" fmla="*/ 166 h 700"/>
-                  <a:gd name="T64" fmla="*/ 136 w 543"/>
-                  <a:gd name="T65" fmla="*/ 160 h 700"/>
-                  <a:gd name="T66" fmla="*/ 183 w 543"/>
-                  <a:gd name="T67" fmla="*/ 588 h 700"/>
-                  <a:gd name="T68" fmla="*/ 32 w 543"/>
-                  <a:gd name="T69" fmla="*/ 290 h 700"/>
-                  <a:gd name="T70" fmla="*/ 38 w 543"/>
-                  <a:gd name="T71" fmla="*/ 152 h 700"/>
-                  <a:gd name="T72" fmla="*/ 105 w 543"/>
-                  <a:gd name="T73" fmla="*/ 158 h 700"/>
-                  <a:gd name="T74" fmla="*/ 123 w 543"/>
-                  <a:gd name="T75" fmla="*/ 197 h 700"/>
-                  <a:gd name="T76" fmla="*/ 329 w 543"/>
-                  <a:gd name="T77" fmla="*/ 197 h 700"/>
-                  <a:gd name="T78" fmla="*/ 347 w 543"/>
-                  <a:gd name="T79" fmla="*/ 158 h 700"/>
-                  <a:gd name="T80" fmla="*/ 382 w 543"/>
-                  <a:gd name="T81" fmla="*/ 152 h 700"/>
-                  <a:gd name="T82" fmla="*/ 420 w 543"/>
-                  <a:gd name="T83" fmla="*/ 157 h 700"/>
-                  <a:gd name="T84" fmla="*/ 420 w 543"/>
-                  <a:gd name="T85" fmla="*/ 327 h 700"/>
-                  <a:gd name="T86" fmla="*/ 404 w 543"/>
-                  <a:gd name="T87" fmla="*/ 329 h 700"/>
-                  <a:gd name="T88" fmla="*/ 276 w 543"/>
-                  <a:gd name="T89" fmla="*/ 339 h 700"/>
-                  <a:gd name="T90" fmla="*/ 175 w 543"/>
-                  <a:gd name="T91" fmla="*/ 452 h 700"/>
-                  <a:gd name="T92" fmla="*/ 507 w 543"/>
-                  <a:gd name="T93" fmla="*/ 536 h 700"/>
-                  <a:gd name="T94" fmla="*/ 391 w 543"/>
-                  <a:gd name="T95" fmla="*/ 661 h 700"/>
-                  <a:gd name="T96" fmla="*/ 282 w 543"/>
-                  <a:gd name="T97" fmla="*/ 648 h 700"/>
-                  <a:gd name="T98" fmla="*/ 211 w 543"/>
-                  <a:gd name="T99" fmla="*/ 572 h 700"/>
-                  <a:gd name="T100" fmla="*/ 278 w 543"/>
-                  <a:gd name="T101" fmla="*/ 374 h 700"/>
-                  <a:gd name="T102" fmla="*/ 481 w 543"/>
-                  <a:gd name="T103" fmla="*/ 421 h 700"/>
-                  <a:gd name="T104" fmla="*/ 507 w 543"/>
-                  <a:gd name="T105" fmla="*/ 536 h 700"/>
-                </a:gdLst>
-                <a:ahLst/>
-                <a:cxnLst>
-                  <a:cxn ang="0">
-                    <a:pos x="T0" y="T1"/>
-                  </a:cxn>
-                  <a:cxn ang="0">
-                    <a:pos x="T2" y="T3"/>
-                  </a:cxn>
-                  <a:cxn ang="0">
-                    <a:pos x="T4" y="T5"/>
-                  </a:cxn>
-                  <a:cxn ang="0">
-                    <a:pos x="T6" y="T7"/>
-                  </a:cxn>
-                  <a:cxn ang="0">
-                    <a:pos x="T8" y="T9"/>
-                  </a:cxn>
-                  <a:cxn ang="0">
-                    <a:pos x="T10" y="T11"/>
-                  </a:cxn>
-                  <a:cxn ang="0">
-                    <a:pos x="T12" y="T13"/>
-                  </a:cxn>
-                  <a:cxn ang="0">
-                    <a:pos x="T14" y="T15"/>
-                  </a:cxn>
-                  <a:cxn ang="0">
-                    <a:pos x="T16" y="T17"/>
-                  </a:cxn>
-                  <a:cxn ang="0">
-                    <a:pos x="T18" y="T19"/>
-                  </a:cxn>
-                  <a:cxn ang="0">
-                    <a:pos x="T20" y="T21"/>
-                  </a:cxn>
-                  <a:cxn ang="0">
-                    <a:pos x="T22" y="T23"/>
-                  </a:cxn>
-                  <a:cxn ang="0">
-                    <a:pos x="T24" y="T25"/>
-                  </a:cxn>
-                  <a:cxn ang="0">
-                    <a:pos x="T26" y="T27"/>
-                  </a:cxn>
-                  <a:cxn ang="0">
-                    <a:pos x="T28" y="T29"/>
-                  </a:cxn>
-                  <a:cxn ang="0">
-                    <a:pos x="T30" y="T31"/>
-                  </a:cxn>
-                  <a:cxn ang="0">
-                    <a:pos x="T32" y="T33"/>
-                  </a:cxn>
-                  <a:cxn ang="0">
-                    <a:pos x="T34" y="T35"/>
-                  </a:cxn>
-                  <a:cxn ang="0">
-                    <a:pos x="T36" y="T37"/>
-                  </a:cxn>
-                  <a:cxn ang="0">
-                    <a:pos x="T38" y="T39"/>
-                  </a:cxn>
-                  <a:cxn ang="0">
-                    <a:pos x="T40" y="T41"/>
-                  </a:cxn>
-                  <a:cxn ang="0">
-                    <a:pos x="T42" y="T43"/>
-                  </a:cxn>
-                  <a:cxn ang="0">
-                    <a:pos x="T44" y="T45"/>
-                  </a:cxn>
-                  <a:cxn ang="0">
-                    <a:pos x="T46" y="T47"/>
-                  </a:cxn>
-                  <a:cxn ang="0">
-                    <a:pos x="T48" y="T49"/>
-                  </a:cxn>
-                  <a:cxn ang="0">
-                    <a:pos x="T50" y="T51"/>
-                  </a:cxn>
-                  <a:cxn ang="0">
-                    <a:pos x="T52" y="T53"/>
-                  </a:cxn>
-                  <a:cxn ang="0">
-                    <a:pos x="T54" y="T55"/>
-                  </a:cxn>
-                  <a:cxn ang="0">
-                    <a:pos x="T56" y="T57"/>
-                  </a:cxn>
-                  <a:cxn ang="0">
-                    <a:pos x="T58" y="T59"/>
-                  </a:cxn>
-                  <a:cxn ang="0">
-                    <a:pos x="T60" y="T61"/>
-                  </a:cxn>
-                  <a:cxn ang="0">
-                    <a:pos x="T62" y="T63"/>
-                  </a:cxn>
-                  <a:cxn ang="0">
-                    <a:pos x="T64" y="T65"/>
-                  </a:cxn>
-                  <a:cxn ang="0">
-                    <a:pos x="T66" y="T67"/>
-                  </a:cxn>
-                  <a:cxn ang="0">
-                    <a:pos x="T68" y="T69"/>
-                  </a:cxn>
-                  <a:cxn ang="0">
-                    <a:pos x="T70" y="T71"/>
-                  </a:cxn>
-                  <a:cxn ang="0">
-                    <a:pos x="T72" y="T73"/>
-                  </a:cxn>
-                  <a:cxn ang="0">
-                    <a:pos x="T74" y="T75"/>
-                  </a:cxn>
-                  <a:cxn ang="0">
-                    <a:pos x="T76" y="T77"/>
-                  </a:cxn>
-                  <a:cxn ang="0">
-                    <a:pos x="T78" y="T79"/>
-                  </a:cxn>
-                  <a:cxn ang="0">
-                    <a:pos x="T80" y="T81"/>
-                  </a:cxn>
-                  <a:cxn ang="0">
-                    <a:pos x="T82" y="T83"/>
-                  </a:cxn>
-                  <a:cxn ang="0">
-                    <a:pos x="T84" y="T85"/>
-                  </a:cxn>
-                  <a:cxn ang="0">
-                    <a:pos x="T86" y="T87"/>
-                  </a:cxn>
-                  <a:cxn ang="0">
-                    <a:pos x="T88" y="T89"/>
-                  </a:cxn>
-                  <a:cxn ang="0">
-                    <a:pos x="T90" y="T91"/>
-                  </a:cxn>
-                  <a:cxn ang="0">
-                    <a:pos x="T92" y="T93"/>
-                  </a:cxn>
-                  <a:cxn ang="0">
-                    <a:pos x="T94" y="T95"/>
-                  </a:cxn>
-                  <a:cxn ang="0">
-                    <a:pos x="T96" y="T97"/>
-                  </a:cxn>
-                  <a:cxn ang="0">
-                    <a:pos x="T98" y="T99"/>
-                  </a:cxn>
-                  <a:cxn ang="0">
-                    <a:pos x="T100" y="T101"/>
-                  </a:cxn>
-                  <a:cxn ang="0">
-                    <a:pos x="T102" y="T103"/>
-                  </a:cxn>
-                  <a:cxn ang="0">
-                    <a:pos x="T104" y="T105"/>
-                  </a:cxn>
-                </a:cxnLst>
-                <a:rect l="0" t="0" r="r" b="b"/>
-                <a:pathLst>
-                  <a:path w="543" h="700">
-                    <a:moveTo>
-                      <a:pt x="538" y="473"/>
-                    </a:moveTo>
-                    <a:cubicBezTo>
-                      <a:pt x="534" y="454"/>
-                      <a:pt x="528" y="437"/>
-                      <a:pt x="519" y="420"/>
-                    </a:cubicBezTo>
-                    <a:cubicBezTo>
-                      <a:pt x="504" y="393"/>
-                      <a:pt x="483" y="370"/>
-                      <a:pt x="457" y="353"/>
-                    </a:cubicBezTo>
-                    <a:cubicBezTo>
-                      <a:pt x="453" y="351"/>
-                      <a:pt x="452" y="348"/>
-                      <a:pt x="452" y="344"/>
-                    </a:cubicBezTo>
-                    <a:cubicBezTo>
-                      <a:pt x="452" y="276"/>
-                      <a:pt x="452" y="208"/>
-                      <a:pt x="452" y="140"/>
-                    </a:cubicBezTo>
-                    <a:cubicBezTo>
-                      <a:pt x="452" y="137"/>
-                      <a:pt x="452" y="134"/>
-                      <a:pt x="451" y="131"/>
-                    </a:cubicBezTo>
-                    <a:cubicBezTo>
-                      <a:pt x="448" y="123"/>
-                      <a:pt x="442" y="120"/>
-                      <a:pt x="434" y="120"/>
-                    </a:cubicBezTo>
-                    <a:cubicBezTo>
-                      <a:pt x="407" y="120"/>
-                      <a:pt x="380" y="120"/>
-                      <a:pt x="353" y="120"/>
-                    </a:cubicBezTo>
-                    <a:cubicBezTo>
-                      <a:pt x="352" y="120"/>
-                      <a:pt x="351" y="120"/>
-                      <a:pt x="350" y="120"/>
-                    </a:cubicBezTo>
-                    <a:cubicBezTo>
-                      <a:pt x="350" y="120"/>
-                      <a:pt x="350" y="120"/>
-                      <a:pt x="350" y="120"/>
-                    </a:cubicBezTo>
-                    <a:cubicBezTo>
-                      <a:pt x="347" y="120"/>
-                      <a:pt x="347" y="119"/>
-                      <a:pt x="347" y="114"/>
-                    </a:cubicBezTo>
-                    <a:cubicBezTo>
-                      <a:pt x="347" y="107"/>
-                      <a:pt x="347" y="100"/>
-                      <a:pt x="347" y="93"/>
-                    </a:cubicBezTo>
-                    <a:cubicBezTo>
-                      <a:pt x="347" y="81"/>
-                      <a:pt x="341" y="76"/>
-                      <a:pt x="329" y="76"/>
-                    </a:cubicBezTo>
-                    <a:cubicBezTo>
-                      <a:pt x="322" y="75"/>
-                      <a:pt x="316" y="75"/>
-                      <a:pt x="309" y="76"/>
-                    </a:cubicBezTo>
-                    <a:cubicBezTo>
-                      <a:pt x="304" y="76"/>
-                      <a:pt x="303" y="74"/>
-                      <a:pt x="302" y="69"/>
-                    </a:cubicBezTo>
-                    <a:cubicBezTo>
-                      <a:pt x="300" y="48"/>
-                      <a:pt x="290" y="31"/>
-                      <a:pt x="273" y="18"/>
-                    </a:cubicBezTo>
-                    <a:cubicBezTo>
-                      <a:pt x="269" y="15"/>
-                      <a:pt x="265" y="13"/>
-                      <a:pt x="261" y="10"/>
-                    </a:cubicBezTo>
-                    <a:cubicBezTo>
-                      <a:pt x="261" y="10"/>
-                      <a:pt x="261" y="10"/>
-                      <a:pt x="261" y="10"/>
-                    </a:cubicBezTo>
-                    <a:cubicBezTo>
-                      <a:pt x="259" y="9"/>
-                      <a:pt x="257" y="8"/>
-                      <a:pt x="255" y="8"/>
-                    </a:cubicBezTo>
-                    <a:cubicBezTo>
-                      <a:pt x="249" y="5"/>
-                      <a:pt x="242" y="3"/>
-                      <a:pt x="234" y="2"/>
-                    </a:cubicBezTo>
-                    <a:cubicBezTo>
-                      <a:pt x="233" y="2"/>
-                      <a:pt x="232" y="2"/>
-                      <a:pt x="231" y="2"/>
-                    </a:cubicBezTo>
-                    <a:cubicBezTo>
-                      <a:pt x="231" y="2"/>
-                      <a:pt x="231" y="2"/>
-                      <a:pt x="231" y="2"/>
-                    </a:cubicBezTo>
-                    <a:cubicBezTo>
-                      <a:pt x="212" y="0"/>
-                      <a:pt x="194" y="6"/>
-                      <a:pt x="179" y="18"/>
-                    </a:cubicBezTo>
-                    <a:cubicBezTo>
-                      <a:pt x="162" y="31"/>
-                      <a:pt x="152" y="48"/>
-                      <a:pt x="150" y="69"/>
-                    </a:cubicBezTo>
-                    <a:cubicBezTo>
-                      <a:pt x="149" y="74"/>
-                      <a:pt x="148" y="76"/>
-                      <a:pt x="143" y="75"/>
-                    </a:cubicBezTo>
-                    <a:cubicBezTo>
-                      <a:pt x="136" y="75"/>
-                      <a:pt x="129" y="75"/>
-                      <a:pt x="123" y="75"/>
-                    </a:cubicBezTo>
-                    <a:cubicBezTo>
-                      <a:pt x="111" y="75"/>
-                      <a:pt x="105" y="81"/>
-                      <a:pt x="105" y="93"/>
-                    </a:cubicBezTo>
-                    <a:cubicBezTo>
-                      <a:pt x="105" y="100"/>
-                      <a:pt x="105" y="107"/>
-                      <a:pt x="105" y="114"/>
-                    </a:cubicBezTo>
-                    <a:cubicBezTo>
-                      <a:pt x="105" y="120"/>
-                      <a:pt x="105" y="120"/>
-                      <a:pt x="98" y="120"/>
-                    </a:cubicBezTo>
-                    <a:cubicBezTo>
-                      <a:pt x="72" y="120"/>
-                      <a:pt x="45" y="121"/>
-                      <a:pt x="18" y="120"/>
-                    </a:cubicBezTo>
-                    <a:cubicBezTo>
-                      <a:pt x="7" y="120"/>
-                      <a:pt x="0" y="127"/>
-                      <a:pt x="0" y="139"/>
-                    </a:cubicBezTo>
-                    <a:cubicBezTo>
-                      <a:pt x="0" y="216"/>
-                      <a:pt x="0" y="293"/>
-                      <a:pt x="0" y="371"/>
-                    </a:cubicBezTo>
-                    <a:cubicBezTo>
-                      <a:pt x="0" y="448"/>
-                      <a:pt x="0" y="526"/>
-                      <a:pt x="0" y="603"/>
-                    </a:cubicBezTo>
-                    <a:cubicBezTo>
-                      <a:pt x="0" y="604"/>
-                      <a:pt x="0" y="605"/>
-                      <a:pt x="0" y="606"/>
-                    </a:cubicBezTo>
-                    <a:cubicBezTo>
-                      <a:pt x="0" y="607"/>
-                      <a:pt x="0" y="607"/>
-                      <a:pt x="0" y="607"/>
-                    </a:cubicBezTo>
-                    <a:cubicBezTo>
-                      <a:pt x="0" y="607"/>
-                      <a:pt x="0" y="607"/>
-                      <a:pt x="0" y="607"/>
-                    </a:cubicBezTo>
-                    <a:cubicBezTo>
-                      <a:pt x="1" y="609"/>
-                      <a:pt x="1" y="610"/>
-                      <a:pt x="1" y="611"/>
-                    </a:cubicBezTo>
-                    <a:cubicBezTo>
-                      <a:pt x="4" y="619"/>
-                      <a:pt x="11" y="621"/>
-                      <a:pt x="19" y="621"/>
-                    </a:cubicBezTo>
-                    <a:cubicBezTo>
-                      <a:pt x="78" y="621"/>
-                      <a:pt x="138" y="621"/>
-                      <a:pt x="197" y="621"/>
-                    </a:cubicBezTo>
-                    <a:cubicBezTo>
-                      <a:pt x="201" y="621"/>
-                      <a:pt x="203" y="622"/>
-                      <a:pt x="206" y="625"/>
-                    </a:cubicBezTo>
-                    <a:cubicBezTo>
-                      <a:pt x="216" y="636"/>
-                      <a:pt x="226" y="647"/>
-                      <a:pt x="237" y="657"/>
-                    </a:cubicBezTo>
-                    <a:cubicBezTo>
-                      <a:pt x="261" y="677"/>
-                      <a:pt x="290" y="689"/>
-                      <a:pt x="321" y="695"/>
-                    </a:cubicBezTo>
-                    <a:cubicBezTo>
-                      <a:pt x="350" y="700"/>
-                      <a:pt x="378" y="698"/>
-                      <a:pt x="406" y="690"/>
-                    </a:cubicBezTo>
-                    <a:cubicBezTo>
-                      <a:pt x="433" y="682"/>
-                      <a:pt x="457" y="669"/>
-                      <a:pt x="478" y="651"/>
-                    </a:cubicBezTo>
-                    <a:cubicBezTo>
-                      <a:pt x="511" y="621"/>
-                      <a:pt x="532" y="584"/>
-                      <a:pt x="539" y="540"/>
-                    </a:cubicBezTo>
-                    <a:cubicBezTo>
-                      <a:pt x="543" y="518"/>
-                      <a:pt x="542" y="495"/>
-                      <a:pt x="538" y="473"/>
-                    </a:cubicBezTo>
-                    <a:close/>
-                    <a:moveTo>
-                      <a:pt x="197" y="44"/>
-                    </a:moveTo>
-                    <a:cubicBezTo>
-                      <a:pt x="202" y="40"/>
-                      <a:pt x="209" y="36"/>
-                      <a:pt x="215" y="35"/>
-                    </a:cubicBezTo>
-                    <a:cubicBezTo>
-                      <a:pt x="215" y="35"/>
-                      <a:pt x="215" y="35"/>
-                      <a:pt x="215" y="35"/>
-                    </a:cubicBezTo>
-                    <a:cubicBezTo>
-                      <a:pt x="229" y="32"/>
-                      <a:pt x="244" y="35"/>
-                      <a:pt x="255" y="45"/>
-                    </a:cubicBezTo>
-                    <a:cubicBezTo>
-                      <a:pt x="257" y="46"/>
-                      <a:pt x="259" y="48"/>
-                      <a:pt x="261" y="50"/>
-                    </a:cubicBezTo>
-                    <a:cubicBezTo>
-                      <a:pt x="261" y="50"/>
-                      <a:pt x="261" y="51"/>
-                      <a:pt x="261" y="51"/>
-                    </a:cubicBezTo>
-                    <a:cubicBezTo>
-                      <a:pt x="261" y="51"/>
-                      <a:pt x="261" y="51"/>
-                      <a:pt x="261" y="51"/>
-                    </a:cubicBezTo>
-                    <a:cubicBezTo>
-                      <a:pt x="267" y="57"/>
-                      <a:pt x="270" y="65"/>
-                      <a:pt x="271" y="76"/>
-                    </a:cubicBezTo>
-                    <a:cubicBezTo>
-                      <a:pt x="268" y="76"/>
-                      <a:pt x="212" y="75"/>
-                      <a:pt x="188" y="75"/>
-                    </a:cubicBezTo>
-                    <a:cubicBezTo>
-                      <a:pt x="186" y="75"/>
-                      <a:pt x="184" y="75"/>
-                      <a:pt x="181" y="75"/>
-                    </a:cubicBezTo>
-                    <a:cubicBezTo>
-                      <a:pt x="182" y="62"/>
-                      <a:pt x="188" y="52"/>
-                      <a:pt x="197" y="44"/>
-                    </a:cubicBezTo>
-                    <a:close/>
-                    <a:moveTo>
-                      <a:pt x="137" y="107"/>
-                    </a:moveTo>
-                    <a:cubicBezTo>
-                      <a:pt x="139" y="107"/>
-                      <a:pt x="141" y="107"/>
-                      <a:pt x="142" y="107"/>
-                    </a:cubicBezTo>
-                    <a:cubicBezTo>
-                      <a:pt x="167" y="107"/>
-                      <a:pt x="278" y="108"/>
-                      <a:pt x="309" y="108"/>
-                    </a:cubicBezTo>
-                    <a:cubicBezTo>
-                      <a:pt x="311" y="108"/>
-                      <a:pt x="313" y="108"/>
-                      <a:pt x="315" y="108"/>
-                    </a:cubicBezTo>
-                    <a:cubicBezTo>
-                      <a:pt x="315" y="110"/>
-                      <a:pt x="315" y="145"/>
-                      <a:pt x="315" y="160"/>
-                    </a:cubicBezTo>
-                    <a:cubicBezTo>
-                      <a:pt x="315" y="165"/>
-                      <a:pt x="314" y="166"/>
-                      <a:pt x="310" y="166"/>
-                    </a:cubicBezTo>
-                    <a:cubicBezTo>
-                      <a:pt x="293" y="166"/>
-                      <a:pt x="261" y="166"/>
-                      <a:pt x="261" y="166"/>
-                    </a:cubicBezTo>
-                    <a:cubicBezTo>
-                      <a:pt x="221" y="165"/>
-                      <a:pt x="182" y="165"/>
-                      <a:pt x="142" y="166"/>
-                    </a:cubicBezTo>
-                    <a:cubicBezTo>
-                      <a:pt x="138" y="166"/>
-                      <a:pt x="136" y="165"/>
-                      <a:pt x="136" y="160"/>
-                    </a:cubicBezTo>
-                    <a:cubicBezTo>
-                      <a:pt x="137" y="144"/>
-                      <a:pt x="137" y="123"/>
-                      <a:pt x="137" y="107"/>
-                    </a:cubicBezTo>
-                    <a:close/>
-                    <a:moveTo>
-                      <a:pt x="183" y="588"/>
-                    </a:moveTo>
-                    <a:cubicBezTo>
-                      <a:pt x="159" y="589"/>
-                      <a:pt x="31" y="587"/>
-                      <a:pt x="31" y="587"/>
-                    </a:cubicBezTo>
-                    <a:cubicBezTo>
-                      <a:pt x="31" y="587"/>
-                      <a:pt x="32" y="374"/>
-                      <a:pt x="32" y="290"/>
-                    </a:cubicBezTo>
-                    <a:cubicBezTo>
-                      <a:pt x="32" y="246"/>
-                      <a:pt x="32" y="202"/>
-                      <a:pt x="32" y="158"/>
-                    </a:cubicBezTo>
-                    <a:cubicBezTo>
-                      <a:pt x="32" y="154"/>
-                      <a:pt x="33" y="152"/>
-                      <a:pt x="38" y="152"/>
-                    </a:cubicBezTo>
-                    <a:cubicBezTo>
-                      <a:pt x="58" y="152"/>
-                      <a:pt x="79" y="152"/>
-                      <a:pt x="99" y="152"/>
-                    </a:cubicBezTo>
-                    <a:cubicBezTo>
-                      <a:pt x="104" y="152"/>
-                      <a:pt x="105" y="154"/>
-                      <a:pt x="105" y="158"/>
-                    </a:cubicBezTo>
-                    <a:cubicBezTo>
-                      <a:pt x="105" y="165"/>
-                      <a:pt x="105" y="173"/>
-                      <a:pt x="105" y="180"/>
-                    </a:cubicBezTo>
-                    <a:cubicBezTo>
-                      <a:pt x="105" y="190"/>
-                      <a:pt x="113" y="197"/>
-                      <a:pt x="123" y="197"/>
-                    </a:cubicBezTo>
-                    <a:cubicBezTo>
-                      <a:pt x="154" y="197"/>
-                      <a:pt x="184" y="197"/>
-                      <a:pt x="215" y="197"/>
-                    </a:cubicBezTo>
-                    <a:cubicBezTo>
-                      <a:pt x="215" y="197"/>
-                      <a:pt x="291" y="197"/>
-                      <a:pt x="329" y="197"/>
-                    </a:cubicBezTo>
-                    <a:cubicBezTo>
-                      <a:pt x="339" y="197"/>
-                      <a:pt x="347" y="191"/>
-                      <a:pt x="347" y="180"/>
-                    </a:cubicBezTo>
-                    <a:cubicBezTo>
-                      <a:pt x="347" y="173"/>
-                      <a:pt x="347" y="165"/>
-                      <a:pt x="347" y="158"/>
-                    </a:cubicBezTo>
-                    <a:cubicBezTo>
-                      <a:pt x="347" y="154"/>
-                      <a:pt x="348" y="152"/>
-                      <a:pt x="352" y="152"/>
-                    </a:cubicBezTo>
-                    <a:cubicBezTo>
-                      <a:pt x="362" y="152"/>
-                      <a:pt x="382" y="152"/>
-                      <a:pt x="382" y="152"/>
-                    </a:cubicBezTo>
-                    <a:cubicBezTo>
-                      <a:pt x="393" y="152"/>
-                      <a:pt x="404" y="152"/>
-                      <a:pt x="416" y="152"/>
-                    </a:cubicBezTo>
-                    <a:cubicBezTo>
-                      <a:pt x="419" y="152"/>
-                      <a:pt x="420" y="153"/>
-                      <a:pt x="420" y="157"/>
-                    </a:cubicBezTo>
-                    <a:cubicBezTo>
-                      <a:pt x="420" y="168"/>
-                      <a:pt x="420" y="179"/>
-                      <a:pt x="420" y="190"/>
-                    </a:cubicBezTo>
-                    <a:cubicBezTo>
-                      <a:pt x="420" y="235"/>
-                      <a:pt x="420" y="281"/>
-                      <a:pt x="420" y="327"/>
-                    </a:cubicBezTo>
-                    <a:cubicBezTo>
-                      <a:pt x="420" y="329"/>
-                      <a:pt x="420" y="331"/>
-                      <a:pt x="420" y="334"/>
-                    </a:cubicBezTo>
-                    <a:cubicBezTo>
-                      <a:pt x="414" y="332"/>
-                      <a:pt x="409" y="331"/>
-                      <a:pt x="404" y="329"/>
-                    </a:cubicBezTo>
-                    <a:cubicBezTo>
-                      <a:pt x="378" y="321"/>
-                      <a:pt x="351" y="321"/>
-                      <a:pt x="324" y="324"/>
-                    </a:cubicBezTo>
-                    <a:cubicBezTo>
-                      <a:pt x="308" y="327"/>
-                      <a:pt x="292" y="332"/>
-                      <a:pt x="276" y="339"/>
-                    </a:cubicBezTo>
-                    <a:cubicBezTo>
-                      <a:pt x="275" y="339"/>
-                      <a:pt x="261" y="346"/>
-                      <a:pt x="261" y="346"/>
-                    </a:cubicBezTo>
-                    <a:cubicBezTo>
-                      <a:pt x="220" y="371"/>
-                      <a:pt x="190" y="406"/>
-                      <a:pt x="175" y="452"/>
-                    </a:cubicBezTo>
-                    <a:cubicBezTo>
-                      <a:pt x="160" y="498"/>
-                      <a:pt x="164" y="544"/>
-                      <a:pt x="183" y="588"/>
-                    </a:cubicBezTo>
-                    <a:close/>
-                    <a:moveTo>
-                      <a:pt x="507" y="536"/>
-                    </a:moveTo>
-                    <a:cubicBezTo>
-                      <a:pt x="501" y="572"/>
-                      <a:pt x="484" y="603"/>
-                      <a:pt x="456" y="627"/>
-                    </a:cubicBezTo>
-                    <a:cubicBezTo>
-                      <a:pt x="437" y="644"/>
-                      <a:pt x="415" y="655"/>
-                      <a:pt x="391" y="661"/>
-                    </a:cubicBezTo>
-                    <a:cubicBezTo>
-                      <a:pt x="376" y="665"/>
-                      <a:pt x="361" y="666"/>
-                      <a:pt x="346" y="666"/>
-                    </a:cubicBezTo>
-                    <a:cubicBezTo>
-                      <a:pt x="324" y="665"/>
-                      <a:pt x="302" y="659"/>
-                      <a:pt x="282" y="648"/>
-                    </a:cubicBezTo>
-                    <a:cubicBezTo>
-                      <a:pt x="280" y="647"/>
-                      <a:pt x="270" y="641"/>
-                      <a:pt x="268" y="640"/>
-                    </a:cubicBezTo>
-                    <a:cubicBezTo>
-                      <a:pt x="242" y="623"/>
-                      <a:pt x="224" y="600"/>
-                      <a:pt x="211" y="572"/>
-                    </a:cubicBezTo>
-                    <a:cubicBezTo>
-                      <a:pt x="198" y="544"/>
-                      <a:pt x="195" y="514"/>
-                      <a:pt x="200" y="484"/>
-                    </a:cubicBezTo>
-                    <a:cubicBezTo>
-                      <a:pt x="209" y="435"/>
-                      <a:pt x="235" y="398"/>
-                      <a:pt x="278" y="374"/>
-                    </a:cubicBezTo>
-                    <a:cubicBezTo>
-                      <a:pt x="304" y="359"/>
-                      <a:pt x="331" y="352"/>
-                      <a:pt x="360" y="354"/>
-                    </a:cubicBezTo>
-                    <a:cubicBezTo>
-                      <a:pt x="411" y="357"/>
-                      <a:pt x="452" y="379"/>
-                      <a:pt x="481" y="421"/>
-                    </a:cubicBezTo>
-                    <a:cubicBezTo>
-                      <a:pt x="493" y="437"/>
-                      <a:pt x="501" y="455"/>
-                      <a:pt x="506" y="475"/>
-                    </a:cubicBezTo>
-                    <a:cubicBezTo>
-                      <a:pt x="510" y="495"/>
-                      <a:pt x="511" y="515"/>
-                      <a:pt x="507" y="536"/>
-                    </a:cubicBezTo>
-                    <a:close/>
-                  </a:path>
-                </a:pathLst>
-              </a:custGeom>
-              <a:solidFill>
-                <a:schemeClr val="bg1"/>
-              </a:solidFill>
-              <a:ln>
-                <a:noFill/>
-              </a:ln>
-            </p:spPr>
-            <p:txBody>
-              <a:bodyPr vert="horz" wrap="square" lIns="91440" tIns="45720" rIns="91440" bIns="45720" numCol="1" anchor="t" anchorCtr="0" compatLnSpc="1">
-                <a:prstTxWarp prst="textNoShape">
-                  <a:avLst/>
-                </a:prstTxWarp>
-              </a:bodyPr>
-              <a:lstStyle/>
-              <a:p>
-                <a:pPr>
-                  <a:defRPr/>
-                </a:pPr>
-                <a:endParaRPr lang="en-US" dirty="0">
-                  <a:solidFill>
-                    <a:srgbClr val="282F39"/>
-                  </a:solidFill>
-                </a:endParaRPr>
-              </a:p>
-            </p:txBody>
-          </p:sp>
-        </p:grpSp>
-        <p:cxnSp>
-          <p:nvCxnSpPr>
-            <p:cNvPr id="3" name="Straight Connector 2">
-              <a:extLst>
-                <a:ext uri="{FF2B5EF4-FFF2-40B4-BE49-F238E27FC236}">
-                  <a16:creationId xmlns="" xmlns:a16="http://schemas.microsoft.com/office/drawing/2014/main" id="{055FD339-6624-469D-9E75-56140C89AEE5}"/>
-                </a:ext>
-              </a:extLst>
-            </p:cNvPr>
-            <p:cNvCxnSpPr/>
-            <p:nvPr/>
-          </p:nvCxnSpPr>
-          <p:spPr>
-            <a:xfrm>
-              <a:off x="2489200" y="2743200"/>
-              <a:ext cx="1859280" cy="0"/>
-            </a:xfrm>
-            <a:prstGeom prst="line">
-              <a:avLst/>
-            </a:prstGeom>
-            <a:ln w="38100">
-              <a:solidFill>
-                <a:schemeClr val="bg1"/>
-              </a:solidFill>
-            </a:ln>
-          </p:spPr>
-          <p:style>
-            <a:lnRef idx="1">
-              <a:schemeClr val="accent1"/>
-            </a:lnRef>
-            <a:fillRef idx="0">
-              <a:schemeClr val="accent1"/>
-            </a:fillRef>
-            <a:effectRef idx="0">
-              <a:schemeClr val="accent1"/>
-            </a:effectRef>
-            <a:fontRef idx="minor">
-              <a:schemeClr val="tx1"/>
-            </a:fontRef>
-          </p:style>
-        </p:cxnSp>
-        <p:cxnSp>
-          <p:nvCxnSpPr>
-            <p:cNvPr id="22" name="Straight Connector 21">
-              <a:extLst>
-                <a:ext uri="{FF2B5EF4-FFF2-40B4-BE49-F238E27FC236}">
-                  <a16:creationId xmlns="" xmlns:a16="http://schemas.microsoft.com/office/drawing/2014/main" id="{8612B0EC-E1FC-452C-8A5D-8A96934ACE96}"/>
-                </a:ext>
-              </a:extLst>
-            </p:cNvPr>
-            <p:cNvCxnSpPr/>
-            <p:nvPr/>
-          </p:nvCxnSpPr>
-          <p:spPr>
-            <a:xfrm>
-              <a:off x="2489200" y="3063240"/>
-              <a:ext cx="1859280" cy="0"/>
-            </a:xfrm>
-            <a:prstGeom prst="line">
-              <a:avLst/>
-            </a:prstGeom>
-            <a:ln w="38100">
-              <a:solidFill>
-                <a:schemeClr val="bg1"/>
-              </a:solidFill>
-            </a:ln>
-          </p:spPr>
-          <p:style>
-            <a:lnRef idx="1">
-              <a:schemeClr val="accent1"/>
-            </a:lnRef>
-            <a:fillRef idx="0">
-              <a:schemeClr val="accent1"/>
-            </a:fillRef>
-            <a:effectRef idx="0">
-              <a:schemeClr val="accent1"/>
-            </a:effectRef>
-            <a:fontRef idx="minor">
-              <a:schemeClr val="tx1"/>
-            </a:fontRef>
-          </p:style>
-        </p:cxnSp>
-        <p:cxnSp>
-          <p:nvCxnSpPr>
-            <p:cNvPr id="23" name="Straight Connector 22">
-              <a:extLst>
-                <a:ext uri="{FF2B5EF4-FFF2-40B4-BE49-F238E27FC236}">
-                  <a16:creationId xmlns="" xmlns:a16="http://schemas.microsoft.com/office/drawing/2014/main" id="{E1043069-413C-49D4-8B80-40AF0EAE5EE9}"/>
-                </a:ext>
-              </a:extLst>
-            </p:cNvPr>
-            <p:cNvCxnSpPr>
-              <a:cxnSpLocks/>
-            </p:cNvCxnSpPr>
-            <p:nvPr/>
-          </p:nvCxnSpPr>
-          <p:spPr>
-            <a:xfrm>
-              <a:off x="2489200" y="3383280"/>
-              <a:ext cx="853440" cy="0"/>
-            </a:xfrm>
-            <a:prstGeom prst="line">
-              <a:avLst/>
-            </a:prstGeom>
-            <a:ln w="38100">
-              <a:solidFill>
-                <a:schemeClr val="bg1"/>
-              </a:solidFill>
-            </a:ln>
-          </p:spPr>
-          <p:style>
-            <a:lnRef idx="1">
-              <a:schemeClr val="accent1"/>
-            </a:lnRef>
-            <a:fillRef idx="0">
-              <a:schemeClr val="accent1"/>
-            </a:fillRef>
-            <a:effectRef idx="0">
-              <a:schemeClr val="accent1"/>
-            </a:effectRef>
-            <a:fontRef idx="minor">
-              <a:schemeClr val="tx1"/>
-            </a:fontRef>
-          </p:style>
-        </p:cxnSp>
-        <p:cxnSp>
-          <p:nvCxnSpPr>
-            <p:cNvPr id="28" name="Straight Connector 27">
-              <a:extLst>
-                <a:ext uri="{FF2B5EF4-FFF2-40B4-BE49-F238E27FC236}">
-                  <a16:creationId xmlns="" xmlns:a16="http://schemas.microsoft.com/office/drawing/2014/main" id="{397EB301-14C4-4DFE-B42B-473BC0BCD6F9}"/>
-                </a:ext>
-              </a:extLst>
-            </p:cNvPr>
-            <p:cNvCxnSpPr>
-              <a:cxnSpLocks/>
-            </p:cNvCxnSpPr>
-            <p:nvPr/>
-          </p:nvCxnSpPr>
-          <p:spPr>
-            <a:xfrm>
-              <a:off x="2489200" y="3693160"/>
-              <a:ext cx="635000" cy="0"/>
-            </a:xfrm>
-            <a:prstGeom prst="line">
-              <a:avLst/>
-            </a:prstGeom>
-            <a:ln w="38100">
-              <a:solidFill>
-                <a:schemeClr val="bg1"/>
-              </a:solidFill>
-            </a:ln>
-          </p:spPr>
-          <p:style>
-            <a:lnRef idx="1">
-              <a:schemeClr val="accent1"/>
-            </a:lnRef>
-            <a:fillRef idx="0">
-              <a:schemeClr val="accent1"/>
-            </a:fillRef>
-            <a:effectRef idx="0">
-              <a:schemeClr val="accent1"/>
-            </a:effectRef>
-            <a:fontRef idx="minor">
-              <a:schemeClr val="tx1"/>
-            </a:fontRef>
-          </p:style>
-        </p:cxnSp>
-        <p:cxnSp>
-          <p:nvCxnSpPr>
-            <p:cNvPr id="29" name="Straight Connector 28">
-              <a:extLst>
-                <a:ext uri="{FF2B5EF4-FFF2-40B4-BE49-F238E27FC236}">
-                  <a16:creationId xmlns="" xmlns:a16="http://schemas.microsoft.com/office/drawing/2014/main" id="{FBC917EB-9D8B-4B59-A3AC-3DB6C8C02DE6}"/>
-                </a:ext>
-              </a:extLst>
-            </p:cNvPr>
-            <p:cNvCxnSpPr>
-              <a:cxnSpLocks/>
-            </p:cNvCxnSpPr>
-            <p:nvPr/>
-          </p:nvCxnSpPr>
-          <p:spPr>
-            <a:xfrm>
-              <a:off x="2489200" y="4013200"/>
-              <a:ext cx="477520" cy="0"/>
-            </a:xfrm>
-            <a:prstGeom prst="line">
-              <a:avLst/>
-            </a:prstGeom>
-            <a:ln w="38100">
-              <a:solidFill>
-                <a:schemeClr val="bg1"/>
-              </a:solidFill>
-            </a:ln>
-          </p:spPr>
-          <p:style>
-            <a:lnRef idx="1">
-              <a:schemeClr val="accent1"/>
-            </a:lnRef>
-            <a:fillRef idx="0">
-              <a:schemeClr val="accent1"/>
-            </a:fillRef>
-            <a:effectRef idx="0">
-              <a:schemeClr val="accent1"/>
-            </a:effectRef>
-            <a:fontRef idx="minor">
-              <a:schemeClr val="tx1"/>
-            </a:fontRef>
-          </p:style>
-        </p:cxnSp>
-        <p:cxnSp>
-          <p:nvCxnSpPr>
-            <p:cNvPr id="30" name="Straight Connector 29">
-              <a:extLst>
-                <a:ext uri="{FF2B5EF4-FFF2-40B4-BE49-F238E27FC236}">
-                  <a16:creationId xmlns="" xmlns:a16="http://schemas.microsoft.com/office/drawing/2014/main" id="{7521A0EA-AC72-4870-82E3-4972FC968A8C}"/>
-                </a:ext>
-              </a:extLst>
-            </p:cNvPr>
-            <p:cNvCxnSpPr>
-              <a:cxnSpLocks/>
-            </p:cNvCxnSpPr>
-            <p:nvPr/>
-          </p:nvCxnSpPr>
-          <p:spPr>
-            <a:xfrm>
-              <a:off x="2489200" y="4333240"/>
-              <a:ext cx="426720" cy="0"/>
-            </a:xfrm>
-            <a:prstGeom prst="line">
-              <a:avLst/>
-            </a:prstGeom>
-            <a:ln w="38100">
-              <a:solidFill>
-                <a:schemeClr val="bg1"/>
-              </a:solidFill>
-            </a:ln>
-          </p:spPr>
-          <p:style>
-            <a:lnRef idx="1">
-              <a:schemeClr val="accent1"/>
-            </a:lnRef>
-            <a:fillRef idx="0">
-              <a:schemeClr val="accent1"/>
-            </a:fillRef>
-            <a:effectRef idx="0">
-              <a:schemeClr val="accent1"/>
-            </a:effectRef>
-            <a:fontRef idx="minor">
-              <a:schemeClr val="tx1"/>
-            </a:fontRef>
-          </p:style>
-        </p:cxnSp>
-        <p:cxnSp>
-          <p:nvCxnSpPr>
-            <p:cNvPr id="40" name="Straight Connector 39">
-              <a:extLst>
-                <a:ext uri="{FF2B5EF4-FFF2-40B4-BE49-F238E27FC236}">
-                  <a16:creationId xmlns="" xmlns:a16="http://schemas.microsoft.com/office/drawing/2014/main" id="{F8334326-78D0-4D4C-A570-C3A654DA6E92}"/>
-                </a:ext>
-              </a:extLst>
-            </p:cNvPr>
-            <p:cNvCxnSpPr>
-              <a:cxnSpLocks/>
-            </p:cNvCxnSpPr>
-            <p:nvPr/>
-          </p:nvCxnSpPr>
-          <p:spPr>
-            <a:xfrm>
-              <a:off x="2489200" y="4638040"/>
-              <a:ext cx="426720" cy="0"/>
-            </a:xfrm>
-            <a:prstGeom prst="line">
-              <a:avLst/>
-            </a:prstGeom>
-            <a:ln w="38100">
-              <a:solidFill>
-                <a:schemeClr val="bg1"/>
-              </a:solidFill>
-            </a:ln>
-          </p:spPr>
-          <p:style>
-            <a:lnRef idx="1">
-              <a:schemeClr val="accent1"/>
-            </a:lnRef>
-            <a:fillRef idx="0">
-              <a:schemeClr val="accent1"/>
-            </a:fillRef>
-            <a:effectRef idx="0">
-              <a:schemeClr val="accent1"/>
-            </a:effectRef>
-            <a:fontRef idx="minor">
-              <a:schemeClr val="tx1"/>
-            </a:fontRef>
-          </p:style>
-        </p:cxnSp>
-      </p:grpSp>
-      <p:grpSp>
-        <p:nvGrpSpPr>
-          <p:cNvPr id="2" name="Group 1">
-            <a:extLst>
-              <a:ext uri="{FF2B5EF4-FFF2-40B4-BE49-F238E27FC236}">
-                <a16:creationId xmlns="" xmlns:a16="http://schemas.microsoft.com/office/drawing/2014/main" id="{CC228256-7909-4687-AC06-DF201365974E}"/>
-              </a:ext>
-            </a:extLst>
-          </p:cNvPr>
-          <p:cNvGrpSpPr/>
-          <p:nvPr/>
-        </p:nvGrpSpPr>
-        <p:grpSpPr>
-          <a:xfrm>
-            <a:off x="6749751" y="2012747"/>
+            <a:off x="6096608" y="2176948"/>
             <a:ext cx="660464" cy="657690"/>
             <a:chOff x="6493081" y="1742364"/>
             <a:chExt cx="660464" cy="657690"/>
@@ -19094,7 +15826,7 @@
             <p:cNvPr id="21" name="Oval 20">
               <a:extLst>
                 <a:ext uri="{FF2B5EF4-FFF2-40B4-BE49-F238E27FC236}">
-                  <a16:creationId xmlns="" xmlns:a16="http://schemas.microsoft.com/office/drawing/2014/main" id="{D9CB84BB-85E0-45B1-9A9A-18FFA2F49124}"/>
+                  <a16:creationId xmlns:a16="http://schemas.microsoft.com/office/drawing/2014/main" xmlns="" id="{D9CB84BB-85E0-45B1-9A9A-18FFA2F49124}"/>
                 </a:ext>
               </a:extLst>
             </p:cNvPr>
@@ -19142,7 +15874,7 @@
             <p:cNvPr id="24" name="Rectangle: Rounded Corners 23">
               <a:extLst>
                 <a:ext uri="{FF2B5EF4-FFF2-40B4-BE49-F238E27FC236}">
-                  <a16:creationId xmlns="" xmlns:a16="http://schemas.microsoft.com/office/drawing/2014/main" id="{2D5550FD-F773-422B-89AE-F3B73C2D6D9B}"/>
+                  <a16:creationId xmlns:a16="http://schemas.microsoft.com/office/drawing/2014/main" xmlns="" id="{2D5550FD-F773-422B-89AE-F3B73C2D6D9B}"/>
                 </a:ext>
               </a:extLst>
             </p:cNvPr>
@@ -19200,7 +15932,7 @@
             <p:cNvPr id="25" name="Rectangle: Rounded Corners 24">
               <a:extLst>
                 <a:ext uri="{FF2B5EF4-FFF2-40B4-BE49-F238E27FC236}">
-                  <a16:creationId xmlns="" xmlns:a16="http://schemas.microsoft.com/office/drawing/2014/main" id="{8623F86D-02ED-41FE-B82A-AF77216F4306}"/>
+                  <a16:creationId xmlns:a16="http://schemas.microsoft.com/office/drawing/2014/main" xmlns="" id="{8623F86D-02ED-41FE-B82A-AF77216F4306}"/>
                 </a:ext>
               </a:extLst>
             </p:cNvPr>
@@ -19259,7 +15991,7 @@
           <p:cNvPr id="26" name="TextBox 25">
             <a:extLst>
               <a:ext uri="{FF2B5EF4-FFF2-40B4-BE49-F238E27FC236}">
-                <a16:creationId xmlns="" xmlns:a16="http://schemas.microsoft.com/office/drawing/2014/main" id="{A4FAA62A-B5B9-49CF-B2F5-E9C5369268D9}"/>
+                <a16:creationId xmlns:a16="http://schemas.microsoft.com/office/drawing/2014/main" xmlns="" id="{A4FAA62A-B5B9-49CF-B2F5-E9C5369268D9}"/>
               </a:ext>
             </a:extLst>
           </p:cNvPr>
@@ -19268,7 +16000,7 @@
         </p:nvSpPr>
         <p:spPr>
           <a:xfrm>
-            <a:off x="7742044" y="2274640"/>
+            <a:off x="7088901" y="2551543"/>
             <a:ext cx="3100581" cy="492443"/>
           </a:xfrm>
           <a:prstGeom prst="rect">
@@ -19326,7 +16058,7 @@
           <p:cNvPr id="32" name="Group 31">
             <a:extLst>
               <a:ext uri="{FF2B5EF4-FFF2-40B4-BE49-F238E27FC236}">
-                <a16:creationId xmlns="" xmlns:a16="http://schemas.microsoft.com/office/drawing/2014/main" id="{BBEF0DB3-6780-4955-A9AC-6120553D0EBB}"/>
+                <a16:creationId xmlns:a16="http://schemas.microsoft.com/office/drawing/2014/main" xmlns="" id="{BBEF0DB3-6780-4955-A9AC-6120553D0EBB}"/>
               </a:ext>
             </a:extLst>
           </p:cNvPr>
@@ -19335,7 +16067,7 @@
         </p:nvGrpSpPr>
         <p:grpSpPr>
           <a:xfrm>
-            <a:off x="6749751" y="3312397"/>
+            <a:off x="6096608" y="3476598"/>
             <a:ext cx="660464" cy="657690"/>
             <a:chOff x="6493081" y="1742364"/>
             <a:chExt cx="660464" cy="657690"/>
@@ -19346,7 +16078,7 @@
             <p:cNvPr id="33" name="Oval 32">
               <a:extLst>
                 <a:ext uri="{FF2B5EF4-FFF2-40B4-BE49-F238E27FC236}">
-                  <a16:creationId xmlns="" xmlns:a16="http://schemas.microsoft.com/office/drawing/2014/main" id="{A639C86F-9695-43F9-8BD0-4B4285115887}"/>
+                  <a16:creationId xmlns:a16="http://schemas.microsoft.com/office/drawing/2014/main" xmlns="" id="{A639C86F-9695-43F9-8BD0-4B4285115887}"/>
                 </a:ext>
               </a:extLst>
             </p:cNvPr>
@@ -19394,7 +16126,7 @@
             <p:cNvPr id="34" name="Rectangle: Rounded Corners 33">
               <a:extLst>
                 <a:ext uri="{FF2B5EF4-FFF2-40B4-BE49-F238E27FC236}">
-                  <a16:creationId xmlns="" xmlns:a16="http://schemas.microsoft.com/office/drawing/2014/main" id="{FE094DD3-28C7-482C-9462-3CE4CA9B21E7}"/>
+                  <a16:creationId xmlns:a16="http://schemas.microsoft.com/office/drawing/2014/main" xmlns="" id="{FE094DD3-28C7-482C-9462-3CE4CA9B21E7}"/>
                 </a:ext>
               </a:extLst>
             </p:cNvPr>
@@ -19452,7 +16184,7 @@
             <p:cNvPr id="35" name="Rectangle: Rounded Corners 34">
               <a:extLst>
                 <a:ext uri="{FF2B5EF4-FFF2-40B4-BE49-F238E27FC236}">
-                  <a16:creationId xmlns="" xmlns:a16="http://schemas.microsoft.com/office/drawing/2014/main" id="{6F4769D5-0590-45A9-AA94-4ABE3AF85D9C}"/>
+                  <a16:creationId xmlns:a16="http://schemas.microsoft.com/office/drawing/2014/main" xmlns="" id="{6F4769D5-0590-45A9-AA94-4ABE3AF85D9C}"/>
                 </a:ext>
               </a:extLst>
             </p:cNvPr>
@@ -19511,7 +16243,7 @@
           <p:cNvPr id="36" name="Group 35">
             <a:extLst>
               <a:ext uri="{FF2B5EF4-FFF2-40B4-BE49-F238E27FC236}">
-                <a16:creationId xmlns="" xmlns:a16="http://schemas.microsoft.com/office/drawing/2014/main" id="{8AB3D930-A7D4-4663-A05F-C9537F60E040}"/>
+                <a16:creationId xmlns:a16="http://schemas.microsoft.com/office/drawing/2014/main" xmlns="" id="{8AB3D930-A7D4-4663-A05F-C9537F60E040}"/>
               </a:ext>
             </a:extLst>
           </p:cNvPr>
@@ -19520,7 +16252,7 @@
         </p:nvGrpSpPr>
         <p:grpSpPr>
           <a:xfrm>
-            <a:off x="6749751" y="4723811"/>
+            <a:off x="6096608" y="4888012"/>
             <a:ext cx="660464" cy="657690"/>
             <a:chOff x="6493081" y="1742364"/>
             <a:chExt cx="660464" cy="657690"/>
@@ -19531,7 +16263,7 @@
             <p:cNvPr id="37" name="Oval 36">
               <a:extLst>
                 <a:ext uri="{FF2B5EF4-FFF2-40B4-BE49-F238E27FC236}">
-                  <a16:creationId xmlns="" xmlns:a16="http://schemas.microsoft.com/office/drawing/2014/main" id="{381A3CC3-9084-4055-83FC-96BF2EA2F94A}"/>
+                  <a16:creationId xmlns:a16="http://schemas.microsoft.com/office/drawing/2014/main" xmlns="" id="{381A3CC3-9084-4055-83FC-96BF2EA2F94A}"/>
                 </a:ext>
               </a:extLst>
             </p:cNvPr>
@@ -19579,7 +16311,7 @@
             <p:cNvPr id="38" name="Rectangle: Rounded Corners 37">
               <a:extLst>
                 <a:ext uri="{FF2B5EF4-FFF2-40B4-BE49-F238E27FC236}">
-                  <a16:creationId xmlns="" xmlns:a16="http://schemas.microsoft.com/office/drawing/2014/main" id="{25F0C388-90EA-40B3-9ABD-D116082A68AF}"/>
+                  <a16:creationId xmlns:a16="http://schemas.microsoft.com/office/drawing/2014/main" xmlns="" id="{25F0C388-90EA-40B3-9ABD-D116082A68AF}"/>
                 </a:ext>
               </a:extLst>
             </p:cNvPr>
@@ -19637,7 +16369,7 @@
             <p:cNvPr id="39" name="Rectangle: Rounded Corners 38">
               <a:extLst>
                 <a:ext uri="{FF2B5EF4-FFF2-40B4-BE49-F238E27FC236}">
-                  <a16:creationId xmlns="" xmlns:a16="http://schemas.microsoft.com/office/drawing/2014/main" id="{4D574F9C-332C-40AC-9D37-30731DDBFFEC}"/>
+                  <a16:creationId xmlns:a16="http://schemas.microsoft.com/office/drawing/2014/main" xmlns="" id="{4D574F9C-332C-40AC-9D37-30731DDBFFEC}"/>
                 </a:ext>
               </a:extLst>
             </p:cNvPr>
@@ -19696,7 +16428,7 @@
           <p:cNvPr id="42" name="TextBox 41">
             <a:extLst>
               <a:ext uri="{FF2B5EF4-FFF2-40B4-BE49-F238E27FC236}">
-                <a16:creationId xmlns="" xmlns:a16="http://schemas.microsoft.com/office/drawing/2014/main" id="{95080828-2C0C-49AD-BAB5-3A3969C24F8D}"/>
+                <a16:creationId xmlns:a16="http://schemas.microsoft.com/office/drawing/2014/main" xmlns="" id="{95080828-2C0C-49AD-BAB5-3A3969C24F8D}"/>
               </a:ext>
             </a:extLst>
           </p:cNvPr>
@@ -19705,8 +16437,8 @@
         </p:nvSpPr>
         <p:spPr>
           <a:xfrm>
-            <a:off x="3973820" y="924058"/>
-            <a:ext cx="5865639" cy="584775"/>
+            <a:off x="881284" y="494004"/>
+            <a:ext cx="9786716" cy="923330"/>
           </a:xfrm>
           <a:prstGeom prst="rect">
             <a:avLst/>
@@ -19723,23 +16455,23 @@
               <a:defRPr/>
             </a:pPr>
             <a:r>
-              <a:rPr lang="en-GB" sz="3200" b="1" dirty="0" smtClean="0">
+              <a:rPr lang="en-GB" sz="5400" b="1" dirty="0" smtClean="0">
                 <a:solidFill>
                   <a:srgbClr val="FFFFFF"/>
                 </a:solidFill>
-                <a:latin typeface="Noto Sans" panose="020B0502040504020204" pitchFamily="34"/>
+                <a:latin typeface="Nirmala UI" panose="020B0502040204020203" pitchFamily="34" charset="0"/>
                 <a:ea typeface="Noto Sans" panose="020B0502040504020204" pitchFamily="34"/>
-                <a:cs typeface="Noto Sans" panose="020B0502040504020204" pitchFamily="34"/>
+                <a:cs typeface="Nirmala UI" panose="020B0502040204020203" pitchFamily="34" charset="0"/>
               </a:rPr>
               <a:t>METODOS – INTERVAL TREE</a:t>
             </a:r>
-            <a:endParaRPr lang="en-GB" sz="3200" b="1" dirty="0">
+            <a:endParaRPr lang="en-GB" sz="5400" b="1" dirty="0">
               <a:solidFill>
                 <a:srgbClr val="FFFFFF"/>
               </a:solidFill>
-              <a:latin typeface="Noto Sans" panose="020B0502040504020204" pitchFamily="34"/>
+              <a:latin typeface="Nirmala UI" panose="020B0502040204020203" pitchFamily="34" charset="0"/>
               <a:ea typeface="Noto Sans" panose="020B0502040504020204" pitchFamily="34"/>
-              <a:cs typeface="Noto Sans" panose="020B0502040504020204" pitchFamily="34"/>
+              <a:cs typeface="Nirmala UI" panose="020B0502040204020203" pitchFamily="34" charset="0"/>
             </a:endParaRPr>
           </a:p>
         </p:txBody>
@@ -19749,7 +16481,7 @@
           <p:cNvPr id="43" name="TextBox 42">
             <a:extLst>
               <a:ext uri="{FF2B5EF4-FFF2-40B4-BE49-F238E27FC236}">
-                <a16:creationId xmlns="" xmlns:a16="http://schemas.microsoft.com/office/drawing/2014/main" id="{26A3202A-290F-40F8-B2BF-8600143622AC}"/>
+                <a16:creationId xmlns:a16="http://schemas.microsoft.com/office/drawing/2014/main" xmlns="" id="{26A3202A-290F-40F8-B2BF-8600143622AC}"/>
               </a:ext>
             </a:extLst>
           </p:cNvPr>
@@ -19758,8 +16490,8 @@
         </p:nvSpPr>
         <p:spPr>
           <a:xfrm>
-            <a:off x="7742044" y="1919215"/>
-            <a:ext cx="2777018" cy="400110"/>
+            <a:off x="7088901" y="2083416"/>
+            <a:ext cx="2777018" cy="584775"/>
           </a:xfrm>
           <a:prstGeom prst="rect">
             <a:avLst/>
@@ -19776,7 +16508,7 @@
               <a:defRPr/>
             </a:pPr>
             <a:r>
-              <a:rPr lang="en-GB" sz="2000" b="1" dirty="0" smtClean="0">
+              <a:rPr lang="en-GB" sz="3200" b="1" cap="all" dirty="0" smtClean="0">
                 <a:solidFill>
                   <a:srgbClr val="FFFFFF"/>
                 </a:solidFill>
@@ -19786,7 +16518,7 @@
               </a:rPr>
               <a:t>Insertar</a:t>
             </a:r>
-            <a:endParaRPr lang="es-PE" sz="2000" b="1" dirty="0">
+            <a:endParaRPr lang="es-PE" sz="3200" b="1" cap="all" dirty="0">
               <a:solidFill>
                 <a:srgbClr val="FFFFFF"/>
               </a:solidFill>
@@ -19802,7 +16534,7 @@
           <p:cNvPr id="46" name="TextBox 45">
             <a:extLst>
               <a:ext uri="{FF2B5EF4-FFF2-40B4-BE49-F238E27FC236}">
-                <a16:creationId xmlns="" xmlns:a16="http://schemas.microsoft.com/office/drawing/2014/main" id="{21469279-16FD-4A80-99DF-6C485353C880}"/>
+                <a16:creationId xmlns:a16="http://schemas.microsoft.com/office/drawing/2014/main" xmlns="" id="{21469279-16FD-4A80-99DF-6C485353C880}"/>
               </a:ext>
             </a:extLst>
           </p:cNvPr>
@@ -19811,7 +16543,7 @@
         </p:nvSpPr>
         <p:spPr>
           <a:xfrm>
-            <a:off x="7742044" y="3593340"/>
+            <a:off x="7088901" y="3888066"/>
             <a:ext cx="3100581" cy="492443"/>
           </a:xfrm>
           <a:prstGeom prst="rect">
@@ -19853,7 +16585,7 @@
           <p:cNvPr id="47" name="TextBox 46">
             <a:extLst>
               <a:ext uri="{FF2B5EF4-FFF2-40B4-BE49-F238E27FC236}">
-                <a16:creationId xmlns="" xmlns:a16="http://schemas.microsoft.com/office/drawing/2014/main" id="{7E72EB65-9A2A-42FC-AA18-CF1D2DEFF4C6}"/>
+                <a16:creationId xmlns:a16="http://schemas.microsoft.com/office/drawing/2014/main" xmlns="" id="{7E72EB65-9A2A-42FC-AA18-CF1D2DEFF4C6}"/>
               </a:ext>
             </a:extLst>
           </p:cNvPr>
@@ -19862,8 +16594,8 @@
         </p:nvSpPr>
         <p:spPr>
           <a:xfrm>
-            <a:off x="7742044" y="3237915"/>
-            <a:ext cx="2777018" cy="400110"/>
+            <a:off x="7077578" y="3404302"/>
+            <a:ext cx="2777018" cy="584775"/>
           </a:xfrm>
           <a:prstGeom prst="rect">
             <a:avLst/>
@@ -19880,7 +16612,7 @@
               <a:defRPr/>
             </a:pPr>
             <a:r>
-              <a:rPr lang="es-PE" sz="2000" b="1" dirty="0" smtClean="0">
+              <a:rPr lang="es-ES" sz="3200" b="1" cap="all" dirty="0" smtClean="0">
                 <a:solidFill>
                   <a:srgbClr val="FFFFFF"/>
                 </a:solidFill>
@@ -19888,20 +16620,9 @@
                 <a:ea typeface="Noto Sans" panose="020B0502040504020204" pitchFamily="34"/>
                 <a:cs typeface="Noto Sans" panose="020B0502040504020204" pitchFamily="34"/>
               </a:rPr>
-              <a:t>Eliminar</a:t>
+              <a:t>Buscar</a:t>
             </a:r>
-            <a:r>
-              <a:rPr lang="en-GB" sz="2000" b="1" dirty="0" smtClean="0">
-                <a:solidFill>
-                  <a:srgbClr val="FFFFFF"/>
-                </a:solidFill>
-                <a:latin typeface="Noto Sans" panose="020B0502040504020204" pitchFamily="34"/>
-                <a:ea typeface="Noto Sans" panose="020B0502040504020204" pitchFamily="34"/>
-                <a:cs typeface="Noto Sans" panose="020B0502040504020204" pitchFamily="34"/>
-              </a:rPr>
-              <a:t> un intervalo</a:t>
-            </a:r>
-            <a:endParaRPr lang="en-GB" sz="2000" b="1" dirty="0">
+            <a:endParaRPr lang="en-GB" sz="3200" b="1" cap="all" dirty="0">
               <a:solidFill>
                 <a:srgbClr val="FFFFFF"/>
               </a:solidFill>
@@ -19917,7 +16638,7 @@
           <p:cNvPr id="48" name="TextBox 47">
             <a:extLst>
               <a:ext uri="{FF2B5EF4-FFF2-40B4-BE49-F238E27FC236}">
-                <a16:creationId xmlns="" xmlns:a16="http://schemas.microsoft.com/office/drawing/2014/main" id="{F307854E-7A9D-4676-B80A-0FE9D0109C4E}"/>
+                <a16:creationId xmlns:a16="http://schemas.microsoft.com/office/drawing/2014/main" xmlns="" id="{F307854E-7A9D-4676-B80A-0FE9D0109C4E}"/>
               </a:ext>
             </a:extLst>
           </p:cNvPr>
@@ -19926,7 +16647,7 @@
         </p:nvSpPr>
         <p:spPr>
           <a:xfrm>
-            <a:off x="7742044" y="5001579"/>
+            <a:off x="7097167" y="5299480"/>
             <a:ext cx="3100581" cy="492443"/>
           </a:xfrm>
           <a:prstGeom prst="rect">
@@ -19968,7 +16689,7 @@
           <p:cNvPr id="49" name="TextBox 48">
             <a:extLst>
               <a:ext uri="{FF2B5EF4-FFF2-40B4-BE49-F238E27FC236}">
-                <a16:creationId xmlns="" xmlns:a16="http://schemas.microsoft.com/office/drawing/2014/main" id="{E5F7063C-F4D4-4AA3-AB81-0A82327D4988}"/>
+                <a16:creationId xmlns:a16="http://schemas.microsoft.com/office/drawing/2014/main" xmlns="" id="{E5F7063C-F4D4-4AA3-AB81-0A82327D4988}"/>
               </a:ext>
             </a:extLst>
           </p:cNvPr>
@@ -19977,8 +16698,8 @@
         </p:nvSpPr>
         <p:spPr>
           <a:xfrm>
-            <a:off x="7742044" y="4646154"/>
-            <a:ext cx="2777018" cy="400110"/>
+            <a:off x="7088901" y="4810355"/>
+            <a:ext cx="2777018" cy="584775"/>
           </a:xfrm>
           <a:prstGeom prst="rect">
             <a:avLst/>
@@ -19995,7 +16716,7 @@
               <a:defRPr/>
             </a:pPr>
             <a:r>
-              <a:rPr lang="en-GB" sz="2000" b="1" dirty="0">
+              <a:rPr lang="es-PE" sz="3200" b="1" cap="all" dirty="0" smtClean="0">
                 <a:solidFill>
                   <a:srgbClr val="FFFFFF"/>
                 </a:solidFill>
@@ -20003,8 +16724,16 @@
                 <a:ea typeface="Noto Sans" panose="020B0502040504020204" pitchFamily="34"/>
                 <a:cs typeface="Noto Sans" panose="020B0502040504020204" pitchFamily="34"/>
               </a:rPr>
-              <a:t>Your title text here</a:t>
+              <a:t>Eliminar</a:t>
             </a:r>
+            <a:endParaRPr lang="en-GB" sz="3200" b="1" cap="all" dirty="0">
+              <a:solidFill>
+                <a:srgbClr val="FFFFFF"/>
+              </a:solidFill>
+              <a:latin typeface="Noto Sans" panose="020B0502040504020204" pitchFamily="34"/>
+              <a:ea typeface="Noto Sans" panose="020B0502040504020204" pitchFamily="34"/>
+              <a:cs typeface="Noto Sans" panose="020B0502040504020204" pitchFamily="34"/>
+            </a:endParaRPr>
           </a:p>
         </p:txBody>
       </p:sp>
@@ -20013,7 +16742,7 @@
           <p:cNvPr id="45" name="Oval 44">
             <a:extLst>
               <a:ext uri="{FF2B5EF4-FFF2-40B4-BE49-F238E27FC236}">
-                <a16:creationId xmlns="" xmlns:a16="http://schemas.microsoft.com/office/drawing/2014/main" id="{A7118392-2AE3-4A3D-B015-9CB099000042}"/>
+                <a16:creationId xmlns:a16="http://schemas.microsoft.com/office/drawing/2014/main" xmlns="" id="{A7118392-2AE3-4A3D-B015-9CB099000042}"/>
               </a:ext>
             </a:extLst>
           </p:cNvPr>
@@ -20082,10 +16811,1525 @@
           </a:p>
         </p:txBody>
       </p:sp>
+      <p:pic>
+        <p:nvPicPr>
+          <p:cNvPr id="4" name="Imagen 3"/>
+          <p:cNvPicPr>
+            <a:picLocks noChangeAspect="1"/>
+          </p:cNvPicPr>
+          <p:nvPr/>
+        </p:nvPicPr>
+        <p:blipFill>
+          <a:blip r:embed="rId2"/>
+          <a:stretch>
+            <a:fillRect/>
+          </a:stretch>
+        </p:blipFill>
+        <p:spPr>
+          <a:xfrm>
+            <a:off x="1279044" y="1866913"/>
+            <a:ext cx="4146583" cy="3915926"/>
+          </a:xfrm>
+          <a:prstGeom prst="rect">
+            <a:avLst/>
+          </a:prstGeom>
+        </p:spPr>
+      </p:pic>
+      <p:pic>
+        <p:nvPicPr>
+          <p:cNvPr id="6" name="Imagen 5"/>
+          <p:cNvPicPr>
+            <a:picLocks noChangeAspect="1"/>
+          </p:cNvPicPr>
+          <p:nvPr/>
+        </p:nvPicPr>
+        <p:blipFill>
+          <a:blip r:embed="rId3">
+            <a:extLst>
+              <a:ext uri="{BEBA8EAE-BF5A-486C-A8C5-ECC9F3942E4B}">
+                <a14:imgProps xmlns:a14="http://schemas.microsoft.com/office/drawing/2010/main">
+                  <a14:imgLayer r:embed="rId4">
+                    <a14:imgEffect>
+                      <a14:saturation sat="0"/>
+                    </a14:imgEffect>
+                  </a14:imgLayer>
+                </a14:imgProps>
+              </a:ext>
+            </a:extLst>
+          </a:blip>
+          <a:stretch>
+            <a:fillRect/>
+          </a:stretch>
+        </p:blipFill>
+        <p:spPr>
+          <a:xfrm>
+            <a:off x="700177" y="2350204"/>
+            <a:ext cx="5056336" cy="2727909"/>
+          </a:xfrm>
+          <a:prstGeom prst="rect">
+            <a:avLst/>
+          </a:prstGeom>
+        </p:spPr>
+      </p:pic>
     </p:spTree>
     <p:extLst>
       <p:ext uri="{BB962C8B-B14F-4D97-AF65-F5344CB8AC3E}">
         <p14:creationId xmlns:p14="http://schemas.microsoft.com/office/powerpoint/2010/main" val="1180907285"/>
+      </p:ext>
+    </p:extLst>
+  </p:cSld>
+  <p:clrMapOvr>
+    <a:masterClrMapping/>
+  </p:clrMapOvr>
+</p:sld>
+</file>
+
+<file path=ppt/slides/slide6.xml><?xml version="1.0" encoding="utf-8"?>
+<p:sld xmlns:a="http://schemas.openxmlformats.org/drawingml/2006/main" xmlns:r="http://schemas.openxmlformats.org/officeDocument/2006/relationships" xmlns:p="http://schemas.openxmlformats.org/presentationml/2006/main">
+  <p:cSld>
+    <p:bg>
+      <p:bgPr>
+        <a:solidFill>
+          <a:schemeClr val="tx1"/>
+        </a:solidFill>
+        <a:effectLst/>
+      </p:bgPr>
+    </p:bg>
+    <p:spTree>
+      <p:nvGrpSpPr>
+        <p:cNvPr id="1" name=""/>
+        <p:cNvGrpSpPr/>
+        <p:nvPr/>
+      </p:nvGrpSpPr>
+      <p:grpSpPr>
+        <a:xfrm>
+          <a:off x="0" y="0"/>
+          <a:ext cx="0" cy="0"/>
+          <a:chOff x="0" y="0"/>
+          <a:chExt cx="0" cy="0"/>
+        </a:xfrm>
+      </p:grpSpPr>
+      <p:sp>
+        <p:nvSpPr>
+          <p:cNvPr id="35" name="Oval 34">
+            <a:extLst>
+              <a:ext uri="{FF2B5EF4-FFF2-40B4-BE49-F238E27FC236}">
+                <a16:creationId xmlns:a16="http://schemas.microsoft.com/office/drawing/2014/main" xmlns="" id="{5DDABBE8-7360-452B-B856-38FEBE0D7B6C}"/>
+              </a:ext>
+            </a:extLst>
+          </p:cNvPr>
+          <p:cNvSpPr/>
+          <p:nvPr/>
+        </p:nvSpPr>
+        <p:spPr>
+          <a:xfrm flipV="1">
+            <a:off x="2122660" y="6429785"/>
+            <a:ext cx="2739830" cy="300753"/>
+          </a:xfrm>
+          <a:prstGeom prst="ellipse">
+            <a:avLst/>
+          </a:prstGeom>
+          <a:solidFill>
+            <a:schemeClr val="tx2">
+              <a:alpha val="30000"/>
+            </a:schemeClr>
+          </a:solidFill>
+          <a:ln>
+            <a:noFill/>
+          </a:ln>
+        </p:spPr>
+        <p:style>
+          <a:lnRef idx="2">
+            <a:schemeClr val="accent1">
+              <a:shade val="50000"/>
+            </a:schemeClr>
+          </a:lnRef>
+          <a:fillRef idx="1">
+            <a:schemeClr val="accent1"/>
+          </a:fillRef>
+          <a:effectRef idx="0">
+            <a:schemeClr val="accent1"/>
+          </a:effectRef>
+          <a:fontRef idx="minor">
+            <a:schemeClr val="lt1"/>
+          </a:fontRef>
+        </p:style>
+        <p:txBody>
+          <a:bodyPr rtlCol="0" anchor="ctr"/>
+          <a:lstStyle/>
+          <a:p>
+            <a:pPr algn="ctr">
+              <a:defRPr/>
+            </a:pPr>
+            <a:endParaRPr lang="en-US" dirty="0">
+              <a:solidFill>
+                <a:srgbClr val="FFFFFF"/>
+              </a:solidFill>
+            </a:endParaRPr>
+          </a:p>
+        </p:txBody>
+      </p:sp>
+      <p:sp>
+        <p:nvSpPr>
+          <p:cNvPr id="5" name="Freeform 5"/>
+          <p:cNvSpPr>
+            <a:spLocks/>
+          </p:cNvSpPr>
+          <p:nvPr/>
+        </p:nvSpPr>
+        <p:spPr bwMode="auto">
+          <a:xfrm>
+            <a:off x="1751087" y="5065514"/>
+            <a:ext cx="3482976" cy="1245495"/>
+          </a:xfrm>
+          <a:custGeom>
+            <a:avLst/>
+            <a:gdLst>
+              <a:gd name="T0" fmla="*/ 451 w 629"/>
+              <a:gd name="T1" fmla="*/ 74 h 225"/>
+              <a:gd name="T2" fmla="*/ 466 w 629"/>
+              <a:gd name="T3" fmla="*/ 74 h 225"/>
+              <a:gd name="T4" fmla="*/ 503 w 629"/>
+              <a:gd name="T5" fmla="*/ 64 h 225"/>
+              <a:gd name="T6" fmla="*/ 583 w 629"/>
+              <a:gd name="T7" fmla="*/ 15 h 225"/>
+              <a:gd name="T8" fmla="*/ 600 w 629"/>
+              <a:gd name="T9" fmla="*/ 4 h 225"/>
+              <a:gd name="T10" fmla="*/ 621 w 629"/>
+              <a:gd name="T11" fmla="*/ 9 h 225"/>
+              <a:gd name="T12" fmla="*/ 627 w 629"/>
+              <a:gd name="T13" fmla="*/ 19 h 225"/>
+              <a:gd name="T14" fmla="*/ 626 w 629"/>
+              <a:gd name="T15" fmla="*/ 26 h 225"/>
+              <a:gd name="T16" fmla="*/ 588 w 629"/>
+              <a:gd name="T17" fmla="*/ 67 h 225"/>
+              <a:gd name="T18" fmla="*/ 547 w 629"/>
+              <a:gd name="T19" fmla="*/ 105 h 225"/>
+              <a:gd name="T20" fmla="*/ 516 w 629"/>
+              <a:gd name="T21" fmla="*/ 135 h 225"/>
+              <a:gd name="T22" fmla="*/ 497 w 629"/>
+              <a:gd name="T23" fmla="*/ 148 h 225"/>
+              <a:gd name="T24" fmla="*/ 447 w 629"/>
+              <a:gd name="T25" fmla="*/ 179 h 225"/>
+              <a:gd name="T26" fmla="*/ 393 w 629"/>
+              <a:gd name="T27" fmla="*/ 219 h 225"/>
+              <a:gd name="T28" fmla="*/ 371 w 629"/>
+              <a:gd name="T29" fmla="*/ 223 h 225"/>
+              <a:gd name="T30" fmla="*/ 329 w 629"/>
+              <a:gd name="T31" fmla="*/ 212 h 225"/>
+              <a:gd name="T32" fmla="*/ 285 w 629"/>
+              <a:gd name="T33" fmla="*/ 201 h 225"/>
+              <a:gd name="T34" fmla="*/ 225 w 629"/>
+              <a:gd name="T35" fmla="*/ 189 h 225"/>
+              <a:gd name="T36" fmla="*/ 186 w 629"/>
+              <a:gd name="T37" fmla="*/ 181 h 225"/>
+              <a:gd name="T38" fmla="*/ 169 w 629"/>
+              <a:gd name="T39" fmla="*/ 180 h 225"/>
+              <a:gd name="T40" fmla="*/ 121 w 629"/>
+              <a:gd name="T41" fmla="*/ 170 h 225"/>
+              <a:gd name="T42" fmla="*/ 66 w 629"/>
+              <a:gd name="T43" fmla="*/ 157 h 225"/>
+              <a:gd name="T44" fmla="*/ 23 w 629"/>
+              <a:gd name="T45" fmla="*/ 149 h 225"/>
+              <a:gd name="T46" fmla="*/ 9 w 629"/>
+              <a:gd name="T47" fmla="*/ 145 h 225"/>
+              <a:gd name="T48" fmla="*/ 4 w 629"/>
+              <a:gd name="T49" fmla="*/ 140 h 225"/>
+              <a:gd name="T50" fmla="*/ 3 w 629"/>
+              <a:gd name="T51" fmla="*/ 94 h 225"/>
+              <a:gd name="T52" fmla="*/ 21 w 629"/>
+              <a:gd name="T53" fmla="*/ 29 h 225"/>
+              <a:gd name="T54" fmla="*/ 39 w 629"/>
+              <a:gd name="T55" fmla="*/ 4 h 225"/>
+              <a:gd name="T56" fmla="*/ 45 w 629"/>
+              <a:gd name="T57" fmla="*/ 2 h 225"/>
+              <a:gd name="T58" fmla="*/ 106 w 629"/>
+              <a:gd name="T59" fmla="*/ 21 h 225"/>
+              <a:gd name="T60" fmla="*/ 125 w 629"/>
+              <a:gd name="T61" fmla="*/ 27 h 225"/>
+              <a:gd name="T62" fmla="*/ 135 w 629"/>
+              <a:gd name="T63" fmla="*/ 27 h 225"/>
+              <a:gd name="T64" fmla="*/ 175 w 629"/>
+              <a:gd name="T65" fmla="*/ 17 h 225"/>
+              <a:gd name="T66" fmla="*/ 231 w 629"/>
+              <a:gd name="T67" fmla="*/ 11 h 225"/>
+              <a:gd name="T68" fmla="*/ 274 w 629"/>
+              <a:gd name="T69" fmla="*/ 24 h 225"/>
+              <a:gd name="T70" fmla="*/ 329 w 629"/>
+              <a:gd name="T71" fmla="*/ 52 h 225"/>
+              <a:gd name="T72" fmla="*/ 356 w 629"/>
+              <a:gd name="T73" fmla="*/ 57 h 225"/>
+              <a:gd name="T74" fmla="*/ 417 w 629"/>
+              <a:gd name="T75" fmla="*/ 71 h 225"/>
+              <a:gd name="T76" fmla="*/ 433 w 629"/>
+              <a:gd name="T77" fmla="*/ 87 h 225"/>
+              <a:gd name="T78" fmla="*/ 422 w 629"/>
+              <a:gd name="T79" fmla="*/ 112 h 225"/>
+              <a:gd name="T80" fmla="*/ 386 w 629"/>
+              <a:gd name="T81" fmla="*/ 113 h 225"/>
+              <a:gd name="T82" fmla="*/ 309 w 629"/>
+              <a:gd name="T83" fmla="*/ 113 h 225"/>
+              <a:gd name="T84" fmla="*/ 279 w 629"/>
+              <a:gd name="T85" fmla="*/ 120 h 225"/>
+              <a:gd name="T86" fmla="*/ 272 w 629"/>
+              <a:gd name="T87" fmla="*/ 134 h 225"/>
+              <a:gd name="T88" fmla="*/ 285 w 629"/>
+              <a:gd name="T89" fmla="*/ 141 h 225"/>
+              <a:gd name="T90" fmla="*/ 296 w 629"/>
+              <a:gd name="T91" fmla="*/ 137 h 225"/>
+              <a:gd name="T92" fmla="*/ 366 w 629"/>
+              <a:gd name="T93" fmla="*/ 134 h 225"/>
+              <a:gd name="T94" fmla="*/ 409 w 629"/>
+              <a:gd name="T95" fmla="*/ 136 h 225"/>
+              <a:gd name="T96" fmla="*/ 437 w 629"/>
+              <a:gd name="T97" fmla="*/ 130 h 225"/>
+              <a:gd name="T98" fmla="*/ 453 w 629"/>
+              <a:gd name="T99" fmla="*/ 77 h 225"/>
+              <a:gd name="T100" fmla="*/ 451 w 629"/>
+              <a:gd name="T101" fmla="*/ 74 h 225"/>
+            </a:gdLst>
+            <a:ahLst/>
+            <a:cxnLst>
+              <a:cxn ang="0">
+                <a:pos x="T0" y="T1"/>
+              </a:cxn>
+              <a:cxn ang="0">
+                <a:pos x="T2" y="T3"/>
+              </a:cxn>
+              <a:cxn ang="0">
+                <a:pos x="T4" y="T5"/>
+              </a:cxn>
+              <a:cxn ang="0">
+                <a:pos x="T6" y="T7"/>
+              </a:cxn>
+              <a:cxn ang="0">
+                <a:pos x="T8" y="T9"/>
+              </a:cxn>
+              <a:cxn ang="0">
+                <a:pos x="T10" y="T11"/>
+              </a:cxn>
+              <a:cxn ang="0">
+                <a:pos x="T12" y="T13"/>
+              </a:cxn>
+              <a:cxn ang="0">
+                <a:pos x="T14" y="T15"/>
+              </a:cxn>
+              <a:cxn ang="0">
+                <a:pos x="T16" y="T17"/>
+              </a:cxn>
+              <a:cxn ang="0">
+                <a:pos x="T18" y="T19"/>
+              </a:cxn>
+              <a:cxn ang="0">
+                <a:pos x="T20" y="T21"/>
+              </a:cxn>
+              <a:cxn ang="0">
+                <a:pos x="T22" y="T23"/>
+              </a:cxn>
+              <a:cxn ang="0">
+                <a:pos x="T24" y="T25"/>
+              </a:cxn>
+              <a:cxn ang="0">
+                <a:pos x="T26" y="T27"/>
+              </a:cxn>
+              <a:cxn ang="0">
+                <a:pos x="T28" y="T29"/>
+              </a:cxn>
+              <a:cxn ang="0">
+                <a:pos x="T30" y="T31"/>
+              </a:cxn>
+              <a:cxn ang="0">
+                <a:pos x="T32" y="T33"/>
+              </a:cxn>
+              <a:cxn ang="0">
+                <a:pos x="T34" y="T35"/>
+              </a:cxn>
+              <a:cxn ang="0">
+                <a:pos x="T36" y="T37"/>
+              </a:cxn>
+              <a:cxn ang="0">
+                <a:pos x="T38" y="T39"/>
+              </a:cxn>
+              <a:cxn ang="0">
+                <a:pos x="T40" y="T41"/>
+              </a:cxn>
+              <a:cxn ang="0">
+                <a:pos x="T42" y="T43"/>
+              </a:cxn>
+              <a:cxn ang="0">
+                <a:pos x="T44" y="T45"/>
+              </a:cxn>
+              <a:cxn ang="0">
+                <a:pos x="T46" y="T47"/>
+              </a:cxn>
+              <a:cxn ang="0">
+                <a:pos x="T48" y="T49"/>
+              </a:cxn>
+              <a:cxn ang="0">
+                <a:pos x="T50" y="T51"/>
+              </a:cxn>
+              <a:cxn ang="0">
+                <a:pos x="T52" y="T53"/>
+              </a:cxn>
+              <a:cxn ang="0">
+                <a:pos x="T54" y="T55"/>
+              </a:cxn>
+              <a:cxn ang="0">
+                <a:pos x="T56" y="T57"/>
+              </a:cxn>
+              <a:cxn ang="0">
+                <a:pos x="T58" y="T59"/>
+              </a:cxn>
+              <a:cxn ang="0">
+                <a:pos x="T60" y="T61"/>
+              </a:cxn>
+              <a:cxn ang="0">
+                <a:pos x="T62" y="T63"/>
+              </a:cxn>
+              <a:cxn ang="0">
+                <a:pos x="T64" y="T65"/>
+              </a:cxn>
+              <a:cxn ang="0">
+                <a:pos x="T66" y="T67"/>
+              </a:cxn>
+              <a:cxn ang="0">
+                <a:pos x="T68" y="T69"/>
+              </a:cxn>
+              <a:cxn ang="0">
+                <a:pos x="T70" y="T71"/>
+              </a:cxn>
+              <a:cxn ang="0">
+                <a:pos x="T72" y="T73"/>
+              </a:cxn>
+              <a:cxn ang="0">
+                <a:pos x="T74" y="T75"/>
+              </a:cxn>
+              <a:cxn ang="0">
+                <a:pos x="T76" y="T77"/>
+              </a:cxn>
+              <a:cxn ang="0">
+                <a:pos x="T78" y="T79"/>
+              </a:cxn>
+              <a:cxn ang="0">
+                <a:pos x="T80" y="T81"/>
+              </a:cxn>
+              <a:cxn ang="0">
+                <a:pos x="T82" y="T83"/>
+              </a:cxn>
+              <a:cxn ang="0">
+                <a:pos x="T84" y="T85"/>
+              </a:cxn>
+              <a:cxn ang="0">
+                <a:pos x="T86" y="T87"/>
+              </a:cxn>
+              <a:cxn ang="0">
+                <a:pos x="T88" y="T89"/>
+              </a:cxn>
+              <a:cxn ang="0">
+                <a:pos x="T90" y="T91"/>
+              </a:cxn>
+              <a:cxn ang="0">
+                <a:pos x="T92" y="T93"/>
+              </a:cxn>
+              <a:cxn ang="0">
+                <a:pos x="T94" y="T95"/>
+              </a:cxn>
+              <a:cxn ang="0">
+                <a:pos x="T96" y="T97"/>
+              </a:cxn>
+              <a:cxn ang="0">
+                <a:pos x="T98" y="T99"/>
+              </a:cxn>
+              <a:cxn ang="0">
+                <a:pos x="T100" y="T101"/>
+              </a:cxn>
+            </a:cxnLst>
+            <a:rect l="0" t="0" r="r" b="b"/>
+            <a:pathLst>
+              <a:path w="629" h="225">
+                <a:moveTo>
+                  <a:pt x="451" y="74"/>
+                </a:moveTo>
+                <a:cubicBezTo>
+                  <a:pt x="457" y="74"/>
+                  <a:pt x="462" y="74"/>
+                  <a:pt x="466" y="74"/>
+                </a:cubicBezTo>
+                <a:cubicBezTo>
+                  <a:pt x="480" y="73"/>
+                  <a:pt x="491" y="68"/>
+                  <a:pt x="503" y="64"/>
+                </a:cubicBezTo>
+                <a:cubicBezTo>
+                  <a:pt x="533" y="52"/>
+                  <a:pt x="557" y="33"/>
+                  <a:pt x="583" y="15"/>
+                </a:cubicBezTo>
+                <a:cubicBezTo>
+                  <a:pt x="589" y="11"/>
+                  <a:pt x="594" y="7"/>
+                  <a:pt x="600" y="4"/>
+                </a:cubicBezTo>
+                <a:cubicBezTo>
+                  <a:pt x="608" y="0"/>
+                  <a:pt x="615" y="2"/>
+                  <a:pt x="621" y="9"/>
+                </a:cubicBezTo>
+                <a:cubicBezTo>
+                  <a:pt x="623" y="12"/>
+                  <a:pt x="625" y="16"/>
+                  <a:pt x="627" y="19"/>
+                </a:cubicBezTo>
+                <a:cubicBezTo>
+                  <a:pt x="629" y="22"/>
+                  <a:pt x="628" y="24"/>
+                  <a:pt x="626" y="26"/>
+                </a:cubicBezTo>
+                <a:cubicBezTo>
+                  <a:pt x="613" y="40"/>
+                  <a:pt x="601" y="54"/>
+                  <a:pt x="588" y="67"/>
+                </a:cubicBezTo>
+                <a:cubicBezTo>
+                  <a:pt x="575" y="80"/>
+                  <a:pt x="560" y="92"/>
+                  <a:pt x="547" y="105"/>
+                </a:cubicBezTo>
+                <a:cubicBezTo>
+                  <a:pt x="536" y="115"/>
+                  <a:pt x="527" y="126"/>
+                  <a:pt x="516" y="135"/>
+                </a:cubicBezTo>
+                <a:cubicBezTo>
+                  <a:pt x="511" y="140"/>
+                  <a:pt x="503" y="144"/>
+                  <a:pt x="497" y="148"/>
+                </a:cubicBezTo>
+                <a:cubicBezTo>
+                  <a:pt x="480" y="158"/>
+                  <a:pt x="464" y="169"/>
+                  <a:pt x="447" y="179"/>
+                </a:cubicBezTo>
+                <a:cubicBezTo>
+                  <a:pt x="427" y="190"/>
+                  <a:pt x="411" y="205"/>
+                  <a:pt x="393" y="219"/>
+                </a:cubicBezTo>
+                <a:cubicBezTo>
+                  <a:pt x="386" y="225"/>
+                  <a:pt x="379" y="225"/>
+                  <a:pt x="371" y="223"/>
+                </a:cubicBezTo>
+                <a:cubicBezTo>
+                  <a:pt x="357" y="219"/>
+                  <a:pt x="343" y="216"/>
+                  <a:pt x="329" y="212"/>
+                </a:cubicBezTo>
+                <a:cubicBezTo>
+                  <a:pt x="314" y="208"/>
+                  <a:pt x="300" y="205"/>
+                  <a:pt x="285" y="201"/>
+                </a:cubicBezTo>
+                <a:cubicBezTo>
+                  <a:pt x="265" y="197"/>
+                  <a:pt x="245" y="193"/>
+                  <a:pt x="225" y="189"/>
+                </a:cubicBezTo>
+                <a:cubicBezTo>
+                  <a:pt x="212" y="186"/>
+                  <a:pt x="199" y="183"/>
+                  <a:pt x="186" y="181"/>
+                </a:cubicBezTo>
+                <a:cubicBezTo>
+                  <a:pt x="180" y="180"/>
+                  <a:pt x="174" y="180"/>
+                  <a:pt x="169" y="180"/>
+                </a:cubicBezTo>
+                <a:cubicBezTo>
+                  <a:pt x="152" y="180"/>
+                  <a:pt x="137" y="175"/>
+                  <a:pt x="121" y="170"/>
+                </a:cubicBezTo>
+                <a:cubicBezTo>
+                  <a:pt x="103" y="165"/>
+                  <a:pt x="85" y="161"/>
+                  <a:pt x="66" y="157"/>
+                </a:cubicBezTo>
+                <a:cubicBezTo>
+                  <a:pt x="52" y="154"/>
+                  <a:pt x="38" y="152"/>
+                  <a:pt x="23" y="149"/>
+                </a:cubicBezTo>
+                <a:cubicBezTo>
+                  <a:pt x="18" y="148"/>
+                  <a:pt x="13" y="147"/>
+                  <a:pt x="9" y="145"/>
+                </a:cubicBezTo>
+                <a:cubicBezTo>
+                  <a:pt x="7" y="144"/>
+                  <a:pt x="5" y="142"/>
+                  <a:pt x="4" y="140"/>
+                </a:cubicBezTo>
+                <a:cubicBezTo>
+                  <a:pt x="0" y="125"/>
+                  <a:pt x="1" y="109"/>
+                  <a:pt x="3" y="94"/>
+                </a:cubicBezTo>
+                <a:cubicBezTo>
+                  <a:pt x="6" y="72"/>
+                  <a:pt x="12" y="50"/>
+                  <a:pt x="21" y="29"/>
+                </a:cubicBezTo>
+                <a:cubicBezTo>
+                  <a:pt x="26" y="20"/>
+                  <a:pt x="30" y="10"/>
+                  <a:pt x="39" y="4"/>
+                </a:cubicBezTo>
+                <a:cubicBezTo>
+                  <a:pt x="40" y="3"/>
+                  <a:pt x="43" y="2"/>
+                  <a:pt x="45" y="2"/>
+                </a:cubicBezTo>
+                <a:cubicBezTo>
+                  <a:pt x="66" y="8"/>
+                  <a:pt x="86" y="15"/>
+                  <a:pt x="106" y="21"/>
+                </a:cubicBezTo>
+                <a:cubicBezTo>
+                  <a:pt x="113" y="23"/>
+                  <a:pt x="119" y="25"/>
+                  <a:pt x="125" y="27"/>
+                </a:cubicBezTo>
+                <a:cubicBezTo>
+                  <a:pt x="129" y="28"/>
+                  <a:pt x="132" y="28"/>
+                  <a:pt x="135" y="27"/>
+                </a:cubicBezTo>
+                <a:cubicBezTo>
+                  <a:pt x="149" y="24"/>
+                  <a:pt x="162" y="20"/>
+                  <a:pt x="175" y="17"/>
+                </a:cubicBezTo>
+                <a:cubicBezTo>
+                  <a:pt x="193" y="13"/>
+                  <a:pt x="212" y="9"/>
+                  <a:pt x="231" y="11"/>
+                </a:cubicBezTo>
+                <a:cubicBezTo>
+                  <a:pt x="246" y="13"/>
+                  <a:pt x="261" y="17"/>
+                  <a:pt x="274" y="24"/>
+                </a:cubicBezTo>
+                <a:cubicBezTo>
+                  <a:pt x="293" y="33"/>
+                  <a:pt x="311" y="42"/>
+                  <a:pt x="329" y="52"/>
+                </a:cubicBezTo>
+                <a:cubicBezTo>
+                  <a:pt x="337" y="56"/>
+                  <a:pt x="347" y="56"/>
+                  <a:pt x="356" y="57"/>
+                </a:cubicBezTo>
+                <a:cubicBezTo>
+                  <a:pt x="377" y="60"/>
+                  <a:pt x="398" y="62"/>
+                  <a:pt x="417" y="71"/>
+                </a:cubicBezTo>
+                <a:cubicBezTo>
+                  <a:pt x="425" y="74"/>
+                  <a:pt x="428" y="81"/>
+                  <a:pt x="433" y="87"/>
+                </a:cubicBezTo>
+                <a:cubicBezTo>
+                  <a:pt x="440" y="96"/>
+                  <a:pt x="435" y="111"/>
+                  <a:pt x="422" y="112"/>
+                </a:cubicBezTo>
+                <a:cubicBezTo>
+                  <a:pt x="410" y="113"/>
+                  <a:pt x="398" y="114"/>
+                  <a:pt x="386" y="113"/>
+                </a:cubicBezTo>
+                <a:cubicBezTo>
+                  <a:pt x="360" y="111"/>
+                  <a:pt x="334" y="109"/>
+                  <a:pt x="309" y="113"/>
+                </a:cubicBezTo>
+                <a:cubicBezTo>
+                  <a:pt x="299" y="114"/>
+                  <a:pt x="289" y="117"/>
+                  <a:pt x="279" y="120"/>
+                </a:cubicBezTo>
+                <a:cubicBezTo>
+                  <a:pt x="273" y="122"/>
+                  <a:pt x="270" y="128"/>
+                  <a:pt x="272" y="134"/>
+                </a:cubicBezTo>
+                <a:cubicBezTo>
+                  <a:pt x="274" y="139"/>
+                  <a:pt x="279" y="142"/>
+                  <a:pt x="285" y="141"/>
+                </a:cubicBezTo>
+                <a:cubicBezTo>
+                  <a:pt x="289" y="140"/>
+                  <a:pt x="292" y="138"/>
+                  <a:pt x="296" y="137"/>
+                </a:cubicBezTo>
+                <a:cubicBezTo>
+                  <a:pt x="319" y="131"/>
+                  <a:pt x="343" y="132"/>
+                  <a:pt x="366" y="134"/>
+                </a:cubicBezTo>
+                <a:cubicBezTo>
+                  <a:pt x="381" y="135"/>
+                  <a:pt x="395" y="136"/>
+                  <a:pt x="409" y="136"/>
+                </a:cubicBezTo>
+                <a:cubicBezTo>
+                  <a:pt x="418" y="136"/>
+                  <a:pt x="428" y="134"/>
+                  <a:pt x="437" y="130"/>
+                </a:cubicBezTo>
+                <a:cubicBezTo>
+                  <a:pt x="454" y="122"/>
+                  <a:pt x="465" y="96"/>
+                  <a:pt x="453" y="77"/>
+                </a:cubicBezTo>
+                <a:cubicBezTo>
+                  <a:pt x="452" y="76"/>
+                  <a:pt x="452" y="76"/>
+                  <a:pt x="451" y="74"/>
+                </a:cubicBezTo>
+                <a:close/>
+              </a:path>
+            </a:pathLst>
+          </a:custGeom>
+          <a:solidFill>
+            <a:schemeClr val="bg1"/>
+          </a:solidFill>
+          <a:ln>
+            <a:noFill/>
+          </a:ln>
+        </p:spPr>
+        <p:txBody>
+          <a:bodyPr vert="horz" wrap="square" lIns="91440" tIns="45720" rIns="91440" bIns="45720" numCol="1" anchor="t" anchorCtr="0" compatLnSpc="1">
+            <a:prstTxWarp prst="textNoShape">
+              <a:avLst/>
+            </a:prstTxWarp>
+          </a:bodyPr>
+          <a:lstStyle/>
+          <a:p>
+            <a:pPr>
+              <a:defRPr/>
+            </a:pPr>
+            <a:endParaRPr lang="en-US">
+              <a:solidFill>
+                <a:srgbClr val="282F39"/>
+              </a:solidFill>
+            </a:endParaRPr>
+          </a:p>
+        </p:txBody>
+      </p:sp>
+      <p:sp>
+        <p:nvSpPr>
+          <p:cNvPr id="10" name="TextBox 9">
+            <a:extLst>
+              <a:ext uri="{FF2B5EF4-FFF2-40B4-BE49-F238E27FC236}">
+                <a16:creationId xmlns:a16="http://schemas.microsoft.com/office/drawing/2014/main" xmlns="" id="{DB0A9C50-B290-4C30-A65A-9D7AB111D154}"/>
+              </a:ext>
+            </a:extLst>
+          </p:cNvPr>
+          <p:cNvSpPr txBox="1"/>
+          <p:nvPr/>
+        </p:nvSpPr>
+        <p:spPr>
+          <a:xfrm>
+            <a:off x="6295700" y="704262"/>
+            <a:ext cx="5497985" cy="1015663"/>
+          </a:xfrm>
+          <a:prstGeom prst="rect">
+            <a:avLst/>
+          </a:prstGeom>
+          <a:noFill/>
+        </p:spPr>
+        <p:txBody>
+          <a:bodyPr wrap="square" rtlCol="0">
+            <a:spAutoFit/>
+          </a:bodyPr>
+          <a:lstStyle/>
+          <a:p>
+            <a:pPr algn="ctr">
+              <a:defRPr/>
+            </a:pPr>
+            <a:r>
+              <a:rPr lang="en-GB" sz="6000" dirty="0" smtClean="0">
+                <a:solidFill>
+                  <a:srgbClr val="FFFFFF"/>
+                </a:solidFill>
+                <a:latin typeface="Noto Sans" panose="020B0502040504020204" pitchFamily="34"/>
+                <a:ea typeface="Noto Sans" panose="020B0502040504020204" pitchFamily="34"/>
+                <a:cs typeface="Noto Sans" panose="020B0502040504020204" pitchFamily="34"/>
+              </a:rPr>
+              <a:t>INSERTAR</a:t>
+            </a:r>
+            <a:endParaRPr lang="en-GB" sz="6000" dirty="0">
+              <a:solidFill>
+                <a:srgbClr val="FFFFFF"/>
+              </a:solidFill>
+              <a:latin typeface="Noto Sans" panose="020B0502040504020204" pitchFamily="34"/>
+              <a:ea typeface="Noto Sans" panose="020B0502040504020204" pitchFamily="34"/>
+              <a:cs typeface="Noto Sans" panose="020B0502040504020204" pitchFamily="34"/>
+            </a:endParaRPr>
+          </a:p>
+        </p:txBody>
+      </p:sp>
+      <p:sp>
+        <p:nvSpPr>
+          <p:cNvPr id="66" name="Oval 65">
+            <a:extLst>
+              <a:ext uri="{FF2B5EF4-FFF2-40B4-BE49-F238E27FC236}">
+                <a16:creationId xmlns:a16="http://schemas.microsoft.com/office/drawing/2014/main" xmlns="" id="{B327ECD0-E1B0-4737-8A11-DA4355BE380C}"/>
+              </a:ext>
+            </a:extLst>
+          </p:cNvPr>
+          <p:cNvSpPr/>
+          <p:nvPr/>
+        </p:nvSpPr>
+        <p:spPr>
+          <a:xfrm>
+            <a:off x="7341286" y="1566407"/>
+            <a:ext cx="506366" cy="506366"/>
+          </a:xfrm>
+          <a:prstGeom prst="ellipse">
+            <a:avLst/>
+          </a:prstGeom>
+          <a:solidFill>
+            <a:schemeClr val="accent2"/>
+          </a:solidFill>
+          <a:ln>
+            <a:noFill/>
+          </a:ln>
+        </p:spPr>
+        <p:style>
+          <a:lnRef idx="2">
+            <a:schemeClr val="accent1">
+              <a:shade val="50000"/>
+            </a:schemeClr>
+          </a:lnRef>
+          <a:fillRef idx="1">
+            <a:schemeClr val="accent1"/>
+          </a:fillRef>
+          <a:effectRef idx="0">
+            <a:schemeClr val="accent1"/>
+          </a:effectRef>
+          <a:fontRef idx="minor">
+            <a:schemeClr val="lt1"/>
+          </a:fontRef>
+        </p:style>
+        <p:txBody>
+          <a:bodyPr rtlCol="0" anchor="ctr"/>
+          <a:lstStyle/>
+          <a:p>
+            <a:pPr algn="ctr">
+              <a:defRPr/>
+            </a:pPr>
+            <a:r>
+              <a:rPr lang="en-US" b="1" dirty="0">
+                <a:solidFill>
+                  <a:srgbClr val="FFFFFF"/>
+                </a:solidFill>
+              </a:rPr>
+              <a:t>1</a:t>
+            </a:r>
+          </a:p>
+        </p:txBody>
+      </p:sp>
+      <p:sp>
+        <p:nvSpPr>
+          <p:cNvPr id="67" name="TextBox 66">
+            <a:extLst>
+              <a:ext uri="{FF2B5EF4-FFF2-40B4-BE49-F238E27FC236}">
+                <a16:creationId xmlns:a16="http://schemas.microsoft.com/office/drawing/2014/main" xmlns="" id="{43E9AA7E-9A40-4378-BA1F-D2DC2684ED35}"/>
+              </a:ext>
+            </a:extLst>
+          </p:cNvPr>
+          <p:cNvSpPr txBox="1"/>
+          <p:nvPr/>
+        </p:nvSpPr>
+        <p:spPr>
+          <a:xfrm>
+            <a:off x="823560" y="1072500"/>
+            <a:ext cx="1639380" cy="707886"/>
+          </a:xfrm>
+          <a:prstGeom prst="rect">
+            <a:avLst/>
+          </a:prstGeom>
+          <a:noFill/>
+        </p:spPr>
+        <p:txBody>
+          <a:bodyPr wrap="square" rtlCol="0">
+            <a:spAutoFit/>
+          </a:bodyPr>
+          <a:lstStyle/>
+          <a:p>
+            <a:pPr algn="just">
+              <a:defRPr/>
+            </a:pPr>
+            <a:r>
+              <a:rPr lang="en-US" sz="4000" b="1" dirty="0" smtClean="0">
+                <a:solidFill>
+                  <a:srgbClr val="FFFFFF"/>
+                </a:solidFill>
+                <a:latin typeface="Open Sans" panose="020B0606030504020204" pitchFamily="34" charset="0"/>
+              </a:rPr>
+              <a:t>low</a:t>
+            </a:r>
+            <a:endParaRPr lang="en-GB" sz="4000" b="1" dirty="0">
+              <a:solidFill>
+                <a:srgbClr val="FFFFFF"/>
+              </a:solidFill>
+              <a:latin typeface="Noto Sans" panose="020B0502040504020204" pitchFamily="34"/>
+              <a:ea typeface="Noto Sans" panose="020B0502040504020204" pitchFamily="34"/>
+              <a:cs typeface="Noto Sans" panose="020B0502040504020204" pitchFamily="34"/>
+            </a:endParaRPr>
+          </a:p>
+        </p:txBody>
+      </p:sp>
+      <p:sp>
+        <p:nvSpPr>
+          <p:cNvPr id="68" name="Oval 67">
+            <a:extLst>
+              <a:ext uri="{FF2B5EF4-FFF2-40B4-BE49-F238E27FC236}">
+                <a16:creationId xmlns:a16="http://schemas.microsoft.com/office/drawing/2014/main" xmlns="" id="{A445E318-5EBB-456A-AB1D-82C950818623}"/>
+              </a:ext>
+            </a:extLst>
+          </p:cNvPr>
+          <p:cNvSpPr/>
+          <p:nvPr/>
+        </p:nvSpPr>
+        <p:spPr>
+          <a:xfrm>
+            <a:off x="7310959" y="2999945"/>
+            <a:ext cx="506366" cy="506366"/>
+          </a:xfrm>
+          <a:prstGeom prst="ellipse">
+            <a:avLst/>
+          </a:prstGeom>
+          <a:solidFill>
+            <a:schemeClr val="accent4"/>
+          </a:solidFill>
+          <a:ln>
+            <a:noFill/>
+          </a:ln>
+        </p:spPr>
+        <p:style>
+          <a:lnRef idx="2">
+            <a:schemeClr val="accent1">
+              <a:shade val="50000"/>
+            </a:schemeClr>
+          </a:lnRef>
+          <a:fillRef idx="1">
+            <a:schemeClr val="accent1"/>
+          </a:fillRef>
+          <a:effectRef idx="0">
+            <a:schemeClr val="accent1"/>
+          </a:effectRef>
+          <a:fontRef idx="minor">
+            <a:schemeClr val="lt1"/>
+          </a:fontRef>
+        </p:style>
+        <p:txBody>
+          <a:bodyPr rtlCol="0" anchor="ctr"/>
+          <a:lstStyle/>
+          <a:p>
+            <a:pPr algn="ctr">
+              <a:defRPr/>
+            </a:pPr>
+            <a:r>
+              <a:rPr lang="en-US" b="1" dirty="0">
+                <a:solidFill>
+                  <a:srgbClr val="FFFFFF"/>
+                </a:solidFill>
+              </a:rPr>
+              <a:t>2</a:t>
+            </a:r>
+          </a:p>
+        </p:txBody>
+      </p:sp>
+      <p:sp>
+        <p:nvSpPr>
+          <p:cNvPr id="73" name="Oval 72">
+            <a:extLst>
+              <a:ext uri="{FF2B5EF4-FFF2-40B4-BE49-F238E27FC236}">
+                <a16:creationId xmlns:a16="http://schemas.microsoft.com/office/drawing/2014/main" xmlns="" id="{6C67BB8D-4F08-4687-95FD-F1D81ABCF35D}"/>
+              </a:ext>
+            </a:extLst>
+          </p:cNvPr>
+          <p:cNvSpPr/>
+          <p:nvPr/>
+        </p:nvSpPr>
+        <p:spPr>
+          <a:xfrm>
+            <a:off x="9474666" y="5845179"/>
+            <a:ext cx="506366" cy="506366"/>
+          </a:xfrm>
+          <a:prstGeom prst="ellipse">
+            <a:avLst/>
+          </a:prstGeom>
+          <a:solidFill>
+            <a:schemeClr val="accent5"/>
+          </a:solidFill>
+          <a:ln>
+            <a:noFill/>
+          </a:ln>
+        </p:spPr>
+        <p:style>
+          <a:lnRef idx="2">
+            <a:schemeClr val="accent1">
+              <a:shade val="50000"/>
+            </a:schemeClr>
+          </a:lnRef>
+          <a:fillRef idx="1">
+            <a:schemeClr val="accent1"/>
+          </a:fillRef>
+          <a:effectRef idx="0">
+            <a:schemeClr val="accent1"/>
+          </a:effectRef>
+          <a:fontRef idx="minor">
+            <a:schemeClr val="lt1"/>
+          </a:fontRef>
+        </p:style>
+        <p:txBody>
+          <a:bodyPr rtlCol="0" anchor="ctr"/>
+          <a:lstStyle/>
+          <a:p>
+            <a:pPr algn="ctr">
+              <a:defRPr/>
+            </a:pPr>
+            <a:r>
+              <a:rPr lang="en-US" b="1" dirty="0">
+                <a:solidFill>
+                  <a:srgbClr val="FFFFFF"/>
+                </a:solidFill>
+              </a:rPr>
+              <a:t>3</a:t>
+            </a:r>
+          </a:p>
+        </p:txBody>
+      </p:sp>
+      <p:sp>
+        <p:nvSpPr>
+          <p:cNvPr id="75" name="TextBox 74">
+            <a:extLst>
+              <a:ext uri="{FF2B5EF4-FFF2-40B4-BE49-F238E27FC236}">
+                <a16:creationId xmlns:a16="http://schemas.microsoft.com/office/drawing/2014/main" xmlns="" id="{F4AF6505-A775-4864-B23C-39B7D60FE049}"/>
+              </a:ext>
+            </a:extLst>
+          </p:cNvPr>
+          <p:cNvSpPr txBox="1"/>
+          <p:nvPr/>
+        </p:nvSpPr>
+        <p:spPr>
+          <a:xfrm>
+            <a:off x="7879529" y="1350357"/>
+            <a:ext cx="3892902" cy="1477328"/>
+          </a:xfrm>
+          <a:prstGeom prst="rect">
+            <a:avLst/>
+          </a:prstGeom>
+          <a:noFill/>
+        </p:spPr>
+        <p:txBody>
+          <a:bodyPr wrap="square" rtlCol="0">
+            <a:spAutoFit/>
+          </a:bodyPr>
+          <a:lstStyle/>
+          <a:p>
+            <a:pPr>
+              <a:defRPr/>
+            </a:pPr>
+            <a:endParaRPr lang="es-ES" dirty="0">
+              <a:solidFill>
+                <a:srgbClr val="FFFFFF"/>
+              </a:solidFill>
+              <a:latin typeface="Noto Sans" panose="020B0502040504020204" pitchFamily="34"/>
+              <a:ea typeface="Noto Sans" panose="020B0502040504020204" pitchFamily="34"/>
+              <a:cs typeface="Noto Sans" panose="020B0502040504020204" pitchFamily="34"/>
+            </a:endParaRPr>
+          </a:p>
+          <a:p>
+            <a:pPr>
+              <a:defRPr/>
+            </a:pPr>
+            <a:r>
+              <a:rPr lang="es-ES" dirty="0">
+                <a:solidFill>
+                  <a:srgbClr val="FFFFFF"/>
+                </a:solidFill>
+                <a:latin typeface="Noto Sans" panose="020B0502040504020204" pitchFamily="34"/>
+                <a:ea typeface="Noto Sans" panose="020B0502040504020204" pitchFamily="34"/>
+                <a:cs typeface="Noto Sans" panose="020B0502040504020204" pitchFamily="34"/>
+              </a:rPr>
+              <a:t>Cada nodo de Interval Tree </a:t>
+            </a:r>
+            <a:r>
+              <a:rPr lang="es-ES" dirty="0" smtClean="0">
+                <a:solidFill>
+                  <a:srgbClr val="FFFFFF"/>
+                </a:solidFill>
+                <a:latin typeface="Noto Sans" panose="020B0502040504020204" pitchFamily="34"/>
+                <a:ea typeface="Noto Sans" panose="020B0502040504020204" pitchFamily="34"/>
+                <a:cs typeface="Noto Sans" panose="020B0502040504020204" pitchFamily="34"/>
+              </a:rPr>
+              <a:t>almacena la </a:t>
+            </a:r>
+            <a:r>
+              <a:rPr lang="es-ES" dirty="0">
+                <a:solidFill>
+                  <a:srgbClr val="FFFFFF"/>
+                </a:solidFill>
+                <a:latin typeface="Noto Sans" panose="020B0502040504020204" pitchFamily="34"/>
+                <a:ea typeface="Noto Sans" panose="020B0502040504020204" pitchFamily="34"/>
+                <a:cs typeface="Noto Sans" panose="020B0502040504020204" pitchFamily="34"/>
+              </a:rPr>
+              <a:t>siguiente </a:t>
+            </a:r>
+            <a:r>
+              <a:rPr lang="es-ES" dirty="0" smtClean="0">
+                <a:solidFill>
+                  <a:srgbClr val="FFFFFF"/>
+                </a:solidFill>
+                <a:latin typeface="Noto Sans" panose="020B0502040504020204" pitchFamily="34"/>
+                <a:ea typeface="Noto Sans" panose="020B0502040504020204" pitchFamily="34"/>
+                <a:cs typeface="Noto Sans" panose="020B0502040504020204" pitchFamily="34"/>
+              </a:rPr>
+              <a:t>información: </a:t>
+            </a:r>
+          </a:p>
+          <a:p>
+            <a:pPr marL="342900" indent="-342900">
+              <a:buAutoNum type="arabicParenR"/>
+              <a:defRPr/>
+            </a:pPr>
+            <a:r>
+              <a:rPr lang="en-GB" dirty="0" smtClean="0">
+                <a:solidFill>
+                  <a:srgbClr val="FFFFFF"/>
+                </a:solidFill>
+                <a:latin typeface="Noto Sans" panose="020B0502040504020204" pitchFamily="34"/>
+                <a:ea typeface="Noto Sans" panose="020B0502040504020204" pitchFamily="34"/>
+                <a:cs typeface="Noto Sans" panose="020B0502040504020204" pitchFamily="34"/>
+              </a:rPr>
+              <a:t>[low,high]</a:t>
+            </a:r>
+          </a:p>
+          <a:p>
+            <a:pPr marL="342900" indent="-342900">
+              <a:buAutoNum type="arabicParenR"/>
+              <a:defRPr/>
+            </a:pPr>
+            <a:r>
+              <a:rPr lang="en-GB" dirty="0" smtClean="0">
+                <a:solidFill>
+                  <a:srgbClr val="FFFFFF"/>
+                </a:solidFill>
+                <a:latin typeface="Noto Sans" panose="020B0502040504020204" pitchFamily="34"/>
+                <a:ea typeface="Noto Sans" panose="020B0502040504020204" pitchFamily="34"/>
+                <a:cs typeface="Noto Sans" panose="020B0502040504020204" pitchFamily="34"/>
+              </a:rPr>
+              <a:t>max</a:t>
+            </a:r>
+            <a:endParaRPr lang="en-GB" dirty="0">
+              <a:solidFill>
+                <a:srgbClr val="FFFFFF"/>
+              </a:solidFill>
+              <a:latin typeface="Noto Sans" panose="020B0502040504020204" pitchFamily="34"/>
+              <a:ea typeface="Noto Sans" panose="020B0502040504020204" pitchFamily="34"/>
+              <a:cs typeface="Noto Sans" panose="020B0502040504020204" pitchFamily="34"/>
+            </a:endParaRPr>
+          </a:p>
+        </p:txBody>
+      </p:sp>
+      <p:sp>
+        <p:nvSpPr>
+          <p:cNvPr id="77" name="Oval 76">
+            <a:extLst>
+              <a:ext uri="{FF2B5EF4-FFF2-40B4-BE49-F238E27FC236}">
+                <a16:creationId xmlns:a16="http://schemas.microsoft.com/office/drawing/2014/main" xmlns="" id="{30944E66-AC4C-4425-AB68-2D7ACD83CD9A}"/>
+              </a:ext>
+            </a:extLst>
+          </p:cNvPr>
+          <p:cNvSpPr/>
+          <p:nvPr/>
+        </p:nvSpPr>
+        <p:spPr>
+          <a:xfrm>
+            <a:off x="7729947" y="5804643"/>
+            <a:ext cx="506366" cy="506366"/>
+          </a:xfrm>
+          <a:prstGeom prst="ellipse">
+            <a:avLst/>
+          </a:prstGeom>
+          <a:solidFill>
+            <a:schemeClr val="accent6"/>
+          </a:solidFill>
+          <a:ln>
+            <a:noFill/>
+          </a:ln>
+        </p:spPr>
+        <p:style>
+          <a:lnRef idx="2">
+            <a:schemeClr val="accent1">
+              <a:shade val="50000"/>
+            </a:schemeClr>
+          </a:lnRef>
+          <a:fillRef idx="1">
+            <a:schemeClr val="accent1"/>
+          </a:fillRef>
+          <a:effectRef idx="0">
+            <a:schemeClr val="accent1"/>
+          </a:effectRef>
+          <a:fontRef idx="minor">
+            <a:schemeClr val="lt1"/>
+          </a:fontRef>
+        </p:style>
+        <p:txBody>
+          <a:bodyPr rtlCol="0" anchor="ctr"/>
+          <a:lstStyle/>
+          <a:p>
+            <a:pPr algn="ctr">
+              <a:defRPr/>
+            </a:pPr>
+            <a:r>
+              <a:rPr lang="en-GB" b="1" dirty="0">
+                <a:solidFill>
+                  <a:srgbClr val="FFFFFF"/>
+                </a:solidFill>
+              </a:rPr>
+              <a:t>4</a:t>
+            </a:r>
+            <a:endParaRPr lang="en-US" b="1" dirty="0">
+              <a:solidFill>
+                <a:srgbClr val="FFFFFF"/>
+              </a:solidFill>
+            </a:endParaRPr>
+          </a:p>
+        </p:txBody>
+      </p:sp>
+      <p:sp>
+        <p:nvSpPr>
+          <p:cNvPr id="29" name="Oval 28">
+            <a:extLst>
+              <a:ext uri="{FF2B5EF4-FFF2-40B4-BE49-F238E27FC236}">
+                <a16:creationId xmlns:a16="http://schemas.microsoft.com/office/drawing/2014/main" xmlns="" id="{B3187278-174E-40F9-9099-8E759C168EB1}"/>
+              </a:ext>
+            </a:extLst>
+          </p:cNvPr>
+          <p:cNvSpPr/>
+          <p:nvPr/>
+        </p:nvSpPr>
+        <p:spPr>
+          <a:xfrm>
+            <a:off x="11512283" y="243039"/>
+            <a:ext cx="451117" cy="451117"/>
+          </a:xfrm>
+          <a:prstGeom prst="ellipse">
+            <a:avLst/>
+          </a:prstGeom>
+          <a:solidFill>
+            <a:schemeClr val="accent3"/>
+          </a:solidFill>
+          <a:ln>
+            <a:noFill/>
+          </a:ln>
+        </p:spPr>
+        <p:style>
+          <a:lnRef idx="2">
+            <a:schemeClr val="accent1">
+              <a:shade val="50000"/>
+            </a:schemeClr>
+          </a:lnRef>
+          <a:fillRef idx="1">
+            <a:schemeClr val="accent1"/>
+          </a:fillRef>
+          <a:effectRef idx="0">
+            <a:schemeClr val="accent1"/>
+          </a:effectRef>
+          <a:fontRef idx="minor">
+            <a:schemeClr val="lt1"/>
+          </a:fontRef>
+        </p:style>
+        <p:txBody>
+          <a:bodyPr wrap="none" rtlCol="0" anchor="ctr">
+            <a:noAutofit/>
+          </a:bodyPr>
+          <a:lstStyle/>
+          <a:p>
+            <a:pPr algn="ctr">
+              <a:defRPr/>
+            </a:pPr>
+            <a:r>
+              <a:rPr lang="en-GB" dirty="0">
+                <a:solidFill>
+                  <a:srgbClr val="FFFFFF"/>
+                </a:solidFill>
+                <a:latin typeface="Noto Sans" panose="020B0502040504020204" pitchFamily="34"/>
+                <a:ea typeface="Noto Sans" panose="020B0502040504020204" pitchFamily="34"/>
+                <a:cs typeface="Noto Sans" panose="020B0502040504020204" pitchFamily="34"/>
+              </a:rPr>
+              <a:t>1</a:t>
+            </a:r>
+          </a:p>
+        </p:txBody>
+      </p:sp>
+      <p:pic>
+        <p:nvPicPr>
+          <p:cNvPr id="2" name="Imagen 1"/>
+          <p:cNvPicPr>
+            <a:picLocks noChangeAspect="1"/>
+          </p:cNvPicPr>
+          <p:nvPr/>
+        </p:nvPicPr>
+        <p:blipFill>
+          <a:blip r:embed="rId2"/>
+          <a:stretch>
+            <a:fillRect/>
+          </a:stretch>
+        </p:blipFill>
+        <p:spPr>
+          <a:xfrm>
+            <a:off x="1456792" y="1354400"/>
+            <a:ext cx="4488139" cy="3759736"/>
+          </a:xfrm>
+          <a:prstGeom prst="rect">
+            <a:avLst/>
+          </a:prstGeom>
+        </p:spPr>
+      </p:pic>
+      <p:sp>
+        <p:nvSpPr>
+          <p:cNvPr id="4" name="Elipse 3"/>
+          <p:cNvSpPr/>
+          <p:nvPr/>
+        </p:nvSpPr>
+        <p:spPr>
+          <a:xfrm>
+            <a:off x="1734482" y="1212093"/>
+            <a:ext cx="3688009" cy="3633790"/>
+          </a:xfrm>
+          <a:prstGeom prst="ellipse">
+            <a:avLst/>
+          </a:prstGeom>
+          <a:noFill/>
+          <a:ln w="127000">
+            <a:solidFill>
+              <a:schemeClr val="bg1"/>
+            </a:solidFill>
+          </a:ln>
+        </p:spPr>
+        <p:style>
+          <a:lnRef idx="2">
+            <a:schemeClr val="accent1">
+              <a:shade val="50000"/>
+            </a:schemeClr>
+          </a:lnRef>
+          <a:fillRef idx="1">
+            <a:schemeClr val="accent1"/>
+          </a:fillRef>
+          <a:effectRef idx="0">
+            <a:schemeClr val="accent1"/>
+          </a:effectRef>
+          <a:fontRef idx="minor">
+            <a:schemeClr val="lt1"/>
+          </a:fontRef>
+        </p:style>
+        <p:txBody>
+          <a:bodyPr rtlCol="0" anchor="ctr"/>
+          <a:lstStyle/>
+          <a:p>
+            <a:pPr algn="ctr"/>
+            <a:endParaRPr lang="es-PE"/>
+          </a:p>
+        </p:txBody>
+      </p:sp>
+      <p:pic>
+        <p:nvPicPr>
+          <p:cNvPr id="6" name="Imagen 5"/>
+          <p:cNvPicPr>
+            <a:picLocks noChangeAspect="1"/>
+          </p:cNvPicPr>
+          <p:nvPr/>
+        </p:nvPicPr>
+        <p:blipFill>
+          <a:blip r:embed="rId3"/>
+          <a:stretch>
+            <a:fillRect/>
+          </a:stretch>
+        </p:blipFill>
+        <p:spPr>
+          <a:xfrm rot="15348515">
+            <a:off x="1549552" y="1307128"/>
+            <a:ext cx="1198577" cy="917739"/>
+          </a:xfrm>
+          <a:prstGeom prst="rect">
+            <a:avLst/>
+          </a:prstGeom>
+        </p:spPr>
+      </p:pic>
+      <p:sp>
+        <p:nvSpPr>
+          <p:cNvPr id="34" name="TextBox 66">
+            <a:extLst>
+              <a:ext uri="{FF2B5EF4-FFF2-40B4-BE49-F238E27FC236}">
+                <a16:creationId xmlns:a16="http://schemas.microsoft.com/office/drawing/2014/main" xmlns="" id="{43E9AA7E-9A40-4378-BA1F-D2DC2684ED35}"/>
+              </a:ext>
+            </a:extLst>
+          </p:cNvPr>
+          <p:cNvSpPr txBox="1"/>
+          <p:nvPr/>
+        </p:nvSpPr>
+        <p:spPr>
+          <a:xfrm>
+            <a:off x="5361847" y="1780386"/>
+            <a:ext cx="1639380" cy="584775"/>
+          </a:xfrm>
+          <a:prstGeom prst="rect">
+            <a:avLst/>
+          </a:prstGeom>
+          <a:noFill/>
+        </p:spPr>
+        <p:txBody>
+          <a:bodyPr wrap="square" rtlCol="0">
+            <a:spAutoFit/>
+          </a:bodyPr>
+          <a:lstStyle/>
+          <a:p>
+            <a:pPr algn="just">
+              <a:defRPr/>
+            </a:pPr>
+            <a:r>
+              <a:rPr lang="en-US" sz="3200" b="1" dirty="0" smtClean="0">
+                <a:solidFill>
+                  <a:srgbClr val="FFFFFF"/>
+                </a:solidFill>
+                <a:latin typeface="Open Sans" panose="020B0606030504020204" pitchFamily="34" charset="0"/>
+              </a:rPr>
+              <a:t>high</a:t>
+            </a:r>
+            <a:endParaRPr lang="en-GB" sz="3200" b="1" dirty="0">
+              <a:solidFill>
+                <a:srgbClr val="FFFFFF"/>
+              </a:solidFill>
+              <a:latin typeface="Noto Sans" panose="020B0502040504020204" pitchFamily="34"/>
+              <a:ea typeface="Noto Sans" panose="020B0502040504020204" pitchFamily="34"/>
+              <a:cs typeface="Noto Sans" panose="020B0502040504020204" pitchFamily="34"/>
+            </a:endParaRPr>
+          </a:p>
+        </p:txBody>
+      </p:sp>
+      <p:pic>
+        <p:nvPicPr>
+          <p:cNvPr id="39" name="Imagen 38"/>
+          <p:cNvPicPr>
+            <a:picLocks noChangeAspect="1"/>
+          </p:cNvPicPr>
+          <p:nvPr/>
+        </p:nvPicPr>
+        <p:blipFill>
+          <a:blip r:embed="rId3"/>
+          <a:stretch>
+            <a:fillRect/>
+          </a:stretch>
+        </p:blipFill>
+        <p:spPr>
+          <a:xfrm rot="3438769">
+            <a:off x="4275850" y="3804162"/>
+            <a:ext cx="1781818" cy="1364321"/>
+          </a:xfrm>
+          <a:prstGeom prst="rect">
+            <a:avLst/>
+          </a:prstGeom>
+        </p:spPr>
+      </p:pic>
+      <p:sp>
+        <p:nvSpPr>
+          <p:cNvPr id="44" name="TextBox 66">
+            <a:extLst>
+              <a:ext uri="{FF2B5EF4-FFF2-40B4-BE49-F238E27FC236}">
+                <a16:creationId xmlns:a16="http://schemas.microsoft.com/office/drawing/2014/main" xmlns="" id="{43E9AA7E-9A40-4378-BA1F-D2DC2684ED35}"/>
+              </a:ext>
+            </a:extLst>
+          </p:cNvPr>
+          <p:cNvSpPr txBox="1"/>
+          <p:nvPr/>
+        </p:nvSpPr>
+        <p:spPr>
+          <a:xfrm>
+            <a:off x="5777064" y="4580834"/>
+            <a:ext cx="1639380" cy="584775"/>
+          </a:xfrm>
+          <a:prstGeom prst="rect">
+            <a:avLst/>
+          </a:prstGeom>
+          <a:noFill/>
+        </p:spPr>
+        <p:txBody>
+          <a:bodyPr wrap="square" rtlCol="0">
+            <a:spAutoFit/>
+          </a:bodyPr>
+          <a:lstStyle/>
+          <a:p>
+            <a:pPr algn="just">
+              <a:defRPr/>
+            </a:pPr>
+            <a:r>
+              <a:rPr lang="en-US" sz="3200" b="1" dirty="0" smtClean="0">
+                <a:solidFill>
+                  <a:srgbClr val="FFFFFF"/>
+                </a:solidFill>
+                <a:latin typeface="Open Sans" panose="020B0606030504020204" pitchFamily="34" charset="0"/>
+              </a:rPr>
+              <a:t>max</a:t>
+            </a:r>
+            <a:endParaRPr lang="en-GB" sz="3200" b="1" dirty="0">
+              <a:solidFill>
+                <a:srgbClr val="FFFFFF"/>
+              </a:solidFill>
+              <a:latin typeface="Noto Sans" panose="020B0502040504020204" pitchFamily="34"/>
+              <a:ea typeface="Noto Sans" panose="020B0502040504020204" pitchFamily="34"/>
+              <a:cs typeface="Noto Sans" panose="020B0502040504020204" pitchFamily="34"/>
+            </a:endParaRPr>
+          </a:p>
+        </p:txBody>
+      </p:sp>
+      <p:pic>
+        <p:nvPicPr>
+          <p:cNvPr id="8" name="Imagen 7"/>
+          <p:cNvPicPr>
+            <a:picLocks noChangeAspect="1"/>
+          </p:cNvPicPr>
+          <p:nvPr/>
+        </p:nvPicPr>
+        <p:blipFill>
+          <a:blip r:embed="rId4"/>
+          <a:stretch>
+            <a:fillRect/>
+          </a:stretch>
+        </p:blipFill>
+        <p:spPr>
+          <a:xfrm>
+            <a:off x="7729947" y="2655845"/>
+            <a:ext cx="4017612" cy="1700931"/>
+          </a:xfrm>
+          <a:prstGeom prst="rect">
+            <a:avLst/>
+          </a:prstGeom>
+        </p:spPr>
+      </p:pic>
+    </p:spTree>
+    <p:extLst>
+      <p:ext uri="{BB962C8B-B14F-4D97-AF65-F5344CB8AC3E}">
+        <p14:creationId xmlns:p14="http://schemas.microsoft.com/office/powerpoint/2010/main" val="600510871"/>
       </p:ext>
     </p:extLst>
   </p:cSld>
@@ -20125,7 +18369,7 @@
           <p:cNvPr id="35" name="Oval 34">
             <a:extLst>
               <a:ext uri="{FF2B5EF4-FFF2-40B4-BE49-F238E27FC236}">
-                <a16:creationId xmlns="" xmlns:a16="http://schemas.microsoft.com/office/drawing/2014/main" id="{5DDABBE8-7360-452B-B856-38FEBE0D7B6C}"/>
+                <a16:creationId xmlns:a16="http://schemas.microsoft.com/office/drawing/2014/main" xmlns="" id="{5DDABBE8-7360-452B-B856-38FEBE0D7B6C}"/>
               </a:ext>
             </a:extLst>
           </p:cNvPr>
@@ -20746,7 +18990,7 @@
           <p:cNvPr id="10" name="TextBox 9">
             <a:extLst>
               <a:ext uri="{FF2B5EF4-FFF2-40B4-BE49-F238E27FC236}">
-                <a16:creationId xmlns="" xmlns:a16="http://schemas.microsoft.com/office/drawing/2014/main" id="{DB0A9C50-B290-4C30-A65A-9D7AB111D154}"/>
+                <a16:creationId xmlns:a16="http://schemas.microsoft.com/office/drawing/2014/main" xmlns="" id="{DB0A9C50-B290-4C30-A65A-9D7AB111D154}"/>
               </a:ext>
             </a:extLst>
           </p:cNvPr>
@@ -20791,7 +19035,7 @@
           <p:cNvPr id="36" name="Group 35">
             <a:extLst>
               <a:ext uri="{FF2B5EF4-FFF2-40B4-BE49-F238E27FC236}">
-                <a16:creationId xmlns="" xmlns:a16="http://schemas.microsoft.com/office/drawing/2014/main" id="{2D5FAAC8-4DCE-4294-BF1E-FDD9D9F30F9B}"/>
+                <a16:creationId xmlns:a16="http://schemas.microsoft.com/office/drawing/2014/main" xmlns="" id="{2D5FAAC8-4DCE-4294-BF1E-FDD9D9F30F9B}"/>
               </a:ext>
             </a:extLst>
           </p:cNvPr>
@@ -20811,7 +19055,7 @@
             <p:cNvPr id="37" name="Freeform 5">
               <a:extLst>
                 <a:ext uri="{FF2B5EF4-FFF2-40B4-BE49-F238E27FC236}">
-                  <a16:creationId xmlns="" xmlns:a16="http://schemas.microsoft.com/office/drawing/2014/main" id="{DB0C78FB-797C-48A5-8471-90AE252A576B}"/>
+                  <a16:creationId xmlns:a16="http://schemas.microsoft.com/office/drawing/2014/main" xmlns="" id="{DB0C78FB-797C-48A5-8471-90AE252A576B}"/>
                 </a:ext>
               </a:extLst>
             </p:cNvPr>
@@ -21272,7 +19516,7 @@
             <p:cNvPr id="38" name="Freeform 6">
               <a:extLst>
                 <a:ext uri="{FF2B5EF4-FFF2-40B4-BE49-F238E27FC236}">
-                  <a16:creationId xmlns="" xmlns:a16="http://schemas.microsoft.com/office/drawing/2014/main" id="{A867A9D3-244B-4D96-85FC-1B20A383B699}"/>
+                  <a16:creationId xmlns:a16="http://schemas.microsoft.com/office/drawing/2014/main" xmlns="" id="{A867A9D3-244B-4D96-85FC-1B20A383B699}"/>
                 </a:ext>
               </a:extLst>
             </p:cNvPr>
@@ -21427,7 +19671,7 @@
             <p:cNvPr id="40" name="Freeform 7">
               <a:extLst>
                 <a:ext uri="{FF2B5EF4-FFF2-40B4-BE49-F238E27FC236}">
-                  <a16:creationId xmlns="" xmlns:a16="http://schemas.microsoft.com/office/drawing/2014/main" id="{081340D6-A119-4ECC-B054-F7F59A530F18}"/>
+                  <a16:creationId xmlns:a16="http://schemas.microsoft.com/office/drawing/2014/main" xmlns="" id="{081340D6-A119-4ECC-B054-F7F59A530F18}"/>
                 </a:ext>
               </a:extLst>
             </p:cNvPr>
@@ -21602,7 +19846,7 @@
             <p:cNvPr id="41" name="Freeform 8">
               <a:extLst>
                 <a:ext uri="{FF2B5EF4-FFF2-40B4-BE49-F238E27FC236}">
-                  <a16:creationId xmlns="" xmlns:a16="http://schemas.microsoft.com/office/drawing/2014/main" id="{66093F5C-4A6F-48F7-A969-9A5617C0A0BB}"/>
+                  <a16:creationId xmlns:a16="http://schemas.microsoft.com/office/drawing/2014/main" xmlns="" id="{66093F5C-4A6F-48F7-A969-9A5617C0A0BB}"/>
                 </a:ext>
               </a:extLst>
             </p:cNvPr>
@@ -21757,7 +20001,7 @@
             <p:cNvPr id="42" name="Freeform 9">
               <a:extLst>
                 <a:ext uri="{FF2B5EF4-FFF2-40B4-BE49-F238E27FC236}">
-                  <a16:creationId xmlns="" xmlns:a16="http://schemas.microsoft.com/office/drawing/2014/main" id="{1B0A7BE6-A9F5-4F69-BB46-5FED15DE916E}"/>
+                  <a16:creationId xmlns:a16="http://schemas.microsoft.com/office/drawing/2014/main" xmlns="" id="{1B0A7BE6-A9F5-4F69-BB46-5FED15DE916E}"/>
                 </a:ext>
               </a:extLst>
             </p:cNvPr>
@@ -21932,7 +20176,7 @@
             <p:cNvPr id="43" name="Freeform 10">
               <a:extLst>
                 <a:ext uri="{FF2B5EF4-FFF2-40B4-BE49-F238E27FC236}">
-                  <a16:creationId xmlns="" xmlns:a16="http://schemas.microsoft.com/office/drawing/2014/main" id="{AAC04016-222C-4615-847D-EF424A435A89}"/>
+                  <a16:creationId xmlns:a16="http://schemas.microsoft.com/office/drawing/2014/main" xmlns="" id="{AAC04016-222C-4615-847D-EF424A435A89}"/>
                 </a:ext>
               </a:extLst>
             </p:cNvPr>
@@ -22077,7 +20321,7 @@
             <p:cNvPr id="54" name="Freeform 11">
               <a:extLst>
                 <a:ext uri="{FF2B5EF4-FFF2-40B4-BE49-F238E27FC236}">
-                  <a16:creationId xmlns="" xmlns:a16="http://schemas.microsoft.com/office/drawing/2014/main" id="{F2A97FCD-688B-4009-A43E-772F81974480}"/>
+                  <a16:creationId xmlns:a16="http://schemas.microsoft.com/office/drawing/2014/main" xmlns="" id="{F2A97FCD-688B-4009-A43E-772F81974480}"/>
                 </a:ext>
               </a:extLst>
             </p:cNvPr>
@@ -22230,7 +20474,7 @@
             <p:cNvPr id="55" name="Freeform 12">
               <a:extLst>
                 <a:ext uri="{FF2B5EF4-FFF2-40B4-BE49-F238E27FC236}">
-                  <a16:creationId xmlns="" xmlns:a16="http://schemas.microsoft.com/office/drawing/2014/main" id="{745AF341-A3B9-450E-AA0C-D160290799A4}"/>
+                  <a16:creationId xmlns:a16="http://schemas.microsoft.com/office/drawing/2014/main" xmlns="" id="{745AF341-A3B9-450E-AA0C-D160290799A4}"/>
                 </a:ext>
               </a:extLst>
             </p:cNvPr>
@@ -22385,7 +20629,7 @@
             <p:cNvPr id="59" name="Freeform 13">
               <a:extLst>
                 <a:ext uri="{FF2B5EF4-FFF2-40B4-BE49-F238E27FC236}">
-                  <a16:creationId xmlns="" xmlns:a16="http://schemas.microsoft.com/office/drawing/2014/main" id="{6421252C-0288-4E74-8BE0-6173B937F839}"/>
+                  <a16:creationId xmlns:a16="http://schemas.microsoft.com/office/drawing/2014/main" xmlns="" id="{6421252C-0288-4E74-8BE0-6173B937F839}"/>
                 </a:ext>
               </a:extLst>
             </p:cNvPr>
@@ -22540,7 +20784,7 @@
             <p:cNvPr id="60" name="Freeform 14">
               <a:extLst>
                 <a:ext uri="{FF2B5EF4-FFF2-40B4-BE49-F238E27FC236}">
-                  <a16:creationId xmlns="" xmlns:a16="http://schemas.microsoft.com/office/drawing/2014/main" id="{B0FE359E-F73E-4BDC-87AA-58798B116B7C}"/>
+                  <a16:creationId xmlns:a16="http://schemas.microsoft.com/office/drawing/2014/main" xmlns="" id="{B0FE359E-F73E-4BDC-87AA-58798B116B7C}"/>
                 </a:ext>
               </a:extLst>
             </p:cNvPr>
@@ -22685,7 +20929,7 @@
             <p:cNvPr id="61" name="Freeform 15">
               <a:extLst>
                 <a:ext uri="{FF2B5EF4-FFF2-40B4-BE49-F238E27FC236}">
-                  <a16:creationId xmlns="" xmlns:a16="http://schemas.microsoft.com/office/drawing/2014/main" id="{3085AF8C-5A77-43FC-BB3D-25616E7BAD7E}"/>
+                  <a16:creationId xmlns:a16="http://schemas.microsoft.com/office/drawing/2014/main" xmlns="" id="{3085AF8C-5A77-43FC-BB3D-25616E7BAD7E}"/>
                 </a:ext>
               </a:extLst>
             </p:cNvPr>
@@ -22830,7 +21074,7 @@
             <p:cNvPr id="62" name="Freeform 16">
               <a:extLst>
                 <a:ext uri="{FF2B5EF4-FFF2-40B4-BE49-F238E27FC236}">
-                  <a16:creationId xmlns="" xmlns:a16="http://schemas.microsoft.com/office/drawing/2014/main" id="{7266249B-8E16-4840-96FC-8516A1DEEF9C}"/>
+                  <a16:creationId xmlns:a16="http://schemas.microsoft.com/office/drawing/2014/main" xmlns="" id="{7266249B-8E16-4840-96FC-8516A1DEEF9C}"/>
                 </a:ext>
               </a:extLst>
             </p:cNvPr>
@@ -22985,7 +21229,7 @@
             <p:cNvPr id="63" name="Freeform 17">
               <a:extLst>
                 <a:ext uri="{FF2B5EF4-FFF2-40B4-BE49-F238E27FC236}">
-                  <a16:creationId xmlns="" xmlns:a16="http://schemas.microsoft.com/office/drawing/2014/main" id="{2441C55B-CC0E-4AF1-8DF0-22E322450389}"/>
+                  <a16:creationId xmlns:a16="http://schemas.microsoft.com/office/drawing/2014/main" xmlns="" id="{2441C55B-CC0E-4AF1-8DF0-22E322450389}"/>
                 </a:ext>
               </a:extLst>
             </p:cNvPr>
@@ -23140,7 +21384,7 @@
             <p:cNvPr id="64" name="Freeform 18">
               <a:extLst>
                 <a:ext uri="{FF2B5EF4-FFF2-40B4-BE49-F238E27FC236}">
-                  <a16:creationId xmlns="" xmlns:a16="http://schemas.microsoft.com/office/drawing/2014/main" id="{FA834BA1-D0A4-4237-913D-260A5DEBAE89}"/>
+                  <a16:creationId xmlns:a16="http://schemas.microsoft.com/office/drawing/2014/main" xmlns="" id="{FA834BA1-D0A4-4237-913D-260A5DEBAE89}"/>
                 </a:ext>
               </a:extLst>
             </p:cNvPr>
@@ -23296,7 +21540,7 @@
           <p:cNvPr id="66" name="Oval 65">
             <a:extLst>
               <a:ext uri="{FF2B5EF4-FFF2-40B4-BE49-F238E27FC236}">
-                <a16:creationId xmlns="" xmlns:a16="http://schemas.microsoft.com/office/drawing/2014/main" id="{B327ECD0-E1B0-4737-8A11-DA4355BE380C}"/>
+                <a16:creationId xmlns:a16="http://schemas.microsoft.com/office/drawing/2014/main" xmlns="" id="{B327ECD0-E1B0-4737-8A11-DA4355BE380C}"/>
               </a:ext>
             </a:extLst>
           </p:cNvPr>
@@ -23357,7 +21601,7 @@
           <p:cNvPr id="67" name="TextBox 66">
             <a:extLst>
               <a:ext uri="{FF2B5EF4-FFF2-40B4-BE49-F238E27FC236}">
-                <a16:creationId xmlns="" xmlns:a16="http://schemas.microsoft.com/office/drawing/2014/main" id="{43E9AA7E-9A40-4378-BA1F-D2DC2684ED35}"/>
+                <a16:creationId xmlns:a16="http://schemas.microsoft.com/office/drawing/2014/main" xmlns="" id="{43E9AA7E-9A40-4378-BA1F-D2DC2684ED35}"/>
               </a:ext>
             </a:extLst>
           </p:cNvPr>
@@ -23408,7 +21652,7 @@
           <p:cNvPr id="68" name="Oval 67">
             <a:extLst>
               <a:ext uri="{FF2B5EF4-FFF2-40B4-BE49-F238E27FC236}">
-                <a16:creationId xmlns="" xmlns:a16="http://schemas.microsoft.com/office/drawing/2014/main" id="{A445E318-5EBB-456A-AB1D-82C950818623}"/>
+                <a16:creationId xmlns:a16="http://schemas.microsoft.com/office/drawing/2014/main" xmlns="" id="{A445E318-5EBB-456A-AB1D-82C950818623}"/>
               </a:ext>
             </a:extLst>
           </p:cNvPr>
@@ -23469,7 +21713,7 @@
           <p:cNvPr id="73" name="Oval 72">
             <a:extLst>
               <a:ext uri="{FF2B5EF4-FFF2-40B4-BE49-F238E27FC236}">
-                <a16:creationId xmlns="" xmlns:a16="http://schemas.microsoft.com/office/drawing/2014/main" id="{6C67BB8D-4F08-4687-95FD-F1D81ABCF35D}"/>
+                <a16:creationId xmlns:a16="http://schemas.microsoft.com/office/drawing/2014/main" xmlns="" id="{6C67BB8D-4F08-4687-95FD-F1D81ABCF35D}"/>
               </a:ext>
             </a:extLst>
           </p:cNvPr>
@@ -23530,7 +21774,7 @@
           <p:cNvPr id="75" name="TextBox 74">
             <a:extLst>
               <a:ext uri="{FF2B5EF4-FFF2-40B4-BE49-F238E27FC236}">
-                <a16:creationId xmlns="" xmlns:a16="http://schemas.microsoft.com/office/drawing/2014/main" id="{F4AF6505-A775-4864-B23C-39B7D60FE049}"/>
+                <a16:creationId xmlns:a16="http://schemas.microsoft.com/office/drawing/2014/main" xmlns="" id="{F4AF6505-A775-4864-B23C-39B7D60FE049}"/>
               </a:ext>
             </a:extLst>
           </p:cNvPr>
@@ -23581,7 +21825,7 @@
           <p:cNvPr id="76" name="TextBox 75">
             <a:extLst>
               <a:ext uri="{FF2B5EF4-FFF2-40B4-BE49-F238E27FC236}">
-                <a16:creationId xmlns="" xmlns:a16="http://schemas.microsoft.com/office/drawing/2014/main" id="{A98F7418-2E84-4D83-AB5C-A6C8FD62F902}"/>
+                <a16:creationId xmlns:a16="http://schemas.microsoft.com/office/drawing/2014/main" xmlns="" id="{A98F7418-2E84-4D83-AB5C-A6C8FD62F902}"/>
               </a:ext>
             </a:extLst>
           </p:cNvPr>
@@ -23632,7 +21876,7 @@
           <p:cNvPr id="77" name="Oval 76">
             <a:extLst>
               <a:ext uri="{FF2B5EF4-FFF2-40B4-BE49-F238E27FC236}">
-                <a16:creationId xmlns="" xmlns:a16="http://schemas.microsoft.com/office/drawing/2014/main" id="{30944E66-AC4C-4425-AB68-2D7ACD83CD9A}"/>
+                <a16:creationId xmlns:a16="http://schemas.microsoft.com/office/drawing/2014/main" xmlns="" id="{30944E66-AC4C-4425-AB68-2D7ACD83CD9A}"/>
               </a:ext>
             </a:extLst>
           </p:cNvPr>
@@ -23698,7 +21942,7 @@
           <p:cNvPr id="78" name="TextBox 77">
             <a:extLst>
               <a:ext uri="{FF2B5EF4-FFF2-40B4-BE49-F238E27FC236}">
-                <a16:creationId xmlns="" xmlns:a16="http://schemas.microsoft.com/office/drawing/2014/main" id="{91FE69F6-9293-4343-B952-0660EA60F5D7}"/>
+                <a16:creationId xmlns:a16="http://schemas.microsoft.com/office/drawing/2014/main" xmlns="" id="{91FE69F6-9293-4343-B952-0660EA60F5D7}"/>
               </a:ext>
             </a:extLst>
           </p:cNvPr>
@@ -23749,7 +21993,7 @@
           <p:cNvPr id="28" name="TextBox 27">
             <a:extLst>
               <a:ext uri="{FF2B5EF4-FFF2-40B4-BE49-F238E27FC236}">
-                <a16:creationId xmlns="" xmlns:a16="http://schemas.microsoft.com/office/drawing/2014/main" id="{0220C235-D899-4540-B3BA-6485843F1259}"/>
+                <a16:creationId xmlns:a16="http://schemas.microsoft.com/office/drawing/2014/main" xmlns="" id="{0220C235-D899-4540-B3BA-6485843F1259}"/>
               </a:ext>
             </a:extLst>
           </p:cNvPr>
@@ -23794,7 +22038,7 @@
           <p:cNvPr id="29" name="Oval 28">
             <a:extLst>
               <a:ext uri="{FF2B5EF4-FFF2-40B4-BE49-F238E27FC236}">
-                <a16:creationId xmlns="" xmlns:a16="http://schemas.microsoft.com/office/drawing/2014/main" id="{B3187278-174E-40F9-9099-8E759C168EB1}"/>
+                <a16:creationId xmlns:a16="http://schemas.microsoft.com/office/drawing/2014/main" xmlns="" id="{B3187278-174E-40F9-9099-8E759C168EB1}"/>
               </a:ext>
             </a:extLst>
           </p:cNvPr>
@@ -23867,6 +22111,216 @@
     <p:extLst>
       <p:ext uri="{BB962C8B-B14F-4D97-AF65-F5344CB8AC3E}">
         <p14:creationId xmlns:p14="http://schemas.microsoft.com/office/powerpoint/2010/main" val="1293666669"/>
+      </p:ext>
+    </p:extLst>
+  </p:cSld>
+  <p:clrMapOvr>
+    <a:masterClrMapping/>
+  </p:clrMapOvr>
+</p:sld>
+</file>
+
+<file path=ppt/slides/slide8.xml><?xml version="1.0" encoding="utf-8"?>
+<p:sld xmlns:a="http://schemas.openxmlformats.org/drawingml/2006/main" xmlns:r="http://schemas.openxmlformats.org/officeDocument/2006/relationships" xmlns:p="http://schemas.openxmlformats.org/presentationml/2006/main">
+  <p:cSld>
+    <p:spTree>
+      <p:nvGrpSpPr>
+        <p:cNvPr id="1" name=""/>
+        <p:cNvGrpSpPr/>
+        <p:nvPr/>
+      </p:nvGrpSpPr>
+      <p:grpSpPr>
+        <a:xfrm>
+          <a:off x="0" y="0"/>
+          <a:ext cx="0" cy="0"/>
+          <a:chOff x="0" y="0"/>
+          <a:chExt cx="0" cy="0"/>
+        </a:xfrm>
+      </p:grpSpPr>
+      <p:pic>
+        <p:nvPicPr>
+          <p:cNvPr id="5" name="Imagen 4"/>
+          <p:cNvPicPr>
+            <a:picLocks noChangeAspect="1"/>
+          </p:cNvPicPr>
+          <p:nvPr/>
+        </p:nvPicPr>
+        <p:blipFill rotWithShape="1">
+          <a:blip r:embed="rId2"/>
+          <a:srcRect l="1439" t="15707" r="60121" b="50127"/>
+          <a:stretch/>
+        </p:blipFill>
+        <p:spPr>
+          <a:xfrm>
+            <a:off x="478971" y="914402"/>
+            <a:ext cx="7750630" cy="2264227"/>
+          </a:xfrm>
+          <a:prstGeom prst="rect">
+            <a:avLst/>
+          </a:prstGeom>
+        </p:spPr>
+      </p:pic>
+      <p:pic>
+        <p:nvPicPr>
+          <p:cNvPr id="2050" name="Picture 2" descr="Resultado de imagen para interval tree"/>
+          <p:cNvPicPr>
+            <a:picLocks noChangeAspect="1" noChangeArrowheads="1"/>
+          </p:cNvPicPr>
+          <p:nvPr/>
+        </p:nvPicPr>
+        <p:blipFill>
+          <a:blip r:embed="rId3">
+            <a:extLst>
+              <a:ext uri="{28A0092B-C50C-407E-A947-70E740481C1C}">
+                <a14:useLocalDpi xmlns:a14="http://schemas.microsoft.com/office/drawing/2010/main" val="0"/>
+              </a:ext>
+            </a:extLst>
+          </a:blip>
+          <a:srcRect/>
+          <a:stretch>
+            <a:fillRect/>
+          </a:stretch>
+        </p:blipFill>
+        <p:spPr bwMode="auto">
+          <a:xfrm>
+            <a:off x="478970" y="2104571"/>
+            <a:ext cx="6445539" cy="3475720"/>
+          </a:xfrm>
+          <a:prstGeom prst="rect">
+            <a:avLst/>
+          </a:prstGeom>
+          <a:noFill/>
+          <a:extLst>
+            <a:ext uri="{909E8E84-426E-40DD-AFC4-6F175D3DCCD1}">
+              <a14:hiddenFill xmlns:a14="http://schemas.microsoft.com/office/drawing/2010/main">
+                <a:solidFill>
+                  <a:srgbClr val="FFFFFF"/>
+                </a:solidFill>
+              </a14:hiddenFill>
+            </a:ext>
+          </a:extLst>
+        </p:spPr>
+      </p:pic>
+    </p:spTree>
+    <p:extLst>
+      <p:ext uri="{BB962C8B-B14F-4D97-AF65-F5344CB8AC3E}">
+        <p14:creationId xmlns:p14="http://schemas.microsoft.com/office/powerpoint/2010/main" val="2614278133"/>
+      </p:ext>
+    </p:extLst>
+  </p:cSld>
+  <p:clrMapOvr>
+    <a:masterClrMapping/>
+  </p:clrMapOvr>
+</p:sld>
+</file>
+
+<file path=ppt/slides/slide9.xml><?xml version="1.0" encoding="utf-8"?>
+<p:sld xmlns:a="http://schemas.openxmlformats.org/drawingml/2006/main" xmlns:r="http://schemas.openxmlformats.org/officeDocument/2006/relationships" xmlns:p="http://schemas.openxmlformats.org/presentationml/2006/main">
+  <p:cSld>
+    <p:spTree>
+      <p:nvGrpSpPr>
+        <p:cNvPr id="1" name=""/>
+        <p:cNvGrpSpPr/>
+        <p:nvPr/>
+      </p:nvGrpSpPr>
+      <p:grpSpPr>
+        <a:xfrm>
+          <a:off x="0" y="0"/>
+          <a:ext cx="0" cy="0"/>
+          <a:chOff x="0" y="0"/>
+          <a:chExt cx="0" cy="0"/>
+        </a:xfrm>
+      </p:grpSpPr>
+      <p:sp>
+        <p:nvSpPr>
+          <p:cNvPr id="2" name="Título 1"/>
+          <p:cNvSpPr>
+            <a:spLocks noGrp="1"/>
+          </p:cNvSpPr>
+          <p:nvPr>
+            <p:ph type="title"/>
+          </p:nvPr>
+        </p:nvSpPr>
+        <p:spPr/>
+        <p:txBody>
+          <a:bodyPr/>
+          <a:lstStyle/>
+          <a:p>
+            <a:endParaRPr lang="es-PE" dirty="0"/>
+          </a:p>
+        </p:txBody>
+      </p:sp>
+      <p:sp>
+        <p:nvSpPr>
+          <p:cNvPr id="3" name="Marcador de contenido 2"/>
+          <p:cNvSpPr>
+            <a:spLocks noGrp="1"/>
+          </p:cNvSpPr>
+          <p:nvPr>
+            <p:ph idx="1"/>
+          </p:nvPr>
+        </p:nvSpPr>
+        <p:spPr/>
+        <p:txBody>
+          <a:bodyPr/>
+          <a:lstStyle/>
+          <a:p>
+            <a:endParaRPr lang="es-PE" dirty="0"/>
+          </a:p>
+        </p:txBody>
+      </p:sp>
+      <p:pic>
+        <p:nvPicPr>
+          <p:cNvPr id="4" name="Imagen 3"/>
+          <p:cNvPicPr>
+            <a:picLocks noChangeAspect="1"/>
+          </p:cNvPicPr>
+          <p:nvPr/>
+        </p:nvPicPr>
+        <p:blipFill>
+          <a:blip r:embed="rId2">
+            <a:extLst>
+              <a:ext uri="{BEBA8EAE-BF5A-486C-A8C5-ECC9F3942E4B}">
+                <a14:imgProps xmlns:a14="http://schemas.microsoft.com/office/drawing/2010/main">
+                  <a14:imgLayer r:embed="rId3">
+                    <a14:imgEffect>
+                      <a14:backgroundRemoval t="0" b="100000" l="0" r="100000">
+                        <a14:foregroundMark x1="25108" y1="42981" x2="30195" y2="51127"/>
+                        <a14:foregroundMark x1="56061" y1="7799" x2="53355" y2="21144"/>
+                        <a14:foregroundMark x1="70455" y1="42288" x2="75758" y2="55806"/>
+                        <a14:foregroundMark x1="88636" y1="78683" x2="88636" y2="90641"/>
+                        <a14:foregroundMark x1="36688" y1="81802" x2="43939" y2="93761"/>
+                        <a14:foregroundMark x1="6169" y1="80936" x2="11905" y2="89255"/>
+                        <a14:backgroundMark x1="31169" y1="4679" x2="9524" y2="33622"/>
+                        <a14:backgroundMark x1="42532" y1="38475" x2="72727" y2="89948"/>
+                        <a14:backgroundMark x1="76407" y1="9359" x2="97511" y2="25130"/>
+                        <a14:backgroundMark x1="24784" y1="67244" x2="22835" y2="97227"/>
+                        <a14:backgroundMark x1="649" y1="80416" x2="0" y2="89601"/>
+                      </a14:backgroundRemoval>
+                    </a14:imgEffect>
+                  </a14:imgLayer>
+                </a14:imgProps>
+              </a:ext>
+            </a:extLst>
+          </a:blip>
+          <a:stretch>
+            <a:fillRect/>
+          </a:stretch>
+        </p:blipFill>
+        <p:spPr>
+          <a:xfrm>
+            <a:off x="528504" y="1710142"/>
+            <a:ext cx="3592512" cy="2243376"/>
+          </a:xfrm>
+          <a:prstGeom prst="rect">
+            <a:avLst/>
+          </a:prstGeom>
+        </p:spPr>
+      </p:pic>
+    </p:spTree>
+    <p:extLst>
+      <p:ext uri="{BB962C8B-B14F-4D97-AF65-F5344CB8AC3E}">
+        <p14:creationId xmlns:p14="http://schemas.microsoft.com/office/powerpoint/2010/main" val="3787246273"/>
       </p:ext>
     </p:extLst>
   </p:cSld>

--- a/INTERVAL TREE.pptx
+++ b/INTERVAL TREE.pptx
@@ -12,14 +12,15 @@
     <p:sldId id="656" r:id="rId6"/>
     <p:sldId id="661" r:id="rId7"/>
     <p:sldId id="665" r:id="rId8"/>
-    <p:sldId id="670" r:id="rId9"/>
-    <p:sldId id="668" r:id="rId10"/>
+    <p:sldId id="674" r:id="rId9"/>
+    <p:sldId id="670" r:id="rId10"/>
     <p:sldId id="669" r:id="rId11"/>
     <p:sldId id="671" r:id="rId12"/>
     <p:sldId id="667" r:id="rId13"/>
     <p:sldId id="672" r:id="rId14"/>
     <p:sldId id="666" r:id="rId15"/>
-    <p:sldId id="664" r:id="rId16"/>
+    <p:sldId id="676" r:id="rId16"/>
+    <p:sldId id="664" r:id="rId17"/>
   </p:sldIdLst>
   <p:sldSz cx="12192000" cy="6858000"/>
   <p:notesSz cx="6858000" cy="9144000"/>
@@ -275,7 +276,7 @@
           <a:p>
             <a:fld id="{1661375A-C223-44C8-917C-F7C3A1BCD50F}" type="datetimeFigureOut">
               <a:rPr lang="en-GB" smtClean="0"/>
-              <a:t>05/07/2019</a:t>
+              <a:t>08/07/2019</a:t>
             </a:fld>
             <a:endParaRPr lang="en-GB" dirty="0"/>
           </a:p>
@@ -475,7 +476,7 @@
           <a:p>
             <a:fld id="{1661375A-C223-44C8-917C-F7C3A1BCD50F}" type="datetimeFigureOut">
               <a:rPr lang="en-GB" smtClean="0"/>
-              <a:t>05/07/2019</a:t>
+              <a:t>08/07/2019</a:t>
             </a:fld>
             <a:endParaRPr lang="en-GB" dirty="0"/>
           </a:p>
@@ -685,7 +686,7 @@
           <a:p>
             <a:fld id="{1661375A-C223-44C8-917C-F7C3A1BCD50F}" type="datetimeFigureOut">
               <a:rPr lang="en-GB" smtClean="0"/>
-              <a:t>05/07/2019</a:t>
+              <a:t>08/07/2019</a:t>
             </a:fld>
             <a:endParaRPr lang="en-GB" dirty="0"/>
           </a:p>
@@ -885,7 +886,7 @@
           <a:p>
             <a:fld id="{1661375A-C223-44C8-917C-F7C3A1BCD50F}" type="datetimeFigureOut">
               <a:rPr lang="en-GB" smtClean="0"/>
-              <a:t>05/07/2019</a:t>
+              <a:t>08/07/2019</a:t>
             </a:fld>
             <a:endParaRPr lang="en-GB" dirty="0"/>
           </a:p>
@@ -1161,7 +1162,7 @@
           <a:p>
             <a:fld id="{1661375A-C223-44C8-917C-F7C3A1BCD50F}" type="datetimeFigureOut">
               <a:rPr lang="en-GB" smtClean="0"/>
-              <a:t>05/07/2019</a:t>
+              <a:t>08/07/2019</a:t>
             </a:fld>
             <a:endParaRPr lang="en-GB" dirty="0"/>
           </a:p>
@@ -1429,7 +1430,7 @@
           <a:p>
             <a:fld id="{1661375A-C223-44C8-917C-F7C3A1BCD50F}" type="datetimeFigureOut">
               <a:rPr lang="en-GB" smtClean="0"/>
-              <a:t>05/07/2019</a:t>
+              <a:t>08/07/2019</a:t>
             </a:fld>
             <a:endParaRPr lang="en-GB" dirty="0"/>
           </a:p>
@@ -1844,7 +1845,7 @@
           <a:p>
             <a:fld id="{1661375A-C223-44C8-917C-F7C3A1BCD50F}" type="datetimeFigureOut">
               <a:rPr lang="en-GB" smtClean="0"/>
-              <a:t>05/07/2019</a:t>
+              <a:t>08/07/2019</a:t>
             </a:fld>
             <a:endParaRPr lang="en-GB" dirty="0"/>
           </a:p>
@@ -1986,7 +1987,7 @@
           <a:p>
             <a:fld id="{1661375A-C223-44C8-917C-F7C3A1BCD50F}" type="datetimeFigureOut">
               <a:rPr lang="en-GB" smtClean="0"/>
-              <a:t>05/07/2019</a:t>
+              <a:t>08/07/2019</a:t>
             </a:fld>
             <a:endParaRPr lang="en-GB" dirty="0"/>
           </a:p>
@@ -2099,7 +2100,7 @@
           <a:p>
             <a:fld id="{1661375A-C223-44C8-917C-F7C3A1BCD50F}" type="datetimeFigureOut">
               <a:rPr lang="en-GB" smtClean="0"/>
-              <a:t>05/07/2019</a:t>
+              <a:t>08/07/2019</a:t>
             </a:fld>
             <a:endParaRPr lang="en-GB" dirty="0"/>
           </a:p>
@@ -2412,7 +2413,7 @@
           <a:p>
             <a:fld id="{1661375A-C223-44C8-917C-F7C3A1BCD50F}" type="datetimeFigureOut">
               <a:rPr lang="en-GB" smtClean="0"/>
-              <a:t>05/07/2019</a:t>
+              <a:t>08/07/2019</a:t>
             </a:fld>
             <a:endParaRPr lang="en-GB" dirty="0"/>
           </a:p>
@@ -2701,7 +2702,7 @@
           <a:p>
             <a:fld id="{1661375A-C223-44C8-917C-F7C3A1BCD50F}" type="datetimeFigureOut">
               <a:rPr lang="en-GB" smtClean="0"/>
-              <a:t>05/07/2019</a:t>
+              <a:t>08/07/2019</a:t>
             </a:fld>
             <a:endParaRPr lang="en-GB" dirty="0"/>
           </a:p>
@@ -2944,7 +2945,7 @@
           <a:p>
             <a:fld id="{1661375A-C223-44C8-917C-F7C3A1BCD50F}" type="datetimeFigureOut">
               <a:rPr lang="en-GB" smtClean="0"/>
-              <a:t>05/07/2019</a:t>
+              <a:t>08/07/2019</a:t>
             </a:fld>
             <a:endParaRPr lang="en-GB" dirty="0"/>
           </a:p>
@@ -3665,7 +3666,7 @@
         </p:nvSpPr>
         <p:spPr>
           <a:xfrm flipV="1">
-            <a:off x="2122660" y="6279408"/>
+            <a:off x="752745" y="6298458"/>
             <a:ext cx="2739830" cy="300753"/>
           </a:xfrm>
           <a:prstGeom prst="ellipse">
@@ -3721,7 +3722,7 @@
         </p:nvSpPr>
         <p:spPr bwMode="auto">
           <a:xfrm>
-            <a:off x="1751087" y="4938746"/>
+            <a:off x="381172" y="4941482"/>
             <a:ext cx="3482976" cy="1245495"/>
           </a:xfrm>
           <a:custGeom>
@@ -4286,8 +4287,8 @@
         </p:nvSpPr>
         <p:spPr>
           <a:xfrm>
-            <a:off x="6282513" y="1116404"/>
-            <a:ext cx="5497985" cy="1015663"/>
+            <a:off x="6014297" y="4779400"/>
+            <a:ext cx="5497985" cy="1569660"/>
           </a:xfrm>
           <a:prstGeom prst="rect">
             <a:avLst/>
@@ -4304,7 +4305,7 @@
               <a:defRPr/>
             </a:pPr>
             <a:r>
-              <a:rPr lang="en-GB" sz="6000" dirty="0" smtClean="0">
+              <a:rPr lang="en-GB" sz="9600" dirty="0" smtClean="0">
                 <a:solidFill>
                   <a:srgbClr val="FFFFFF"/>
                 </a:solidFill>
@@ -4314,308 +4315,7 @@
               </a:rPr>
               <a:t>BUSCAR</a:t>
             </a:r>
-            <a:endParaRPr lang="en-GB" sz="6000" dirty="0">
-              <a:solidFill>
-                <a:srgbClr val="FFFFFF"/>
-              </a:solidFill>
-              <a:latin typeface="Noto Sans" panose="020B0502040504020204" pitchFamily="34"/>
-              <a:ea typeface="Noto Sans" panose="020B0502040504020204" pitchFamily="34"/>
-              <a:cs typeface="Noto Sans" panose="020B0502040504020204" pitchFamily="34"/>
-            </a:endParaRPr>
-          </a:p>
-        </p:txBody>
-      </p:sp>
-      <p:sp>
-        <p:nvSpPr>
-          <p:cNvPr id="66" name="Oval 65">
-            <a:extLst>
-              <a:ext uri="{FF2B5EF4-FFF2-40B4-BE49-F238E27FC236}">
-                <a16:creationId xmlns="" xmlns:a16="http://schemas.microsoft.com/office/drawing/2014/main" id="{B327ECD0-E1B0-4737-8A11-DA4355BE380C}"/>
-              </a:ext>
-            </a:extLst>
-          </p:cNvPr>
-          <p:cNvSpPr/>
-          <p:nvPr/>
-        </p:nvSpPr>
-        <p:spPr>
-          <a:xfrm>
-            <a:off x="7299616" y="2298326"/>
-            <a:ext cx="506366" cy="506366"/>
-          </a:xfrm>
-          <a:prstGeom prst="ellipse">
-            <a:avLst/>
-          </a:prstGeom>
-          <a:solidFill>
-            <a:schemeClr val="accent2"/>
-          </a:solidFill>
-          <a:ln>
-            <a:noFill/>
-          </a:ln>
-        </p:spPr>
-        <p:style>
-          <a:lnRef idx="2">
-            <a:schemeClr val="accent1">
-              <a:shade val="50000"/>
-            </a:schemeClr>
-          </a:lnRef>
-          <a:fillRef idx="1">
-            <a:schemeClr val="accent1"/>
-          </a:fillRef>
-          <a:effectRef idx="0">
-            <a:schemeClr val="accent1"/>
-          </a:effectRef>
-          <a:fontRef idx="minor">
-            <a:schemeClr val="lt1"/>
-          </a:fontRef>
-        </p:style>
-        <p:txBody>
-          <a:bodyPr rtlCol="0" anchor="ctr"/>
-          <a:lstStyle/>
-          <a:p>
-            <a:pPr algn="ctr">
-              <a:defRPr/>
-            </a:pPr>
-            <a:r>
-              <a:rPr lang="en-US" b="1" dirty="0">
-                <a:solidFill>
-                  <a:srgbClr val="FFFFFF"/>
-                </a:solidFill>
-              </a:rPr>
-              <a:t>1</a:t>
-            </a:r>
-          </a:p>
-        </p:txBody>
-      </p:sp>
-      <p:sp>
-        <p:nvSpPr>
-          <p:cNvPr id="68" name="Oval 67">
-            <a:extLst>
-              <a:ext uri="{FF2B5EF4-FFF2-40B4-BE49-F238E27FC236}">
-                <a16:creationId xmlns="" xmlns:a16="http://schemas.microsoft.com/office/drawing/2014/main" id="{A445E318-5EBB-456A-AB1D-82C950818623}"/>
-              </a:ext>
-            </a:extLst>
-          </p:cNvPr>
-          <p:cNvSpPr/>
-          <p:nvPr/>
-        </p:nvSpPr>
-        <p:spPr>
-          <a:xfrm>
-            <a:off x="7296376" y="4213510"/>
-            <a:ext cx="506366" cy="506366"/>
-          </a:xfrm>
-          <a:prstGeom prst="ellipse">
-            <a:avLst/>
-          </a:prstGeom>
-          <a:solidFill>
-            <a:schemeClr val="accent4"/>
-          </a:solidFill>
-          <a:ln>
-            <a:noFill/>
-          </a:ln>
-        </p:spPr>
-        <p:style>
-          <a:lnRef idx="2">
-            <a:schemeClr val="accent1">
-              <a:shade val="50000"/>
-            </a:schemeClr>
-          </a:lnRef>
-          <a:fillRef idx="1">
-            <a:schemeClr val="accent1"/>
-          </a:fillRef>
-          <a:effectRef idx="0">
-            <a:schemeClr val="accent1"/>
-          </a:effectRef>
-          <a:fontRef idx="minor">
-            <a:schemeClr val="lt1"/>
-          </a:fontRef>
-        </p:style>
-        <p:txBody>
-          <a:bodyPr rtlCol="0" anchor="ctr"/>
-          <a:lstStyle/>
-          <a:p>
-            <a:pPr algn="ctr">
-              <a:defRPr/>
-            </a:pPr>
-            <a:r>
-              <a:rPr lang="en-US" b="1" dirty="0">
-                <a:solidFill>
-                  <a:srgbClr val="FFFFFF"/>
-                </a:solidFill>
-              </a:rPr>
-              <a:t>2</a:t>
-            </a:r>
-          </a:p>
-        </p:txBody>
-      </p:sp>
-      <p:sp>
-        <p:nvSpPr>
-          <p:cNvPr id="75" name="TextBox 74">
-            <a:extLst>
-              <a:ext uri="{FF2B5EF4-FFF2-40B4-BE49-F238E27FC236}">
-                <a16:creationId xmlns="" xmlns:a16="http://schemas.microsoft.com/office/drawing/2014/main" id="{F4AF6505-A775-4864-B23C-39B7D60FE049}"/>
-              </a:ext>
-            </a:extLst>
-          </p:cNvPr>
-          <p:cNvSpPr txBox="1"/>
-          <p:nvPr/>
-        </p:nvSpPr>
-        <p:spPr>
-          <a:xfrm>
-            <a:off x="7844939" y="2030843"/>
-            <a:ext cx="3892902" cy="2031325"/>
-          </a:xfrm>
-          <a:prstGeom prst="rect">
-            <a:avLst/>
-          </a:prstGeom>
-          <a:noFill/>
-        </p:spPr>
-        <p:txBody>
-          <a:bodyPr wrap="square" rtlCol="0">
-            <a:spAutoFit/>
-          </a:bodyPr>
-          <a:lstStyle/>
-          <a:p>
-            <a:pPr>
-              <a:defRPr/>
-            </a:pPr>
-            <a:endParaRPr lang="es-ES" dirty="0">
-              <a:solidFill>
-                <a:srgbClr val="FFFFFF"/>
-              </a:solidFill>
-              <a:latin typeface="Noto Sans" panose="020B0502040504020204" pitchFamily="34"/>
-              <a:ea typeface="Noto Sans" panose="020B0502040504020204" pitchFamily="34"/>
-              <a:cs typeface="Noto Sans" panose="020B0502040504020204" pitchFamily="34"/>
-            </a:endParaRPr>
-          </a:p>
-          <a:p>
-            <a:pPr>
-              <a:defRPr/>
-            </a:pPr>
-            <a:r>
-              <a:rPr lang="es-ES" dirty="0">
-                <a:solidFill>
-                  <a:srgbClr val="FFFFFF"/>
-                </a:solidFill>
-                <a:latin typeface="Noto Sans" panose="020B0502040504020204" pitchFamily="34"/>
-                <a:ea typeface="Noto Sans" panose="020B0502040504020204" pitchFamily="34"/>
-                <a:cs typeface="Noto Sans" panose="020B0502040504020204" pitchFamily="34"/>
-              </a:rPr>
-              <a:t>Cada nodo de Interval Tree </a:t>
-            </a:r>
-            <a:r>
-              <a:rPr lang="es-ES" dirty="0" smtClean="0">
-                <a:solidFill>
-                  <a:srgbClr val="FFFFFF"/>
-                </a:solidFill>
-                <a:latin typeface="Noto Sans" panose="020B0502040504020204" pitchFamily="34"/>
-                <a:ea typeface="Noto Sans" panose="020B0502040504020204" pitchFamily="34"/>
-                <a:cs typeface="Noto Sans" panose="020B0502040504020204" pitchFamily="34"/>
-              </a:rPr>
-              <a:t>almacena la </a:t>
-            </a:r>
-            <a:r>
-              <a:rPr lang="es-ES" dirty="0">
-                <a:solidFill>
-                  <a:srgbClr val="FFFFFF"/>
-                </a:solidFill>
-                <a:latin typeface="Noto Sans" panose="020B0502040504020204" pitchFamily="34"/>
-                <a:ea typeface="Noto Sans" panose="020B0502040504020204" pitchFamily="34"/>
-                <a:cs typeface="Noto Sans" panose="020B0502040504020204" pitchFamily="34"/>
-              </a:rPr>
-              <a:t>siguiente </a:t>
-            </a:r>
-            <a:r>
-              <a:rPr lang="es-ES" dirty="0" smtClean="0">
-                <a:solidFill>
-                  <a:srgbClr val="FFFFFF"/>
-                </a:solidFill>
-                <a:latin typeface="Noto Sans" panose="020B0502040504020204" pitchFamily="34"/>
-                <a:ea typeface="Noto Sans" panose="020B0502040504020204" pitchFamily="34"/>
-                <a:cs typeface="Noto Sans" panose="020B0502040504020204" pitchFamily="34"/>
-              </a:rPr>
-              <a:t>información: </a:t>
-            </a:r>
-          </a:p>
-          <a:p>
-            <a:pPr marL="342900" indent="-342900">
-              <a:buFontTx/>
-              <a:buAutoNum type="arabicParenR"/>
-              <a:defRPr/>
-            </a:pPr>
-            <a:r>
-              <a:rPr lang="en-GB" dirty="0" smtClean="0">
-                <a:solidFill>
-                  <a:srgbClr val="FFFFFF"/>
-                </a:solidFill>
-                <a:latin typeface="Noto Sans" panose="020B0502040504020204" pitchFamily="34"/>
-                <a:ea typeface="Noto Sans" panose="020B0502040504020204" pitchFamily="34"/>
-                <a:cs typeface="Noto Sans" panose="020B0502040504020204" pitchFamily="34"/>
-              </a:rPr>
-              <a:t>[low,high]</a:t>
-            </a:r>
-          </a:p>
-          <a:p>
-            <a:pPr marL="342900" indent="-342900">
-              <a:buFontTx/>
-              <a:buAutoNum type="arabicParenR"/>
-              <a:defRPr/>
-            </a:pPr>
-            <a:r>
-              <a:rPr lang="en-GB" dirty="0" smtClean="0">
-                <a:solidFill>
-                  <a:srgbClr val="FFFFFF"/>
-                </a:solidFill>
-                <a:latin typeface="Noto Sans" panose="020B0502040504020204" pitchFamily="34"/>
-                <a:ea typeface="Noto Sans" panose="020B0502040504020204" pitchFamily="34"/>
-                <a:cs typeface="Noto Sans" panose="020B0502040504020204" pitchFamily="34"/>
-              </a:rPr>
-              <a:t>max -&gt; </a:t>
-            </a:r>
-            <a:r>
-              <a:rPr lang="es-ES" dirty="0" smtClean="0">
-                <a:solidFill>
-                  <a:srgbClr val="FFFFFF"/>
-                </a:solidFill>
-                <a:latin typeface="Noto Sans" panose="020B0502040504020204" pitchFamily="34"/>
-                <a:ea typeface="Noto Sans" panose="020B0502040504020204" pitchFamily="34"/>
-                <a:cs typeface="Noto Sans" panose="020B0502040504020204" pitchFamily="34"/>
-              </a:rPr>
-              <a:t>valor </a:t>
-            </a:r>
-            <a:r>
-              <a:rPr lang="es-ES" dirty="0">
-                <a:solidFill>
-                  <a:srgbClr val="FFFFFF"/>
-                </a:solidFill>
-                <a:latin typeface="Noto Sans" panose="020B0502040504020204" pitchFamily="34"/>
-                <a:ea typeface="Noto Sans" panose="020B0502040504020204" pitchFamily="34"/>
-                <a:cs typeface="Noto Sans" panose="020B0502040504020204" pitchFamily="34"/>
-              </a:rPr>
-              <a:t>máximo alto en </a:t>
-            </a:r>
-            <a:r>
-              <a:rPr lang="es-ES" dirty="0" smtClean="0">
-                <a:solidFill>
-                  <a:srgbClr val="FFFFFF"/>
-                </a:solidFill>
-                <a:latin typeface="Noto Sans" panose="020B0502040504020204" pitchFamily="34"/>
-                <a:ea typeface="Noto Sans" panose="020B0502040504020204" pitchFamily="34"/>
-                <a:cs typeface="Noto Sans" panose="020B0502040504020204" pitchFamily="34"/>
-              </a:rPr>
-              <a:t>   subárbol </a:t>
-            </a:r>
-            <a:r>
-              <a:rPr lang="es-ES" dirty="0">
-                <a:solidFill>
-                  <a:srgbClr val="FFFFFF"/>
-                </a:solidFill>
-                <a:latin typeface="Noto Sans" panose="020B0502040504020204" pitchFamily="34"/>
-                <a:ea typeface="Noto Sans" panose="020B0502040504020204" pitchFamily="34"/>
-                <a:cs typeface="Noto Sans" panose="020B0502040504020204" pitchFamily="34"/>
-              </a:rPr>
-              <a:t>arraigado con este nodo.</a:t>
-            </a:r>
-            <a:endParaRPr lang="en-GB" dirty="0">
+            <a:endParaRPr lang="en-GB" sz="9600" dirty="0">
               <a:solidFill>
                 <a:srgbClr val="FFFFFF"/>
               </a:solidFill>
@@ -4700,59 +4400,6 @@
           </a:p>
         </p:txBody>
       </p:sp>
-      <p:sp>
-        <p:nvSpPr>
-          <p:cNvPr id="22" name="TextBox 74">
-            <a:extLst>
-              <a:ext uri="{FF2B5EF4-FFF2-40B4-BE49-F238E27FC236}">
-                <a16:creationId xmlns="" xmlns:a16="http://schemas.microsoft.com/office/drawing/2014/main" id="{F4AF6505-A775-4864-B23C-39B7D60FE049}"/>
-              </a:ext>
-            </a:extLst>
-          </p:cNvPr>
-          <p:cNvSpPr txBox="1"/>
-          <p:nvPr/>
-        </p:nvSpPr>
-        <p:spPr>
-          <a:xfrm>
-            <a:off x="7887596" y="4072275"/>
-            <a:ext cx="3892902" cy="923330"/>
-          </a:xfrm>
-          <a:prstGeom prst="rect">
-            <a:avLst/>
-          </a:prstGeom>
-          <a:noFill/>
-        </p:spPr>
-        <p:txBody>
-          <a:bodyPr wrap="square" rtlCol="0">
-            <a:spAutoFit/>
-          </a:bodyPr>
-          <a:lstStyle/>
-          <a:p>
-            <a:pPr>
-              <a:defRPr/>
-            </a:pPr>
-            <a:r>
-              <a:rPr lang="es-ES">
-                <a:solidFill>
-                  <a:srgbClr val="FFFFFF"/>
-                </a:solidFill>
-                <a:latin typeface="Noto Sans" panose="020B0502040504020204" pitchFamily="34"/>
-                <a:ea typeface="Noto Sans" panose="020B0502040504020204" pitchFamily="34"/>
-                <a:cs typeface="Noto Sans" panose="020B0502040504020204" pitchFamily="34"/>
-              </a:rPr>
-              <a:t>El valor bajo de un intervalo se utiliza como clave para mantener el orden en BST</a:t>
-            </a:r>
-            <a:endParaRPr lang="es-ES" dirty="0">
-              <a:solidFill>
-                <a:srgbClr val="FFFFFF"/>
-              </a:solidFill>
-              <a:latin typeface="Noto Sans" panose="020B0502040504020204" pitchFamily="34"/>
-              <a:ea typeface="Noto Sans" panose="020B0502040504020204" pitchFamily="34"/>
-              <a:cs typeface="Noto Sans" panose="020B0502040504020204" pitchFamily="34"/>
-            </a:endParaRPr>
-          </a:p>
-        </p:txBody>
-      </p:sp>
       <p:pic>
         <p:nvPicPr>
           <p:cNvPr id="3" name="Imagen 2"/>
@@ -4769,8 +4416,32 @@
         </p:blipFill>
         <p:spPr>
           <a:xfrm>
-            <a:off x="1219211" y="534500"/>
-            <a:ext cx="4282089" cy="4034018"/>
+            <a:off x="752745" y="212298"/>
+            <a:ext cx="4847955" cy="4567102"/>
+          </a:xfrm>
+          <a:prstGeom prst="rect">
+            <a:avLst/>
+          </a:prstGeom>
+        </p:spPr>
+      </p:pic>
+      <p:pic>
+        <p:nvPicPr>
+          <p:cNvPr id="2" name="Imagen 1"/>
+          <p:cNvPicPr>
+            <a:picLocks noChangeAspect="1"/>
+          </p:cNvPicPr>
+          <p:nvPr/>
+        </p:nvPicPr>
+        <p:blipFill>
+          <a:blip r:embed="rId3"/>
+          <a:stretch>
+            <a:fillRect/>
+          </a:stretch>
+        </p:blipFill>
+        <p:spPr>
+          <a:xfrm>
+            <a:off x="7155110" y="1493378"/>
+            <a:ext cx="2960440" cy="2893411"/>
           </a:xfrm>
           <a:prstGeom prst="rect">
             <a:avLst/>
@@ -5916,14 +5587,6 @@
               </a:rPr>
               <a:t>BUSCAR</a:t>
             </a:r>
-            <a:endParaRPr lang="en-GB" sz="8800" dirty="0" smtClean="0">
-              <a:solidFill>
-                <a:srgbClr val="FFFFFF"/>
-              </a:solidFill>
-              <a:latin typeface="Noto Sans" panose="020B0502040504020204" pitchFamily="34"/>
-              <a:ea typeface="Noto Sans" panose="020B0502040504020204" pitchFamily="34"/>
-              <a:cs typeface="Noto Sans" panose="020B0502040504020204" pitchFamily="34"/>
-            </a:endParaRPr>
           </a:p>
           <a:p>
             <a:pPr algn="ctr">
@@ -6106,7 +5769,7 @@
         </p:nvSpPr>
         <p:spPr>
           <a:xfrm flipV="1">
-            <a:off x="2122660" y="6279408"/>
+            <a:off x="1090056" y="6279406"/>
             <a:ext cx="2739830" cy="300753"/>
           </a:xfrm>
           <a:prstGeom prst="ellipse">
@@ -6162,7 +5825,7 @@
         </p:nvSpPr>
         <p:spPr bwMode="auto">
           <a:xfrm>
-            <a:off x="1751087" y="4938746"/>
+            <a:off x="718483" y="4873932"/>
             <a:ext cx="3482976" cy="1245495"/>
           </a:xfrm>
           <a:custGeom>
@@ -6727,8 +6390,8 @@
         </p:nvSpPr>
         <p:spPr>
           <a:xfrm>
-            <a:off x="6282513" y="1116404"/>
-            <a:ext cx="5497985" cy="1015663"/>
+            <a:off x="4910342" y="4966455"/>
+            <a:ext cx="6827498" cy="1862048"/>
           </a:xfrm>
           <a:prstGeom prst="rect">
             <a:avLst/>
@@ -6745,7 +6408,7 @@
               <a:defRPr/>
             </a:pPr>
             <a:r>
-              <a:rPr lang="en-GB" sz="6000" dirty="0" smtClean="0">
+              <a:rPr lang="en-GB" sz="11500" dirty="0" smtClean="0">
                 <a:solidFill>
                   <a:srgbClr val="FFFFFF"/>
                 </a:solidFill>
@@ -6755,308 +6418,7 @@
               </a:rPr>
               <a:t>ELIMINAR</a:t>
             </a:r>
-            <a:endParaRPr lang="en-GB" sz="6000" dirty="0">
-              <a:solidFill>
-                <a:srgbClr val="FFFFFF"/>
-              </a:solidFill>
-              <a:latin typeface="Noto Sans" panose="020B0502040504020204" pitchFamily="34"/>
-              <a:ea typeface="Noto Sans" panose="020B0502040504020204" pitchFamily="34"/>
-              <a:cs typeface="Noto Sans" panose="020B0502040504020204" pitchFamily="34"/>
-            </a:endParaRPr>
-          </a:p>
-        </p:txBody>
-      </p:sp>
-      <p:sp>
-        <p:nvSpPr>
-          <p:cNvPr id="66" name="Oval 65">
-            <a:extLst>
-              <a:ext uri="{FF2B5EF4-FFF2-40B4-BE49-F238E27FC236}">
-                <a16:creationId xmlns="" xmlns:a16="http://schemas.microsoft.com/office/drawing/2014/main" id="{B327ECD0-E1B0-4737-8A11-DA4355BE380C}"/>
-              </a:ext>
-            </a:extLst>
-          </p:cNvPr>
-          <p:cNvSpPr/>
-          <p:nvPr/>
-        </p:nvSpPr>
-        <p:spPr>
-          <a:xfrm>
-            <a:off x="7299616" y="2298326"/>
-            <a:ext cx="506366" cy="506366"/>
-          </a:xfrm>
-          <a:prstGeom prst="ellipse">
-            <a:avLst/>
-          </a:prstGeom>
-          <a:solidFill>
-            <a:schemeClr val="accent2"/>
-          </a:solidFill>
-          <a:ln>
-            <a:noFill/>
-          </a:ln>
-        </p:spPr>
-        <p:style>
-          <a:lnRef idx="2">
-            <a:schemeClr val="accent1">
-              <a:shade val="50000"/>
-            </a:schemeClr>
-          </a:lnRef>
-          <a:fillRef idx="1">
-            <a:schemeClr val="accent1"/>
-          </a:fillRef>
-          <a:effectRef idx="0">
-            <a:schemeClr val="accent1"/>
-          </a:effectRef>
-          <a:fontRef idx="minor">
-            <a:schemeClr val="lt1"/>
-          </a:fontRef>
-        </p:style>
-        <p:txBody>
-          <a:bodyPr rtlCol="0" anchor="ctr"/>
-          <a:lstStyle/>
-          <a:p>
-            <a:pPr algn="ctr">
-              <a:defRPr/>
-            </a:pPr>
-            <a:r>
-              <a:rPr lang="en-US" b="1" dirty="0">
-                <a:solidFill>
-                  <a:srgbClr val="FFFFFF"/>
-                </a:solidFill>
-              </a:rPr>
-              <a:t>1</a:t>
-            </a:r>
-          </a:p>
-        </p:txBody>
-      </p:sp>
-      <p:sp>
-        <p:nvSpPr>
-          <p:cNvPr id="68" name="Oval 67">
-            <a:extLst>
-              <a:ext uri="{FF2B5EF4-FFF2-40B4-BE49-F238E27FC236}">
-                <a16:creationId xmlns="" xmlns:a16="http://schemas.microsoft.com/office/drawing/2014/main" id="{A445E318-5EBB-456A-AB1D-82C950818623}"/>
-              </a:ext>
-            </a:extLst>
-          </p:cNvPr>
-          <p:cNvSpPr/>
-          <p:nvPr/>
-        </p:nvSpPr>
-        <p:spPr>
-          <a:xfrm>
-            <a:off x="7296376" y="4213510"/>
-            <a:ext cx="506366" cy="506366"/>
-          </a:xfrm>
-          <a:prstGeom prst="ellipse">
-            <a:avLst/>
-          </a:prstGeom>
-          <a:solidFill>
-            <a:schemeClr val="accent4"/>
-          </a:solidFill>
-          <a:ln>
-            <a:noFill/>
-          </a:ln>
-        </p:spPr>
-        <p:style>
-          <a:lnRef idx="2">
-            <a:schemeClr val="accent1">
-              <a:shade val="50000"/>
-            </a:schemeClr>
-          </a:lnRef>
-          <a:fillRef idx="1">
-            <a:schemeClr val="accent1"/>
-          </a:fillRef>
-          <a:effectRef idx="0">
-            <a:schemeClr val="accent1"/>
-          </a:effectRef>
-          <a:fontRef idx="minor">
-            <a:schemeClr val="lt1"/>
-          </a:fontRef>
-        </p:style>
-        <p:txBody>
-          <a:bodyPr rtlCol="0" anchor="ctr"/>
-          <a:lstStyle/>
-          <a:p>
-            <a:pPr algn="ctr">
-              <a:defRPr/>
-            </a:pPr>
-            <a:r>
-              <a:rPr lang="en-US" b="1" dirty="0">
-                <a:solidFill>
-                  <a:srgbClr val="FFFFFF"/>
-                </a:solidFill>
-              </a:rPr>
-              <a:t>2</a:t>
-            </a:r>
-          </a:p>
-        </p:txBody>
-      </p:sp>
-      <p:sp>
-        <p:nvSpPr>
-          <p:cNvPr id="75" name="TextBox 74">
-            <a:extLst>
-              <a:ext uri="{FF2B5EF4-FFF2-40B4-BE49-F238E27FC236}">
-                <a16:creationId xmlns="" xmlns:a16="http://schemas.microsoft.com/office/drawing/2014/main" id="{F4AF6505-A775-4864-B23C-39B7D60FE049}"/>
-              </a:ext>
-            </a:extLst>
-          </p:cNvPr>
-          <p:cNvSpPr txBox="1"/>
-          <p:nvPr/>
-        </p:nvSpPr>
-        <p:spPr>
-          <a:xfrm>
-            <a:off x="7844939" y="2030843"/>
-            <a:ext cx="3892902" cy="2031325"/>
-          </a:xfrm>
-          <a:prstGeom prst="rect">
-            <a:avLst/>
-          </a:prstGeom>
-          <a:noFill/>
-        </p:spPr>
-        <p:txBody>
-          <a:bodyPr wrap="square" rtlCol="0">
-            <a:spAutoFit/>
-          </a:bodyPr>
-          <a:lstStyle/>
-          <a:p>
-            <a:pPr>
-              <a:defRPr/>
-            </a:pPr>
-            <a:endParaRPr lang="es-ES" dirty="0">
-              <a:solidFill>
-                <a:srgbClr val="FFFFFF"/>
-              </a:solidFill>
-              <a:latin typeface="Noto Sans" panose="020B0502040504020204" pitchFamily="34"/>
-              <a:ea typeface="Noto Sans" panose="020B0502040504020204" pitchFamily="34"/>
-              <a:cs typeface="Noto Sans" panose="020B0502040504020204" pitchFamily="34"/>
-            </a:endParaRPr>
-          </a:p>
-          <a:p>
-            <a:pPr>
-              <a:defRPr/>
-            </a:pPr>
-            <a:r>
-              <a:rPr lang="es-ES" dirty="0">
-                <a:solidFill>
-                  <a:srgbClr val="FFFFFF"/>
-                </a:solidFill>
-                <a:latin typeface="Noto Sans" panose="020B0502040504020204" pitchFamily="34"/>
-                <a:ea typeface="Noto Sans" panose="020B0502040504020204" pitchFamily="34"/>
-                <a:cs typeface="Noto Sans" panose="020B0502040504020204" pitchFamily="34"/>
-              </a:rPr>
-              <a:t>Cada nodo de Interval Tree </a:t>
-            </a:r>
-            <a:r>
-              <a:rPr lang="es-ES" dirty="0" smtClean="0">
-                <a:solidFill>
-                  <a:srgbClr val="FFFFFF"/>
-                </a:solidFill>
-                <a:latin typeface="Noto Sans" panose="020B0502040504020204" pitchFamily="34"/>
-                <a:ea typeface="Noto Sans" panose="020B0502040504020204" pitchFamily="34"/>
-                <a:cs typeface="Noto Sans" panose="020B0502040504020204" pitchFamily="34"/>
-              </a:rPr>
-              <a:t>almacena la </a:t>
-            </a:r>
-            <a:r>
-              <a:rPr lang="es-ES" dirty="0">
-                <a:solidFill>
-                  <a:srgbClr val="FFFFFF"/>
-                </a:solidFill>
-                <a:latin typeface="Noto Sans" panose="020B0502040504020204" pitchFamily="34"/>
-                <a:ea typeface="Noto Sans" panose="020B0502040504020204" pitchFamily="34"/>
-                <a:cs typeface="Noto Sans" panose="020B0502040504020204" pitchFamily="34"/>
-              </a:rPr>
-              <a:t>siguiente </a:t>
-            </a:r>
-            <a:r>
-              <a:rPr lang="es-ES" dirty="0" smtClean="0">
-                <a:solidFill>
-                  <a:srgbClr val="FFFFFF"/>
-                </a:solidFill>
-                <a:latin typeface="Noto Sans" panose="020B0502040504020204" pitchFamily="34"/>
-                <a:ea typeface="Noto Sans" panose="020B0502040504020204" pitchFamily="34"/>
-                <a:cs typeface="Noto Sans" panose="020B0502040504020204" pitchFamily="34"/>
-              </a:rPr>
-              <a:t>información: </a:t>
-            </a:r>
-          </a:p>
-          <a:p>
-            <a:pPr marL="342900" indent="-342900">
-              <a:buFontTx/>
-              <a:buAutoNum type="arabicParenR"/>
-              <a:defRPr/>
-            </a:pPr>
-            <a:r>
-              <a:rPr lang="en-GB" dirty="0" smtClean="0">
-                <a:solidFill>
-                  <a:srgbClr val="FFFFFF"/>
-                </a:solidFill>
-                <a:latin typeface="Noto Sans" panose="020B0502040504020204" pitchFamily="34"/>
-                <a:ea typeface="Noto Sans" panose="020B0502040504020204" pitchFamily="34"/>
-                <a:cs typeface="Noto Sans" panose="020B0502040504020204" pitchFamily="34"/>
-              </a:rPr>
-              <a:t>[low,high]</a:t>
-            </a:r>
-          </a:p>
-          <a:p>
-            <a:pPr marL="342900" indent="-342900">
-              <a:buFontTx/>
-              <a:buAutoNum type="arabicParenR"/>
-              <a:defRPr/>
-            </a:pPr>
-            <a:r>
-              <a:rPr lang="en-GB" dirty="0" smtClean="0">
-                <a:solidFill>
-                  <a:srgbClr val="FFFFFF"/>
-                </a:solidFill>
-                <a:latin typeface="Noto Sans" panose="020B0502040504020204" pitchFamily="34"/>
-                <a:ea typeface="Noto Sans" panose="020B0502040504020204" pitchFamily="34"/>
-                <a:cs typeface="Noto Sans" panose="020B0502040504020204" pitchFamily="34"/>
-              </a:rPr>
-              <a:t>max -&gt; </a:t>
-            </a:r>
-            <a:r>
-              <a:rPr lang="es-ES" dirty="0" smtClean="0">
-                <a:solidFill>
-                  <a:srgbClr val="FFFFFF"/>
-                </a:solidFill>
-                <a:latin typeface="Noto Sans" panose="020B0502040504020204" pitchFamily="34"/>
-                <a:ea typeface="Noto Sans" panose="020B0502040504020204" pitchFamily="34"/>
-                <a:cs typeface="Noto Sans" panose="020B0502040504020204" pitchFamily="34"/>
-              </a:rPr>
-              <a:t>valor </a:t>
-            </a:r>
-            <a:r>
-              <a:rPr lang="es-ES" dirty="0">
-                <a:solidFill>
-                  <a:srgbClr val="FFFFFF"/>
-                </a:solidFill>
-                <a:latin typeface="Noto Sans" panose="020B0502040504020204" pitchFamily="34"/>
-                <a:ea typeface="Noto Sans" panose="020B0502040504020204" pitchFamily="34"/>
-                <a:cs typeface="Noto Sans" panose="020B0502040504020204" pitchFamily="34"/>
-              </a:rPr>
-              <a:t>máximo alto en </a:t>
-            </a:r>
-            <a:r>
-              <a:rPr lang="es-ES" dirty="0" smtClean="0">
-                <a:solidFill>
-                  <a:srgbClr val="FFFFFF"/>
-                </a:solidFill>
-                <a:latin typeface="Noto Sans" panose="020B0502040504020204" pitchFamily="34"/>
-                <a:ea typeface="Noto Sans" panose="020B0502040504020204" pitchFamily="34"/>
-                <a:cs typeface="Noto Sans" panose="020B0502040504020204" pitchFamily="34"/>
-              </a:rPr>
-              <a:t>   subárbol </a:t>
-            </a:r>
-            <a:r>
-              <a:rPr lang="es-ES" dirty="0">
-                <a:solidFill>
-                  <a:srgbClr val="FFFFFF"/>
-                </a:solidFill>
-                <a:latin typeface="Noto Sans" panose="020B0502040504020204" pitchFamily="34"/>
-                <a:ea typeface="Noto Sans" panose="020B0502040504020204" pitchFamily="34"/>
-                <a:cs typeface="Noto Sans" panose="020B0502040504020204" pitchFamily="34"/>
-              </a:rPr>
-              <a:t>arraigado con este nodo.</a:t>
-            </a:r>
-            <a:endParaRPr lang="en-GB" dirty="0">
+            <a:endParaRPr lang="en-GB" sz="11500" dirty="0">
               <a:solidFill>
                 <a:srgbClr val="FFFFFF"/>
               </a:solidFill>
@@ -7141,59 +6503,6 @@
           </a:p>
         </p:txBody>
       </p:sp>
-      <p:sp>
-        <p:nvSpPr>
-          <p:cNvPr id="22" name="TextBox 74">
-            <a:extLst>
-              <a:ext uri="{FF2B5EF4-FFF2-40B4-BE49-F238E27FC236}">
-                <a16:creationId xmlns="" xmlns:a16="http://schemas.microsoft.com/office/drawing/2014/main" id="{F4AF6505-A775-4864-B23C-39B7D60FE049}"/>
-              </a:ext>
-            </a:extLst>
-          </p:cNvPr>
-          <p:cNvSpPr txBox="1"/>
-          <p:nvPr/>
-        </p:nvSpPr>
-        <p:spPr>
-          <a:xfrm>
-            <a:off x="7887596" y="4072275"/>
-            <a:ext cx="3892902" cy="923330"/>
-          </a:xfrm>
-          <a:prstGeom prst="rect">
-            <a:avLst/>
-          </a:prstGeom>
-          <a:noFill/>
-        </p:spPr>
-        <p:txBody>
-          <a:bodyPr wrap="square" rtlCol="0">
-            <a:spAutoFit/>
-          </a:bodyPr>
-          <a:lstStyle/>
-          <a:p>
-            <a:pPr>
-              <a:defRPr/>
-            </a:pPr>
-            <a:r>
-              <a:rPr lang="es-ES">
-                <a:solidFill>
-                  <a:srgbClr val="FFFFFF"/>
-                </a:solidFill>
-                <a:latin typeface="Noto Sans" panose="020B0502040504020204" pitchFamily="34"/>
-                <a:ea typeface="Noto Sans" panose="020B0502040504020204" pitchFamily="34"/>
-                <a:cs typeface="Noto Sans" panose="020B0502040504020204" pitchFamily="34"/>
-              </a:rPr>
-              <a:t>El valor bajo de un intervalo se utiliza como clave para mantener el orden en BST</a:t>
-            </a:r>
-            <a:endParaRPr lang="es-ES" dirty="0">
-              <a:solidFill>
-                <a:srgbClr val="FFFFFF"/>
-              </a:solidFill>
-              <a:latin typeface="Noto Sans" panose="020B0502040504020204" pitchFamily="34"/>
-              <a:ea typeface="Noto Sans" panose="020B0502040504020204" pitchFamily="34"/>
-              <a:cs typeface="Noto Sans" panose="020B0502040504020204" pitchFamily="34"/>
-            </a:endParaRPr>
-          </a:p>
-        </p:txBody>
-      </p:sp>
       <p:pic>
         <p:nvPicPr>
           <p:cNvPr id="3" name="Imagen 2"/>
@@ -7210,8 +6519,56 @@
         </p:blipFill>
         <p:spPr>
           <a:xfrm>
-            <a:off x="1219211" y="534500"/>
-            <a:ext cx="4282089" cy="4034018"/>
+            <a:off x="1186791" y="352990"/>
+            <a:ext cx="4629139" cy="4360963"/>
+          </a:xfrm>
+          <a:prstGeom prst="rect">
+            <a:avLst/>
+          </a:prstGeom>
+        </p:spPr>
+      </p:pic>
+      <p:pic>
+        <p:nvPicPr>
+          <p:cNvPr id="2" name="Imagen 1"/>
+          <p:cNvPicPr>
+            <a:picLocks noChangeAspect="1"/>
+          </p:cNvPicPr>
+          <p:nvPr/>
+        </p:nvPicPr>
+        <p:blipFill>
+          <a:blip r:embed="rId3"/>
+          <a:stretch>
+            <a:fillRect/>
+          </a:stretch>
+        </p:blipFill>
+        <p:spPr>
+          <a:xfrm>
+            <a:off x="8324091" y="1423134"/>
+            <a:ext cx="2674690" cy="2614131"/>
+          </a:xfrm>
+          <a:prstGeom prst="rect">
+            <a:avLst/>
+          </a:prstGeom>
+        </p:spPr>
+      </p:pic>
+      <p:pic>
+        <p:nvPicPr>
+          <p:cNvPr id="4" name="Imagen 3"/>
+          <p:cNvPicPr>
+            <a:picLocks noChangeAspect="1"/>
+          </p:cNvPicPr>
+          <p:nvPr/>
+        </p:nvPicPr>
+        <p:blipFill>
+          <a:blip r:embed="rId4"/>
+          <a:stretch>
+            <a:fillRect/>
+          </a:stretch>
+        </p:blipFill>
+        <p:spPr>
+          <a:xfrm>
+            <a:off x="7936908" y="976057"/>
+            <a:ext cx="3449056" cy="3500693"/>
           </a:xfrm>
           <a:prstGeom prst="rect">
             <a:avLst/>
@@ -8357,14 +7714,6 @@
               </a:rPr>
               <a:t>ELIMINAR</a:t>
             </a:r>
-            <a:endParaRPr lang="en-GB" sz="8800" dirty="0" smtClean="0">
-              <a:solidFill>
-                <a:srgbClr val="FFFFFF"/>
-              </a:solidFill>
-              <a:latin typeface="Noto Sans" panose="020B0502040504020204" pitchFamily="34"/>
-              <a:ea typeface="Noto Sans" panose="020B0502040504020204" pitchFamily="34"/>
-              <a:cs typeface="Noto Sans" panose="020B0502040504020204" pitchFamily="34"/>
-            </a:endParaRPr>
           </a:p>
           <a:p>
             <a:pPr algn="ctr">
@@ -9862,6 +9211,1216 @@
       </p:grpSpPr>
       <p:sp>
         <p:nvSpPr>
+          <p:cNvPr id="19" name="Oval 18">
+            <a:extLst>
+              <a:ext uri="{FF2B5EF4-FFF2-40B4-BE49-F238E27FC236}">
+                <a16:creationId xmlns:a16="http://schemas.microsoft.com/office/drawing/2014/main" xmlns="" id="{CE75301D-8D72-4138-8F5D-E9E34FB49D51}"/>
+              </a:ext>
+            </a:extLst>
+          </p:cNvPr>
+          <p:cNvSpPr/>
+          <p:nvPr/>
+        </p:nvSpPr>
+        <p:spPr>
+          <a:xfrm>
+            <a:off x="4620253" y="6242104"/>
+            <a:ext cx="2812297" cy="179680"/>
+          </a:xfrm>
+          <a:prstGeom prst="ellipse">
+            <a:avLst/>
+          </a:prstGeom>
+          <a:solidFill>
+            <a:schemeClr val="tx2">
+              <a:alpha val="40000"/>
+            </a:schemeClr>
+          </a:solidFill>
+          <a:ln>
+            <a:noFill/>
+          </a:ln>
+        </p:spPr>
+        <p:style>
+          <a:lnRef idx="2">
+            <a:schemeClr val="accent1">
+              <a:shade val="50000"/>
+            </a:schemeClr>
+          </a:lnRef>
+          <a:fillRef idx="1">
+            <a:schemeClr val="accent1"/>
+          </a:fillRef>
+          <a:effectRef idx="0">
+            <a:schemeClr val="accent1"/>
+          </a:effectRef>
+          <a:fontRef idx="minor">
+            <a:schemeClr val="lt1"/>
+          </a:fontRef>
+        </p:style>
+        <p:txBody>
+          <a:bodyPr rtlCol="0" anchor="ctr"/>
+          <a:lstStyle/>
+          <a:p>
+            <a:pPr algn="ctr">
+              <a:defRPr/>
+            </a:pPr>
+            <a:endParaRPr lang="en-US" dirty="0">
+              <a:solidFill>
+                <a:srgbClr val="FFFFFF"/>
+              </a:solidFill>
+            </a:endParaRPr>
+          </a:p>
+        </p:txBody>
+      </p:sp>
+      <p:grpSp>
+        <p:nvGrpSpPr>
+          <p:cNvPr id="34" name="Group 33"/>
+          <p:cNvGrpSpPr/>
+          <p:nvPr/>
+        </p:nvGrpSpPr>
+        <p:grpSpPr>
+          <a:xfrm>
+            <a:off x="1481071" y="977491"/>
+            <a:ext cx="9169758" cy="4960428"/>
+            <a:chOff x="2244725" y="2692929"/>
+            <a:chExt cx="3076575" cy="2457450"/>
+          </a:xfrm>
+        </p:grpSpPr>
+        <p:sp>
+          <p:nvSpPr>
+            <p:cNvPr id="23" name="Freeform 14"/>
+            <p:cNvSpPr>
+              <a:spLocks/>
+            </p:cNvSpPr>
+            <p:nvPr/>
+          </p:nvSpPr>
+          <p:spPr bwMode="auto">
+            <a:xfrm>
+              <a:off x="2244725" y="4442354"/>
+              <a:ext cx="3076575" cy="369888"/>
+            </a:xfrm>
+            <a:custGeom>
+              <a:avLst/>
+              <a:gdLst>
+                <a:gd name="T0" fmla="*/ 373 w 966"/>
+                <a:gd name="T1" fmla="*/ 116 h 116"/>
+                <a:gd name="T2" fmla="*/ 145 w 966"/>
+                <a:gd name="T3" fmla="*/ 116 h 116"/>
+                <a:gd name="T4" fmla="*/ 36 w 966"/>
+                <a:gd name="T5" fmla="*/ 116 h 116"/>
+                <a:gd name="T6" fmla="*/ 2 w 966"/>
+                <a:gd name="T7" fmla="*/ 89 h 116"/>
+                <a:gd name="T8" fmla="*/ 0 w 966"/>
+                <a:gd name="T9" fmla="*/ 75 h 116"/>
+                <a:gd name="T10" fmla="*/ 0 w 966"/>
+                <a:gd name="T11" fmla="*/ 0 h 116"/>
+                <a:gd name="T12" fmla="*/ 943 w 966"/>
+                <a:gd name="T13" fmla="*/ 0 h 116"/>
+                <a:gd name="T14" fmla="*/ 966 w 966"/>
+                <a:gd name="T15" fmla="*/ 0 h 116"/>
+                <a:gd name="T16" fmla="*/ 966 w 966"/>
+                <a:gd name="T17" fmla="*/ 79 h 116"/>
+                <a:gd name="T18" fmla="*/ 928 w 966"/>
+                <a:gd name="T19" fmla="*/ 116 h 116"/>
+                <a:gd name="T20" fmla="*/ 600 w 966"/>
+                <a:gd name="T21" fmla="*/ 116 h 116"/>
+                <a:gd name="T22" fmla="*/ 592 w 966"/>
+                <a:gd name="T23" fmla="*/ 116 h 116"/>
+                <a:gd name="T24" fmla="*/ 585 w 966"/>
+                <a:gd name="T25" fmla="*/ 116 h 116"/>
+                <a:gd name="T26" fmla="*/ 383 w 966"/>
+                <a:gd name="T27" fmla="*/ 116 h 116"/>
+                <a:gd name="T28" fmla="*/ 373 w 966"/>
+                <a:gd name="T29" fmla="*/ 116 h 116"/>
+              </a:gdLst>
+              <a:ahLst/>
+              <a:cxnLst>
+                <a:cxn ang="0">
+                  <a:pos x="T0" y="T1"/>
+                </a:cxn>
+                <a:cxn ang="0">
+                  <a:pos x="T2" y="T3"/>
+                </a:cxn>
+                <a:cxn ang="0">
+                  <a:pos x="T4" y="T5"/>
+                </a:cxn>
+                <a:cxn ang="0">
+                  <a:pos x="T6" y="T7"/>
+                </a:cxn>
+                <a:cxn ang="0">
+                  <a:pos x="T8" y="T9"/>
+                </a:cxn>
+                <a:cxn ang="0">
+                  <a:pos x="T10" y="T11"/>
+                </a:cxn>
+                <a:cxn ang="0">
+                  <a:pos x="T12" y="T13"/>
+                </a:cxn>
+                <a:cxn ang="0">
+                  <a:pos x="T14" y="T15"/>
+                </a:cxn>
+                <a:cxn ang="0">
+                  <a:pos x="T16" y="T17"/>
+                </a:cxn>
+                <a:cxn ang="0">
+                  <a:pos x="T18" y="T19"/>
+                </a:cxn>
+                <a:cxn ang="0">
+                  <a:pos x="T20" y="T21"/>
+                </a:cxn>
+                <a:cxn ang="0">
+                  <a:pos x="T22" y="T23"/>
+                </a:cxn>
+                <a:cxn ang="0">
+                  <a:pos x="T24" y="T25"/>
+                </a:cxn>
+                <a:cxn ang="0">
+                  <a:pos x="T26" y="T27"/>
+                </a:cxn>
+                <a:cxn ang="0">
+                  <a:pos x="T28" y="T29"/>
+                </a:cxn>
+              </a:cxnLst>
+              <a:rect l="0" t="0" r="r" b="b"/>
+              <a:pathLst>
+                <a:path w="966" h="116">
+                  <a:moveTo>
+                    <a:pt x="373" y="116"/>
+                  </a:moveTo>
+                  <a:cubicBezTo>
+                    <a:pt x="297" y="116"/>
+                    <a:pt x="221" y="116"/>
+                    <a:pt x="145" y="116"/>
+                  </a:cubicBezTo>
+                  <a:cubicBezTo>
+                    <a:pt x="109" y="116"/>
+                    <a:pt x="72" y="116"/>
+                    <a:pt x="36" y="116"/>
+                  </a:cubicBezTo>
+                  <a:cubicBezTo>
+                    <a:pt x="21" y="116"/>
+                    <a:pt x="5" y="104"/>
+                    <a:pt x="2" y="89"/>
+                  </a:cubicBezTo>
+                  <a:cubicBezTo>
+                    <a:pt x="0" y="84"/>
+                    <a:pt x="0" y="80"/>
+                    <a:pt x="0" y="75"/>
+                  </a:cubicBezTo>
+                  <a:cubicBezTo>
+                    <a:pt x="0" y="52"/>
+                    <a:pt x="0" y="0"/>
+                    <a:pt x="0" y="0"/>
+                  </a:cubicBezTo>
+                  <a:cubicBezTo>
+                    <a:pt x="0" y="0"/>
+                    <a:pt x="631" y="0"/>
+                    <a:pt x="943" y="0"/>
+                  </a:cubicBezTo>
+                  <a:cubicBezTo>
+                    <a:pt x="950" y="0"/>
+                    <a:pt x="959" y="0"/>
+                    <a:pt x="966" y="0"/>
+                  </a:cubicBezTo>
+                  <a:cubicBezTo>
+                    <a:pt x="966" y="0"/>
+                    <a:pt x="966" y="56"/>
+                    <a:pt x="966" y="79"/>
+                  </a:cubicBezTo>
+                  <a:cubicBezTo>
+                    <a:pt x="966" y="100"/>
+                    <a:pt x="949" y="116"/>
+                    <a:pt x="928" y="116"/>
+                  </a:cubicBezTo>
+                  <a:cubicBezTo>
+                    <a:pt x="819" y="116"/>
+                    <a:pt x="709" y="116"/>
+                    <a:pt x="600" y="116"/>
+                  </a:cubicBezTo>
+                  <a:cubicBezTo>
+                    <a:pt x="598" y="116"/>
+                    <a:pt x="595" y="116"/>
+                    <a:pt x="592" y="116"/>
+                  </a:cubicBezTo>
+                  <a:cubicBezTo>
+                    <a:pt x="590" y="116"/>
+                    <a:pt x="587" y="116"/>
+                    <a:pt x="585" y="116"/>
+                  </a:cubicBezTo>
+                  <a:cubicBezTo>
+                    <a:pt x="517" y="116"/>
+                    <a:pt x="450" y="116"/>
+                    <a:pt x="383" y="116"/>
+                  </a:cubicBezTo>
+                  <a:lnTo>
+                    <a:pt x="373" y="116"/>
+                  </a:lnTo>
+                  <a:close/>
+                </a:path>
+              </a:pathLst>
+            </a:custGeom>
+            <a:solidFill>
+              <a:srgbClr val="F5F6F8"/>
+            </a:solidFill>
+            <a:ln>
+              <a:noFill/>
+            </a:ln>
+            <a:extLst>
+              <a:ext uri="{91240B29-F687-4F45-9708-019B960494DF}">
+                <a14:hiddenLine xmlns:a14="http://schemas.microsoft.com/office/drawing/2010/main" w="9525">
+                  <a:solidFill>
+                    <a:srgbClr val="000000"/>
+                  </a:solidFill>
+                  <a:round/>
+                  <a:headEnd/>
+                  <a:tailEnd/>
+                </a14:hiddenLine>
+              </a:ext>
+            </a:extLst>
+          </p:spPr>
+          <p:txBody>
+            <a:bodyPr vert="horz" wrap="square" lIns="91440" tIns="45720" rIns="91440" bIns="45720" numCol="1" anchor="t" anchorCtr="0" compatLnSpc="1">
+              <a:prstTxWarp prst="textNoShape">
+                <a:avLst/>
+              </a:prstTxWarp>
+            </a:bodyPr>
+            <a:lstStyle/>
+            <a:p>
+              <a:pPr algn="ctr">
+                <a:defRPr/>
+              </a:pPr>
+              <a:endParaRPr lang="en-US" dirty="0">
+                <a:solidFill>
+                  <a:srgbClr val="282F39"/>
+                </a:solidFill>
+              </a:endParaRPr>
+            </a:p>
+          </p:txBody>
+        </p:sp>
+        <p:sp>
+          <p:nvSpPr>
+            <p:cNvPr id="24" name="Freeform 15"/>
+            <p:cNvSpPr>
+              <a:spLocks noEditPoints="1"/>
+            </p:cNvSpPr>
+            <p:nvPr/>
+          </p:nvSpPr>
+          <p:spPr bwMode="auto">
+            <a:xfrm>
+              <a:off x="2244725" y="2692929"/>
+              <a:ext cx="3076575" cy="1749425"/>
+            </a:xfrm>
+            <a:custGeom>
+              <a:avLst/>
+              <a:gdLst>
+                <a:gd name="T0" fmla="*/ 966 w 966"/>
+                <a:gd name="T1" fmla="*/ 549 h 549"/>
+                <a:gd name="T2" fmla="*/ 943 w 966"/>
+                <a:gd name="T3" fmla="*/ 549 h 549"/>
+                <a:gd name="T4" fmla="*/ 0 w 966"/>
+                <a:gd name="T5" fmla="*/ 549 h 549"/>
+                <a:gd name="T6" fmla="*/ 0 w 966"/>
+                <a:gd name="T7" fmla="*/ 108 h 549"/>
+                <a:gd name="T8" fmla="*/ 1 w 966"/>
+                <a:gd name="T9" fmla="*/ 39 h 549"/>
+                <a:gd name="T10" fmla="*/ 14 w 966"/>
+                <a:gd name="T11" fmla="*/ 9 h 549"/>
+                <a:gd name="T12" fmla="*/ 39 w 966"/>
+                <a:gd name="T13" fmla="*/ 1 h 549"/>
+                <a:gd name="T14" fmla="*/ 806 w 966"/>
+                <a:gd name="T15" fmla="*/ 1 h 549"/>
+                <a:gd name="T16" fmla="*/ 926 w 966"/>
+                <a:gd name="T17" fmla="*/ 1 h 549"/>
+                <a:gd name="T18" fmla="*/ 966 w 966"/>
+                <a:gd name="T19" fmla="*/ 41 h 549"/>
+                <a:gd name="T20" fmla="*/ 966 w 966"/>
+                <a:gd name="T21" fmla="*/ 549 h 549"/>
+                <a:gd name="T22" fmla="*/ 483 w 966"/>
+                <a:gd name="T23" fmla="*/ 511 h 549"/>
+                <a:gd name="T24" fmla="*/ 923 w 966"/>
+                <a:gd name="T25" fmla="*/ 511 h 549"/>
+                <a:gd name="T26" fmla="*/ 928 w 966"/>
+                <a:gd name="T27" fmla="*/ 506 h 549"/>
+                <a:gd name="T28" fmla="*/ 928 w 966"/>
+                <a:gd name="T29" fmla="*/ 45 h 549"/>
+                <a:gd name="T30" fmla="*/ 922 w 966"/>
+                <a:gd name="T31" fmla="*/ 38 h 549"/>
+                <a:gd name="T32" fmla="*/ 44 w 966"/>
+                <a:gd name="T33" fmla="*/ 38 h 549"/>
+                <a:gd name="T34" fmla="*/ 38 w 966"/>
+                <a:gd name="T35" fmla="*/ 45 h 549"/>
+                <a:gd name="T36" fmla="*/ 38 w 966"/>
+                <a:gd name="T37" fmla="*/ 505 h 549"/>
+                <a:gd name="T38" fmla="*/ 44 w 966"/>
+                <a:gd name="T39" fmla="*/ 511 h 549"/>
+                <a:gd name="T40" fmla="*/ 483 w 966"/>
+                <a:gd name="T41" fmla="*/ 511 h 549"/>
+              </a:gdLst>
+              <a:ahLst/>
+              <a:cxnLst>
+                <a:cxn ang="0">
+                  <a:pos x="T0" y="T1"/>
+                </a:cxn>
+                <a:cxn ang="0">
+                  <a:pos x="T2" y="T3"/>
+                </a:cxn>
+                <a:cxn ang="0">
+                  <a:pos x="T4" y="T5"/>
+                </a:cxn>
+                <a:cxn ang="0">
+                  <a:pos x="T6" y="T7"/>
+                </a:cxn>
+                <a:cxn ang="0">
+                  <a:pos x="T8" y="T9"/>
+                </a:cxn>
+                <a:cxn ang="0">
+                  <a:pos x="T10" y="T11"/>
+                </a:cxn>
+                <a:cxn ang="0">
+                  <a:pos x="T12" y="T13"/>
+                </a:cxn>
+                <a:cxn ang="0">
+                  <a:pos x="T14" y="T15"/>
+                </a:cxn>
+                <a:cxn ang="0">
+                  <a:pos x="T16" y="T17"/>
+                </a:cxn>
+                <a:cxn ang="0">
+                  <a:pos x="T18" y="T19"/>
+                </a:cxn>
+                <a:cxn ang="0">
+                  <a:pos x="T20" y="T21"/>
+                </a:cxn>
+                <a:cxn ang="0">
+                  <a:pos x="T22" y="T23"/>
+                </a:cxn>
+                <a:cxn ang="0">
+                  <a:pos x="T24" y="T25"/>
+                </a:cxn>
+                <a:cxn ang="0">
+                  <a:pos x="T26" y="T27"/>
+                </a:cxn>
+                <a:cxn ang="0">
+                  <a:pos x="T28" y="T29"/>
+                </a:cxn>
+                <a:cxn ang="0">
+                  <a:pos x="T30" y="T31"/>
+                </a:cxn>
+                <a:cxn ang="0">
+                  <a:pos x="T32" y="T33"/>
+                </a:cxn>
+                <a:cxn ang="0">
+                  <a:pos x="T34" y="T35"/>
+                </a:cxn>
+                <a:cxn ang="0">
+                  <a:pos x="T36" y="T37"/>
+                </a:cxn>
+                <a:cxn ang="0">
+                  <a:pos x="T38" y="T39"/>
+                </a:cxn>
+                <a:cxn ang="0">
+                  <a:pos x="T40" y="T41"/>
+                </a:cxn>
+              </a:cxnLst>
+              <a:rect l="0" t="0" r="r" b="b"/>
+              <a:pathLst>
+                <a:path w="966" h="549">
+                  <a:moveTo>
+                    <a:pt x="966" y="549"/>
+                  </a:moveTo>
+                  <a:cubicBezTo>
+                    <a:pt x="959" y="549"/>
+                    <a:pt x="950" y="549"/>
+                    <a:pt x="943" y="549"/>
+                  </a:cubicBezTo>
+                  <a:cubicBezTo>
+                    <a:pt x="631" y="549"/>
+                    <a:pt x="0" y="549"/>
+                    <a:pt x="0" y="549"/>
+                  </a:cubicBezTo>
+                  <a:cubicBezTo>
+                    <a:pt x="0" y="549"/>
+                    <a:pt x="0" y="254"/>
+                    <a:pt x="0" y="108"/>
+                  </a:cubicBezTo>
+                  <a:cubicBezTo>
+                    <a:pt x="0" y="85"/>
+                    <a:pt x="1" y="62"/>
+                    <a:pt x="1" y="39"/>
+                  </a:cubicBezTo>
+                  <a:cubicBezTo>
+                    <a:pt x="2" y="27"/>
+                    <a:pt x="4" y="17"/>
+                    <a:pt x="14" y="9"/>
+                  </a:cubicBezTo>
+                  <a:cubicBezTo>
+                    <a:pt x="21" y="3"/>
+                    <a:pt x="30" y="1"/>
+                    <a:pt x="39" y="1"/>
+                  </a:cubicBezTo>
+                  <a:cubicBezTo>
+                    <a:pt x="295" y="1"/>
+                    <a:pt x="550" y="1"/>
+                    <a:pt x="806" y="1"/>
+                  </a:cubicBezTo>
+                  <a:cubicBezTo>
+                    <a:pt x="846" y="1"/>
+                    <a:pt x="886" y="2"/>
+                    <a:pt x="926" y="1"/>
+                  </a:cubicBezTo>
+                  <a:cubicBezTo>
+                    <a:pt x="949" y="0"/>
+                    <a:pt x="966" y="19"/>
+                    <a:pt x="966" y="41"/>
+                  </a:cubicBezTo>
+                  <a:cubicBezTo>
+                    <a:pt x="966" y="209"/>
+                    <a:pt x="966" y="549"/>
+                    <a:pt x="966" y="549"/>
+                  </a:cubicBezTo>
+                  <a:close/>
+                  <a:moveTo>
+                    <a:pt x="483" y="511"/>
+                  </a:moveTo>
+                  <a:cubicBezTo>
+                    <a:pt x="630" y="511"/>
+                    <a:pt x="776" y="511"/>
+                    <a:pt x="923" y="511"/>
+                  </a:cubicBezTo>
+                  <a:cubicBezTo>
+                    <a:pt x="926" y="511"/>
+                    <a:pt x="928" y="511"/>
+                    <a:pt x="928" y="506"/>
+                  </a:cubicBezTo>
+                  <a:cubicBezTo>
+                    <a:pt x="928" y="352"/>
+                    <a:pt x="928" y="199"/>
+                    <a:pt x="928" y="45"/>
+                  </a:cubicBezTo>
+                  <a:cubicBezTo>
+                    <a:pt x="928" y="37"/>
+                    <a:pt x="929" y="38"/>
+                    <a:pt x="922" y="38"/>
+                  </a:cubicBezTo>
+                  <a:cubicBezTo>
+                    <a:pt x="629" y="38"/>
+                    <a:pt x="337" y="38"/>
+                    <a:pt x="44" y="38"/>
+                  </a:cubicBezTo>
+                  <a:cubicBezTo>
+                    <a:pt x="37" y="38"/>
+                    <a:pt x="38" y="37"/>
+                    <a:pt x="38" y="45"/>
+                  </a:cubicBezTo>
+                  <a:cubicBezTo>
+                    <a:pt x="38" y="198"/>
+                    <a:pt x="38" y="351"/>
+                    <a:pt x="38" y="505"/>
+                  </a:cubicBezTo>
+                  <a:cubicBezTo>
+                    <a:pt x="38" y="511"/>
+                    <a:pt x="38" y="511"/>
+                    <a:pt x="44" y="511"/>
+                  </a:cubicBezTo>
+                  <a:cubicBezTo>
+                    <a:pt x="190" y="511"/>
+                    <a:pt x="337" y="511"/>
+                    <a:pt x="483" y="511"/>
+                  </a:cubicBezTo>
+                  <a:close/>
+                </a:path>
+              </a:pathLst>
+            </a:custGeom>
+            <a:solidFill>
+              <a:schemeClr val="bg2"/>
+            </a:solidFill>
+            <a:ln>
+              <a:noFill/>
+            </a:ln>
+          </p:spPr>
+          <p:txBody>
+            <a:bodyPr vert="horz" wrap="square" lIns="91440" tIns="45720" rIns="91440" bIns="45720" numCol="1" anchor="t" anchorCtr="0" compatLnSpc="1">
+              <a:prstTxWarp prst="textNoShape">
+                <a:avLst/>
+              </a:prstTxWarp>
+            </a:bodyPr>
+            <a:lstStyle/>
+            <a:p>
+              <a:pPr>
+                <a:defRPr/>
+              </a:pPr>
+              <a:endParaRPr lang="en-US">
+                <a:solidFill>
+                  <a:srgbClr val="282F39"/>
+                </a:solidFill>
+              </a:endParaRPr>
+            </a:p>
+          </p:txBody>
+        </p:sp>
+        <p:sp>
+          <p:nvSpPr>
+            <p:cNvPr id="25" name="Freeform 16"/>
+            <p:cNvSpPr>
+              <a:spLocks/>
+            </p:cNvSpPr>
+            <p:nvPr/>
+          </p:nvSpPr>
+          <p:spPr bwMode="auto">
+            <a:xfrm>
+              <a:off x="3251200" y="4894792"/>
+              <a:ext cx="1060450" cy="249238"/>
+            </a:xfrm>
+            <a:custGeom>
+              <a:avLst/>
+              <a:gdLst>
+                <a:gd name="T0" fmla="*/ 278 w 333"/>
+                <a:gd name="T1" fmla="*/ 0 h 78"/>
+                <a:gd name="T2" fmla="*/ 282 w 333"/>
+                <a:gd name="T3" fmla="*/ 34 h 78"/>
+                <a:gd name="T4" fmla="*/ 288 w 333"/>
+                <a:gd name="T5" fmla="*/ 60 h 78"/>
+                <a:gd name="T6" fmla="*/ 298 w 333"/>
+                <a:gd name="T7" fmla="*/ 67 h 78"/>
+                <a:gd name="T8" fmla="*/ 329 w 333"/>
+                <a:gd name="T9" fmla="*/ 74 h 78"/>
+                <a:gd name="T10" fmla="*/ 333 w 333"/>
+                <a:gd name="T11" fmla="*/ 76 h 78"/>
+                <a:gd name="T12" fmla="*/ 329 w 333"/>
+                <a:gd name="T13" fmla="*/ 77 h 78"/>
+                <a:gd name="T14" fmla="*/ 221 w 333"/>
+                <a:gd name="T15" fmla="*/ 77 h 78"/>
+                <a:gd name="T16" fmla="*/ 6 w 333"/>
+                <a:gd name="T17" fmla="*/ 77 h 78"/>
+                <a:gd name="T18" fmla="*/ 0 w 333"/>
+                <a:gd name="T19" fmla="*/ 76 h 78"/>
+                <a:gd name="T20" fmla="*/ 5 w 333"/>
+                <a:gd name="T21" fmla="*/ 74 h 78"/>
+                <a:gd name="T22" fmla="*/ 35 w 333"/>
+                <a:gd name="T23" fmla="*/ 67 h 78"/>
+                <a:gd name="T24" fmla="*/ 49 w 333"/>
+                <a:gd name="T25" fmla="*/ 50 h 78"/>
+                <a:gd name="T26" fmla="*/ 56 w 333"/>
+                <a:gd name="T27" fmla="*/ 0 h 78"/>
+                <a:gd name="T28" fmla="*/ 66 w 333"/>
+                <a:gd name="T29" fmla="*/ 0 h 78"/>
+                <a:gd name="T30" fmla="*/ 278 w 333"/>
+                <a:gd name="T31" fmla="*/ 0 h 78"/>
+              </a:gdLst>
+              <a:ahLst/>
+              <a:cxnLst>
+                <a:cxn ang="0">
+                  <a:pos x="T0" y="T1"/>
+                </a:cxn>
+                <a:cxn ang="0">
+                  <a:pos x="T2" y="T3"/>
+                </a:cxn>
+                <a:cxn ang="0">
+                  <a:pos x="T4" y="T5"/>
+                </a:cxn>
+                <a:cxn ang="0">
+                  <a:pos x="T6" y="T7"/>
+                </a:cxn>
+                <a:cxn ang="0">
+                  <a:pos x="T8" y="T9"/>
+                </a:cxn>
+                <a:cxn ang="0">
+                  <a:pos x="T10" y="T11"/>
+                </a:cxn>
+                <a:cxn ang="0">
+                  <a:pos x="T12" y="T13"/>
+                </a:cxn>
+                <a:cxn ang="0">
+                  <a:pos x="T14" y="T15"/>
+                </a:cxn>
+                <a:cxn ang="0">
+                  <a:pos x="T16" y="T17"/>
+                </a:cxn>
+                <a:cxn ang="0">
+                  <a:pos x="T18" y="T19"/>
+                </a:cxn>
+                <a:cxn ang="0">
+                  <a:pos x="T20" y="T21"/>
+                </a:cxn>
+                <a:cxn ang="0">
+                  <a:pos x="T22" y="T23"/>
+                </a:cxn>
+                <a:cxn ang="0">
+                  <a:pos x="T24" y="T25"/>
+                </a:cxn>
+                <a:cxn ang="0">
+                  <a:pos x="T26" y="T27"/>
+                </a:cxn>
+                <a:cxn ang="0">
+                  <a:pos x="T28" y="T29"/>
+                </a:cxn>
+                <a:cxn ang="0">
+                  <a:pos x="T30" y="T31"/>
+                </a:cxn>
+              </a:cxnLst>
+              <a:rect l="0" t="0" r="r" b="b"/>
+              <a:pathLst>
+                <a:path w="333" h="78">
+                  <a:moveTo>
+                    <a:pt x="278" y="0"/>
+                  </a:moveTo>
+                  <a:cubicBezTo>
+                    <a:pt x="280" y="12"/>
+                    <a:pt x="280" y="23"/>
+                    <a:pt x="282" y="34"/>
+                  </a:cubicBezTo>
+                  <a:cubicBezTo>
+                    <a:pt x="283" y="43"/>
+                    <a:pt x="285" y="51"/>
+                    <a:pt x="288" y="60"/>
+                  </a:cubicBezTo>
+                  <a:cubicBezTo>
+                    <a:pt x="290" y="64"/>
+                    <a:pt x="293" y="67"/>
+                    <a:pt x="298" y="67"/>
+                  </a:cubicBezTo>
+                  <a:cubicBezTo>
+                    <a:pt x="309" y="68"/>
+                    <a:pt x="319" y="72"/>
+                    <a:pt x="329" y="74"/>
+                  </a:cubicBezTo>
+                  <a:cubicBezTo>
+                    <a:pt x="331" y="74"/>
+                    <a:pt x="333" y="74"/>
+                    <a:pt x="333" y="76"/>
+                  </a:cubicBezTo>
+                  <a:cubicBezTo>
+                    <a:pt x="333" y="78"/>
+                    <a:pt x="330" y="77"/>
+                    <a:pt x="329" y="77"/>
+                  </a:cubicBezTo>
+                  <a:cubicBezTo>
+                    <a:pt x="293" y="77"/>
+                    <a:pt x="257" y="77"/>
+                    <a:pt x="221" y="77"/>
+                  </a:cubicBezTo>
+                  <a:cubicBezTo>
+                    <a:pt x="149" y="77"/>
+                    <a:pt x="78" y="77"/>
+                    <a:pt x="6" y="77"/>
+                  </a:cubicBezTo>
+                  <a:cubicBezTo>
+                    <a:pt x="4" y="77"/>
+                    <a:pt x="2" y="78"/>
+                    <a:pt x="0" y="76"/>
+                  </a:cubicBezTo>
+                  <a:cubicBezTo>
+                    <a:pt x="1" y="74"/>
+                    <a:pt x="3" y="74"/>
+                    <a:pt x="5" y="74"/>
+                  </a:cubicBezTo>
+                  <a:cubicBezTo>
+                    <a:pt x="15" y="72"/>
+                    <a:pt x="25" y="69"/>
+                    <a:pt x="35" y="67"/>
+                  </a:cubicBezTo>
+                  <a:cubicBezTo>
+                    <a:pt x="44" y="66"/>
+                    <a:pt x="46" y="61"/>
+                    <a:pt x="49" y="50"/>
+                  </a:cubicBezTo>
+                  <a:cubicBezTo>
+                    <a:pt x="52" y="35"/>
+                    <a:pt x="56" y="0"/>
+                    <a:pt x="56" y="0"/>
+                  </a:cubicBezTo>
+                  <a:cubicBezTo>
+                    <a:pt x="66" y="0"/>
+                    <a:pt x="66" y="0"/>
+                    <a:pt x="66" y="0"/>
+                  </a:cubicBezTo>
+                  <a:cubicBezTo>
+                    <a:pt x="66" y="0"/>
+                    <a:pt x="207" y="0"/>
+                    <a:pt x="278" y="0"/>
+                  </a:cubicBezTo>
+                  <a:close/>
+                </a:path>
+              </a:pathLst>
+            </a:custGeom>
+            <a:solidFill>
+              <a:srgbClr val="F5F6F8"/>
+            </a:solidFill>
+            <a:ln>
+              <a:noFill/>
+            </a:ln>
+            <a:extLst>
+              <a:ext uri="{91240B29-F687-4F45-9708-019B960494DF}">
+                <a14:hiddenLine xmlns:a14="http://schemas.microsoft.com/office/drawing/2010/main" w="9525">
+                  <a:solidFill>
+                    <a:srgbClr val="000000"/>
+                  </a:solidFill>
+                  <a:round/>
+                  <a:headEnd/>
+                  <a:tailEnd/>
+                </a14:hiddenLine>
+              </a:ext>
+            </a:extLst>
+          </p:spPr>
+          <p:txBody>
+            <a:bodyPr vert="horz" wrap="square" lIns="91440" tIns="45720" rIns="91440" bIns="45720" numCol="1" anchor="t" anchorCtr="0" compatLnSpc="1">
+              <a:prstTxWarp prst="textNoShape">
+                <a:avLst/>
+              </a:prstTxWarp>
+            </a:bodyPr>
+            <a:lstStyle/>
+            <a:p>
+              <a:pPr>
+                <a:defRPr/>
+              </a:pPr>
+              <a:endParaRPr lang="en-US">
+                <a:solidFill>
+                  <a:srgbClr val="282F39"/>
+                </a:solidFill>
+              </a:endParaRPr>
+            </a:p>
+          </p:txBody>
+        </p:sp>
+        <p:sp>
+          <p:nvSpPr>
+            <p:cNvPr id="26" name="Freeform 17"/>
+            <p:cNvSpPr>
+              <a:spLocks/>
+            </p:cNvSpPr>
+            <p:nvPr/>
+          </p:nvSpPr>
+          <p:spPr bwMode="auto">
+            <a:xfrm>
+              <a:off x="3429000" y="4812242"/>
+              <a:ext cx="708025" cy="82550"/>
+            </a:xfrm>
+            <a:custGeom>
+              <a:avLst/>
+              <a:gdLst>
+                <a:gd name="T0" fmla="*/ 222 w 222"/>
+                <a:gd name="T1" fmla="*/ 26 h 26"/>
+                <a:gd name="T2" fmla="*/ 10 w 222"/>
+                <a:gd name="T3" fmla="*/ 26 h 26"/>
+                <a:gd name="T4" fmla="*/ 0 w 222"/>
+                <a:gd name="T5" fmla="*/ 26 h 26"/>
+                <a:gd name="T6" fmla="*/ 1 w 222"/>
+                <a:gd name="T7" fmla="*/ 0 h 26"/>
+                <a:gd name="T8" fmla="*/ 11 w 222"/>
+                <a:gd name="T9" fmla="*/ 0 h 26"/>
+                <a:gd name="T10" fmla="*/ 213 w 222"/>
+                <a:gd name="T11" fmla="*/ 0 h 26"/>
+                <a:gd name="T12" fmla="*/ 220 w 222"/>
+                <a:gd name="T13" fmla="*/ 0 h 26"/>
+                <a:gd name="T14" fmla="*/ 222 w 222"/>
+                <a:gd name="T15" fmla="*/ 26 h 26"/>
+              </a:gdLst>
+              <a:ahLst/>
+              <a:cxnLst>
+                <a:cxn ang="0">
+                  <a:pos x="T0" y="T1"/>
+                </a:cxn>
+                <a:cxn ang="0">
+                  <a:pos x="T2" y="T3"/>
+                </a:cxn>
+                <a:cxn ang="0">
+                  <a:pos x="T4" y="T5"/>
+                </a:cxn>
+                <a:cxn ang="0">
+                  <a:pos x="T6" y="T7"/>
+                </a:cxn>
+                <a:cxn ang="0">
+                  <a:pos x="T8" y="T9"/>
+                </a:cxn>
+                <a:cxn ang="0">
+                  <a:pos x="T10" y="T11"/>
+                </a:cxn>
+                <a:cxn ang="0">
+                  <a:pos x="T12" y="T13"/>
+                </a:cxn>
+                <a:cxn ang="0">
+                  <a:pos x="T14" y="T15"/>
+                </a:cxn>
+              </a:cxnLst>
+              <a:rect l="0" t="0" r="r" b="b"/>
+              <a:pathLst>
+                <a:path w="222" h="26">
+                  <a:moveTo>
+                    <a:pt x="222" y="26"/>
+                  </a:moveTo>
+                  <a:cubicBezTo>
+                    <a:pt x="151" y="26"/>
+                    <a:pt x="10" y="26"/>
+                    <a:pt x="10" y="26"/>
+                  </a:cubicBezTo>
+                  <a:cubicBezTo>
+                    <a:pt x="0" y="26"/>
+                    <a:pt x="0" y="26"/>
+                    <a:pt x="0" y="26"/>
+                  </a:cubicBezTo>
+                  <a:cubicBezTo>
+                    <a:pt x="0" y="17"/>
+                    <a:pt x="1" y="9"/>
+                    <a:pt x="1" y="0"/>
+                  </a:cubicBezTo>
+                  <a:cubicBezTo>
+                    <a:pt x="11" y="0"/>
+                    <a:pt x="11" y="0"/>
+                    <a:pt x="11" y="0"/>
+                  </a:cubicBezTo>
+                  <a:cubicBezTo>
+                    <a:pt x="11" y="0"/>
+                    <a:pt x="145" y="0"/>
+                    <a:pt x="213" y="0"/>
+                  </a:cubicBezTo>
+                  <a:cubicBezTo>
+                    <a:pt x="215" y="0"/>
+                    <a:pt x="218" y="0"/>
+                    <a:pt x="220" y="0"/>
+                  </a:cubicBezTo>
+                  <a:lnTo>
+                    <a:pt x="222" y="26"/>
+                  </a:lnTo>
+                  <a:close/>
+                </a:path>
+              </a:pathLst>
+            </a:custGeom>
+            <a:solidFill>
+              <a:schemeClr val="bg1">
+                <a:lumMod val="85000"/>
+              </a:schemeClr>
+            </a:solidFill>
+            <a:ln>
+              <a:noFill/>
+            </a:ln>
+          </p:spPr>
+          <p:txBody>
+            <a:bodyPr vert="horz" wrap="square" lIns="91440" tIns="45720" rIns="91440" bIns="45720" numCol="1" anchor="t" anchorCtr="0" compatLnSpc="1">
+              <a:prstTxWarp prst="textNoShape">
+                <a:avLst/>
+              </a:prstTxWarp>
+            </a:bodyPr>
+            <a:lstStyle/>
+            <a:p>
+              <a:pPr>
+                <a:defRPr/>
+              </a:pPr>
+              <a:endParaRPr lang="en-US">
+                <a:solidFill>
+                  <a:srgbClr val="282F39"/>
+                </a:solidFill>
+              </a:endParaRPr>
+            </a:p>
+          </p:txBody>
+        </p:sp>
+        <p:sp>
+          <p:nvSpPr>
+            <p:cNvPr id="27" name="Freeform 18"/>
+            <p:cNvSpPr>
+              <a:spLocks/>
+            </p:cNvSpPr>
+            <p:nvPr/>
+          </p:nvSpPr>
+          <p:spPr bwMode="auto">
+            <a:xfrm>
+              <a:off x="3251200" y="5134504"/>
+              <a:ext cx="1060450" cy="15875"/>
+            </a:xfrm>
+            <a:custGeom>
+              <a:avLst/>
+              <a:gdLst>
+                <a:gd name="T0" fmla="*/ 167 w 333"/>
+                <a:gd name="T1" fmla="*/ 2 h 5"/>
+                <a:gd name="T2" fmla="*/ 331 w 333"/>
+                <a:gd name="T3" fmla="*/ 2 h 5"/>
+                <a:gd name="T4" fmla="*/ 333 w 333"/>
+                <a:gd name="T5" fmla="*/ 3 h 5"/>
+                <a:gd name="T6" fmla="*/ 331 w 333"/>
+                <a:gd name="T7" fmla="*/ 5 h 5"/>
+                <a:gd name="T8" fmla="*/ 324 w 333"/>
+                <a:gd name="T9" fmla="*/ 5 h 5"/>
+                <a:gd name="T10" fmla="*/ 6 w 333"/>
+                <a:gd name="T11" fmla="*/ 5 h 5"/>
+                <a:gd name="T12" fmla="*/ 0 w 333"/>
+                <a:gd name="T13" fmla="*/ 3 h 5"/>
+                <a:gd name="T14" fmla="*/ 6 w 333"/>
+                <a:gd name="T15" fmla="*/ 2 h 5"/>
+                <a:gd name="T16" fmla="*/ 167 w 333"/>
+                <a:gd name="T17" fmla="*/ 2 h 5"/>
+                <a:gd name="T18" fmla="*/ 167 w 333"/>
+                <a:gd name="T19" fmla="*/ 2 h 5"/>
+              </a:gdLst>
+              <a:ahLst/>
+              <a:cxnLst>
+                <a:cxn ang="0">
+                  <a:pos x="T0" y="T1"/>
+                </a:cxn>
+                <a:cxn ang="0">
+                  <a:pos x="T2" y="T3"/>
+                </a:cxn>
+                <a:cxn ang="0">
+                  <a:pos x="T4" y="T5"/>
+                </a:cxn>
+                <a:cxn ang="0">
+                  <a:pos x="T6" y="T7"/>
+                </a:cxn>
+                <a:cxn ang="0">
+                  <a:pos x="T8" y="T9"/>
+                </a:cxn>
+                <a:cxn ang="0">
+                  <a:pos x="T10" y="T11"/>
+                </a:cxn>
+                <a:cxn ang="0">
+                  <a:pos x="T12" y="T13"/>
+                </a:cxn>
+                <a:cxn ang="0">
+                  <a:pos x="T14" y="T15"/>
+                </a:cxn>
+                <a:cxn ang="0">
+                  <a:pos x="T16" y="T17"/>
+                </a:cxn>
+                <a:cxn ang="0">
+                  <a:pos x="T18" y="T19"/>
+                </a:cxn>
+              </a:cxnLst>
+              <a:rect l="0" t="0" r="r" b="b"/>
+              <a:pathLst>
+                <a:path w="333" h="5">
+                  <a:moveTo>
+                    <a:pt x="167" y="2"/>
+                  </a:moveTo>
+                  <a:cubicBezTo>
+                    <a:pt x="222" y="2"/>
+                    <a:pt x="276" y="2"/>
+                    <a:pt x="331" y="2"/>
+                  </a:cubicBezTo>
+                  <a:cubicBezTo>
+                    <a:pt x="332" y="2"/>
+                    <a:pt x="333" y="1"/>
+                    <a:pt x="333" y="3"/>
+                  </a:cubicBezTo>
+                  <a:cubicBezTo>
+                    <a:pt x="333" y="4"/>
+                    <a:pt x="332" y="5"/>
+                    <a:pt x="331" y="5"/>
+                  </a:cubicBezTo>
+                  <a:cubicBezTo>
+                    <a:pt x="328" y="5"/>
+                    <a:pt x="326" y="5"/>
+                    <a:pt x="324" y="5"/>
+                  </a:cubicBezTo>
+                  <a:cubicBezTo>
+                    <a:pt x="218" y="5"/>
+                    <a:pt x="112" y="5"/>
+                    <a:pt x="6" y="5"/>
+                  </a:cubicBezTo>
+                  <a:cubicBezTo>
+                    <a:pt x="4" y="5"/>
+                    <a:pt x="0" y="5"/>
+                    <a:pt x="0" y="3"/>
+                  </a:cubicBezTo>
+                  <a:cubicBezTo>
+                    <a:pt x="0" y="0"/>
+                    <a:pt x="4" y="2"/>
+                    <a:pt x="6" y="2"/>
+                  </a:cubicBezTo>
+                  <a:cubicBezTo>
+                    <a:pt x="60" y="2"/>
+                    <a:pt x="114" y="2"/>
+                    <a:pt x="167" y="2"/>
+                  </a:cubicBezTo>
+                  <a:cubicBezTo>
+                    <a:pt x="167" y="2"/>
+                    <a:pt x="167" y="2"/>
+                    <a:pt x="167" y="2"/>
+                  </a:cubicBezTo>
+                  <a:close/>
+                </a:path>
+              </a:pathLst>
+            </a:custGeom>
+            <a:solidFill>
+              <a:schemeClr val="bg2">
+                <a:lumMod val="75000"/>
+              </a:schemeClr>
+            </a:solidFill>
+            <a:ln>
+              <a:noFill/>
+            </a:ln>
+          </p:spPr>
+          <p:txBody>
+            <a:bodyPr vert="horz" wrap="square" lIns="91440" tIns="45720" rIns="91440" bIns="45720" numCol="1" anchor="t" anchorCtr="0" compatLnSpc="1">
+              <a:prstTxWarp prst="textNoShape">
+                <a:avLst/>
+              </a:prstTxWarp>
+            </a:bodyPr>
+            <a:lstStyle/>
+            <a:p>
+              <a:pPr>
+                <a:defRPr/>
+              </a:pPr>
+              <a:endParaRPr lang="en-US">
+                <a:solidFill>
+                  <a:srgbClr val="282F39"/>
+                </a:solidFill>
+              </a:endParaRPr>
+            </a:p>
+          </p:txBody>
+        </p:sp>
+      </p:grpSp>
+      <p:sp>
+        <p:nvSpPr>
+          <p:cNvPr id="35" name="TextBox 34">
+            <a:extLst>
+              <a:ext uri="{FF2B5EF4-FFF2-40B4-BE49-F238E27FC236}">
+                <a16:creationId xmlns:a16="http://schemas.microsoft.com/office/drawing/2014/main" xmlns="" id="{68EB6B5D-84A6-4EA6-9AB4-A42F13EA240B}"/>
+              </a:ext>
+            </a:extLst>
+          </p:cNvPr>
+          <p:cNvSpPr txBox="1"/>
+          <p:nvPr/>
+        </p:nvSpPr>
+        <p:spPr>
+          <a:xfrm>
+            <a:off x="2200350" y="2443492"/>
+            <a:ext cx="7721735" cy="861774"/>
+          </a:xfrm>
+          <a:prstGeom prst="rect">
+            <a:avLst/>
+          </a:prstGeom>
+          <a:noFill/>
+        </p:spPr>
+        <p:txBody>
+          <a:bodyPr wrap="square" rtlCol="0">
+            <a:spAutoFit/>
+          </a:bodyPr>
+          <a:lstStyle/>
+          <a:p>
+            <a:pPr algn="ctr">
+              <a:defRPr/>
+            </a:pPr>
+            <a:r>
+              <a:rPr lang="en-GB" sz="5000" dirty="0" smtClean="0">
+                <a:solidFill>
+                  <a:srgbClr val="FCB414"/>
+                </a:solidFill>
+                <a:latin typeface="Noto Sans" panose="020B0502040504020204" pitchFamily="34"/>
+                <a:ea typeface="Noto Sans" panose="020B0502040504020204" pitchFamily="34"/>
+                <a:cs typeface="Noto Sans" panose="020B0502040504020204" pitchFamily="34"/>
+              </a:rPr>
+              <a:t>cout&lt;&lt;“GRACIAS”&lt;&lt;endl;</a:t>
+            </a:r>
+            <a:endParaRPr lang="en-GB" sz="5000" dirty="0">
+              <a:solidFill>
+                <a:srgbClr val="FCB414"/>
+              </a:solidFill>
+              <a:latin typeface="Noto Sans" panose="020B0502040504020204" pitchFamily="34"/>
+              <a:ea typeface="Noto Sans" panose="020B0502040504020204" pitchFamily="34"/>
+              <a:cs typeface="Noto Sans" panose="020B0502040504020204" pitchFamily="34"/>
+            </a:endParaRPr>
+          </a:p>
+        </p:txBody>
+      </p:sp>
+      <p:sp>
+        <p:nvSpPr>
+          <p:cNvPr id="20" name="Oval 19">
+            <a:extLst>
+              <a:ext uri="{FF2B5EF4-FFF2-40B4-BE49-F238E27FC236}">
+                <a16:creationId xmlns:a16="http://schemas.microsoft.com/office/drawing/2014/main" xmlns="" id="{F1634FA1-95D5-4DB9-9967-F901D555674F}"/>
+              </a:ext>
+            </a:extLst>
+          </p:cNvPr>
+          <p:cNvSpPr/>
+          <p:nvPr/>
+        </p:nvSpPr>
+        <p:spPr>
+          <a:xfrm>
+            <a:off x="11512283" y="243039"/>
+            <a:ext cx="451117" cy="451117"/>
+          </a:xfrm>
+          <a:prstGeom prst="ellipse">
+            <a:avLst/>
+          </a:prstGeom>
+          <a:solidFill>
+            <a:schemeClr val="accent3"/>
+          </a:solidFill>
+          <a:ln>
+            <a:noFill/>
+          </a:ln>
+        </p:spPr>
+        <p:style>
+          <a:lnRef idx="2">
+            <a:schemeClr val="accent1">
+              <a:shade val="50000"/>
+            </a:schemeClr>
+          </a:lnRef>
+          <a:fillRef idx="1">
+            <a:schemeClr val="accent1"/>
+          </a:fillRef>
+          <a:effectRef idx="0">
+            <a:schemeClr val="accent1"/>
+          </a:effectRef>
+          <a:fontRef idx="minor">
+            <a:schemeClr val="lt1"/>
+          </a:fontRef>
+        </p:style>
+        <p:txBody>
+          <a:bodyPr wrap="none" rtlCol="0" anchor="ctr">
+            <a:noAutofit/>
+          </a:bodyPr>
+          <a:lstStyle/>
+          <a:p>
+            <a:pPr algn="ctr">
+              <a:defRPr/>
+            </a:pPr>
+            <a:r>
+              <a:rPr lang="en-GB" dirty="0">
+                <a:solidFill>
+                  <a:srgbClr val="FFFFFF"/>
+                </a:solidFill>
+                <a:latin typeface="Noto Sans" panose="020B0502040504020204" pitchFamily="34"/>
+                <a:ea typeface="Noto Sans" panose="020B0502040504020204" pitchFamily="34"/>
+                <a:cs typeface="Noto Sans" panose="020B0502040504020204" pitchFamily="34"/>
+              </a:rPr>
+              <a:t>1</a:t>
+            </a:r>
+          </a:p>
+        </p:txBody>
+      </p:sp>
+    </p:spTree>
+    <p:extLst>
+      <p:ext uri="{BB962C8B-B14F-4D97-AF65-F5344CB8AC3E}">
+        <p14:creationId xmlns:p14="http://schemas.microsoft.com/office/powerpoint/2010/main" val="353009268"/>
+      </p:ext>
+    </p:extLst>
+  </p:cSld>
+  <p:clrMapOvr>
+    <a:masterClrMapping/>
+  </p:clrMapOvr>
+</p:sld>
+</file>
+
+<file path=ppt/slides/slide16.xml><?xml version="1.0" encoding="utf-8"?>
+<p:sld xmlns:a="http://schemas.openxmlformats.org/drawingml/2006/main" xmlns:r="http://schemas.openxmlformats.org/officeDocument/2006/relationships" xmlns:p="http://schemas.openxmlformats.org/presentationml/2006/main">
+  <p:cSld>
+    <p:bg>
+      <p:bgPr>
+        <a:solidFill>
+          <a:schemeClr val="tx1"/>
+        </a:solidFill>
+        <a:effectLst/>
+      </p:bgPr>
+    </p:bg>
+    <p:spTree>
+      <p:nvGrpSpPr>
+        <p:cNvPr id="1" name=""/>
+        <p:cNvGrpSpPr/>
+        <p:nvPr/>
+      </p:nvGrpSpPr>
+      <p:grpSpPr>
+        <a:xfrm>
+          <a:off x="0" y="0"/>
+          <a:ext cx="0" cy="0"/>
+          <a:chOff x="0" y="0"/>
+          <a:chExt cx="0" cy="0"/>
+        </a:xfrm>
+      </p:grpSpPr>
+      <p:sp>
+        <p:nvSpPr>
           <p:cNvPr id="2" name="TextBox 1">
             <a:extLst>
               <a:ext uri="{FF2B5EF4-FFF2-40B4-BE49-F238E27FC236}">
@@ -14869,6 +15428,108 @@
               </a:rPr>
               <a:t>3</a:t>
             </a:r>
+          </a:p>
+        </p:txBody>
+      </p:sp>
+      <p:sp>
+        <p:nvSpPr>
+          <p:cNvPr id="60" name="Oval 282"/>
+          <p:cNvSpPr/>
+          <p:nvPr/>
+        </p:nvSpPr>
+        <p:spPr>
+          <a:xfrm>
+            <a:off x="1260516" y="5034228"/>
+            <a:ext cx="506366" cy="506366"/>
+          </a:xfrm>
+          <a:prstGeom prst="ellipse">
+            <a:avLst/>
+          </a:prstGeom>
+          <a:solidFill>
+            <a:srgbClr val="00B050"/>
+          </a:solidFill>
+          <a:ln>
+            <a:noFill/>
+          </a:ln>
+        </p:spPr>
+        <p:style>
+          <a:lnRef idx="2">
+            <a:schemeClr val="accent1">
+              <a:shade val="50000"/>
+            </a:schemeClr>
+          </a:lnRef>
+          <a:fillRef idx="1">
+            <a:schemeClr val="accent1"/>
+          </a:fillRef>
+          <a:effectRef idx="0">
+            <a:schemeClr val="accent1"/>
+          </a:effectRef>
+          <a:fontRef idx="minor">
+            <a:schemeClr val="lt1"/>
+          </a:fontRef>
+        </p:style>
+        <p:txBody>
+          <a:bodyPr rtlCol="0" anchor="ctr"/>
+          <a:lstStyle/>
+          <a:p>
+            <a:pPr algn="ctr">
+              <a:defRPr/>
+            </a:pPr>
+            <a:r>
+              <a:rPr lang="en-US" b="1" dirty="0">
+                <a:solidFill>
+                  <a:srgbClr val="FFFFFF"/>
+                </a:solidFill>
+              </a:rPr>
+              <a:t>4</a:t>
+            </a:r>
+            <a:endParaRPr lang="en-US" b="1" dirty="0">
+              <a:solidFill>
+                <a:srgbClr val="FFFFFF"/>
+              </a:solidFill>
+            </a:endParaRPr>
+          </a:p>
+        </p:txBody>
+      </p:sp>
+      <p:sp>
+        <p:nvSpPr>
+          <p:cNvPr id="61" name="TextBox 279">
+            <a:extLst>
+              <a:ext uri="{FF2B5EF4-FFF2-40B4-BE49-F238E27FC236}">
+                <a16:creationId xmlns:a16="http://schemas.microsoft.com/office/drawing/2014/main" xmlns="" id="{8016977A-112F-4154-95F5-0608714FBFEE}"/>
+              </a:ext>
+            </a:extLst>
+          </p:cNvPr>
+          <p:cNvSpPr txBox="1"/>
+          <p:nvPr/>
+        </p:nvSpPr>
+        <p:spPr>
+          <a:xfrm>
+            <a:off x="2000966" y="5069088"/>
+            <a:ext cx="4734683" cy="338554"/>
+          </a:xfrm>
+          <a:prstGeom prst="rect">
+            <a:avLst/>
+          </a:prstGeom>
+          <a:noFill/>
+        </p:spPr>
+        <p:txBody>
+          <a:bodyPr wrap="square" rtlCol="0">
+            <a:spAutoFit/>
+          </a:bodyPr>
+          <a:lstStyle/>
+          <a:p>
+            <a:r>
+              <a:rPr lang="es-PE" sz="1600" dirty="0">
+                <a:hlinkClick r:id="rId4"/>
+              </a:rPr>
+              <a:t>https://www.geeksforgeeks.org/interval-tree/</a:t>
+            </a:r>
+            <a:endParaRPr lang="en-US" sz="1600" dirty="0">
+              <a:solidFill>
+                <a:srgbClr val="00B0F0"/>
+              </a:solidFill>
+            </a:endParaRPr>
           </a:p>
         </p:txBody>
       </p:sp>
@@ -29316,6 +29977,13 @@
   <p:clrMapOvr>
     <a:masterClrMapping/>
   </p:clrMapOvr>
+  <p:timing>
+    <p:tnLst>
+      <p:par>
+        <p:cTn id="1" dur="indefinite" restart="never" nodeType="tmRoot"/>
+      </p:par>
+    </p:tnLst>
+  </p:timing>
 </p:sld>
 </file>
 
@@ -29346,627 +30014,6 @@
       </p:grpSpPr>
       <p:sp>
         <p:nvSpPr>
-          <p:cNvPr id="35" name="Oval 34">
-            <a:extLst>
-              <a:ext uri="{FF2B5EF4-FFF2-40B4-BE49-F238E27FC236}">
-                <a16:creationId xmlns="" xmlns:a16="http://schemas.microsoft.com/office/drawing/2014/main" id="{5DDABBE8-7360-452B-B856-38FEBE0D7B6C}"/>
-              </a:ext>
-            </a:extLst>
-          </p:cNvPr>
-          <p:cNvSpPr/>
-          <p:nvPr/>
-        </p:nvSpPr>
-        <p:spPr>
-          <a:xfrm flipV="1">
-            <a:off x="2122660" y="6279408"/>
-            <a:ext cx="2739830" cy="300753"/>
-          </a:xfrm>
-          <a:prstGeom prst="ellipse">
-            <a:avLst/>
-          </a:prstGeom>
-          <a:solidFill>
-            <a:schemeClr val="tx2">
-              <a:alpha val="30000"/>
-            </a:schemeClr>
-          </a:solidFill>
-          <a:ln>
-            <a:noFill/>
-          </a:ln>
-        </p:spPr>
-        <p:style>
-          <a:lnRef idx="2">
-            <a:schemeClr val="accent1">
-              <a:shade val="50000"/>
-            </a:schemeClr>
-          </a:lnRef>
-          <a:fillRef idx="1">
-            <a:schemeClr val="accent1"/>
-          </a:fillRef>
-          <a:effectRef idx="0">
-            <a:schemeClr val="accent1"/>
-          </a:effectRef>
-          <a:fontRef idx="minor">
-            <a:schemeClr val="lt1"/>
-          </a:fontRef>
-        </p:style>
-        <p:txBody>
-          <a:bodyPr rtlCol="0" anchor="ctr"/>
-          <a:lstStyle/>
-          <a:p>
-            <a:pPr algn="ctr">
-              <a:defRPr/>
-            </a:pPr>
-            <a:endParaRPr lang="en-US" dirty="0">
-              <a:solidFill>
-                <a:srgbClr val="FFFFFF"/>
-              </a:solidFill>
-            </a:endParaRPr>
-          </a:p>
-        </p:txBody>
-      </p:sp>
-      <p:sp>
-        <p:nvSpPr>
-          <p:cNvPr id="5" name="Freeform 5"/>
-          <p:cNvSpPr>
-            <a:spLocks/>
-          </p:cNvSpPr>
-          <p:nvPr/>
-        </p:nvSpPr>
-        <p:spPr bwMode="auto">
-          <a:xfrm>
-            <a:off x="1751087" y="4938746"/>
-            <a:ext cx="3482976" cy="1245495"/>
-          </a:xfrm>
-          <a:custGeom>
-            <a:avLst/>
-            <a:gdLst>
-              <a:gd name="T0" fmla="*/ 451 w 629"/>
-              <a:gd name="T1" fmla="*/ 74 h 225"/>
-              <a:gd name="T2" fmla="*/ 466 w 629"/>
-              <a:gd name="T3" fmla="*/ 74 h 225"/>
-              <a:gd name="T4" fmla="*/ 503 w 629"/>
-              <a:gd name="T5" fmla="*/ 64 h 225"/>
-              <a:gd name="T6" fmla="*/ 583 w 629"/>
-              <a:gd name="T7" fmla="*/ 15 h 225"/>
-              <a:gd name="T8" fmla="*/ 600 w 629"/>
-              <a:gd name="T9" fmla="*/ 4 h 225"/>
-              <a:gd name="T10" fmla="*/ 621 w 629"/>
-              <a:gd name="T11" fmla="*/ 9 h 225"/>
-              <a:gd name="T12" fmla="*/ 627 w 629"/>
-              <a:gd name="T13" fmla="*/ 19 h 225"/>
-              <a:gd name="T14" fmla="*/ 626 w 629"/>
-              <a:gd name="T15" fmla="*/ 26 h 225"/>
-              <a:gd name="T16" fmla="*/ 588 w 629"/>
-              <a:gd name="T17" fmla="*/ 67 h 225"/>
-              <a:gd name="T18" fmla="*/ 547 w 629"/>
-              <a:gd name="T19" fmla="*/ 105 h 225"/>
-              <a:gd name="T20" fmla="*/ 516 w 629"/>
-              <a:gd name="T21" fmla="*/ 135 h 225"/>
-              <a:gd name="T22" fmla="*/ 497 w 629"/>
-              <a:gd name="T23" fmla="*/ 148 h 225"/>
-              <a:gd name="T24" fmla="*/ 447 w 629"/>
-              <a:gd name="T25" fmla="*/ 179 h 225"/>
-              <a:gd name="T26" fmla="*/ 393 w 629"/>
-              <a:gd name="T27" fmla="*/ 219 h 225"/>
-              <a:gd name="T28" fmla="*/ 371 w 629"/>
-              <a:gd name="T29" fmla="*/ 223 h 225"/>
-              <a:gd name="T30" fmla="*/ 329 w 629"/>
-              <a:gd name="T31" fmla="*/ 212 h 225"/>
-              <a:gd name="T32" fmla="*/ 285 w 629"/>
-              <a:gd name="T33" fmla="*/ 201 h 225"/>
-              <a:gd name="T34" fmla="*/ 225 w 629"/>
-              <a:gd name="T35" fmla="*/ 189 h 225"/>
-              <a:gd name="T36" fmla="*/ 186 w 629"/>
-              <a:gd name="T37" fmla="*/ 181 h 225"/>
-              <a:gd name="T38" fmla="*/ 169 w 629"/>
-              <a:gd name="T39" fmla="*/ 180 h 225"/>
-              <a:gd name="T40" fmla="*/ 121 w 629"/>
-              <a:gd name="T41" fmla="*/ 170 h 225"/>
-              <a:gd name="T42" fmla="*/ 66 w 629"/>
-              <a:gd name="T43" fmla="*/ 157 h 225"/>
-              <a:gd name="T44" fmla="*/ 23 w 629"/>
-              <a:gd name="T45" fmla="*/ 149 h 225"/>
-              <a:gd name="T46" fmla="*/ 9 w 629"/>
-              <a:gd name="T47" fmla="*/ 145 h 225"/>
-              <a:gd name="T48" fmla="*/ 4 w 629"/>
-              <a:gd name="T49" fmla="*/ 140 h 225"/>
-              <a:gd name="T50" fmla="*/ 3 w 629"/>
-              <a:gd name="T51" fmla="*/ 94 h 225"/>
-              <a:gd name="T52" fmla="*/ 21 w 629"/>
-              <a:gd name="T53" fmla="*/ 29 h 225"/>
-              <a:gd name="T54" fmla="*/ 39 w 629"/>
-              <a:gd name="T55" fmla="*/ 4 h 225"/>
-              <a:gd name="T56" fmla="*/ 45 w 629"/>
-              <a:gd name="T57" fmla="*/ 2 h 225"/>
-              <a:gd name="T58" fmla="*/ 106 w 629"/>
-              <a:gd name="T59" fmla="*/ 21 h 225"/>
-              <a:gd name="T60" fmla="*/ 125 w 629"/>
-              <a:gd name="T61" fmla="*/ 27 h 225"/>
-              <a:gd name="T62" fmla="*/ 135 w 629"/>
-              <a:gd name="T63" fmla="*/ 27 h 225"/>
-              <a:gd name="T64" fmla="*/ 175 w 629"/>
-              <a:gd name="T65" fmla="*/ 17 h 225"/>
-              <a:gd name="T66" fmla="*/ 231 w 629"/>
-              <a:gd name="T67" fmla="*/ 11 h 225"/>
-              <a:gd name="T68" fmla="*/ 274 w 629"/>
-              <a:gd name="T69" fmla="*/ 24 h 225"/>
-              <a:gd name="T70" fmla="*/ 329 w 629"/>
-              <a:gd name="T71" fmla="*/ 52 h 225"/>
-              <a:gd name="T72" fmla="*/ 356 w 629"/>
-              <a:gd name="T73" fmla="*/ 57 h 225"/>
-              <a:gd name="T74" fmla="*/ 417 w 629"/>
-              <a:gd name="T75" fmla="*/ 71 h 225"/>
-              <a:gd name="T76" fmla="*/ 433 w 629"/>
-              <a:gd name="T77" fmla="*/ 87 h 225"/>
-              <a:gd name="T78" fmla="*/ 422 w 629"/>
-              <a:gd name="T79" fmla="*/ 112 h 225"/>
-              <a:gd name="T80" fmla="*/ 386 w 629"/>
-              <a:gd name="T81" fmla="*/ 113 h 225"/>
-              <a:gd name="T82" fmla="*/ 309 w 629"/>
-              <a:gd name="T83" fmla="*/ 113 h 225"/>
-              <a:gd name="T84" fmla="*/ 279 w 629"/>
-              <a:gd name="T85" fmla="*/ 120 h 225"/>
-              <a:gd name="T86" fmla="*/ 272 w 629"/>
-              <a:gd name="T87" fmla="*/ 134 h 225"/>
-              <a:gd name="T88" fmla="*/ 285 w 629"/>
-              <a:gd name="T89" fmla="*/ 141 h 225"/>
-              <a:gd name="T90" fmla="*/ 296 w 629"/>
-              <a:gd name="T91" fmla="*/ 137 h 225"/>
-              <a:gd name="T92" fmla="*/ 366 w 629"/>
-              <a:gd name="T93" fmla="*/ 134 h 225"/>
-              <a:gd name="T94" fmla="*/ 409 w 629"/>
-              <a:gd name="T95" fmla="*/ 136 h 225"/>
-              <a:gd name="T96" fmla="*/ 437 w 629"/>
-              <a:gd name="T97" fmla="*/ 130 h 225"/>
-              <a:gd name="T98" fmla="*/ 453 w 629"/>
-              <a:gd name="T99" fmla="*/ 77 h 225"/>
-              <a:gd name="T100" fmla="*/ 451 w 629"/>
-              <a:gd name="T101" fmla="*/ 74 h 225"/>
-            </a:gdLst>
-            <a:ahLst/>
-            <a:cxnLst>
-              <a:cxn ang="0">
-                <a:pos x="T0" y="T1"/>
-              </a:cxn>
-              <a:cxn ang="0">
-                <a:pos x="T2" y="T3"/>
-              </a:cxn>
-              <a:cxn ang="0">
-                <a:pos x="T4" y="T5"/>
-              </a:cxn>
-              <a:cxn ang="0">
-                <a:pos x="T6" y="T7"/>
-              </a:cxn>
-              <a:cxn ang="0">
-                <a:pos x="T8" y="T9"/>
-              </a:cxn>
-              <a:cxn ang="0">
-                <a:pos x="T10" y="T11"/>
-              </a:cxn>
-              <a:cxn ang="0">
-                <a:pos x="T12" y="T13"/>
-              </a:cxn>
-              <a:cxn ang="0">
-                <a:pos x="T14" y="T15"/>
-              </a:cxn>
-              <a:cxn ang="0">
-                <a:pos x="T16" y="T17"/>
-              </a:cxn>
-              <a:cxn ang="0">
-                <a:pos x="T18" y="T19"/>
-              </a:cxn>
-              <a:cxn ang="0">
-                <a:pos x="T20" y="T21"/>
-              </a:cxn>
-              <a:cxn ang="0">
-                <a:pos x="T22" y="T23"/>
-              </a:cxn>
-              <a:cxn ang="0">
-                <a:pos x="T24" y="T25"/>
-              </a:cxn>
-              <a:cxn ang="0">
-                <a:pos x="T26" y="T27"/>
-              </a:cxn>
-              <a:cxn ang="0">
-                <a:pos x="T28" y="T29"/>
-              </a:cxn>
-              <a:cxn ang="0">
-                <a:pos x="T30" y="T31"/>
-              </a:cxn>
-              <a:cxn ang="0">
-                <a:pos x="T32" y="T33"/>
-              </a:cxn>
-              <a:cxn ang="0">
-                <a:pos x="T34" y="T35"/>
-              </a:cxn>
-              <a:cxn ang="0">
-                <a:pos x="T36" y="T37"/>
-              </a:cxn>
-              <a:cxn ang="0">
-                <a:pos x="T38" y="T39"/>
-              </a:cxn>
-              <a:cxn ang="0">
-                <a:pos x="T40" y="T41"/>
-              </a:cxn>
-              <a:cxn ang="0">
-                <a:pos x="T42" y="T43"/>
-              </a:cxn>
-              <a:cxn ang="0">
-                <a:pos x="T44" y="T45"/>
-              </a:cxn>
-              <a:cxn ang="0">
-                <a:pos x="T46" y="T47"/>
-              </a:cxn>
-              <a:cxn ang="0">
-                <a:pos x="T48" y="T49"/>
-              </a:cxn>
-              <a:cxn ang="0">
-                <a:pos x="T50" y="T51"/>
-              </a:cxn>
-              <a:cxn ang="0">
-                <a:pos x="T52" y="T53"/>
-              </a:cxn>
-              <a:cxn ang="0">
-                <a:pos x="T54" y="T55"/>
-              </a:cxn>
-              <a:cxn ang="0">
-                <a:pos x="T56" y="T57"/>
-              </a:cxn>
-              <a:cxn ang="0">
-                <a:pos x="T58" y="T59"/>
-              </a:cxn>
-              <a:cxn ang="0">
-                <a:pos x="T60" y="T61"/>
-              </a:cxn>
-              <a:cxn ang="0">
-                <a:pos x="T62" y="T63"/>
-              </a:cxn>
-              <a:cxn ang="0">
-                <a:pos x="T64" y="T65"/>
-              </a:cxn>
-              <a:cxn ang="0">
-                <a:pos x="T66" y="T67"/>
-              </a:cxn>
-              <a:cxn ang="0">
-                <a:pos x="T68" y="T69"/>
-              </a:cxn>
-              <a:cxn ang="0">
-                <a:pos x="T70" y="T71"/>
-              </a:cxn>
-              <a:cxn ang="0">
-                <a:pos x="T72" y="T73"/>
-              </a:cxn>
-              <a:cxn ang="0">
-                <a:pos x="T74" y="T75"/>
-              </a:cxn>
-              <a:cxn ang="0">
-                <a:pos x="T76" y="T77"/>
-              </a:cxn>
-              <a:cxn ang="0">
-                <a:pos x="T78" y="T79"/>
-              </a:cxn>
-              <a:cxn ang="0">
-                <a:pos x="T80" y="T81"/>
-              </a:cxn>
-              <a:cxn ang="0">
-                <a:pos x="T82" y="T83"/>
-              </a:cxn>
-              <a:cxn ang="0">
-                <a:pos x="T84" y="T85"/>
-              </a:cxn>
-              <a:cxn ang="0">
-                <a:pos x="T86" y="T87"/>
-              </a:cxn>
-              <a:cxn ang="0">
-                <a:pos x="T88" y="T89"/>
-              </a:cxn>
-              <a:cxn ang="0">
-                <a:pos x="T90" y="T91"/>
-              </a:cxn>
-              <a:cxn ang="0">
-                <a:pos x="T92" y="T93"/>
-              </a:cxn>
-              <a:cxn ang="0">
-                <a:pos x="T94" y="T95"/>
-              </a:cxn>
-              <a:cxn ang="0">
-                <a:pos x="T96" y="T97"/>
-              </a:cxn>
-              <a:cxn ang="0">
-                <a:pos x="T98" y="T99"/>
-              </a:cxn>
-              <a:cxn ang="0">
-                <a:pos x="T100" y="T101"/>
-              </a:cxn>
-            </a:cxnLst>
-            <a:rect l="0" t="0" r="r" b="b"/>
-            <a:pathLst>
-              <a:path w="629" h="225">
-                <a:moveTo>
-                  <a:pt x="451" y="74"/>
-                </a:moveTo>
-                <a:cubicBezTo>
-                  <a:pt x="457" y="74"/>
-                  <a:pt x="462" y="74"/>
-                  <a:pt x="466" y="74"/>
-                </a:cubicBezTo>
-                <a:cubicBezTo>
-                  <a:pt x="480" y="73"/>
-                  <a:pt x="491" y="68"/>
-                  <a:pt x="503" y="64"/>
-                </a:cubicBezTo>
-                <a:cubicBezTo>
-                  <a:pt x="533" y="52"/>
-                  <a:pt x="557" y="33"/>
-                  <a:pt x="583" y="15"/>
-                </a:cubicBezTo>
-                <a:cubicBezTo>
-                  <a:pt x="589" y="11"/>
-                  <a:pt x="594" y="7"/>
-                  <a:pt x="600" y="4"/>
-                </a:cubicBezTo>
-                <a:cubicBezTo>
-                  <a:pt x="608" y="0"/>
-                  <a:pt x="615" y="2"/>
-                  <a:pt x="621" y="9"/>
-                </a:cubicBezTo>
-                <a:cubicBezTo>
-                  <a:pt x="623" y="12"/>
-                  <a:pt x="625" y="16"/>
-                  <a:pt x="627" y="19"/>
-                </a:cubicBezTo>
-                <a:cubicBezTo>
-                  <a:pt x="629" y="22"/>
-                  <a:pt x="628" y="24"/>
-                  <a:pt x="626" y="26"/>
-                </a:cubicBezTo>
-                <a:cubicBezTo>
-                  <a:pt x="613" y="40"/>
-                  <a:pt x="601" y="54"/>
-                  <a:pt x="588" y="67"/>
-                </a:cubicBezTo>
-                <a:cubicBezTo>
-                  <a:pt x="575" y="80"/>
-                  <a:pt x="560" y="92"/>
-                  <a:pt x="547" y="105"/>
-                </a:cubicBezTo>
-                <a:cubicBezTo>
-                  <a:pt x="536" y="115"/>
-                  <a:pt x="527" y="126"/>
-                  <a:pt x="516" y="135"/>
-                </a:cubicBezTo>
-                <a:cubicBezTo>
-                  <a:pt x="511" y="140"/>
-                  <a:pt x="503" y="144"/>
-                  <a:pt x="497" y="148"/>
-                </a:cubicBezTo>
-                <a:cubicBezTo>
-                  <a:pt x="480" y="158"/>
-                  <a:pt x="464" y="169"/>
-                  <a:pt x="447" y="179"/>
-                </a:cubicBezTo>
-                <a:cubicBezTo>
-                  <a:pt x="427" y="190"/>
-                  <a:pt x="411" y="205"/>
-                  <a:pt x="393" y="219"/>
-                </a:cubicBezTo>
-                <a:cubicBezTo>
-                  <a:pt x="386" y="225"/>
-                  <a:pt x="379" y="225"/>
-                  <a:pt x="371" y="223"/>
-                </a:cubicBezTo>
-                <a:cubicBezTo>
-                  <a:pt x="357" y="219"/>
-                  <a:pt x="343" y="216"/>
-                  <a:pt x="329" y="212"/>
-                </a:cubicBezTo>
-                <a:cubicBezTo>
-                  <a:pt x="314" y="208"/>
-                  <a:pt x="300" y="205"/>
-                  <a:pt x="285" y="201"/>
-                </a:cubicBezTo>
-                <a:cubicBezTo>
-                  <a:pt x="265" y="197"/>
-                  <a:pt x="245" y="193"/>
-                  <a:pt x="225" y="189"/>
-                </a:cubicBezTo>
-                <a:cubicBezTo>
-                  <a:pt x="212" y="186"/>
-                  <a:pt x="199" y="183"/>
-                  <a:pt x="186" y="181"/>
-                </a:cubicBezTo>
-                <a:cubicBezTo>
-                  <a:pt x="180" y="180"/>
-                  <a:pt x="174" y="180"/>
-                  <a:pt x="169" y="180"/>
-                </a:cubicBezTo>
-                <a:cubicBezTo>
-                  <a:pt x="152" y="180"/>
-                  <a:pt x="137" y="175"/>
-                  <a:pt x="121" y="170"/>
-                </a:cubicBezTo>
-                <a:cubicBezTo>
-                  <a:pt x="103" y="165"/>
-                  <a:pt x="85" y="161"/>
-                  <a:pt x="66" y="157"/>
-                </a:cubicBezTo>
-                <a:cubicBezTo>
-                  <a:pt x="52" y="154"/>
-                  <a:pt x="38" y="152"/>
-                  <a:pt x="23" y="149"/>
-                </a:cubicBezTo>
-                <a:cubicBezTo>
-                  <a:pt x="18" y="148"/>
-                  <a:pt x="13" y="147"/>
-                  <a:pt x="9" y="145"/>
-                </a:cubicBezTo>
-                <a:cubicBezTo>
-                  <a:pt x="7" y="144"/>
-                  <a:pt x="5" y="142"/>
-                  <a:pt x="4" y="140"/>
-                </a:cubicBezTo>
-                <a:cubicBezTo>
-                  <a:pt x="0" y="125"/>
-                  <a:pt x="1" y="109"/>
-                  <a:pt x="3" y="94"/>
-                </a:cubicBezTo>
-                <a:cubicBezTo>
-                  <a:pt x="6" y="72"/>
-                  <a:pt x="12" y="50"/>
-                  <a:pt x="21" y="29"/>
-                </a:cubicBezTo>
-                <a:cubicBezTo>
-                  <a:pt x="26" y="20"/>
-                  <a:pt x="30" y="10"/>
-                  <a:pt x="39" y="4"/>
-                </a:cubicBezTo>
-                <a:cubicBezTo>
-                  <a:pt x="40" y="3"/>
-                  <a:pt x="43" y="2"/>
-                  <a:pt x="45" y="2"/>
-                </a:cubicBezTo>
-                <a:cubicBezTo>
-                  <a:pt x="66" y="8"/>
-                  <a:pt x="86" y="15"/>
-                  <a:pt x="106" y="21"/>
-                </a:cubicBezTo>
-                <a:cubicBezTo>
-                  <a:pt x="113" y="23"/>
-                  <a:pt x="119" y="25"/>
-                  <a:pt x="125" y="27"/>
-                </a:cubicBezTo>
-                <a:cubicBezTo>
-                  <a:pt x="129" y="28"/>
-                  <a:pt x="132" y="28"/>
-                  <a:pt x="135" y="27"/>
-                </a:cubicBezTo>
-                <a:cubicBezTo>
-                  <a:pt x="149" y="24"/>
-                  <a:pt x="162" y="20"/>
-                  <a:pt x="175" y="17"/>
-                </a:cubicBezTo>
-                <a:cubicBezTo>
-                  <a:pt x="193" y="13"/>
-                  <a:pt x="212" y="9"/>
-                  <a:pt x="231" y="11"/>
-                </a:cubicBezTo>
-                <a:cubicBezTo>
-                  <a:pt x="246" y="13"/>
-                  <a:pt x="261" y="17"/>
-                  <a:pt x="274" y="24"/>
-                </a:cubicBezTo>
-                <a:cubicBezTo>
-                  <a:pt x="293" y="33"/>
-                  <a:pt x="311" y="42"/>
-                  <a:pt x="329" y="52"/>
-                </a:cubicBezTo>
-                <a:cubicBezTo>
-                  <a:pt x="337" y="56"/>
-                  <a:pt x="347" y="56"/>
-                  <a:pt x="356" y="57"/>
-                </a:cubicBezTo>
-                <a:cubicBezTo>
-                  <a:pt x="377" y="60"/>
-                  <a:pt x="398" y="62"/>
-                  <a:pt x="417" y="71"/>
-                </a:cubicBezTo>
-                <a:cubicBezTo>
-                  <a:pt x="425" y="74"/>
-                  <a:pt x="428" y="81"/>
-                  <a:pt x="433" y="87"/>
-                </a:cubicBezTo>
-                <a:cubicBezTo>
-                  <a:pt x="440" y="96"/>
-                  <a:pt x="435" y="111"/>
-                  <a:pt x="422" y="112"/>
-                </a:cubicBezTo>
-                <a:cubicBezTo>
-                  <a:pt x="410" y="113"/>
-                  <a:pt x="398" y="114"/>
-                  <a:pt x="386" y="113"/>
-                </a:cubicBezTo>
-                <a:cubicBezTo>
-                  <a:pt x="360" y="111"/>
-                  <a:pt x="334" y="109"/>
-                  <a:pt x="309" y="113"/>
-                </a:cubicBezTo>
-                <a:cubicBezTo>
-                  <a:pt x="299" y="114"/>
-                  <a:pt x="289" y="117"/>
-                  <a:pt x="279" y="120"/>
-                </a:cubicBezTo>
-                <a:cubicBezTo>
-                  <a:pt x="273" y="122"/>
-                  <a:pt x="270" y="128"/>
-                  <a:pt x="272" y="134"/>
-                </a:cubicBezTo>
-                <a:cubicBezTo>
-                  <a:pt x="274" y="139"/>
-                  <a:pt x="279" y="142"/>
-                  <a:pt x="285" y="141"/>
-                </a:cubicBezTo>
-                <a:cubicBezTo>
-                  <a:pt x="289" y="140"/>
-                  <a:pt x="292" y="138"/>
-                  <a:pt x="296" y="137"/>
-                </a:cubicBezTo>
-                <a:cubicBezTo>
-                  <a:pt x="319" y="131"/>
-                  <a:pt x="343" y="132"/>
-                  <a:pt x="366" y="134"/>
-                </a:cubicBezTo>
-                <a:cubicBezTo>
-                  <a:pt x="381" y="135"/>
-                  <a:pt x="395" y="136"/>
-                  <a:pt x="409" y="136"/>
-                </a:cubicBezTo>
-                <a:cubicBezTo>
-                  <a:pt x="418" y="136"/>
-                  <a:pt x="428" y="134"/>
-                  <a:pt x="437" y="130"/>
-                </a:cubicBezTo>
-                <a:cubicBezTo>
-                  <a:pt x="454" y="122"/>
-                  <a:pt x="465" y="96"/>
-                  <a:pt x="453" y="77"/>
-                </a:cubicBezTo>
-                <a:cubicBezTo>
-                  <a:pt x="452" y="76"/>
-                  <a:pt x="452" y="76"/>
-                  <a:pt x="451" y="74"/>
-                </a:cubicBezTo>
-                <a:close/>
-              </a:path>
-            </a:pathLst>
-          </a:custGeom>
-          <a:solidFill>
-            <a:schemeClr val="bg1"/>
-          </a:solidFill>
-          <a:ln>
-            <a:noFill/>
-          </a:ln>
-        </p:spPr>
-        <p:txBody>
-          <a:bodyPr vert="horz" wrap="square" lIns="91440" tIns="45720" rIns="91440" bIns="45720" numCol="1" anchor="t" anchorCtr="0" compatLnSpc="1">
-            <a:prstTxWarp prst="textNoShape">
-              <a:avLst/>
-            </a:prstTxWarp>
-          </a:bodyPr>
-          <a:lstStyle/>
-          <a:p>
-            <a:pPr>
-              <a:defRPr/>
-            </a:pPr>
-            <a:endParaRPr lang="en-US">
-              <a:solidFill>
-                <a:srgbClr val="282F39"/>
-              </a:solidFill>
-            </a:endParaRPr>
-          </a:p>
-        </p:txBody>
-      </p:sp>
-      <p:sp>
-        <p:nvSpPr>
           <p:cNvPr id="10" name="TextBox 9">
             <a:extLst>
               <a:ext uri="{FF2B5EF4-FFF2-40B4-BE49-F238E27FC236}">
@@ -29979,8 +30026,8 @@
         </p:nvSpPr>
         <p:spPr>
           <a:xfrm>
-            <a:off x="6282513" y="1116404"/>
-            <a:ext cx="5497985" cy="1015663"/>
+            <a:off x="4664208" y="4753493"/>
+            <a:ext cx="7073632" cy="1446550"/>
           </a:xfrm>
           <a:prstGeom prst="rect">
             <a:avLst/>
@@ -29997,7 +30044,7 @@
               <a:defRPr/>
             </a:pPr>
             <a:r>
-              <a:rPr lang="en-GB" sz="6000" dirty="0" smtClean="0">
+              <a:rPr lang="en-GB" sz="8800" dirty="0" smtClean="0">
                 <a:solidFill>
                   <a:srgbClr val="FFFFFF"/>
                 </a:solidFill>
@@ -30005,310 +30052,9 @@
                 <a:ea typeface="Noto Sans" panose="020B0502040504020204" pitchFamily="34"/>
                 <a:cs typeface="Noto Sans" panose="020B0502040504020204" pitchFamily="34"/>
               </a:rPr>
-              <a:t>INSERTAR</a:t>
+              <a:t>BALANCEAR</a:t>
             </a:r>
-            <a:endParaRPr lang="en-GB" sz="6000" dirty="0">
-              <a:solidFill>
-                <a:srgbClr val="FFFFFF"/>
-              </a:solidFill>
-              <a:latin typeface="Noto Sans" panose="020B0502040504020204" pitchFamily="34"/>
-              <a:ea typeface="Noto Sans" panose="020B0502040504020204" pitchFamily="34"/>
-              <a:cs typeface="Noto Sans" panose="020B0502040504020204" pitchFamily="34"/>
-            </a:endParaRPr>
-          </a:p>
-        </p:txBody>
-      </p:sp>
-      <p:sp>
-        <p:nvSpPr>
-          <p:cNvPr id="66" name="Oval 65">
-            <a:extLst>
-              <a:ext uri="{FF2B5EF4-FFF2-40B4-BE49-F238E27FC236}">
-                <a16:creationId xmlns="" xmlns:a16="http://schemas.microsoft.com/office/drawing/2014/main" id="{B327ECD0-E1B0-4737-8A11-DA4355BE380C}"/>
-              </a:ext>
-            </a:extLst>
-          </p:cNvPr>
-          <p:cNvSpPr/>
-          <p:nvPr/>
-        </p:nvSpPr>
-        <p:spPr>
-          <a:xfrm>
-            <a:off x="7299616" y="2298326"/>
-            <a:ext cx="506366" cy="506366"/>
-          </a:xfrm>
-          <a:prstGeom prst="ellipse">
-            <a:avLst/>
-          </a:prstGeom>
-          <a:solidFill>
-            <a:schemeClr val="accent2"/>
-          </a:solidFill>
-          <a:ln>
-            <a:noFill/>
-          </a:ln>
-        </p:spPr>
-        <p:style>
-          <a:lnRef idx="2">
-            <a:schemeClr val="accent1">
-              <a:shade val="50000"/>
-            </a:schemeClr>
-          </a:lnRef>
-          <a:fillRef idx="1">
-            <a:schemeClr val="accent1"/>
-          </a:fillRef>
-          <a:effectRef idx="0">
-            <a:schemeClr val="accent1"/>
-          </a:effectRef>
-          <a:fontRef idx="minor">
-            <a:schemeClr val="lt1"/>
-          </a:fontRef>
-        </p:style>
-        <p:txBody>
-          <a:bodyPr rtlCol="0" anchor="ctr"/>
-          <a:lstStyle/>
-          <a:p>
-            <a:pPr algn="ctr">
-              <a:defRPr/>
-            </a:pPr>
-            <a:r>
-              <a:rPr lang="en-US" b="1" dirty="0">
-                <a:solidFill>
-                  <a:srgbClr val="FFFFFF"/>
-                </a:solidFill>
-              </a:rPr>
-              <a:t>1</a:t>
-            </a:r>
-          </a:p>
-        </p:txBody>
-      </p:sp>
-      <p:sp>
-        <p:nvSpPr>
-          <p:cNvPr id="68" name="Oval 67">
-            <a:extLst>
-              <a:ext uri="{FF2B5EF4-FFF2-40B4-BE49-F238E27FC236}">
-                <a16:creationId xmlns="" xmlns:a16="http://schemas.microsoft.com/office/drawing/2014/main" id="{A445E318-5EBB-456A-AB1D-82C950818623}"/>
-              </a:ext>
-            </a:extLst>
-          </p:cNvPr>
-          <p:cNvSpPr/>
-          <p:nvPr/>
-        </p:nvSpPr>
-        <p:spPr>
-          <a:xfrm>
-            <a:off x="7299616" y="4432380"/>
-            <a:ext cx="506366" cy="506366"/>
-          </a:xfrm>
-          <a:prstGeom prst="ellipse">
-            <a:avLst/>
-          </a:prstGeom>
-          <a:solidFill>
-            <a:schemeClr val="accent4"/>
-          </a:solidFill>
-          <a:ln>
-            <a:noFill/>
-          </a:ln>
-        </p:spPr>
-        <p:style>
-          <a:lnRef idx="2">
-            <a:schemeClr val="accent1">
-              <a:shade val="50000"/>
-            </a:schemeClr>
-          </a:lnRef>
-          <a:fillRef idx="1">
-            <a:schemeClr val="accent1"/>
-          </a:fillRef>
-          <a:effectRef idx="0">
-            <a:schemeClr val="accent1"/>
-          </a:effectRef>
-          <a:fontRef idx="minor">
-            <a:schemeClr val="lt1"/>
-          </a:fontRef>
-        </p:style>
-        <p:txBody>
-          <a:bodyPr rtlCol="0" anchor="ctr"/>
-          <a:lstStyle/>
-          <a:p>
-            <a:pPr algn="ctr">
-              <a:defRPr/>
-            </a:pPr>
-            <a:r>
-              <a:rPr lang="en-US" b="1" dirty="0">
-                <a:solidFill>
-                  <a:srgbClr val="FFFFFF"/>
-                </a:solidFill>
-              </a:rPr>
-              <a:t>2</a:t>
-            </a:r>
-          </a:p>
-        </p:txBody>
-      </p:sp>
-      <p:sp>
-        <p:nvSpPr>
-          <p:cNvPr id="75" name="TextBox 74">
-            <a:extLst>
-              <a:ext uri="{FF2B5EF4-FFF2-40B4-BE49-F238E27FC236}">
-                <a16:creationId xmlns="" xmlns:a16="http://schemas.microsoft.com/office/drawing/2014/main" id="{F4AF6505-A775-4864-B23C-39B7D60FE049}"/>
-              </a:ext>
-            </a:extLst>
-          </p:cNvPr>
-          <p:cNvSpPr txBox="1"/>
-          <p:nvPr/>
-        </p:nvSpPr>
-        <p:spPr>
-          <a:xfrm>
-            <a:off x="7844939" y="2030843"/>
-            <a:ext cx="3892902" cy="2031325"/>
-          </a:xfrm>
-          <a:prstGeom prst="rect">
-            <a:avLst/>
-          </a:prstGeom>
-          <a:noFill/>
-        </p:spPr>
-        <p:txBody>
-          <a:bodyPr wrap="square" rtlCol="0">
-            <a:spAutoFit/>
-          </a:bodyPr>
-          <a:lstStyle/>
-          <a:p>
-            <a:pPr>
-              <a:defRPr/>
-            </a:pPr>
-            <a:endParaRPr lang="es-ES" dirty="0">
-              <a:solidFill>
-                <a:srgbClr val="FFFFFF"/>
-              </a:solidFill>
-              <a:latin typeface="Noto Sans" panose="020B0502040504020204" pitchFamily="34"/>
-              <a:ea typeface="Noto Sans" panose="020B0502040504020204" pitchFamily="34"/>
-              <a:cs typeface="Noto Sans" panose="020B0502040504020204" pitchFamily="34"/>
-            </a:endParaRPr>
-          </a:p>
-          <a:p>
-            <a:pPr>
-              <a:defRPr/>
-            </a:pPr>
-            <a:r>
-              <a:rPr lang="es-ES" dirty="0">
-                <a:solidFill>
-                  <a:srgbClr val="FFFFFF"/>
-                </a:solidFill>
-                <a:latin typeface="Noto Sans" panose="020B0502040504020204" pitchFamily="34"/>
-                <a:ea typeface="Noto Sans" panose="020B0502040504020204" pitchFamily="34"/>
-                <a:cs typeface="Noto Sans" panose="020B0502040504020204" pitchFamily="34"/>
-              </a:rPr>
-              <a:t>Cada nodo de Interval Tree </a:t>
-            </a:r>
-            <a:r>
-              <a:rPr lang="es-ES" dirty="0" smtClean="0">
-                <a:solidFill>
-                  <a:srgbClr val="FFFFFF"/>
-                </a:solidFill>
-                <a:latin typeface="Noto Sans" panose="020B0502040504020204" pitchFamily="34"/>
-                <a:ea typeface="Noto Sans" panose="020B0502040504020204" pitchFamily="34"/>
-                <a:cs typeface="Noto Sans" panose="020B0502040504020204" pitchFamily="34"/>
-              </a:rPr>
-              <a:t>almacena la </a:t>
-            </a:r>
-            <a:r>
-              <a:rPr lang="es-ES" dirty="0">
-                <a:solidFill>
-                  <a:srgbClr val="FFFFFF"/>
-                </a:solidFill>
-                <a:latin typeface="Noto Sans" panose="020B0502040504020204" pitchFamily="34"/>
-                <a:ea typeface="Noto Sans" panose="020B0502040504020204" pitchFamily="34"/>
-                <a:cs typeface="Noto Sans" panose="020B0502040504020204" pitchFamily="34"/>
-              </a:rPr>
-              <a:t>siguiente </a:t>
-            </a:r>
-            <a:r>
-              <a:rPr lang="es-ES" dirty="0" smtClean="0">
-                <a:solidFill>
-                  <a:srgbClr val="FFFFFF"/>
-                </a:solidFill>
-                <a:latin typeface="Noto Sans" panose="020B0502040504020204" pitchFamily="34"/>
-                <a:ea typeface="Noto Sans" panose="020B0502040504020204" pitchFamily="34"/>
-                <a:cs typeface="Noto Sans" panose="020B0502040504020204" pitchFamily="34"/>
-              </a:rPr>
-              <a:t>información: </a:t>
-            </a:r>
-          </a:p>
-          <a:p>
-            <a:pPr marL="342900" indent="-342900">
-              <a:buFontTx/>
-              <a:buAutoNum type="arabicParenR"/>
-              <a:defRPr/>
-            </a:pPr>
-            <a:r>
-              <a:rPr lang="en-GB" dirty="0" smtClean="0">
-                <a:solidFill>
-                  <a:srgbClr val="FFFFFF"/>
-                </a:solidFill>
-                <a:latin typeface="Noto Sans" panose="020B0502040504020204" pitchFamily="34"/>
-                <a:ea typeface="Noto Sans" panose="020B0502040504020204" pitchFamily="34"/>
-                <a:cs typeface="Noto Sans" panose="020B0502040504020204" pitchFamily="34"/>
-              </a:rPr>
-              <a:t>[low,high]</a:t>
-            </a:r>
-          </a:p>
-          <a:p>
-            <a:pPr marL="342900" indent="-342900">
-              <a:buFontTx/>
-              <a:buAutoNum type="arabicParenR"/>
-              <a:defRPr/>
-            </a:pPr>
-            <a:r>
-              <a:rPr lang="en-GB" dirty="0" smtClean="0">
-                <a:solidFill>
-                  <a:srgbClr val="FFFFFF"/>
-                </a:solidFill>
-                <a:latin typeface="Noto Sans" panose="020B0502040504020204" pitchFamily="34"/>
-                <a:ea typeface="Noto Sans" panose="020B0502040504020204" pitchFamily="34"/>
-                <a:cs typeface="Noto Sans" panose="020B0502040504020204" pitchFamily="34"/>
-              </a:rPr>
-              <a:t>max -&gt; </a:t>
-            </a:r>
-            <a:r>
-              <a:rPr lang="es-ES" dirty="0" smtClean="0">
-                <a:solidFill>
-                  <a:srgbClr val="FFFFFF"/>
-                </a:solidFill>
-                <a:latin typeface="Noto Sans" panose="020B0502040504020204" pitchFamily="34"/>
-                <a:ea typeface="Noto Sans" panose="020B0502040504020204" pitchFamily="34"/>
-                <a:cs typeface="Noto Sans" panose="020B0502040504020204" pitchFamily="34"/>
-              </a:rPr>
-              <a:t>valor </a:t>
-            </a:r>
-            <a:r>
-              <a:rPr lang="es-ES" dirty="0">
-                <a:solidFill>
-                  <a:srgbClr val="FFFFFF"/>
-                </a:solidFill>
-                <a:latin typeface="Noto Sans" panose="020B0502040504020204" pitchFamily="34"/>
-                <a:ea typeface="Noto Sans" panose="020B0502040504020204" pitchFamily="34"/>
-                <a:cs typeface="Noto Sans" panose="020B0502040504020204" pitchFamily="34"/>
-              </a:rPr>
-              <a:t>máximo alto en </a:t>
-            </a:r>
-            <a:r>
-              <a:rPr lang="es-ES" dirty="0" smtClean="0">
-                <a:solidFill>
-                  <a:srgbClr val="FFFFFF"/>
-                </a:solidFill>
-                <a:latin typeface="Noto Sans" panose="020B0502040504020204" pitchFamily="34"/>
-                <a:ea typeface="Noto Sans" panose="020B0502040504020204" pitchFamily="34"/>
-                <a:cs typeface="Noto Sans" panose="020B0502040504020204" pitchFamily="34"/>
-              </a:rPr>
-              <a:t>   subárbol </a:t>
-            </a:r>
-            <a:r>
-              <a:rPr lang="es-ES" dirty="0">
-                <a:solidFill>
-                  <a:srgbClr val="FFFFFF"/>
-                </a:solidFill>
-                <a:latin typeface="Noto Sans" panose="020B0502040504020204" pitchFamily="34"/>
-                <a:ea typeface="Noto Sans" panose="020B0502040504020204" pitchFamily="34"/>
-                <a:cs typeface="Noto Sans" panose="020B0502040504020204" pitchFamily="34"/>
-              </a:rPr>
-              <a:t>arraigado con este nodo.</a:t>
-            </a:r>
-            <a:endParaRPr lang="en-GB" dirty="0">
+            <a:endParaRPr lang="en-GB" sz="8800" dirty="0">
               <a:solidFill>
                 <a:srgbClr val="FFFFFF"/>
               </a:solidFill>
@@ -30385,39 +30131,129 @@
           </a:p>
         </p:txBody>
       </p:sp>
+      <p:pic>
+        <p:nvPicPr>
+          <p:cNvPr id="2" name="Imagen 1"/>
+          <p:cNvPicPr>
+            <a:picLocks noChangeAspect="1"/>
+          </p:cNvPicPr>
+          <p:nvPr/>
+        </p:nvPicPr>
+        <p:blipFill>
+          <a:blip r:embed="rId2"/>
+          <a:stretch>
+            <a:fillRect/>
+          </a:stretch>
+        </p:blipFill>
+        <p:spPr>
+          <a:xfrm>
+            <a:off x="1042716" y="433625"/>
+            <a:ext cx="6146597" cy="6082703"/>
+          </a:xfrm>
+          <a:prstGeom prst="rect">
+            <a:avLst/>
+          </a:prstGeom>
+        </p:spPr>
+      </p:pic>
+    </p:spTree>
+    <p:extLst>
+      <p:ext uri="{BB962C8B-B14F-4D97-AF65-F5344CB8AC3E}">
+        <p14:creationId xmlns:p14="http://schemas.microsoft.com/office/powerpoint/2010/main" val="3841424852"/>
+      </p:ext>
+    </p:extLst>
+  </p:cSld>
+  <p:clrMapOvr>
+    <a:masterClrMapping/>
+  </p:clrMapOvr>
+  <p:timing>
+    <p:tnLst>
+      <p:par>
+        <p:cTn id="1" dur="indefinite" restart="never" nodeType="tmRoot"/>
+      </p:par>
+    </p:tnLst>
+  </p:timing>
+</p:sld>
+</file>
+
+<file path=ppt/slides/slide8.xml><?xml version="1.0" encoding="utf-8"?>
+<p:sld xmlns:a="http://schemas.openxmlformats.org/drawingml/2006/main" xmlns:r="http://schemas.openxmlformats.org/officeDocument/2006/relationships" xmlns:p="http://schemas.openxmlformats.org/presentationml/2006/main">
+  <p:cSld>
+    <p:bg>
+      <p:bgPr>
+        <a:solidFill>
+          <a:schemeClr val="tx1"/>
+        </a:solidFill>
+        <a:effectLst/>
+      </p:bgPr>
+    </p:bg>
+    <p:spTree>
+      <p:nvGrpSpPr>
+        <p:cNvPr id="1" name=""/>
+        <p:cNvGrpSpPr/>
+        <p:nvPr/>
+      </p:nvGrpSpPr>
+      <p:grpSpPr>
+        <a:xfrm>
+          <a:off x="0" y="0"/>
+          <a:ext cx="0" cy="0"/>
+          <a:chOff x="0" y="0"/>
+          <a:chExt cx="0" cy="0"/>
+        </a:xfrm>
+      </p:grpSpPr>
       <p:sp>
         <p:nvSpPr>
-          <p:cNvPr id="22" name="TextBox 74">
+          <p:cNvPr id="29" name="Oval 28">
             <a:extLst>
               <a:ext uri="{FF2B5EF4-FFF2-40B4-BE49-F238E27FC236}">
-                <a16:creationId xmlns="" xmlns:a16="http://schemas.microsoft.com/office/drawing/2014/main" id="{F4AF6505-A775-4864-B23C-39B7D60FE049}"/>
+                <a16:creationId xmlns="" xmlns:a16="http://schemas.microsoft.com/office/drawing/2014/main" id="{B3187278-174E-40F9-9099-8E759C168EB1}"/>
               </a:ext>
             </a:extLst>
           </p:cNvPr>
-          <p:cNvSpPr txBox="1"/>
+          <p:cNvSpPr/>
           <p:nvPr/>
         </p:nvSpPr>
         <p:spPr>
           <a:xfrm>
-            <a:off x="7887596" y="4432380"/>
-            <a:ext cx="3892902" cy="923330"/>
+            <a:off x="11512282" y="208067"/>
+            <a:ext cx="451117" cy="451117"/>
           </a:xfrm>
-          <a:prstGeom prst="rect">
+          <a:prstGeom prst="ellipse">
             <a:avLst/>
           </a:prstGeom>
-          <a:noFill/>
+          <a:solidFill>
+            <a:schemeClr val="accent3"/>
+          </a:solidFill>
+          <a:ln>
+            <a:noFill/>
+          </a:ln>
         </p:spPr>
+        <p:style>
+          <a:lnRef idx="2">
+            <a:schemeClr val="accent1">
+              <a:shade val="50000"/>
+            </a:schemeClr>
+          </a:lnRef>
+          <a:fillRef idx="1">
+            <a:schemeClr val="accent1"/>
+          </a:fillRef>
+          <a:effectRef idx="0">
+            <a:schemeClr val="accent1"/>
+          </a:effectRef>
+          <a:fontRef idx="minor">
+            <a:schemeClr val="lt1"/>
+          </a:fontRef>
+        </p:style>
         <p:txBody>
-          <a:bodyPr wrap="square" rtlCol="0">
-            <a:spAutoFit/>
+          <a:bodyPr wrap="none" rtlCol="0" anchor="ctr">
+            <a:noAutofit/>
           </a:bodyPr>
           <a:lstStyle/>
           <a:p>
-            <a:pPr>
+            <a:pPr algn="ctr">
               <a:defRPr/>
             </a:pPr>
             <a:r>
-              <a:rPr lang="es-ES" dirty="0">
+              <a:rPr lang="en-GB" dirty="0" smtClean="0">
                 <a:solidFill>
                   <a:srgbClr val="FFFFFF"/>
                 </a:solidFill>
@@ -30425,8 +30261,16 @@
                 <a:ea typeface="Noto Sans" panose="020B0502040504020204" pitchFamily="34"/>
                 <a:cs typeface="Noto Sans" panose="020B0502040504020204" pitchFamily="34"/>
               </a:rPr>
-              <a:t>El valor bajo de un intervalo se utiliza como clave para mantener el orden en BST</a:t>
+              <a:t>8</a:t>
             </a:r>
+            <a:endParaRPr lang="en-GB" dirty="0">
+              <a:solidFill>
+                <a:srgbClr val="FFFFFF"/>
+              </a:solidFill>
+              <a:latin typeface="Noto Sans" panose="020B0502040504020204" pitchFamily="34"/>
+              <a:ea typeface="Noto Sans" panose="020B0502040504020204" pitchFamily="34"/>
+              <a:cs typeface="Noto Sans" panose="020B0502040504020204" pitchFamily="34"/>
+            </a:endParaRPr>
           </a:p>
         </p:txBody>
       </p:sp>
@@ -30446,8 +30290,8 @@
         </p:blipFill>
         <p:spPr>
           <a:xfrm>
-            <a:off x="1219211" y="534500"/>
-            <a:ext cx="4282089" cy="4034018"/>
+            <a:off x="2291806" y="433625"/>
+            <a:ext cx="6693988" cy="6120914"/>
           </a:xfrm>
           <a:prstGeom prst="rect">
             <a:avLst/>
@@ -30457,17 +30301,24 @@
     </p:spTree>
     <p:extLst>
       <p:ext uri="{BB962C8B-B14F-4D97-AF65-F5344CB8AC3E}">
-        <p14:creationId xmlns:p14="http://schemas.microsoft.com/office/powerpoint/2010/main" val="3841424852"/>
+        <p14:creationId xmlns:p14="http://schemas.microsoft.com/office/powerpoint/2010/main" val="3162393786"/>
       </p:ext>
     </p:extLst>
   </p:cSld>
   <p:clrMapOvr>
     <a:masterClrMapping/>
   </p:clrMapOvr>
+  <p:timing>
+    <p:tnLst>
+      <p:par>
+        <p:cTn id="1" dur="indefinite" restart="never" nodeType="tmRoot"/>
+      </p:par>
+    </p:tnLst>
+  </p:timing>
 </p:sld>
 </file>
 
-<file path=ppt/slides/slide8.xml><?xml version="1.0" encoding="utf-8"?>
+<file path=ppt/slides/slide9.xml><?xml version="1.0" encoding="utf-8"?>
 <p:sld xmlns:a="http://schemas.openxmlformats.org/drawingml/2006/main" xmlns:r="http://schemas.openxmlformats.org/officeDocument/2006/relationships" xmlns:p="http://schemas.openxmlformats.org/presentationml/2006/main">
   <p:cSld>
     <p:bg>
@@ -31686,7 +31537,7 @@
                 <a:ea typeface="Noto Sans" panose="020B0502040504020204" pitchFamily="34"/>
                 <a:cs typeface="Noto Sans" panose="020B0502040504020204" pitchFamily="34"/>
               </a:rPr>
-              <a:t>8</a:t>
+              <a:t>9</a:t>
             </a:r>
             <a:endParaRPr lang="en-GB" dirty="0">
               <a:solidFill>
@@ -31727,1170 +31578,6 @@
     <p:extLst>
       <p:ext uri="{BB962C8B-B14F-4D97-AF65-F5344CB8AC3E}">
         <p14:creationId xmlns:p14="http://schemas.microsoft.com/office/powerpoint/2010/main" val="1493706196"/>
-      </p:ext>
-    </p:extLst>
-  </p:cSld>
-  <p:clrMapOvr>
-    <a:masterClrMapping/>
-  </p:clrMapOvr>
-</p:sld>
-</file>
-
-<file path=ppt/slides/slide9.xml><?xml version="1.0" encoding="utf-8"?>
-<p:sld xmlns:a="http://schemas.openxmlformats.org/drawingml/2006/main" xmlns:r="http://schemas.openxmlformats.org/officeDocument/2006/relationships" xmlns:p="http://schemas.openxmlformats.org/presentationml/2006/main">
-  <p:cSld>
-    <p:bg>
-      <p:bgPr>
-        <a:solidFill>
-          <a:schemeClr val="tx1"/>
-        </a:solidFill>
-        <a:effectLst/>
-      </p:bgPr>
-    </p:bg>
-    <p:spTree>
-      <p:nvGrpSpPr>
-        <p:cNvPr id="1" name=""/>
-        <p:cNvGrpSpPr/>
-        <p:nvPr/>
-      </p:nvGrpSpPr>
-      <p:grpSpPr>
-        <a:xfrm>
-          <a:off x="0" y="0"/>
-          <a:ext cx="0" cy="0"/>
-          <a:chOff x="0" y="0"/>
-          <a:chExt cx="0" cy="0"/>
-        </a:xfrm>
-      </p:grpSpPr>
-      <p:sp>
-        <p:nvSpPr>
-          <p:cNvPr id="35" name="Oval 34">
-            <a:extLst>
-              <a:ext uri="{FF2B5EF4-FFF2-40B4-BE49-F238E27FC236}">
-                <a16:creationId xmlns="" xmlns:a16="http://schemas.microsoft.com/office/drawing/2014/main" id="{5DDABBE8-7360-452B-B856-38FEBE0D7B6C}"/>
-              </a:ext>
-            </a:extLst>
-          </p:cNvPr>
-          <p:cNvSpPr/>
-          <p:nvPr/>
-        </p:nvSpPr>
-        <p:spPr>
-          <a:xfrm flipV="1">
-            <a:off x="2122660" y="6279408"/>
-            <a:ext cx="2739830" cy="300753"/>
-          </a:xfrm>
-          <a:prstGeom prst="ellipse">
-            <a:avLst/>
-          </a:prstGeom>
-          <a:solidFill>
-            <a:schemeClr val="tx2">
-              <a:alpha val="30000"/>
-            </a:schemeClr>
-          </a:solidFill>
-          <a:ln>
-            <a:noFill/>
-          </a:ln>
-        </p:spPr>
-        <p:style>
-          <a:lnRef idx="2">
-            <a:schemeClr val="accent1">
-              <a:shade val="50000"/>
-            </a:schemeClr>
-          </a:lnRef>
-          <a:fillRef idx="1">
-            <a:schemeClr val="accent1"/>
-          </a:fillRef>
-          <a:effectRef idx="0">
-            <a:schemeClr val="accent1"/>
-          </a:effectRef>
-          <a:fontRef idx="minor">
-            <a:schemeClr val="lt1"/>
-          </a:fontRef>
-        </p:style>
-        <p:txBody>
-          <a:bodyPr rtlCol="0" anchor="ctr"/>
-          <a:lstStyle/>
-          <a:p>
-            <a:pPr algn="ctr">
-              <a:defRPr/>
-            </a:pPr>
-            <a:endParaRPr lang="en-US" dirty="0">
-              <a:solidFill>
-                <a:srgbClr val="FFFFFF"/>
-              </a:solidFill>
-            </a:endParaRPr>
-          </a:p>
-        </p:txBody>
-      </p:sp>
-      <p:sp>
-        <p:nvSpPr>
-          <p:cNvPr id="5" name="Freeform 5"/>
-          <p:cNvSpPr>
-            <a:spLocks/>
-          </p:cNvSpPr>
-          <p:nvPr/>
-        </p:nvSpPr>
-        <p:spPr bwMode="auto">
-          <a:xfrm>
-            <a:off x="1751087" y="4938746"/>
-            <a:ext cx="3482976" cy="1245495"/>
-          </a:xfrm>
-          <a:custGeom>
-            <a:avLst/>
-            <a:gdLst>
-              <a:gd name="T0" fmla="*/ 451 w 629"/>
-              <a:gd name="T1" fmla="*/ 74 h 225"/>
-              <a:gd name="T2" fmla="*/ 466 w 629"/>
-              <a:gd name="T3" fmla="*/ 74 h 225"/>
-              <a:gd name="T4" fmla="*/ 503 w 629"/>
-              <a:gd name="T5" fmla="*/ 64 h 225"/>
-              <a:gd name="T6" fmla="*/ 583 w 629"/>
-              <a:gd name="T7" fmla="*/ 15 h 225"/>
-              <a:gd name="T8" fmla="*/ 600 w 629"/>
-              <a:gd name="T9" fmla="*/ 4 h 225"/>
-              <a:gd name="T10" fmla="*/ 621 w 629"/>
-              <a:gd name="T11" fmla="*/ 9 h 225"/>
-              <a:gd name="T12" fmla="*/ 627 w 629"/>
-              <a:gd name="T13" fmla="*/ 19 h 225"/>
-              <a:gd name="T14" fmla="*/ 626 w 629"/>
-              <a:gd name="T15" fmla="*/ 26 h 225"/>
-              <a:gd name="T16" fmla="*/ 588 w 629"/>
-              <a:gd name="T17" fmla="*/ 67 h 225"/>
-              <a:gd name="T18" fmla="*/ 547 w 629"/>
-              <a:gd name="T19" fmla="*/ 105 h 225"/>
-              <a:gd name="T20" fmla="*/ 516 w 629"/>
-              <a:gd name="T21" fmla="*/ 135 h 225"/>
-              <a:gd name="T22" fmla="*/ 497 w 629"/>
-              <a:gd name="T23" fmla="*/ 148 h 225"/>
-              <a:gd name="T24" fmla="*/ 447 w 629"/>
-              <a:gd name="T25" fmla="*/ 179 h 225"/>
-              <a:gd name="T26" fmla="*/ 393 w 629"/>
-              <a:gd name="T27" fmla="*/ 219 h 225"/>
-              <a:gd name="T28" fmla="*/ 371 w 629"/>
-              <a:gd name="T29" fmla="*/ 223 h 225"/>
-              <a:gd name="T30" fmla="*/ 329 w 629"/>
-              <a:gd name="T31" fmla="*/ 212 h 225"/>
-              <a:gd name="T32" fmla="*/ 285 w 629"/>
-              <a:gd name="T33" fmla="*/ 201 h 225"/>
-              <a:gd name="T34" fmla="*/ 225 w 629"/>
-              <a:gd name="T35" fmla="*/ 189 h 225"/>
-              <a:gd name="T36" fmla="*/ 186 w 629"/>
-              <a:gd name="T37" fmla="*/ 181 h 225"/>
-              <a:gd name="T38" fmla="*/ 169 w 629"/>
-              <a:gd name="T39" fmla="*/ 180 h 225"/>
-              <a:gd name="T40" fmla="*/ 121 w 629"/>
-              <a:gd name="T41" fmla="*/ 170 h 225"/>
-              <a:gd name="T42" fmla="*/ 66 w 629"/>
-              <a:gd name="T43" fmla="*/ 157 h 225"/>
-              <a:gd name="T44" fmla="*/ 23 w 629"/>
-              <a:gd name="T45" fmla="*/ 149 h 225"/>
-              <a:gd name="T46" fmla="*/ 9 w 629"/>
-              <a:gd name="T47" fmla="*/ 145 h 225"/>
-              <a:gd name="T48" fmla="*/ 4 w 629"/>
-              <a:gd name="T49" fmla="*/ 140 h 225"/>
-              <a:gd name="T50" fmla="*/ 3 w 629"/>
-              <a:gd name="T51" fmla="*/ 94 h 225"/>
-              <a:gd name="T52" fmla="*/ 21 w 629"/>
-              <a:gd name="T53" fmla="*/ 29 h 225"/>
-              <a:gd name="T54" fmla="*/ 39 w 629"/>
-              <a:gd name="T55" fmla="*/ 4 h 225"/>
-              <a:gd name="T56" fmla="*/ 45 w 629"/>
-              <a:gd name="T57" fmla="*/ 2 h 225"/>
-              <a:gd name="T58" fmla="*/ 106 w 629"/>
-              <a:gd name="T59" fmla="*/ 21 h 225"/>
-              <a:gd name="T60" fmla="*/ 125 w 629"/>
-              <a:gd name="T61" fmla="*/ 27 h 225"/>
-              <a:gd name="T62" fmla="*/ 135 w 629"/>
-              <a:gd name="T63" fmla="*/ 27 h 225"/>
-              <a:gd name="T64" fmla="*/ 175 w 629"/>
-              <a:gd name="T65" fmla="*/ 17 h 225"/>
-              <a:gd name="T66" fmla="*/ 231 w 629"/>
-              <a:gd name="T67" fmla="*/ 11 h 225"/>
-              <a:gd name="T68" fmla="*/ 274 w 629"/>
-              <a:gd name="T69" fmla="*/ 24 h 225"/>
-              <a:gd name="T70" fmla="*/ 329 w 629"/>
-              <a:gd name="T71" fmla="*/ 52 h 225"/>
-              <a:gd name="T72" fmla="*/ 356 w 629"/>
-              <a:gd name="T73" fmla="*/ 57 h 225"/>
-              <a:gd name="T74" fmla="*/ 417 w 629"/>
-              <a:gd name="T75" fmla="*/ 71 h 225"/>
-              <a:gd name="T76" fmla="*/ 433 w 629"/>
-              <a:gd name="T77" fmla="*/ 87 h 225"/>
-              <a:gd name="T78" fmla="*/ 422 w 629"/>
-              <a:gd name="T79" fmla="*/ 112 h 225"/>
-              <a:gd name="T80" fmla="*/ 386 w 629"/>
-              <a:gd name="T81" fmla="*/ 113 h 225"/>
-              <a:gd name="T82" fmla="*/ 309 w 629"/>
-              <a:gd name="T83" fmla="*/ 113 h 225"/>
-              <a:gd name="T84" fmla="*/ 279 w 629"/>
-              <a:gd name="T85" fmla="*/ 120 h 225"/>
-              <a:gd name="T86" fmla="*/ 272 w 629"/>
-              <a:gd name="T87" fmla="*/ 134 h 225"/>
-              <a:gd name="T88" fmla="*/ 285 w 629"/>
-              <a:gd name="T89" fmla="*/ 141 h 225"/>
-              <a:gd name="T90" fmla="*/ 296 w 629"/>
-              <a:gd name="T91" fmla="*/ 137 h 225"/>
-              <a:gd name="T92" fmla="*/ 366 w 629"/>
-              <a:gd name="T93" fmla="*/ 134 h 225"/>
-              <a:gd name="T94" fmla="*/ 409 w 629"/>
-              <a:gd name="T95" fmla="*/ 136 h 225"/>
-              <a:gd name="T96" fmla="*/ 437 w 629"/>
-              <a:gd name="T97" fmla="*/ 130 h 225"/>
-              <a:gd name="T98" fmla="*/ 453 w 629"/>
-              <a:gd name="T99" fmla="*/ 77 h 225"/>
-              <a:gd name="T100" fmla="*/ 451 w 629"/>
-              <a:gd name="T101" fmla="*/ 74 h 225"/>
-            </a:gdLst>
-            <a:ahLst/>
-            <a:cxnLst>
-              <a:cxn ang="0">
-                <a:pos x="T0" y="T1"/>
-              </a:cxn>
-              <a:cxn ang="0">
-                <a:pos x="T2" y="T3"/>
-              </a:cxn>
-              <a:cxn ang="0">
-                <a:pos x="T4" y="T5"/>
-              </a:cxn>
-              <a:cxn ang="0">
-                <a:pos x="T6" y="T7"/>
-              </a:cxn>
-              <a:cxn ang="0">
-                <a:pos x="T8" y="T9"/>
-              </a:cxn>
-              <a:cxn ang="0">
-                <a:pos x="T10" y="T11"/>
-              </a:cxn>
-              <a:cxn ang="0">
-                <a:pos x="T12" y="T13"/>
-              </a:cxn>
-              <a:cxn ang="0">
-                <a:pos x="T14" y="T15"/>
-              </a:cxn>
-              <a:cxn ang="0">
-                <a:pos x="T16" y="T17"/>
-              </a:cxn>
-              <a:cxn ang="0">
-                <a:pos x="T18" y="T19"/>
-              </a:cxn>
-              <a:cxn ang="0">
-                <a:pos x="T20" y="T21"/>
-              </a:cxn>
-              <a:cxn ang="0">
-                <a:pos x="T22" y="T23"/>
-              </a:cxn>
-              <a:cxn ang="0">
-                <a:pos x="T24" y="T25"/>
-              </a:cxn>
-              <a:cxn ang="0">
-                <a:pos x="T26" y="T27"/>
-              </a:cxn>
-              <a:cxn ang="0">
-                <a:pos x="T28" y="T29"/>
-              </a:cxn>
-              <a:cxn ang="0">
-                <a:pos x="T30" y="T31"/>
-              </a:cxn>
-              <a:cxn ang="0">
-                <a:pos x="T32" y="T33"/>
-              </a:cxn>
-              <a:cxn ang="0">
-                <a:pos x="T34" y="T35"/>
-              </a:cxn>
-              <a:cxn ang="0">
-                <a:pos x="T36" y="T37"/>
-              </a:cxn>
-              <a:cxn ang="0">
-                <a:pos x="T38" y="T39"/>
-              </a:cxn>
-              <a:cxn ang="0">
-                <a:pos x="T40" y="T41"/>
-              </a:cxn>
-              <a:cxn ang="0">
-                <a:pos x="T42" y="T43"/>
-              </a:cxn>
-              <a:cxn ang="0">
-                <a:pos x="T44" y="T45"/>
-              </a:cxn>
-              <a:cxn ang="0">
-                <a:pos x="T46" y="T47"/>
-              </a:cxn>
-              <a:cxn ang="0">
-                <a:pos x="T48" y="T49"/>
-              </a:cxn>
-              <a:cxn ang="0">
-                <a:pos x="T50" y="T51"/>
-              </a:cxn>
-              <a:cxn ang="0">
-                <a:pos x="T52" y="T53"/>
-              </a:cxn>
-              <a:cxn ang="0">
-                <a:pos x="T54" y="T55"/>
-              </a:cxn>
-              <a:cxn ang="0">
-                <a:pos x="T56" y="T57"/>
-              </a:cxn>
-              <a:cxn ang="0">
-                <a:pos x="T58" y="T59"/>
-              </a:cxn>
-              <a:cxn ang="0">
-                <a:pos x="T60" y="T61"/>
-              </a:cxn>
-              <a:cxn ang="0">
-                <a:pos x="T62" y="T63"/>
-              </a:cxn>
-              <a:cxn ang="0">
-                <a:pos x="T64" y="T65"/>
-              </a:cxn>
-              <a:cxn ang="0">
-                <a:pos x="T66" y="T67"/>
-              </a:cxn>
-              <a:cxn ang="0">
-                <a:pos x="T68" y="T69"/>
-              </a:cxn>
-              <a:cxn ang="0">
-                <a:pos x="T70" y="T71"/>
-              </a:cxn>
-              <a:cxn ang="0">
-                <a:pos x="T72" y="T73"/>
-              </a:cxn>
-              <a:cxn ang="0">
-                <a:pos x="T74" y="T75"/>
-              </a:cxn>
-              <a:cxn ang="0">
-                <a:pos x="T76" y="T77"/>
-              </a:cxn>
-              <a:cxn ang="0">
-                <a:pos x="T78" y="T79"/>
-              </a:cxn>
-              <a:cxn ang="0">
-                <a:pos x="T80" y="T81"/>
-              </a:cxn>
-              <a:cxn ang="0">
-                <a:pos x="T82" y="T83"/>
-              </a:cxn>
-              <a:cxn ang="0">
-                <a:pos x="T84" y="T85"/>
-              </a:cxn>
-              <a:cxn ang="0">
-                <a:pos x="T86" y="T87"/>
-              </a:cxn>
-              <a:cxn ang="0">
-                <a:pos x="T88" y="T89"/>
-              </a:cxn>
-              <a:cxn ang="0">
-                <a:pos x="T90" y="T91"/>
-              </a:cxn>
-              <a:cxn ang="0">
-                <a:pos x="T92" y="T93"/>
-              </a:cxn>
-              <a:cxn ang="0">
-                <a:pos x="T94" y="T95"/>
-              </a:cxn>
-              <a:cxn ang="0">
-                <a:pos x="T96" y="T97"/>
-              </a:cxn>
-              <a:cxn ang="0">
-                <a:pos x="T98" y="T99"/>
-              </a:cxn>
-              <a:cxn ang="0">
-                <a:pos x="T100" y="T101"/>
-              </a:cxn>
-            </a:cxnLst>
-            <a:rect l="0" t="0" r="r" b="b"/>
-            <a:pathLst>
-              <a:path w="629" h="225">
-                <a:moveTo>
-                  <a:pt x="451" y="74"/>
-                </a:moveTo>
-                <a:cubicBezTo>
-                  <a:pt x="457" y="74"/>
-                  <a:pt x="462" y="74"/>
-                  <a:pt x="466" y="74"/>
-                </a:cubicBezTo>
-                <a:cubicBezTo>
-                  <a:pt x="480" y="73"/>
-                  <a:pt x="491" y="68"/>
-                  <a:pt x="503" y="64"/>
-                </a:cubicBezTo>
-                <a:cubicBezTo>
-                  <a:pt x="533" y="52"/>
-                  <a:pt x="557" y="33"/>
-                  <a:pt x="583" y="15"/>
-                </a:cubicBezTo>
-                <a:cubicBezTo>
-                  <a:pt x="589" y="11"/>
-                  <a:pt x="594" y="7"/>
-                  <a:pt x="600" y="4"/>
-                </a:cubicBezTo>
-                <a:cubicBezTo>
-                  <a:pt x="608" y="0"/>
-                  <a:pt x="615" y="2"/>
-                  <a:pt x="621" y="9"/>
-                </a:cubicBezTo>
-                <a:cubicBezTo>
-                  <a:pt x="623" y="12"/>
-                  <a:pt x="625" y="16"/>
-                  <a:pt x="627" y="19"/>
-                </a:cubicBezTo>
-                <a:cubicBezTo>
-                  <a:pt x="629" y="22"/>
-                  <a:pt x="628" y="24"/>
-                  <a:pt x="626" y="26"/>
-                </a:cubicBezTo>
-                <a:cubicBezTo>
-                  <a:pt x="613" y="40"/>
-                  <a:pt x="601" y="54"/>
-                  <a:pt x="588" y="67"/>
-                </a:cubicBezTo>
-                <a:cubicBezTo>
-                  <a:pt x="575" y="80"/>
-                  <a:pt x="560" y="92"/>
-                  <a:pt x="547" y="105"/>
-                </a:cubicBezTo>
-                <a:cubicBezTo>
-                  <a:pt x="536" y="115"/>
-                  <a:pt x="527" y="126"/>
-                  <a:pt x="516" y="135"/>
-                </a:cubicBezTo>
-                <a:cubicBezTo>
-                  <a:pt x="511" y="140"/>
-                  <a:pt x="503" y="144"/>
-                  <a:pt x="497" y="148"/>
-                </a:cubicBezTo>
-                <a:cubicBezTo>
-                  <a:pt x="480" y="158"/>
-                  <a:pt x="464" y="169"/>
-                  <a:pt x="447" y="179"/>
-                </a:cubicBezTo>
-                <a:cubicBezTo>
-                  <a:pt x="427" y="190"/>
-                  <a:pt x="411" y="205"/>
-                  <a:pt x="393" y="219"/>
-                </a:cubicBezTo>
-                <a:cubicBezTo>
-                  <a:pt x="386" y="225"/>
-                  <a:pt x="379" y="225"/>
-                  <a:pt x="371" y="223"/>
-                </a:cubicBezTo>
-                <a:cubicBezTo>
-                  <a:pt x="357" y="219"/>
-                  <a:pt x="343" y="216"/>
-                  <a:pt x="329" y="212"/>
-                </a:cubicBezTo>
-                <a:cubicBezTo>
-                  <a:pt x="314" y="208"/>
-                  <a:pt x="300" y="205"/>
-                  <a:pt x="285" y="201"/>
-                </a:cubicBezTo>
-                <a:cubicBezTo>
-                  <a:pt x="265" y="197"/>
-                  <a:pt x="245" y="193"/>
-                  <a:pt x="225" y="189"/>
-                </a:cubicBezTo>
-                <a:cubicBezTo>
-                  <a:pt x="212" y="186"/>
-                  <a:pt x="199" y="183"/>
-                  <a:pt x="186" y="181"/>
-                </a:cubicBezTo>
-                <a:cubicBezTo>
-                  <a:pt x="180" y="180"/>
-                  <a:pt x="174" y="180"/>
-                  <a:pt x="169" y="180"/>
-                </a:cubicBezTo>
-                <a:cubicBezTo>
-                  <a:pt x="152" y="180"/>
-                  <a:pt x="137" y="175"/>
-                  <a:pt x="121" y="170"/>
-                </a:cubicBezTo>
-                <a:cubicBezTo>
-                  <a:pt x="103" y="165"/>
-                  <a:pt x="85" y="161"/>
-                  <a:pt x="66" y="157"/>
-                </a:cubicBezTo>
-                <a:cubicBezTo>
-                  <a:pt x="52" y="154"/>
-                  <a:pt x="38" y="152"/>
-                  <a:pt x="23" y="149"/>
-                </a:cubicBezTo>
-                <a:cubicBezTo>
-                  <a:pt x="18" y="148"/>
-                  <a:pt x="13" y="147"/>
-                  <a:pt x="9" y="145"/>
-                </a:cubicBezTo>
-                <a:cubicBezTo>
-                  <a:pt x="7" y="144"/>
-                  <a:pt x="5" y="142"/>
-                  <a:pt x="4" y="140"/>
-                </a:cubicBezTo>
-                <a:cubicBezTo>
-                  <a:pt x="0" y="125"/>
-                  <a:pt x="1" y="109"/>
-                  <a:pt x="3" y="94"/>
-                </a:cubicBezTo>
-                <a:cubicBezTo>
-                  <a:pt x="6" y="72"/>
-                  <a:pt x="12" y="50"/>
-                  <a:pt x="21" y="29"/>
-                </a:cubicBezTo>
-                <a:cubicBezTo>
-                  <a:pt x="26" y="20"/>
-                  <a:pt x="30" y="10"/>
-                  <a:pt x="39" y="4"/>
-                </a:cubicBezTo>
-                <a:cubicBezTo>
-                  <a:pt x="40" y="3"/>
-                  <a:pt x="43" y="2"/>
-                  <a:pt x="45" y="2"/>
-                </a:cubicBezTo>
-                <a:cubicBezTo>
-                  <a:pt x="66" y="8"/>
-                  <a:pt x="86" y="15"/>
-                  <a:pt x="106" y="21"/>
-                </a:cubicBezTo>
-                <a:cubicBezTo>
-                  <a:pt x="113" y="23"/>
-                  <a:pt x="119" y="25"/>
-                  <a:pt x="125" y="27"/>
-                </a:cubicBezTo>
-                <a:cubicBezTo>
-                  <a:pt x="129" y="28"/>
-                  <a:pt x="132" y="28"/>
-                  <a:pt x="135" y="27"/>
-                </a:cubicBezTo>
-                <a:cubicBezTo>
-                  <a:pt x="149" y="24"/>
-                  <a:pt x="162" y="20"/>
-                  <a:pt x="175" y="17"/>
-                </a:cubicBezTo>
-                <a:cubicBezTo>
-                  <a:pt x="193" y="13"/>
-                  <a:pt x="212" y="9"/>
-                  <a:pt x="231" y="11"/>
-                </a:cubicBezTo>
-                <a:cubicBezTo>
-                  <a:pt x="246" y="13"/>
-                  <a:pt x="261" y="17"/>
-                  <a:pt x="274" y="24"/>
-                </a:cubicBezTo>
-                <a:cubicBezTo>
-                  <a:pt x="293" y="33"/>
-                  <a:pt x="311" y="42"/>
-                  <a:pt x="329" y="52"/>
-                </a:cubicBezTo>
-                <a:cubicBezTo>
-                  <a:pt x="337" y="56"/>
-                  <a:pt x="347" y="56"/>
-                  <a:pt x="356" y="57"/>
-                </a:cubicBezTo>
-                <a:cubicBezTo>
-                  <a:pt x="377" y="60"/>
-                  <a:pt x="398" y="62"/>
-                  <a:pt x="417" y="71"/>
-                </a:cubicBezTo>
-                <a:cubicBezTo>
-                  <a:pt x="425" y="74"/>
-                  <a:pt x="428" y="81"/>
-                  <a:pt x="433" y="87"/>
-                </a:cubicBezTo>
-                <a:cubicBezTo>
-                  <a:pt x="440" y="96"/>
-                  <a:pt x="435" y="111"/>
-                  <a:pt x="422" y="112"/>
-                </a:cubicBezTo>
-                <a:cubicBezTo>
-                  <a:pt x="410" y="113"/>
-                  <a:pt x="398" y="114"/>
-                  <a:pt x="386" y="113"/>
-                </a:cubicBezTo>
-                <a:cubicBezTo>
-                  <a:pt x="360" y="111"/>
-                  <a:pt x="334" y="109"/>
-                  <a:pt x="309" y="113"/>
-                </a:cubicBezTo>
-                <a:cubicBezTo>
-                  <a:pt x="299" y="114"/>
-                  <a:pt x="289" y="117"/>
-                  <a:pt x="279" y="120"/>
-                </a:cubicBezTo>
-                <a:cubicBezTo>
-                  <a:pt x="273" y="122"/>
-                  <a:pt x="270" y="128"/>
-                  <a:pt x="272" y="134"/>
-                </a:cubicBezTo>
-                <a:cubicBezTo>
-                  <a:pt x="274" y="139"/>
-                  <a:pt x="279" y="142"/>
-                  <a:pt x="285" y="141"/>
-                </a:cubicBezTo>
-                <a:cubicBezTo>
-                  <a:pt x="289" y="140"/>
-                  <a:pt x="292" y="138"/>
-                  <a:pt x="296" y="137"/>
-                </a:cubicBezTo>
-                <a:cubicBezTo>
-                  <a:pt x="319" y="131"/>
-                  <a:pt x="343" y="132"/>
-                  <a:pt x="366" y="134"/>
-                </a:cubicBezTo>
-                <a:cubicBezTo>
-                  <a:pt x="381" y="135"/>
-                  <a:pt x="395" y="136"/>
-                  <a:pt x="409" y="136"/>
-                </a:cubicBezTo>
-                <a:cubicBezTo>
-                  <a:pt x="418" y="136"/>
-                  <a:pt x="428" y="134"/>
-                  <a:pt x="437" y="130"/>
-                </a:cubicBezTo>
-                <a:cubicBezTo>
-                  <a:pt x="454" y="122"/>
-                  <a:pt x="465" y="96"/>
-                  <a:pt x="453" y="77"/>
-                </a:cubicBezTo>
-                <a:cubicBezTo>
-                  <a:pt x="452" y="76"/>
-                  <a:pt x="452" y="76"/>
-                  <a:pt x="451" y="74"/>
-                </a:cubicBezTo>
-                <a:close/>
-              </a:path>
-            </a:pathLst>
-          </a:custGeom>
-          <a:solidFill>
-            <a:schemeClr val="bg1"/>
-          </a:solidFill>
-          <a:ln>
-            <a:noFill/>
-          </a:ln>
-        </p:spPr>
-        <p:txBody>
-          <a:bodyPr vert="horz" wrap="square" lIns="91440" tIns="45720" rIns="91440" bIns="45720" numCol="1" anchor="t" anchorCtr="0" compatLnSpc="1">
-            <a:prstTxWarp prst="textNoShape">
-              <a:avLst/>
-            </a:prstTxWarp>
-          </a:bodyPr>
-          <a:lstStyle/>
-          <a:p>
-            <a:pPr>
-              <a:defRPr/>
-            </a:pPr>
-            <a:endParaRPr lang="en-US">
-              <a:solidFill>
-                <a:srgbClr val="282F39"/>
-              </a:solidFill>
-            </a:endParaRPr>
-          </a:p>
-        </p:txBody>
-      </p:sp>
-      <p:sp>
-        <p:nvSpPr>
-          <p:cNvPr id="10" name="TextBox 9">
-            <a:extLst>
-              <a:ext uri="{FF2B5EF4-FFF2-40B4-BE49-F238E27FC236}">
-                <a16:creationId xmlns="" xmlns:a16="http://schemas.microsoft.com/office/drawing/2014/main" id="{DB0A9C50-B290-4C30-A65A-9D7AB111D154}"/>
-              </a:ext>
-            </a:extLst>
-          </p:cNvPr>
-          <p:cNvSpPr txBox="1"/>
-          <p:nvPr/>
-        </p:nvSpPr>
-        <p:spPr>
-          <a:xfrm>
-            <a:off x="6282513" y="1116404"/>
-            <a:ext cx="5497985" cy="1015663"/>
-          </a:xfrm>
-          <a:prstGeom prst="rect">
-            <a:avLst/>
-          </a:prstGeom>
-          <a:noFill/>
-        </p:spPr>
-        <p:txBody>
-          <a:bodyPr wrap="square" rtlCol="0">
-            <a:spAutoFit/>
-          </a:bodyPr>
-          <a:lstStyle/>
-          <a:p>
-            <a:pPr algn="ctr">
-              <a:defRPr/>
-            </a:pPr>
-            <a:r>
-              <a:rPr lang="en-GB" sz="6000" dirty="0" smtClean="0">
-                <a:solidFill>
-                  <a:srgbClr val="FFFFFF"/>
-                </a:solidFill>
-                <a:latin typeface="Noto Sans" panose="020B0502040504020204" pitchFamily="34"/>
-                <a:ea typeface="Noto Sans" panose="020B0502040504020204" pitchFamily="34"/>
-                <a:cs typeface="Noto Sans" panose="020B0502040504020204" pitchFamily="34"/>
-              </a:rPr>
-              <a:t>BALANCEAR</a:t>
-            </a:r>
-            <a:endParaRPr lang="en-GB" sz="6000" dirty="0">
-              <a:solidFill>
-                <a:srgbClr val="FFFFFF"/>
-              </a:solidFill>
-              <a:latin typeface="Noto Sans" panose="020B0502040504020204" pitchFamily="34"/>
-              <a:ea typeface="Noto Sans" panose="020B0502040504020204" pitchFamily="34"/>
-              <a:cs typeface="Noto Sans" panose="020B0502040504020204" pitchFamily="34"/>
-            </a:endParaRPr>
-          </a:p>
-        </p:txBody>
-      </p:sp>
-      <p:sp>
-        <p:nvSpPr>
-          <p:cNvPr id="66" name="Oval 65">
-            <a:extLst>
-              <a:ext uri="{FF2B5EF4-FFF2-40B4-BE49-F238E27FC236}">
-                <a16:creationId xmlns="" xmlns:a16="http://schemas.microsoft.com/office/drawing/2014/main" id="{B327ECD0-E1B0-4737-8A11-DA4355BE380C}"/>
-              </a:ext>
-            </a:extLst>
-          </p:cNvPr>
-          <p:cNvSpPr/>
-          <p:nvPr/>
-        </p:nvSpPr>
-        <p:spPr>
-          <a:xfrm>
-            <a:off x="7299616" y="2298326"/>
-            <a:ext cx="506366" cy="506366"/>
-          </a:xfrm>
-          <a:prstGeom prst="ellipse">
-            <a:avLst/>
-          </a:prstGeom>
-          <a:solidFill>
-            <a:schemeClr val="accent2"/>
-          </a:solidFill>
-          <a:ln>
-            <a:noFill/>
-          </a:ln>
-        </p:spPr>
-        <p:style>
-          <a:lnRef idx="2">
-            <a:schemeClr val="accent1">
-              <a:shade val="50000"/>
-            </a:schemeClr>
-          </a:lnRef>
-          <a:fillRef idx="1">
-            <a:schemeClr val="accent1"/>
-          </a:fillRef>
-          <a:effectRef idx="0">
-            <a:schemeClr val="accent1"/>
-          </a:effectRef>
-          <a:fontRef idx="minor">
-            <a:schemeClr val="lt1"/>
-          </a:fontRef>
-        </p:style>
-        <p:txBody>
-          <a:bodyPr rtlCol="0" anchor="ctr"/>
-          <a:lstStyle/>
-          <a:p>
-            <a:pPr algn="ctr">
-              <a:defRPr/>
-            </a:pPr>
-            <a:r>
-              <a:rPr lang="en-US" b="1" dirty="0">
-                <a:solidFill>
-                  <a:srgbClr val="FFFFFF"/>
-                </a:solidFill>
-              </a:rPr>
-              <a:t>1</a:t>
-            </a:r>
-          </a:p>
-        </p:txBody>
-      </p:sp>
-      <p:sp>
-        <p:nvSpPr>
-          <p:cNvPr id="68" name="Oval 67">
-            <a:extLst>
-              <a:ext uri="{FF2B5EF4-FFF2-40B4-BE49-F238E27FC236}">
-                <a16:creationId xmlns="" xmlns:a16="http://schemas.microsoft.com/office/drawing/2014/main" id="{A445E318-5EBB-456A-AB1D-82C950818623}"/>
-              </a:ext>
-            </a:extLst>
-          </p:cNvPr>
-          <p:cNvSpPr/>
-          <p:nvPr/>
-        </p:nvSpPr>
-        <p:spPr>
-          <a:xfrm>
-            <a:off x="7296376" y="4213510"/>
-            <a:ext cx="506366" cy="506366"/>
-          </a:xfrm>
-          <a:prstGeom prst="ellipse">
-            <a:avLst/>
-          </a:prstGeom>
-          <a:solidFill>
-            <a:schemeClr val="accent4"/>
-          </a:solidFill>
-          <a:ln>
-            <a:noFill/>
-          </a:ln>
-        </p:spPr>
-        <p:style>
-          <a:lnRef idx="2">
-            <a:schemeClr val="accent1">
-              <a:shade val="50000"/>
-            </a:schemeClr>
-          </a:lnRef>
-          <a:fillRef idx="1">
-            <a:schemeClr val="accent1"/>
-          </a:fillRef>
-          <a:effectRef idx="0">
-            <a:schemeClr val="accent1"/>
-          </a:effectRef>
-          <a:fontRef idx="minor">
-            <a:schemeClr val="lt1"/>
-          </a:fontRef>
-        </p:style>
-        <p:txBody>
-          <a:bodyPr rtlCol="0" anchor="ctr"/>
-          <a:lstStyle/>
-          <a:p>
-            <a:pPr algn="ctr">
-              <a:defRPr/>
-            </a:pPr>
-            <a:r>
-              <a:rPr lang="en-US" b="1" dirty="0">
-                <a:solidFill>
-                  <a:srgbClr val="FFFFFF"/>
-                </a:solidFill>
-              </a:rPr>
-              <a:t>2</a:t>
-            </a:r>
-          </a:p>
-        </p:txBody>
-      </p:sp>
-      <p:sp>
-        <p:nvSpPr>
-          <p:cNvPr id="75" name="TextBox 74">
-            <a:extLst>
-              <a:ext uri="{FF2B5EF4-FFF2-40B4-BE49-F238E27FC236}">
-                <a16:creationId xmlns="" xmlns:a16="http://schemas.microsoft.com/office/drawing/2014/main" id="{F4AF6505-A775-4864-B23C-39B7D60FE049}"/>
-              </a:ext>
-            </a:extLst>
-          </p:cNvPr>
-          <p:cNvSpPr txBox="1"/>
-          <p:nvPr/>
-        </p:nvSpPr>
-        <p:spPr>
-          <a:xfrm>
-            <a:off x="7844939" y="2030843"/>
-            <a:ext cx="3892902" cy="2031325"/>
-          </a:xfrm>
-          <a:prstGeom prst="rect">
-            <a:avLst/>
-          </a:prstGeom>
-          <a:noFill/>
-        </p:spPr>
-        <p:txBody>
-          <a:bodyPr wrap="square" rtlCol="0">
-            <a:spAutoFit/>
-          </a:bodyPr>
-          <a:lstStyle/>
-          <a:p>
-            <a:pPr>
-              <a:defRPr/>
-            </a:pPr>
-            <a:endParaRPr lang="es-ES" dirty="0">
-              <a:solidFill>
-                <a:srgbClr val="FFFFFF"/>
-              </a:solidFill>
-              <a:latin typeface="Noto Sans" panose="020B0502040504020204" pitchFamily="34"/>
-              <a:ea typeface="Noto Sans" panose="020B0502040504020204" pitchFamily="34"/>
-              <a:cs typeface="Noto Sans" panose="020B0502040504020204" pitchFamily="34"/>
-            </a:endParaRPr>
-          </a:p>
-          <a:p>
-            <a:pPr>
-              <a:defRPr/>
-            </a:pPr>
-            <a:r>
-              <a:rPr lang="es-ES" dirty="0">
-                <a:solidFill>
-                  <a:srgbClr val="FFFFFF"/>
-                </a:solidFill>
-                <a:latin typeface="Noto Sans" panose="020B0502040504020204" pitchFamily="34"/>
-                <a:ea typeface="Noto Sans" panose="020B0502040504020204" pitchFamily="34"/>
-                <a:cs typeface="Noto Sans" panose="020B0502040504020204" pitchFamily="34"/>
-              </a:rPr>
-              <a:t>Cada nodo de Interval Tree </a:t>
-            </a:r>
-            <a:r>
-              <a:rPr lang="es-ES" dirty="0" smtClean="0">
-                <a:solidFill>
-                  <a:srgbClr val="FFFFFF"/>
-                </a:solidFill>
-                <a:latin typeface="Noto Sans" panose="020B0502040504020204" pitchFamily="34"/>
-                <a:ea typeface="Noto Sans" panose="020B0502040504020204" pitchFamily="34"/>
-                <a:cs typeface="Noto Sans" panose="020B0502040504020204" pitchFamily="34"/>
-              </a:rPr>
-              <a:t>almacena la </a:t>
-            </a:r>
-            <a:r>
-              <a:rPr lang="es-ES" dirty="0">
-                <a:solidFill>
-                  <a:srgbClr val="FFFFFF"/>
-                </a:solidFill>
-                <a:latin typeface="Noto Sans" panose="020B0502040504020204" pitchFamily="34"/>
-                <a:ea typeface="Noto Sans" panose="020B0502040504020204" pitchFamily="34"/>
-                <a:cs typeface="Noto Sans" panose="020B0502040504020204" pitchFamily="34"/>
-              </a:rPr>
-              <a:t>siguiente </a:t>
-            </a:r>
-            <a:r>
-              <a:rPr lang="es-ES" dirty="0" smtClean="0">
-                <a:solidFill>
-                  <a:srgbClr val="FFFFFF"/>
-                </a:solidFill>
-                <a:latin typeface="Noto Sans" panose="020B0502040504020204" pitchFamily="34"/>
-                <a:ea typeface="Noto Sans" panose="020B0502040504020204" pitchFamily="34"/>
-                <a:cs typeface="Noto Sans" panose="020B0502040504020204" pitchFamily="34"/>
-              </a:rPr>
-              <a:t>información: </a:t>
-            </a:r>
-          </a:p>
-          <a:p>
-            <a:pPr marL="342900" indent="-342900">
-              <a:buFontTx/>
-              <a:buAutoNum type="arabicParenR"/>
-              <a:defRPr/>
-            </a:pPr>
-            <a:r>
-              <a:rPr lang="en-GB" dirty="0" smtClean="0">
-                <a:solidFill>
-                  <a:srgbClr val="FFFFFF"/>
-                </a:solidFill>
-                <a:latin typeface="Noto Sans" panose="020B0502040504020204" pitchFamily="34"/>
-                <a:ea typeface="Noto Sans" panose="020B0502040504020204" pitchFamily="34"/>
-                <a:cs typeface="Noto Sans" panose="020B0502040504020204" pitchFamily="34"/>
-              </a:rPr>
-              <a:t>[low,high]</a:t>
-            </a:r>
-          </a:p>
-          <a:p>
-            <a:pPr marL="342900" indent="-342900">
-              <a:buFontTx/>
-              <a:buAutoNum type="arabicParenR"/>
-              <a:defRPr/>
-            </a:pPr>
-            <a:r>
-              <a:rPr lang="en-GB" dirty="0" smtClean="0">
-                <a:solidFill>
-                  <a:srgbClr val="FFFFFF"/>
-                </a:solidFill>
-                <a:latin typeface="Noto Sans" panose="020B0502040504020204" pitchFamily="34"/>
-                <a:ea typeface="Noto Sans" panose="020B0502040504020204" pitchFamily="34"/>
-                <a:cs typeface="Noto Sans" panose="020B0502040504020204" pitchFamily="34"/>
-              </a:rPr>
-              <a:t>max -&gt; </a:t>
-            </a:r>
-            <a:r>
-              <a:rPr lang="es-ES" dirty="0" smtClean="0">
-                <a:solidFill>
-                  <a:srgbClr val="FFFFFF"/>
-                </a:solidFill>
-                <a:latin typeface="Noto Sans" panose="020B0502040504020204" pitchFamily="34"/>
-                <a:ea typeface="Noto Sans" panose="020B0502040504020204" pitchFamily="34"/>
-                <a:cs typeface="Noto Sans" panose="020B0502040504020204" pitchFamily="34"/>
-              </a:rPr>
-              <a:t>valor </a:t>
-            </a:r>
-            <a:r>
-              <a:rPr lang="es-ES" dirty="0">
-                <a:solidFill>
-                  <a:srgbClr val="FFFFFF"/>
-                </a:solidFill>
-                <a:latin typeface="Noto Sans" panose="020B0502040504020204" pitchFamily="34"/>
-                <a:ea typeface="Noto Sans" panose="020B0502040504020204" pitchFamily="34"/>
-                <a:cs typeface="Noto Sans" panose="020B0502040504020204" pitchFamily="34"/>
-              </a:rPr>
-              <a:t>máximo alto en </a:t>
-            </a:r>
-            <a:r>
-              <a:rPr lang="es-ES" dirty="0" smtClean="0">
-                <a:solidFill>
-                  <a:srgbClr val="FFFFFF"/>
-                </a:solidFill>
-                <a:latin typeface="Noto Sans" panose="020B0502040504020204" pitchFamily="34"/>
-                <a:ea typeface="Noto Sans" panose="020B0502040504020204" pitchFamily="34"/>
-                <a:cs typeface="Noto Sans" panose="020B0502040504020204" pitchFamily="34"/>
-              </a:rPr>
-              <a:t>   subárbol </a:t>
-            </a:r>
-            <a:r>
-              <a:rPr lang="es-ES" dirty="0">
-                <a:solidFill>
-                  <a:srgbClr val="FFFFFF"/>
-                </a:solidFill>
-                <a:latin typeface="Noto Sans" panose="020B0502040504020204" pitchFamily="34"/>
-                <a:ea typeface="Noto Sans" panose="020B0502040504020204" pitchFamily="34"/>
-                <a:cs typeface="Noto Sans" panose="020B0502040504020204" pitchFamily="34"/>
-              </a:rPr>
-              <a:t>arraigado con este nodo.</a:t>
-            </a:r>
-            <a:endParaRPr lang="en-GB" dirty="0">
-              <a:solidFill>
-                <a:srgbClr val="FFFFFF"/>
-              </a:solidFill>
-              <a:latin typeface="Noto Sans" panose="020B0502040504020204" pitchFamily="34"/>
-              <a:ea typeface="Noto Sans" panose="020B0502040504020204" pitchFamily="34"/>
-              <a:cs typeface="Noto Sans" panose="020B0502040504020204" pitchFamily="34"/>
-            </a:endParaRPr>
-          </a:p>
-        </p:txBody>
-      </p:sp>
-      <p:sp>
-        <p:nvSpPr>
-          <p:cNvPr id="29" name="Oval 28">
-            <a:extLst>
-              <a:ext uri="{FF2B5EF4-FFF2-40B4-BE49-F238E27FC236}">
-                <a16:creationId xmlns="" xmlns:a16="http://schemas.microsoft.com/office/drawing/2014/main" id="{B3187278-174E-40F9-9099-8E759C168EB1}"/>
-              </a:ext>
-            </a:extLst>
-          </p:cNvPr>
-          <p:cNvSpPr/>
-          <p:nvPr/>
-        </p:nvSpPr>
-        <p:spPr>
-          <a:xfrm>
-            <a:off x="11512282" y="208067"/>
-            <a:ext cx="451117" cy="451117"/>
-          </a:xfrm>
-          <a:prstGeom prst="ellipse">
-            <a:avLst/>
-          </a:prstGeom>
-          <a:solidFill>
-            <a:schemeClr val="accent3"/>
-          </a:solidFill>
-          <a:ln>
-            <a:noFill/>
-          </a:ln>
-        </p:spPr>
-        <p:style>
-          <a:lnRef idx="2">
-            <a:schemeClr val="accent1">
-              <a:shade val="50000"/>
-            </a:schemeClr>
-          </a:lnRef>
-          <a:fillRef idx="1">
-            <a:schemeClr val="accent1"/>
-          </a:fillRef>
-          <a:effectRef idx="0">
-            <a:schemeClr val="accent1"/>
-          </a:effectRef>
-          <a:fontRef idx="minor">
-            <a:schemeClr val="lt1"/>
-          </a:fontRef>
-        </p:style>
-        <p:txBody>
-          <a:bodyPr wrap="none" rtlCol="0" anchor="ctr">
-            <a:noAutofit/>
-          </a:bodyPr>
-          <a:lstStyle/>
-          <a:p>
-            <a:pPr algn="ctr">
-              <a:defRPr/>
-            </a:pPr>
-            <a:r>
-              <a:rPr lang="en-GB" dirty="0" smtClean="0">
-                <a:solidFill>
-                  <a:srgbClr val="FFFFFF"/>
-                </a:solidFill>
-                <a:latin typeface="Noto Sans" panose="020B0502040504020204" pitchFamily="34"/>
-                <a:ea typeface="Noto Sans" panose="020B0502040504020204" pitchFamily="34"/>
-                <a:cs typeface="Noto Sans" panose="020B0502040504020204" pitchFamily="34"/>
-              </a:rPr>
-              <a:t>9</a:t>
-            </a:r>
-            <a:endParaRPr lang="en-GB" dirty="0">
-              <a:solidFill>
-                <a:srgbClr val="FFFFFF"/>
-              </a:solidFill>
-              <a:latin typeface="Noto Sans" panose="020B0502040504020204" pitchFamily="34"/>
-              <a:ea typeface="Noto Sans" panose="020B0502040504020204" pitchFamily="34"/>
-              <a:cs typeface="Noto Sans" panose="020B0502040504020204" pitchFamily="34"/>
-            </a:endParaRPr>
-          </a:p>
-        </p:txBody>
-      </p:sp>
-      <p:sp>
-        <p:nvSpPr>
-          <p:cNvPr id="22" name="TextBox 74">
-            <a:extLst>
-              <a:ext uri="{FF2B5EF4-FFF2-40B4-BE49-F238E27FC236}">
-                <a16:creationId xmlns="" xmlns:a16="http://schemas.microsoft.com/office/drawing/2014/main" id="{F4AF6505-A775-4864-B23C-39B7D60FE049}"/>
-              </a:ext>
-            </a:extLst>
-          </p:cNvPr>
-          <p:cNvSpPr txBox="1"/>
-          <p:nvPr/>
-        </p:nvSpPr>
-        <p:spPr>
-          <a:xfrm>
-            <a:off x="7887596" y="4072275"/>
-            <a:ext cx="3892902" cy="923330"/>
-          </a:xfrm>
-          <a:prstGeom prst="rect">
-            <a:avLst/>
-          </a:prstGeom>
-          <a:noFill/>
-        </p:spPr>
-        <p:txBody>
-          <a:bodyPr wrap="square" rtlCol="0">
-            <a:spAutoFit/>
-          </a:bodyPr>
-          <a:lstStyle/>
-          <a:p>
-            <a:pPr>
-              <a:defRPr/>
-            </a:pPr>
-            <a:r>
-              <a:rPr lang="es-ES">
-                <a:solidFill>
-                  <a:srgbClr val="FFFFFF"/>
-                </a:solidFill>
-                <a:latin typeface="Noto Sans" panose="020B0502040504020204" pitchFamily="34"/>
-                <a:ea typeface="Noto Sans" panose="020B0502040504020204" pitchFamily="34"/>
-                <a:cs typeface="Noto Sans" panose="020B0502040504020204" pitchFamily="34"/>
-              </a:rPr>
-              <a:t>El valor bajo de un intervalo se utiliza como clave para mantener el orden en BST</a:t>
-            </a:r>
-            <a:endParaRPr lang="es-ES" dirty="0">
-              <a:solidFill>
-                <a:srgbClr val="FFFFFF"/>
-              </a:solidFill>
-              <a:latin typeface="Noto Sans" panose="020B0502040504020204" pitchFamily="34"/>
-              <a:ea typeface="Noto Sans" panose="020B0502040504020204" pitchFamily="34"/>
-              <a:cs typeface="Noto Sans" panose="020B0502040504020204" pitchFamily="34"/>
-            </a:endParaRPr>
-          </a:p>
-        </p:txBody>
-      </p:sp>
-      <p:pic>
-        <p:nvPicPr>
-          <p:cNvPr id="3" name="Imagen 2"/>
-          <p:cNvPicPr>
-            <a:picLocks noChangeAspect="1"/>
-          </p:cNvPicPr>
-          <p:nvPr/>
-        </p:nvPicPr>
-        <p:blipFill>
-          <a:blip r:embed="rId2"/>
-          <a:stretch>
-            <a:fillRect/>
-          </a:stretch>
-        </p:blipFill>
-        <p:spPr>
-          <a:xfrm>
-            <a:off x="1219211" y="534500"/>
-            <a:ext cx="4282089" cy="4034018"/>
-          </a:xfrm>
-          <a:prstGeom prst="rect">
-            <a:avLst/>
-          </a:prstGeom>
-        </p:spPr>
-      </p:pic>
-    </p:spTree>
-    <p:extLst>
-      <p:ext uri="{BB962C8B-B14F-4D97-AF65-F5344CB8AC3E}">
-        <p14:creationId xmlns:p14="http://schemas.microsoft.com/office/powerpoint/2010/main" val="97076724"/>
       </p:ext>
     </p:extLst>
   </p:cSld>
